--- a/a-type-of-magic.pptx
+++ b/a-type-of-magic.pptx
@@ -5,25 +5,32 @@
     <p:sldMasterId id="2147483648" r:id="rId1"/>
   </p:sldMasterIdLst>
   <p:notesMasterIdLst>
-    <p:notesMasterId r:id="rId18"/>
+    <p:notesMasterId r:id="rId25"/>
   </p:notesMasterIdLst>
   <p:sldIdLst>
     <p:sldId id="256" r:id="rId2"/>
     <p:sldId id="257" r:id="rId3"/>
     <p:sldId id="261" r:id="rId4"/>
-    <p:sldId id="260" r:id="rId5"/>
-    <p:sldId id="258" r:id="rId6"/>
-    <p:sldId id="263" r:id="rId7"/>
-    <p:sldId id="272" r:id="rId8"/>
+    <p:sldId id="276" r:id="rId5"/>
+    <p:sldId id="260" r:id="rId6"/>
+    <p:sldId id="258" r:id="rId7"/>
+    <p:sldId id="263" r:id="rId8"/>
     <p:sldId id="259" r:id="rId9"/>
-    <p:sldId id="265" r:id="rId10"/>
-    <p:sldId id="264" r:id="rId11"/>
-    <p:sldId id="262" r:id="rId12"/>
-    <p:sldId id="266" r:id="rId13"/>
-    <p:sldId id="268" r:id="rId14"/>
-    <p:sldId id="269" r:id="rId15"/>
-    <p:sldId id="267" r:id="rId16"/>
-    <p:sldId id="271" r:id="rId17"/>
+    <p:sldId id="275" r:id="rId10"/>
+    <p:sldId id="272" r:id="rId11"/>
+    <p:sldId id="265" r:id="rId12"/>
+    <p:sldId id="264" r:id="rId13"/>
+    <p:sldId id="262" r:id="rId14"/>
+    <p:sldId id="277" r:id="rId15"/>
+    <p:sldId id="266" r:id="rId16"/>
+    <p:sldId id="268" r:id="rId17"/>
+    <p:sldId id="269" r:id="rId18"/>
+    <p:sldId id="267" r:id="rId19"/>
+    <p:sldId id="278" r:id="rId20"/>
+    <p:sldId id="271" r:id="rId21"/>
+    <p:sldId id="270" r:id="rId22"/>
+    <p:sldId id="274" r:id="rId23"/>
+    <p:sldId id="273" r:id="rId24"/>
   </p:sldIdLst>
   <p:sldSz cx="12192000" cy="6858000"/>
   <p:notesSz cx="6858000" cy="9144000"/>
@@ -524,6 +531,60 @@
           <a:bodyPr/>
           <a:lstStyle/>
           <a:p>
+            <a:pPr marL="0" marR="0" lvl="0" indent="0" algn="l" defTabSz="914400" rtl="0" eaLnBrk="1" fontAlgn="auto" latinLnBrk="0" hangingPunct="1">
+              <a:lnSpc>
+                <a:spcPct val="100000"/>
+              </a:lnSpc>
+              <a:spcBef>
+                <a:spcPts val="0"/>
+              </a:spcBef>
+              <a:spcAft>
+                <a:spcPts val="0"/>
+              </a:spcAft>
+              <a:buClrTx/>
+              <a:buSzTx/>
+              <a:buFontTx/>
+              <a:buNone/>
+              <a:tabLst/>
+              <a:defRPr/>
+            </a:pPr>
+            <a:r>
+              <a:rPr lang="en-US" dirty="0"/>
+              <a:t>ruling out invalid data makes your code shorter, simpler, and more reliable</a:t>
+            </a:r>
+            <a:br>
+              <a:rPr lang="en-US" dirty="0"/>
+            </a:br>
+            <a:endParaRPr lang="en-US" dirty="0"/>
+          </a:p>
+          <a:p>
+            <a:pPr marL="0" marR="0" lvl="0" indent="0" algn="l" defTabSz="914400" rtl="0" eaLnBrk="1" fontAlgn="auto" latinLnBrk="0" hangingPunct="1">
+              <a:lnSpc>
+                <a:spcPct val="100000"/>
+              </a:lnSpc>
+              <a:spcBef>
+                <a:spcPts val="0"/>
+              </a:spcBef>
+              <a:spcAft>
+                <a:spcPts val="0"/>
+              </a:spcAft>
+              <a:buClrTx/>
+              <a:buSzTx/>
+              <a:buFontTx/>
+              <a:buNone/>
+              <a:tabLst/>
+              <a:defRPr/>
+            </a:pPr>
+            <a:r>
+              <a:rPr lang="en-US" dirty="0"/>
+              <a:t>you end up needing fewer tests, yet having more reliable code</a:t>
+            </a:r>
+            <a:endParaRPr lang="en-GB" dirty="0"/>
+          </a:p>
+          <a:p>
+            <a:endParaRPr lang="en-GB" dirty="0"/>
+          </a:p>
+          <a:p>
             <a:r>
               <a:rPr lang="en-GB" dirty="0"/>
               <a:t>And it can be fun </a:t>
@@ -555,7 +616,7 @@
           <a:p>
             <a:fld id="{753704E0-591E-4D0D-9EA0-CA2D5504087C}" type="slidenum">
               <a:rPr lang="en-GB" smtClean="0"/>
-              <a:t>4</a:t>
+              <a:t>5</a:t>
             </a:fld>
             <a:endParaRPr lang="en-GB"/>
           </a:p>
@@ -618,17 +679,6 @@
           <a:bodyPr/>
           <a:lstStyle/>
           <a:p>
-            <a:r>
-              <a:rPr lang="en-US" dirty="0"/>
-              <a:t>ruling out invalid data makes your code shorter, simpler, and more reliable</a:t>
-            </a:r>
-            <a:br>
-              <a:rPr lang="en-US" dirty="0"/>
-            </a:br>
-            <a:r>
-              <a:rPr lang="en-US" dirty="0"/>
-              <a:t>you end up needing fewer tests, yet having more reliable code</a:t>
-            </a:r>
             <a:endParaRPr lang="en-GB" dirty="0"/>
           </a:p>
         </p:txBody>
@@ -650,7 +700,7 @@
           <a:p>
             <a:fld id="{753704E0-591E-4D0D-9EA0-CA2D5504087C}" type="slidenum">
               <a:rPr lang="en-GB" smtClean="0"/>
-              <a:t>6</a:t>
+              <a:t>7</a:t>
             </a:fld>
             <a:endParaRPr lang="en-GB"/>
           </a:p>
@@ -801,622 +851,30 @@
           <a:lstStyle/>
           <a:p>
             <a:r>
-              <a:rPr lang="de-CH" dirty="0"/>
-              <a:t>Any </a:t>
-            </a:r>
-            <a:r>
-              <a:rPr lang="de-CH" dirty="0" err="1"/>
-              <a:t>is</a:t>
-            </a:r>
-            <a:r>
-              <a:rPr lang="de-CH" dirty="0"/>
-              <a:t> </a:t>
-            </a:r>
-            <a:r>
-              <a:rPr lang="de-CH" dirty="0" err="1"/>
-              <a:t>the</a:t>
-            </a:r>
-            <a:r>
-              <a:rPr lang="de-CH" dirty="0"/>
-              <a:t> </a:t>
-            </a:r>
-            <a:r>
-              <a:rPr lang="de-CH" dirty="0" err="1"/>
-              <a:t>escape</a:t>
-            </a:r>
-            <a:r>
-              <a:rPr lang="de-CH" dirty="0"/>
-              <a:t> </a:t>
-            </a:r>
-            <a:r>
-              <a:rPr lang="de-CH" dirty="0" err="1"/>
-              <a:t>hatch</a:t>
-            </a:r>
-            <a:r>
-              <a:rPr lang="de-CH" dirty="0"/>
-              <a:t> </a:t>
-            </a:r>
-            <a:r>
-              <a:rPr lang="de-CH" dirty="0" err="1"/>
-              <a:t>of</a:t>
-            </a:r>
-            <a:r>
-              <a:rPr lang="de-CH" dirty="0"/>
-              <a:t> </a:t>
-            </a:r>
-            <a:r>
-              <a:rPr lang="de-CH" dirty="0" err="1"/>
-              <a:t>the</a:t>
-            </a:r>
-            <a:r>
-              <a:rPr lang="de-CH" dirty="0"/>
-              <a:t> type </a:t>
-            </a:r>
-            <a:r>
-              <a:rPr lang="de-CH" dirty="0" err="1"/>
-              <a:t>system</a:t>
-            </a:r>
-            <a:r>
-              <a:rPr lang="de-CH" dirty="0"/>
-              <a:t>.</a:t>
-            </a:r>
-          </a:p>
-          <a:p>
-            <a:r>
-              <a:rPr lang="de-CH" dirty="0" err="1"/>
-              <a:t>It</a:t>
-            </a:r>
-            <a:r>
-              <a:rPr lang="de-CH" dirty="0"/>
-              <a:t> </a:t>
-            </a:r>
-            <a:r>
-              <a:rPr lang="de-CH" dirty="0" err="1"/>
-              <a:t>means</a:t>
-            </a:r>
-            <a:r>
-              <a:rPr lang="de-CH" dirty="0"/>
-              <a:t> </a:t>
-            </a:r>
-            <a:r>
-              <a:rPr lang="de-CH" dirty="0" err="1"/>
-              <a:t>you</a:t>
-            </a:r>
-            <a:r>
-              <a:rPr lang="de-CH" dirty="0"/>
-              <a:t> </a:t>
-            </a:r>
-            <a:r>
-              <a:rPr lang="de-CH" dirty="0" err="1"/>
-              <a:t>don’t</a:t>
-            </a:r>
-            <a:r>
-              <a:rPr lang="de-CH" dirty="0"/>
-              <a:t> care </a:t>
-            </a:r>
-            <a:r>
-              <a:rPr lang="de-CH" dirty="0" err="1"/>
-              <a:t>what</a:t>
-            </a:r>
-            <a:r>
-              <a:rPr lang="de-CH" dirty="0"/>
-              <a:t> </a:t>
-            </a:r>
-            <a:r>
-              <a:rPr lang="de-CH" dirty="0" err="1"/>
-              <a:t>it</a:t>
-            </a:r>
-            <a:r>
-              <a:rPr lang="de-CH" dirty="0"/>
-              <a:t> </a:t>
-            </a:r>
-            <a:r>
-              <a:rPr lang="de-CH" dirty="0" err="1"/>
-              <a:t>is</a:t>
-            </a:r>
-            <a:r>
-              <a:rPr lang="de-CH" dirty="0"/>
-              <a:t> and </a:t>
-            </a:r>
-            <a:r>
-              <a:rPr lang="de-CH" dirty="0" err="1"/>
-              <a:t>nobody</a:t>
-            </a:r>
-            <a:r>
-              <a:rPr lang="de-CH" dirty="0"/>
-              <a:t> </a:t>
-            </a:r>
-            <a:r>
-              <a:rPr lang="de-CH" dirty="0" err="1"/>
-              <a:t>should</a:t>
-            </a:r>
-            <a:r>
-              <a:rPr lang="de-CH" dirty="0"/>
-              <a:t> </a:t>
-            </a:r>
-            <a:r>
-              <a:rPr lang="de-CH" dirty="0" err="1"/>
-              <a:t>tell</a:t>
-            </a:r>
-            <a:r>
-              <a:rPr lang="de-CH" dirty="0"/>
-              <a:t> </a:t>
-            </a:r>
-            <a:r>
-              <a:rPr lang="de-CH" dirty="0" err="1"/>
-              <a:t>you</a:t>
-            </a:r>
-            <a:r>
-              <a:rPr lang="de-CH" dirty="0"/>
-              <a:t> </a:t>
-            </a:r>
-            <a:r>
-              <a:rPr lang="de-CH" dirty="0" err="1"/>
-              <a:t>otherwise</a:t>
-            </a:r>
-            <a:endParaRPr lang="de-CH" dirty="0"/>
-          </a:p>
-          <a:p>
-            <a:r>
-              <a:rPr lang="de-CH" dirty="0"/>
-              <a:t>All </a:t>
-            </a:r>
-            <a:r>
-              <a:rPr lang="de-CH" dirty="0" err="1"/>
-              <a:t>types</a:t>
-            </a:r>
-            <a:r>
-              <a:rPr lang="de-CH" dirty="0"/>
-              <a:t> </a:t>
-            </a:r>
-            <a:r>
-              <a:rPr lang="de-CH" dirty="0" err="1"/>
-              <a:t>are</a:t>
-            </a:r>
-            <a:r>
-              <a:rPr lang="de-CH" dirty="0"/>
-              <a:t> </a:t>
-            </a:r>
-            <a:r>
-              <a:rPr lang="de-CH" dirty="0" err="1"/>
-              <a:t>assignable</a:t>
-            </a:r>
-            <a:r>
-              <a:rPr lang="de-CH" dirty="0"/>
-              <a:t> </a:t>
-            </a:r>
-            <a:r>
-              <a:rPr lang="de-CH" dirty="0" err="1"/>
-              <a:t>to</a:t>
-            </a:r>
-            <a:r>
-              <a:rPr lang="de-CH" dirty="0"/>
-              <a:t> </a:t>
-            </a:r>
-            <a:r>
-              <a:rPr lang="de-CH" dirty="0" err="1"/>
-              <a:t>it</a:t>
-            </a:r>
-            <a:r>
-              <a:rPr lang="de-CH" dirty="0"/>
-              <a:t> and </a:t>
-            </a:r>
-            <a:r>
-              <a:rPr lang="de-CH" dirty="0" err="1"/>
-              <a:t>you</a:t>
-            </a:r>
-            <a:r>
-              <a:rPr lang="de-CH" dirty="0"/>
-              <a:t> </a:t>
-            </a:r>
-            <a:r>
-              <a:rPr lang="de-CH" dirty="0" err="1"/>
-              <a:t>can</a:t>
-            </a:r>
-            <a:r>
-              <a:rPr lang="de-CH" dirty="0"/>
-              <a:t> </a:t>
-            </a:r>
-            <a:r>
-              <a:rPr lang="de-CH" dirty="0" err="1"/>
-              <a:t>assign</a:t>
-            </a:r>
-            <a:r>
-              <a:rPr lang="de-CH" dirty="0"/>
-              <a:t> </a:t>
-            </a:r>
-            <a:r>
-              <a:rPr lang="de-CH" dirty="0" err="1"/>
-              <a:t>it</a:t>
-            </a:r>
-            <a:r>
-              <a:rPr lang="de-CH" dirty="0"/>
-              <a:t> on </a:t>
-            </a:r>
-            <a:r>
-              <a:rPr lang="de-CH" dirty="0" err="1"/>
-              <a:t>everything</a:t>
-            </a:r>
-            <a:endParaRPr lang="de-CH" dirty="0"/>
-          </a:p>
-          <a:p>
-            <a:endParaRPr lang="de-CH" dirty="0"/>
-          </a:p>
-          <a:p>
-            <a:r>
-              <a:rPr lang="de-CH" dirty="0" err="1"/>
-              <a:t>Unknown</a:t>
-            </a:r>
-            <a:r>
-              <a:rPr lang="de-CH" dirty="0"/>
-              <a:t> </a:t>
-            </a:r>
-            <a:r>
-              <a:rPr lang="de-CH" dirty="0" err="1"/>
-              <a:t>is</a:t>
-            </a:r>
-            <a:r>
-              <a:rPr lang="de-CH" dirty="0"/>
-              <a:t> </a:t>
-            </a:r>
-            <a:r>
-              <a:rPr lang="de-CH" dirty="0" err="1"/>
-              <a:t>the</a:t>
-            </a:r>
-            <a:r>
-              <a:rPr lang="de-CH" dirty="0"/>
-              <a:t> type-safe </a:t>
-            </a:r>
-            <a:r>
-              <a:rPr lang="de-CH" dirty="0" err="1"/>
-              <a:t>counterpart</a:t>
-            </a:r>
-            <a:r>
-              <a:rPr lang="de-CH" dirty="0"/>
-              <a:t> </a:t>
-            </a:r>
-            <a:r>
-              <a:rPr lang="de-CH" dirty="0" err="1"/>
-              <a:t>to</a:t>
-            </a:r>
-            <a:r>
-              <a:rPr lang="de-CH" dirty="0"/>
-              <a:t> </a:t>
-            </a:r>
-            <a:r>
-              <a:rPr lang="de-CH" dirty="0" err="1"/>
-              <a:t>any</a:t>
-            </a:r>
-            <a:r>
-              <a:rPr lang="de-CH" dirty="0"/>
-              <a:t> </a:t>
-            </a:r>
-            <a:r>
-              <a:rPr lang="de-CH" dirty="0" err="1"/>
-              <a:t>since</a:t>
-            </a:r>
-            <a:r>
-              <a:rPr lang="de-CH" dirty="0"/>
-              <a:t> </a:t>
-            </a:r>
-            <a:r>
-              <a:rPr lang="de-CH" dirty="0" err="1"/>
-              <a:t>typescript</a:t>
-            </a:r>
-            <a:r>
-              <a:rPr lang="de-CH" dirty="0"/>
-              <a:t> 3.0</a:t>
-            </a:r>
-          </a:p>
-          <a:p>
-            <a:r>
-              <a:rPr lang="de-CH" dirty="0" err="1"/>
-              <a:t>You</a:t>
-            </a:r>
-            <a:r>
-              <a:rPr lang="de-CH" dirty="0"/>
-              <a:t> </a:t>
-            </a:r>
-            <a:r>
-              <a:rPr lang="de-CH" dirty="0" err="1"/>
-              <a:t>have</a:t>
-            </a:r>
-            <a:r>
-              <a:rPr lang="de-CH" dirty="0"/>
-              <a:t> </a:t>
-            </a:r>
-            <a:r>
-              <a:rPr lang="de-CH" dirty="0" err="1"/>
-              <a:t>to</a:t>
-            </a:r>
-            <a:r>
-              <a:rPr lang="de-CH" dirty="0"/>
-              <a:t> do type </a:t>
-            </a:r>
-            <a:r>
-              <a:rPr lang="de-CH" dirty="0" err="1"/>
-              <a:t>checks</a:t>
-            </a:r>
-            <a:r>
-              <a:rPr lang="de-CH" dirty="0"/>
-              <a:t> </a:t>
-            </a:r>
-            <a:r>
-              <a:rPr lang="de-CH" dirty="0" err="1"/>
-              <a:t>first</a:t>
-            </a:r>
-            <a:r>
-              <a:rPr lang="de-CH" dirty="0"/>
-              <a:t>, </a:t>
-            </a:r>
-            <a:r>
-              <a:rPr lang="de-CH" dirty="0" err="1"/>
-              <a:t>before</a:t>
-            </a:r>
-            <a:r>
-              <a:rPr lang="de-CH" dirty="0"/>
-              <a:t> </a:t>
-            </a:r>
-            <a:r>
-              <a:rPr lang="de-CH" dirty="0" err="1"/>
-              <a:t>performing</a:t>
-            </a:r>
-            <a:r>
-              <a:rPr lang="de-CH" dirty="0"/>
-              <a:t> </a:t>
-            </a:r>
-            <a:r>
-              <a:rPr lang="de-CH" dirty="0" err="1"/>
-              <a:t>any</a:t>
-            </a:r>
-            <a:r>
-              <a:rPr lang="de-CH" dirty="0"/>
-              <a:t> </a:t>
-            </a:r>
-            <a:r>
-              <a:rPr lang="de-CH" dirty="0" err="1"/>
-              <a:t>operation</a:t>
-            </a:r>
-            <a:r>
-              <a:rPr lang="de-CH" dirty="0"/>
-              <a:t> on </a:t>
-            </a:r>
-            <a:r>
-              <a:rPr lang="de-CH" dirty="0" err="1"/>
-              <a:t>it</a:t>
-            </a:r>
-            <a:endParaRPr lang="de-CH" dirty="0"/>
-          </a:p>
-          <a:p>
-            <a:r>
-              <a:rPr lang="de-CH" dirty="0"/>
-              <a:t>All </a:t>
-            </a:r>
-            <a:r>
-              <a:rPr lang="de-CH" dirty="0" err="1"/>
-              <a:t>types</a:t>
-            </a:r>
-            <a:r>
-              <a:rPr lang="de-CH" dirty="0"/>
-              <a:t> </a:t>
-            </a:r>
-            <a:r>
-              <a:rPr lang="de-CH" dirty="0" err="1"/>
-              <a:t>are</a:t>
-            </a:r>
-            <a:r>
-              <a:rPr lang="de-CH" dirty="0"/>
-              <a:t> </a:t>
-            </a:r>
-            <a:r>
-              <a:rPr lang="de-CH" dirty="0" err="1"/>
-              <a:t>assignable</a:t>
-            </a:r>
-            <a:r>
-              <a:rPr lang="de-CH" dirty="0"/>
-              <a:t> </a:t>
-            </a:r>
-            <a:r>
-              <a:rPr lang="de-CH" dirty="0" err="1"/>
-              <a:t>to</a:t>
-            </a:r>
-            <a:r>
-              <a:rPr lang="de-CH" dirty="0"/>
-              <a:t> </a:t>
-            </a:r>
-            <a:r>
-              <a:rPr lang="de-CH" dirty="0" err="1"/>
-              <a:t>it</a:t>
-            </a:r>
-            <a:r>
-              <a:rPr lang="de-CH" dirty="0"/>
-              <a:t>, but </a:t>
-            </a:r>
-            <a:r>
-              <a:rPr lang="de-CH" dirty="0" err="1"/>
-              <a:t>you</a:t>
-            </a:r>
-            <a:r>
-              <a:rPr lang="de-CH" dirty="0"/>
-              <a:t> </a:t>
-            </a:r>
-            <a:r>
-              <a:rPr lang="de-CH" dirty="0" err="1"/>
-              <a:t>cannot</a:t>
-            </a:r>
-            <a:r>
-              <a:rPr lang="de-CH" dirty="0"/>
-              <a:t> </a:t>
-            </a:r>
-            <a:r>
-              <a:rPr lang="de-CH" dirty="0" err="1"/>
-              <a:t>assign</a:t>
-            </a:r>
-            <a:r>
-              <a:rPr lang="de-CH" dirty="0"/>
-              <a:t> </a:t>
-            </a:r>
-            <a:r>
-              <a:rPr lang="de-CH" dirty="0" err="1"/>
-              <a:t>it</a:t>
-            </a:r>
-            <a:r>
-              <a:rPr lang="de-CH" dirty="0"/>
-              <a:t> </a:t>
-            </a:r>
-            <a:r>
-              <a:rPr lang="de-CH" dirty="0" err="1"/>
-              <a:t>to</a:t>
-            </a:r>
-            <a:r>
-              <a:rPr lang="de-CH" dirty="0"/>
-              <a:t> </a:t>
-            </a:r>
-            <a:r>
-              <a:rPr lang="de-CH" dirty="0" err="1"/>
-              <a:t>anything</a:t>
-            </a:r>
-            <a:r>
-              <a:rPr lang="de-CH" dirty="0"/>
-              <a:t> (</a:t>
-            </a:r>
-            <a:r>
-              <a:rPr lang="de-CH" dirty="0" err="1"/>
-              <a:t>except</a:t>
-            </a:r>
-            <a:r>
-              <a:rPr lang="de-CH" dirty="0"/>
-              <a:t> </a:t>
-            </a:r>
-            <a:r>
-              <a:rPr lang="de-CH" dirty="0" err="1"/>
-              <a:t>any</a:t>
-            </a:r>
-            <a:r>
-              <a:rPr lang="de-CH" dirty="0"/>
-              <a:t>)</a:t>
-            </a:r>
-          </a:p>
-          <a:p>
-            <a:endParaRPr lang="de-CH" dirty="0"/>
-          </a:p>
-          <a:p>
-            <a:r>
-              <a:rPr lang="de-CH" dirty="0"/>
-              <a:t>Both </a:t>
-            </a:r>
-            <a:r>
-              <a:rPr lang="de-CH" dirty="0" err="1"/>
-              <a:t>types</a:t>
-            </a:r>
-            <a:r>
-              <a:rPr lang="de-CH" dirty="0"/>
-              <a:t> </a:t>
-            </a:r>
-            <a:r>
-              <a:rPr lang="de-CH" dirty="0" err="1"/>
-              <a:t>are</a:t>
-            </a:r>
-            <a:r>
-              <a:rPr lang="de-CH" dirty="0"/>
-              <a:t> </a:t>
-            </a:r>
-            <a:r>
-              <a:rPr lang="de-CH" dirty="0" err="1"/>
-              <a:t>very</a:t>
-            </a:r>
-            <a:r>
-              <a:rPr lang="de-CH" dirty="0"/>
-              <a:t> </a:t>
-            </a:r>
-            <a:r>
-              <a:rPr lang="de-CH" dirty="0" err="1"/>
-              <a:t>useful</a:t>
-            </a:r>
-            <a:r>
-              <a:rPr lang="de-CH" dirty="0"/>
-              <a:t> </a:t>
-            </a:r>
-            <a:r>
-              <a:rPr lang="de-CH" dirty="0" err="1"/>
-              <a:t>when</a:t>
-            </a:r>
-            <a:r>
-              <a:rPr lang="de-CH" dirty="0"/>
-              <a:t> </a:t>
-            </a:r>
-            <a:r>
-              <a:rPr lang="de-CH" dirty="0" err="1"/>
-              <a:t>interoping</a:t>
-            </a:r>
-            <a:r>
-              <a:rPr lang="de-CH" dirty="0"/>
-              <a:t> </a:t>
-            </a:r>
-            <a:r>
-              <a:rPr lang="de-CH" dirty="0" err="1"/>
-              <a:t>with</a:t>
-            </a:r>
-            <a:r>
-              <a:rPr lang="de-CH" dirty="0"/>
-              <a:t> </a:t>
-            </a:r>
-            <a:r>
-              <a:rPr lang="de-CH" dirty="0" err="1"/>
-              <a:t>plain</a:t>
-            </a:r>
-            <a:r>
-              <a:rPr lang="de-CH" dirty="0"/>
-              <a:t> </a:t>
-            </a:r>
-            <a:r>
-              <a:rPr lang="de-CH" dirty="0" err="1"/>
-              <a:t>javascript</a:t>
-            </a:r>
-            <a:endParaRPr lang="de-CH" dirty="0"/>
-          </a:p>
-          <a:p>
-            <a:r>
-              <a:rPr lang="de-CH" dirty="0"/>
-              <a:t>The </a:t>
-            </a:r>
-            <a:r>
-              <a:rPr lang="de-CH" dirty="0" err="1"/>
-              <a:t>unknown</a:t>
-            </a:r>
-            <a:r>
-              <a:rPr lang="de-CH" dirty="0"/>
-              <a:t> type </a:t>
-            </a:r>
-            <a:r>
-              <a:rPr lang="de-CH" dirty="0" err="1"/>
-              <a:t>is</a:t>
-            </a:r>
-            <a:r>
-              <a:rPr lang="de-CH" dirty="0"/>
-              <a:t> </a:t>
-            </a:r>
-            <a:r>
-              <a:rPr lang="de-CH" dirty="0" err="1"/>
-              <a:t>recommended</a:t>
-            </a:r>
-            <a:r>
-              <a:rPr lang="de-CH" dirty="0"/>
-              <a:t> </a:t>
-            </a:r>
-            <a:r>
-              <a:rPr lang="de-CH" dirty="0" err="1"/>
-              <a:t>to</a:t>
-            </a:r>
-            <a:r>
-              <a:rPr lang="de-CH" dirty="0"/>
-              <a:t> </a:t>
-            </a:r>
-            <a:r>
-              <a:rPr lang="de-CH" dirty="0" err="1"/>
-              <a:t>use</a:t>
-            </a:r>
-            <a:endParaRPr lang="de-CH" dirty="0"/>
+              <a:rPr lang="en-GB" dirty="0"/>
+              <a:t>In nominal type systems, types are differentiated by their name</a:t>
+            </a:r>
+          </a:p>
+          <a:p>
+            <a:endParaRPr lang="en-GB" dirty="0"/>
+          </a:p>
+          <a:p>
+            <a:r>
+              <a:rPr lang="en-GB" dirty="0"/>
+              <a:t>In TypeScript, they are defined by their shape.</a:t>
+            </a:r>
+          </a:p>
+          <a:p>
+            <a:r>
+              <a:rPr lang="en-GB" dirty="0"/>
+              <a:t>If the shape is equal, the types can be used interchangeably, no matter what the name is.</a:t>
+            </a:r>
+          </a:p>
+          <a:p>
+            <a:r>
+              <a:rPr lang="en-GB" dirty="0"/>
+              <a:t>Assigning a name to a type, is actually called a “Type Alias”</a:t>
+            </a:r>
           </a:p>
         </p:txBody>
       </p:sp>
@@ -1437,7 +895,7 @@
           <a:p>
             <a:fld id="{753704E0-591E-4D0D-9EA0-CA2D5504087C}" type="slidenum">
               <a:rPr lang="en-GB" smtClean="0"/>
-              <a:t>10</a:t>
+              <a:t>9</a:t>
             </a:fld>
             <a:endParaRPr lang="en-GB"/>
           </a:p>
@@ -1446,7 +904,7 @@
     </p:spTree>
     <p:extLst>
       <p:ext uri="{BB962C8B-B14F-4D97-AF65-F5344CB8AC3E}">
-        <p14:creationId xmlns:p14="http://schemas.microsoft.com/office/powerpoint/2010/main" val="2713307635"/>
+        <p14:creationId xmlns:p14="http://schemas.microsoft.com/office/powerpoint/2010/main" val="544230515"/>
       </p:ext>
     </p:extLst>
   </p:cSld>
@@ -1500,7 +958,623 @@
           <a:bodyPr/>
           <a:lstStyle/>
           <a:p>
-            <a:endParaRPr lang="en-GB" dirty="0"/>
+            <a:r>
+              <a:rPr lang="de-CH" dirty="0"/>
+              <a:t>Any </a:t>
+            </a:r>
+            <a:r>
+              <a:rPr lang="de-CH" dirty="0" err="1"/>
+              <a:t>is</a:t>
+            </a:r>
+            <a:r>
+              <a:rPr lang="de-CH" dirty="0"/>
+              <a:t> </a:t>
+            </a:r>
+            <a:r>
+              <a:rPr lang="de-CH" dirty="0" err="1"/>
+              <a:t>the</a:t>
+            </a:r>
+            <a:r>
+              <a:rPr lang="de-CH" dirty="0"/>
+              <a:t> </a:t>
+            </a:r>
+            <a:r>
+              <a:rPr lang="de-CH" dirty="0" err="1"/>
+              <a:t>escape</a:t>
+            </a:r>
+            <a:r>
+              <a:rPr lang="de-CH" dirty="0"/>
+              <a:t> </a:t>
+            </a:r>
+            <a:r>
+              <a:rPr lang="de-CH" dirty="0" err="1"/>
+              <a:t>hatch</a:t>
+            </a:r>
+            <a:r>
+              <a:rPr lang="de-CH" dirty="0"/>
+              <a:t> </a:t>
+            </a:r>
+            <a:r>
+              <a:rPr lang="de-CH" dirty="0" err="1"/>
+              <a:t>of</a:t>
+            </a:r>
+            <a:r>
+              <a:rPr lang="de-CH" dirty="0"/>
+              <a:t> </a:t>
+            </a:r>
+            <a:r>
+              <a:rPr lang="de-CH" dirty="0" err="1"/>
+              <a:t>the</a:t>
+            </a:r>
+            <a:r>
+              <a:rPr lang="de-CH" dirty="0"/>
+              <a:t> type </a:t>
+            </a:r>
+            <a:r>
+              <a:rPr lang="de-CH" dirty="0" err="1"/>
+              <a:t>system</a:t>
+            </a:r>
+            <a:r>
+              <a:rPr lang="de-CH" dirty="0"/>
+              <a:t>.</a:t>
+            </a:r>
+          </a:p>
+          <a:p>
+            <a:r>
+              <a:rPr lang="de-CH" dirty="0" err="1"/>
+              <a:t>It</a:t>
+            </a:r>
+            <a:r>
+              <a:rPr lang="de-CH" dirty="0"/>
+              <a:t> </a:t>
+            </a:r>
+            <a:r>
+              <a:rPr lang="de-CH" dirty="0" err="1"/>
+              <a:t>means</a:t>
+            </a:r>
+            <a:r>
+              <a:rPr lang="de-CH" dirty="0"/>
+              <a:t> </a:t>
+            </a:r>
+            <a:r>
+              <a:rPr lang="de-CH" dirty="0" err="1"/>
+              <a:t>you</a:t>
+            </a:r>
+            <a:r>
+              <a:rPr lang="de-CH" dirty="0"/>
+              <a:t> </a:t>
+            </a:r>
+            <a:r>
+              <a:rPr lang="de-CH" dirty="0" err="1"/>
+              <a:t>don’t</a:t>
+            </a:r>
+            <a:r>
+              <a:rPr lang="de-CH" dirty="0"/>
+              <a:t> care </a:t>
+            </a:r>
+            <a:r>
+              <a:rPr lang="de-CH" dirty="0" err="1"/>
+              <a:t>what</a:t>
+            </a:r>
+            <a:r>
+              <a:rPr lang="de-CH" dirty="0"/>
+              <a:t> </a:t>
+            </a:r>
+            <a:r>
+              <a:rPr lang="de-CH" dirty="0" err="1"/>
+              <a:t>it</a:t>
+            </a:r>
+            <a:r>
+              <a:rPr lang="de-CH" dirty="0"/>
+              <a:t> </a:t>
+            </a:r>
+            <a:r>
+              <a:rPr lang="de-CH" dirty="0" err="1"/>
+              <a:t>is</a:t>
+            </a:r>
+            <a:r>
+              <a:rPr lang="de-CH" dirty="0"/>
+              <a:t> and </a:t>
+            </a:r>
+            <a:r>
+              <a:rPr lang="de-CH" dirty="0" err="1"/>
+              <a:t>nobody</a:t>
+            </a:r>
+            <a:r>
+              <a:rPr lang="de-CH" dirty="0"/>
+              <a:t> </a:t>
+            </a:r>
+            <a:r>
+              <a:rPr lang="de-CH" dirty="0" err="1"/>
+              <a:t>should</a:t>
+            </a:r>
+            <a:r>
+              <a:rPr lang="de-CH" dirty="0"/>
+              <a:t> </a:t>
+            </a:r>
+            <a:r>
+              <a:rPr lang="de-CH" dirty="0" err="1"/>
+              <a:t>tell</a:t>
+            </a:r>
+            <a:r>
+              <a:rPr lang="de-CH" dirty="0"/>
+              <a:t> </a:t>
+            </a:r>
+            <a:r>
+              <a:rPr lang="de-CH" dirty="0" err="1"/>
+              <a:t>you</a:t>
+            </a:r>
+            <a:r>
+              <a:rPr lang="de-CH" dirty="0"/>
+              <a:t> </a:t>
+            </a:r>
+            <a:r>
+              <a:rPr lang="de-CH" dirty="0" err="1"/>
+              <a:t>otherwise</a:t>
+            </a:r>
+            <a:endParaRPr lang="de-CH" dirty="0"/>
+          </a:p>
+          <a:p>
+            <a:r>
+              <a:rPr lang="de-CH" dirty="0"/>
+              <a:t>All </a:t>
+            </a:r>
+            <a:r>
+              <a:rPr lang="de-CH" dirty="0" err="1"/>
+              <a:t>types</a:t>
+            </a:r>
+            <a:r>
+              <a:rPr lang="de-CH" dirty="0"/>
+              <a:t> </a:t>
+            </a:r>
+            <a:r>
+              <a:rPr lang="de-CH" dirty="0" err="1"/>
+              <a:t>are</a:t>
+            </a:r>
+            <a:r>
+              <a:rPr lang="de-CH" dirty="0"/>
+              <a:t> </a:t>
+            </a:r>
+            <a:r>
+              <a:rPr lang="de-CH" dirty="0" err="1"/>
+              <a:t>assignable</a:t>
+            </a:r>
+            <a:r>
+              <a:rPr lang="de-CH" dirty="0"/>
+              <a:t> </a:t>
+            </a:r>
+            <a:r>
+              <a:rPr lang="de-CH" dirty="0" err="1"/>
+              <a:t>to</a:t>
+            </a:r>
+            <a:r>
+              <a:rPr lang="de-CH" dirty="0"/>
+              <a:t> </a:t>
+            </a:r>
+            <a:r>
+              <a:rPr lang="de-CH" dirty="0" err="1"/>
+              <a:t>it</a:t>
+            </a:r>
+            <a:r>
+              <a:rPr lang="de-CH" dirty="0"/>
+              <a:t> and </a:t>
+            </a:r>
+            <a:r>
+              <a:rPr lang="de-CH" dirty="0" err="1"/>
+              <a:t>you</a:t>
+            </a:r>
+            <a:r>
+              <a:rPr lang="de-CH" dirty="0"/>
+              <a:t> </a:t>
+            </a:r>
+            <a:r>
+              <a:rPr lang="de-CH" dirty="0" err="1"/>
+              <a:t>can</a:t>
+            </a:r>
+            <a:r>
+              <a:rPr lang="de-CH" dirty="0"/>
+              <a:t> </a:t>
+            </a:r>
+            <a:r>
+              <a:rPr lang="de-CH" dirty="0" err="1"/>
+              <a:t>assign</a:t>
+            </a:r>
+            <a:r>
+              <a:rPr lang="de-CH" dirty="0"/>
+              <a:t> </a:t>
+            </a:r>
+            <a:r>
+              <a:rPr lang="de-CH" dirty="0" err="1"/>
+              <a:t>it</a:t>
+            </a:r>
+            <a:r>
+              <a:rPr lang="de-CH" dirty="0"/>
+              <a:t> on </a:t>
+            </a:r>
+            <a:r>
+              <a:rPr lang="de-CH" dirty="0" err="1"/>
+              <a:t>everything</a:t>
+            </a:r>
+            <a:endParaRPr lang="de-CH" dirty="0"/>
+          </a:p>
+          <a:p>
+            <a:endParaRPr lang="de-CH" dirty="0"/>
+          </a:p>
+          <a:p>
+            <a:r>
+              <a:rPr lang="de-CH" dirty="0" err="1"/>
+              <a:t>Unknown</a:t>
+            </a:r>
+            <a:r>
+              <a:rPr lang="de-CH" dirty="0"/>
+              <a:t> </a:t>
+            </a:r>
+            <a:r>
+              <a:rPr lang="de-CH" dirty="0" err="1"/>
+              <a:t>is</a:t>
+            </a:r>
+            <a:r>
+              <a:rPr lang="de-CH" dirty="0"/>
+              <a:t> </a:t>
+            </a:r>
+            <a:r>
+              <a:rPr lang="de-CH" dirty="0" err="1"/>
+              <a:t>the</a:t>
+            </a:r>
+            <a:r>
+              <a:rPr lang="de-CH" dirty="0"/>
+              <a:t> type-safe </a:t>
+            </a:r>
+            <a:r>
+              <a:rPr lang="de-CH" dirty="0" err="1"/>
+              <a:t>counterpart</a:t>
+            </a:r>
+            <a:r>
+              <a:rPr lang="de-CH" dirty="0"/>
+              <a:t> </a:t>
+            </a:r>
+            <a:r>
+              <a:rPr lang="de-CH" dirty="0" err="1"/>
+              <a:t>to</a:t>
+            </a:r>
+            <a:r>
+              <a:rPr lang="de-CH" dirty="0"/>
+              <a:t> </a:t>
+            </a:r>
+            <a:r>
+              <a:rPr lang="de-CH" dirty="0" err="1"/>
+              <a:t>any</a:t>
+            </a:r>
+            <a:r>
+              <a:rPr lang="de-CH" dirty="0"/>
+              <a:t> </a:t>
+            </a:r>
+            <a:r>
+              <a:rPr lang="de-CH" dirty="0" err="1"/>
+              <a:t>since</a:t>
+            </a:r>
+            <a:r>
+              <a:rPr lang="de-CH" dirty="0"/>
+              <a:t> </a:t>
+            </a:r>
+            <a:r>
+              <a:rPr lang="de-CH" dirty="0" err="1"/>
+              <a:t>typescript</a:t>
+            </a:r>
+            <a:r>
+              <a:rPr lang="de-CH" dirty="0"/>
+              <a:t> 3.0</a:t>
+            </a:r>
+          </a:p>
+          <a:p>
+            <a:r>
+              <a:rPr lang="de-CH" dirty="0" err="1"/>
+              <a:t>You</a:t>
+            </a:r>
+            <a:r>
+              <a:rPr lang="de-CH" dirty="0"/>
+              <a:t> </a:t>
+            </a:r>
+            <a:r>
+              <a:rPr lang="de-CH" dirty="0" err="1"/>
+              <a:t>have</a:t>
+            </a:r>
+            <a:r>
+              <a:rPr lang="de-CH" dirty="0"/>
+              <a:t> </a:t>
+            </a:r>
+            <a:r>
+              <a:rPr lang="de-CH" dirty="0" err="1"/>
+              <a:t>to</a:t>
+            </a:r>
+            <a:r>
+              <a:rPr lang="de-CH" dirty="0"/>
+              <a:t> do type </a:t>
+            </a:r>
+            <a:r>
+              <a:rPr lang="de-CH" dirty="0" err="1"/>
+              <a:t>checks</a:t>
+            </a:r>
+            <a:r>
+              <a:rPr lang="de-CH" dirty="0"/>
+              <a:t> </a:t>
+            </a:r>
+            <a:r>
+              <a:rPr lang="de-CH" dirty="0" err="1"/>
+              <a:t>first</a:t>
+            </a:r>
+            <a:r>
+              <a:rPr lang="de-CH" dirty="0"/>
+              <a:t>, </a:t>
+            </a:r>
+            <a:r>
+              <a:rPr lang="de-CH" dirty="0" err="1"/>
+              <a:t>before</a:t>
+            </a:r>
+            <a:r>
+              <a:rPr lang="de-CH" dirty="0"/>
+              <a:t> </a:t>
+            </a:r>
+            <a:r>
+              <a:rPr lang="de-CH" dirty="0" err="1"/>
+              <a:t>performing</a:t>
+            </a:r>
+            <a:r>
+              <a:rPr lang="de-CH" dirty="0"/>
+              <a:t> </a:t>
+            </a:r>
+            <a:r>
+              <a:rPr lang="de-CH" dirty="0" err="1"/>
+              <a:t>any</a:t>
+            </a:r>
+            <a:r>
+              <a:rPr lang="de-CH" dirty="0"/>
+              <a:t> </a:t>
+            </a:r>
+            <a:r>
+              <a:rPr lang="de-CH" dirty="0" err="1"/>
+              <a:t>operation</a:t>
+            </a:r>
+            <a:r>
+              <a:rPr lang="de-CH" dirty="0"/>
+              <a:t> on </a:t>
+            </a:r>
+            <a:r>
+              <a:rPr lang="de-CH" dirty="0" err="1"/>
+              <a:t>it</a:t>
+            </a:r>
+            <a:endParaRPr lang="de-CH" dirty="0"/>
+          </a:p>
+          <a:p>
+            <a:r>
+              <a:rPr lang="de-CH" dirty="0"/>
+              <a:t>All </a:t>
+            </a:r>
+            <a:r>
+              <a:rPr lang="de-CH" dirty="0" err="1"/>
+              <a:t>types</a:t>
+            </a:r>
+            <a:r>
+              <a:rPr lang="de-CH" dirty="0"/>
+              <a:t> </a:t>
+            </a:r>
+            <a:r>
+              <a:rPr lang="de-CH" dirty="0" err="1"/>
+              <a:t>are</a:t>
+            </a:r>
+            <a:r>
+              <a:rPr lang="de-CH" dirty="0"/>
+              <a:t> </a:t>
+            </a:r>
+            <a:r>
+              <a:rPr lang="de-CH" dirty="0" err="1"/>
+              <a:t>assignable</a:t>
+            </a:r>
+            <a:r>
+              <a:rPr lang="de-CH" dirty="0"/>
+              <a:t> </a:t>
+            </a:r>
+            <a:r>
+              <a:rPr lang="de-CH" dirty="0" err="1"/>
+              <a:t>to</a:t>
+            </a:r>
+            <a:r>
+              <a:rPr lang="de-CH" dirty="0"/>
+              <a:t> </a:t>
+            </a:r>
+            <a:r>
+              <a:rPr lang="de-CH" dirty="0" err="1"/>
+              <a:t>it</a:t>
+            </a:r>
+            <a:r>
+              <a:rPr lang="de-CH" dirty="0"/>
+              <a:t>, but </a:t>
+            </a:r>
+            <a:r>
+              <a:rPr lang="de-CH" dirty="0" err="1"/>
+              <a:t>you</a:t>
+            </a:r>
+            <a:r>
+              <a:rPr lang="de-CH" dirty="0"/>
+              <a:t> </a:t>
+            </a:r>
+            <a:r>
+              <a:rPr lang="de-CH" dirty="0" err="1"/>
+              <a:t>cannot</a:t>
+            </a:r>
+            <a:r>
+              <a:rPr lang="de-CH" dirty="0"/>
+              <a:t> </a:t>
+            </a:r>
+            <a:r>
+              <a:rPr lang="de-CH" dirty="0" err="1"/>
+              <a:t>assign</a:t>
+            </a:r>
+            <a:r>
+              <a:rPr lang="de-CH" dirty="0"/>
+              <a:t> </a:t>
+            </a:r>
+            <a:r>
+              <a:rPr lang="de-CH" dirty="0" err="1"/>
+              <a:t>it</a:t>
+            </a:r>
+            <a:r>
+              <a:rPr lang="de-CH" dirty="0"/>
+              <a:t> </a:t>
+            </a:r>
+            <a:r>
+              <a:rPr lang="de-CH" dirty="0" err="1"/>
+              <a:t>to</a:t>
+            </a:r>
+            <a:r>
+              <a:rPr lang="de-CH" dirty="0"/>
+              <a:t> </a:t>
+            </a:r>
+            <a:r>
+              <a:rPr lang="de-CH" dirty="0" err="1"/>
+              <a:t>anything</a:t>
+            </a:r>
+            <a:r>
+              <a:rPr lang="de-CH" dirty="0"/>
+              <a:t> (</a:t>
+            </a:r>
+            <a:r>
+              <a:rPr lang="de-CH" dirty="0" err="1"/>
+              <a:t>except</a:t>
+            </a:r>
+            <a:r>
+              <a:rPr lang="de-CH" dirty="0"/>
+              <a:t> </a:t>
+            </a:r>
+            <a:r>
+              <a:rPr lang="de-CH" dirty="0" err="1"/>
+              <a:t>any</a:t>
+            </a:r>
+            <a:r>
+              <a:rPr lang="de-CH" dirty="0"/>
+              <a:t>)</a:t>
+            </a:r>
+          </a:p>
+          <a:p>
+            <a:endParaRPr lang="de-CH" dirty="0"/>
+          </a:p>
+          <a:p>
+            <a:r>
+              <a:rPr lang="de-CH" dirty="0"/>
+              <a:t>Both </a:t>
+            </a:r>
+            <a:r>
+              <a:rPr lang="de-CH" dirty="0" err="1"/>
+              <a:t>types</a:t>
+            </a:r>
+            <a:r>
+              <a:rPr lang="de-CH" dirty="0"/>
+              <a:t> </a:t>
+            </a:r>
+            <a:r>
+              <a:rPr lang="de-CH" dirty="0" err="1"/>
+              <a:t>are</a:t>
+            </a:r>
+            <a:r>
+              <a:rPr lang="de-CH" dirty="0"/>
+              <a:t> </a:t>
+            </a:r>
+            <a:r>
+              <a:rPr lang="de-CH" dirty="0" err="1"/>
+              <a:t>very</a:t>
+            </a:r>
+            <a:r>
+              <a:rPr lang="de-CH" dirty="0"/>
+              <a:t> </a:t>
+            </a:r>
+            <a:r>
+              <a:rPr lang="de-CH" dirty="0" err="1"/>
+              <a:t>useful</a:t>
+            </a:r>
+            <a:r>
+              <a:rPr lang="de-CH" dirty="0"/>
+              <a:t> </a:t>
+            </a:r>
+            <a:r>
+              <a:rPr lang="de-CH" dirty="0" err="1"/>
+              <a:t>when</a:t>
+            </a:r>
+            <a:r>
+              <a:rPr lang="de-CH" dirty="0"/>
+              <a:t> </a:t>
+            </a:r>
+            <a:r>
+              <a:rPr lang="de-CH" dirty="0" err="1"/>
+              <a:t>interoping</a:t>
+            </a:r>
+            <a:r>
+              <a:rPr lang="de-CH" dirty="0"/>
+              <a:t> </a:t>
+            </a:r>
+            <a:r>
+              <a:rPr lang="de-CH" dirty="0" err="1"/>
+              <a:t>with</a:t>
+            </a:r>
+            <a:r>
+              <a:rPr lang="de-CH" dirty="0"/>
+              <a:t> </a:t>
+            </a:r>
+            <a:r>
+              <a:rPr lang="de-CH" dirty="0" err="1"/>
+              <a:t>plain</a:t>
+            </a:r>
+            <a:r>
+              <a:rPr lang="de-CH" dirty="0"/>
+              <a:t> </a:t>
+            </a:r>
+            <a:r>
+              <a:rPr lang="de-CH" dirty="0" err="1"/>
+              <a:t>javascript</a:t>
+            </a:r>
+            <a:endParaRPr lang="de-CH" dirty="0"/>
+          </a:p>
+          <a:p>
+            <a:r>
+              <a:rPr lang="de-CH" dirty="0"/>
+              <a:t>The </a:t>
+            </a:r>
+            <a:r>
+              <a:rPr lang="de-CH" dirty="0" err="1"/>
+              <a:t>unknown</a:t>
+            </a:r>
+            <a:r>
+              <a:rPr lang="de-CH" dirty="0"/>
+              <a:t> type </a:t>
+            </a:r>
+            <a:r>
+              <a:rPr lang="de-CH" dirty="0" err="1"/>
+              <a:t>is</a:t>
+            </a:r>
+            <a:r>
+              <a:rPr lang="de-CH" dirty="0"/>
+              <a:t> </a:t>
+            </a:r>
+            <a:r>
+              <a:rPr lang="de-CH" dirty="0" err="1"/>
+              <a:t>recommended</a:t>
+            </a:r>
+            <a:r>
+              <a:rPr lang="de-CH" dirty="0"/>
+              <a:t> </a:t>
+            </a:r>
+            <a:r>
+              <a:rPr lang="de-CH" dirty="0" err="1"/>
+              <a:t>to</a:t>
+            </a:r>
+            <a:r>
+              <a:rPr lang="de-CH" dirty="0"/>
+              <a:t> </a:t>
+            </a:r>
+            <a:r>
+              <a:rPr lang="de-CH" dirty="0" err="1"/>
+              <a:t>use</a:t>
+            </a:r>
+            <a:endParaRPr lang="de-CH" dirty="0"/>
           </a:p>
         </p:txBody>
       </p:sp>
@@ -1521,7 +1595,7 @@
           <a:p>
             <a:fld id="{753704E0-591E-4D0D-9EA0-CA2D5504087C}" type="slidenum">
               <a:rPr lang="en-GB" smtClean="0"/>
-              <a:t>11</a:t>
+              <a:t>12</a:t>
             </a:fld>
             <a:endParaRPr lang="en-GB"/>
           </a:p>
@@ -1530,7 +1604,7 @@
     </p:spTree>
     <p:extLst>
       <p:ext uri="{BB962C8B-B14F-4D97-AF65-F5344CB8AC3E}">
-        <p14:creationId xmlns:p14="http://schemas.microsoft.com/office/powerpoint/2010/main" val="3427726669"/>
+        <p14:creationId xmlns:p14="http://schemas.microsoft.com/office/powerpoint/2010/main" val="2713307635"/>
       </p:ext>
     </p:extLst>
   </p:cSld>
@@ -1584,50 +1658,6 @@
           <a:bodyPr/>
           <a:lstStyle/>
           <a:p>
-            <a:r>
-              <a:rPr lang="de-CH" dirty="0" err="1"/>
-              <a:t>Types</a:t>
-            </a:r>
-            <a:r>
-              <a:rPr lang="de-CH" dirty="0"/>
-              <a:t> </a:t>
-            </a:r>
-            <a:r>
-              <a:rPr lang="de-CH" dirty="0" err="1"/>
-              <a:t>can</a:t>
-            </a:r>
-            <a:r>
-              <a:rPr lang="de-CH" dirty="0"/>
-              <a:t> </a:t>
-            </a:r>
-            <a:r>
-              <a:rPr lang="de-CH" dirty="0" err="1"/>
-              <a:t>be</a:t>
-            </a:r>
-            <a:r>
-              <a:rPr lang="de-CH" dirty="0"/>
-              <a:t> </a:t>
-            </a:r>
-            <a:r>
-              <a:rPr lang="de-CH" dirty="0" err="1"/>
-              <a:t>disjunct</a:t>
-            </a:r>
-            <a:r>
-              <a:rPr lang="de-CH" dirty="0"/>
-              <a:t> </a:t>
-            </a:r>
-            <a:r>
-              <a:rPr lang="de-CH" dirty="0" err="1"/>
-              <a:t>as</a:t>
-            </a:r>
-            <a:r>
-              <a:rPr lang="de-CH" dirty="0"/>
-              <a:t> </a:t>
-            </a:r>
-            <a:r>
-              <a:rPr lang="de-CH" dirty="0" err="1"/>
-              <a:t>well</a:t>
-            </a:r>
             <a:endParaRPr lang="en-GB" dirty="0"/>
           </a:p>
         </p:txBody>
@@ -1649,7 +1679,135 @@
           <a:p>
             <a:fld id="{753704E0-591E-4D0D-9EA0-CA2D5504087C}" type="slidenum">
               <a:rPr lang="en-GB" smtClean="0"/>
-              <a:t>15</a:t>
+              <a:t>13</a:t>
+            </a:fld>
+            <a:endParaRPr lang="en-GB"/>
+          </a:p>
+        </p:txBody>
+      </p:sp>
+    </p:spTree>
+    <p:extLst>
+      <p:ext uri="{BB962C8B-B14F-4D97-AF65-F5344CB8AC3E}">
+        <p14:creationId xmlns:p14="http://schemas.microsoft.com/office/powerpoint/2010/main" val="3427726669"/>
+      </p:ext>
+    </p:extLst>
+  </p:cSld>
+  <p:clrMapOvr>
+    <a:masterClrMapping/>
+  </p:clrMapOvr>
+</p:notes>
+</file>
+
+<file path=ppt/notesSlides/notesSlide7.xml><?xml version="1.0" encoding="utf-8"?>
+<p:notes xmlns:a="http://schemas.openxmlformats.org/drawingml/2006/main" xmlns:r="http://schemas.openxmlformats.org/officeDocument/2006/relationships" xmlns:p="http://schemas.openxmlformats.org/presentationml/2006/main">
+  <p:cSld>
+    <p:spTree>
+      <p:nvGrpSpPr>
+        <p:cNvPr id="1" name=""/>
+        <p:cNvGrpSpPr/>
+        <p:nvPr/>
+      </p:nvGrpSpPr>
+      <p:grpSpPr>
+        <a:xfrm>
+          <a:off x="0" y="0"/>
+          <a:ext cx="0" cy="0"/>
+          <a:chOff x="0" y="0"/>
+          <a:chExt cx="0" cy="0"/>
+        </a:xfrm>
+      </p:grpSpPr>
+      <p:sp>
+        <p:nvSpPr>
+          <p:cNvPr id="2" name="Slide Image Placeholder 1"/>
+          <p:cNvSpPr>
+            <a:spLocks noGrp="1" noRot="1" noChangeAspect="1"/>
+          </p:cNvSpPr>
+          <p:nvPr>
+            <p:ph type="sldImg"/>
+          </p:nvPr>
+        </p:nvSpPr>
+        <p:spPr/>
+      </p:sp>
+      <p:sp>
+        <p:nvSpPr>
+          <p:cNvPr id="3" name="Notes Placeholder 2"/>
+          <p:cNvSpPr>
+            <a:spLocks noGrp="1"/>
+          </p:cNvSpPr>
+          <p:nvPr>
+            <p:ph type="body" idx="1"/>
+          </p:nvPr>
+        </p:nvSpPr>
+        <p:spPr/>
+        <p:txBody>
+          <a:bodyPr/>
+          <a:lstStyle/>
+          <a:p>
+            <a:r>
+              <a:rPr lang="de-CH" dirty="0" err="1"/>
+              <a:t>Types</a:t>
+            </a:r>
+            <a:r>
+              <a:rPr lang="de-CH" dirty="0"/>
+              <a:t> </a:t>
+            </a:r>
+            <a:r>
+              <a:rPr lang="de-CH" dirty="0" err="1"/>
+              <a:t>can</a:t>
+            </a:r>
+            <a:r>
+              <a:rPr lang="de-CH" dirty="0"/>
+              <a:t> </a:t>
+            </a:r>
+            <a:r>
+              <a:rPr lang="de-CH" dirty="0" err="1"/>
+              <a:t>be</a:t>
+            </a:r>
+            <a:r>
+              <a:rPr lang="de-CH" dirty="0"/>
+              <a:t> </a:t>
+            </a:r>
+            <a:r>
+              <a:rPr lang="de-CH" dirty="0" err="1"/>
+              <a:t>disjunct</a:t>
+            </a:r>
+            <a:r>
+              <a:rPr lang="de-CH" dirty="0"/>
+              <a:t> </a:t>
+            </a:r>
+            <a:r>
+              <a:rPr lang="de-CH" dirty="0" err="1"/>
+              <a:t>as</a:t>
+            </a:r>
+            <a:r>
+              <a:rPr lang="de-CH" dirty="0"/>
+              <a:t> </a:t>
+            </a:r>
+            <a:r>
+              <a:rPr lang="de-CH" dirty="0" err="1"/>
+              <a:t>well</a:t>
+            </a:r>
+            <a:endParaRPr lang="en-GB" dirty="0"/>
+          </a:p>
+        </p:txBody>
+      </p:sp>
+      <p:sp>
+        <p:nvSpPr>
+          <p:cNvPr id="4" name="Slide Number Placeholder 3"/>
+          <p:cNvSpPr>
+            <a:spLocks noGrp="1"/>
+          </p:cNvSpPr>
+          <p:nvPr>
+            <p:ph type="sldNum" sz="quarter" idx="5"/>
+          </p:nvPr>
+        </p:nvSpPr>
+        <p:spPr/>
+        <p:txBody>
+          <a:bodyPr/>
+          <a:lstStyle/>
+          <a:p>
+            <a:fld id="{753704E0-591E-4D0D-9EA0-CA2D5504087C}" type="slidenum">
+              <a:rPr lang="en-GB" smtClean="0"/>
+              <a:t>18</a:t>
             </a:fld>
             <a:endParaRPr lang="en-GB"/>
           </a:p>
@@ -1659,6 +1817,90 @@
     <p:extLst>
       <p:ext uri="{BB962C8B-B14F-4D97-AF65-F5344CB8AC3E}">
         <p14:creationId xmlns:p14="http://schemas.microsoft.com/office/powerpoint/2010/main" val="1720378923"/>
+      </p:ext>
+    </p:extLst>
+  </p:cSld>
+  <p:clrMapOvr>
+    <a:masterClrMapping/>
+  </p:clrMapOvr>
+</p:notes>
+</file>
+
+<file path=ppt/notesSlides/notesSlide8.xml><?xml version="1.0" encoding="utf-8"?>
+<p:notes xmlns:a="http://schemas.openxmlformats.org/drawingml/2006/main" xmlns:r="http://schemas.openxmlformats.org/officeDocument/2006/relationships" xmlns:p="http://schemas.openxmlformats.org/presentationml/2006/main">
+  <p:cSld>
+    <p:spTree>
+      <p:nvGrpSpPr>
+        <p:cNvPr id="1" name=""/>
+        <p:cNvGrpSpPr/>
+        <p:nvPr/>
+      </p:nvGrpSpPr>
+      <p:grpSpPr>
+        <a:xfrm>
+          <a:off x="0" y="0"/>
+          <a:ext cx="0" cy="0"/>
+          <a:chOff x="0" y="0"/>
+          <a:chExt cx="0" cy="0"/>
+        </a:xfrm>
+      </p:grpSpPr>
+      <p:sp>
+        <p:nvSpPr>
+          <p:cNvPr id="2" name="Slide Image Placeholder 1"/>
+          <p:cNvSpPr>
+            <a:spLocks noGrp="1" noRot="1" noChangeAspect="1"/>
+          </p:cNvSpPr>
+          <p:nvPr>
+            <p:ph type="sldImg"/>
+          </p:nvPr>
+        </p:nvSpPr>
+        <p:spPr/>
+      </p:sp>
+      <p:sp>
+        <p:nvSpPr>
+          <p:cNvPr id="3" name="Notes Placeholder 2"/>
+          <p:cNvSpPr>
+            <a:spLocks noGrp="1"/>
+          </p:cNvSpPr>
+          <p:nvPr>
+            <p:ph type="body" idx="1"/>
+          </p:nvPr>
+        </p:nvSpPr>
+        <p:spPr/>
+        <p:txBody>
+          <a:bodyPr/>
+          <a:lstStyle/>
+          <a:p>
+            <a:endParaRPr lang="en-GB" dirty="0"/>
+          </a:p>
+        </p:txBody>
+      </p:sp>
+      <p:sp>
+        <p:nvSpPr>
+          <p:cNvPr id="4" name="Slide Number Placeholder 3"/>
+          <p:cNvSpPr>
+            <a:spLocks noGrp="1"/>
+          </p:cNvSpPr>
+          <p:nvPr>
+            <p:ph type="sldNum" sz="quarter" idx="5"/>
+          </p:nvPr>
+        </p:nvSpPr>
+        <p:spPr/>
+        <p:txBody>
+          <a:bodyPr/>
+          <a:lstStyle/>
+          <a:p>
+            <a:fld id="{753704E0-591E-4D0D-9EA0-CA2D5504087C}" type="slidenum">
+              <a:rPr lang="en-GB" smtClean="0"/>
+              <a:t>19</a:t>
+            </a:fld>
+            <a:endParaRPr lang="en-GB"/>
+          </a:p>
+        </p:txBody>
+      </p:sp>
+    </p:spTree>
+    <p:extLst>
+      <p:ext uri="{BB962C8B-B14F-4D97-AF65-F5344CB8AC3E}">
+        <p14:creationId xmlns:p14="http://schemas.microsoft.com/office/powerpoint/2010/main" val="3850113288"/>
       </p:ext>
     </p:extLst>
   </p:cSld>
@@ -4356,8 +4598,8 @@
         </p:nvSpPr>
         <p:spPr>
           <a:xfrm>
-            <a:off x="838200" y="365125"/>
-            <a:ext cx="10515600" cy="1325563"/>
+            <a:off x="268310" y="-12878"/>
+            <a:ext cx="11655381" cy="1197736"/>
           </a:xfrm>
           <a:prstGeom prst="rect">
             <a:avLst/>
@@ -4395,8 +4637,8 @@
         </p:nvSpPr>
         <p:spPr>
           <a:xfrm>
-            <a:off x="838200" y="1825625"/>
-            <a:ext cx="10515600" cy="4351338"/>
+            <a:off x="268311" y="1184858"/>
+            <a:ext cx="11655380" cy="5013569"/>
           </a:xfrm>
           <a:prstGeom prst="rect">
             <a:avLst/>
@@ -5019,10 +5261,10 @@
       </p:grpSpPr>
       <p:sp>
         <p:nvSpPr>
-          <p:cNvPr id="2" name="Title 1">
+          <p:cNvPr id="4" name="Title 3">
             <a:extLst>
               <a:ext uri="{FF2B5EF4-FFF2-40B4-BE49-F238E27FC236}">
-                <a16:creationId xmlns:a16="http://schemas.microsoft.com/office/drawing/2014/main" id="{13443706-69D0-401F-BF0C-12133E76F0FB}"/>
+                <a16:creationId xmlns:a16="http://schemas.microsoft.com/office/drawing/2014/main" id="{904449A3-B222-4C65-9660-9075B9C84A89}"/>
               </a:ext>
             </a:extLst>
           </p:cNvPr>
@@ -5040,7 +5282,7 @@
           <a:p>
             <a:r>
               <a:rPr lang="de-CH" dirty="0"/>
-              <a:t>Top </a:t>
+              <a:t>Basic </a:t>
             </a:r>
             <a:r>
               <a:rPr lang="de-CH" dirty="0" err="1"/>
@@ -5052,10 +5294,10 @@
       </p:sp>
       <p:sp>
         <p:nvSpPr>
-          <p:cNvPr id="3" name="Content Placeholder 2">
+          <p:cNvPr id="5" name="Text Placeholder 4">
             <a:extLst>
               <a:ext uri="{FF2B5EF4-FFF2-40B4-BE49-F238E27FC236}">
-                <a16:creationId xmlns:a16="http://schemas.microsoft.com/office/drawing/2014/main" id="{90042D91-CDD8-4C15-9F19-63338B03F2DA}"/>
+                <a16:creationId xmlns:a16="http://schemas.microsoft.com/office/drawing/2014/main" id="{D63CEE87-5CA8-4CC6-B01A-C922CED57DD5}"/>
               </a:ext>
             </a:extLst>
           </p:cNvPr>
@@ -5063,553 +5305,22 @@
             <a:spLocks noGrp="1"/>
           </p:cNvSpPr>
           <p:nvPr>
-            <p:ph idx="1"/>
+            <p:ph type="body" idx="1"/>
           </p:nvPr>
         </p:nvSpPr>
-        <p:spPr>
-          <a:xfrm>
-            <a:off x="838200" y="1819405"/>
-            <a:ext cx="10515600" cy="4351338"/>
-          </a:xfrm>
-        </p:spPr>
+        <p:spPr/>
         <p:txBody>
           <a:bodyPr/>
           <a:lstStyle/>
           <a:p>
-            <a:r>
-              <a:rPr lang="de-CH" dirty="0"/>
-              <a:t>Also </a:t>
-            </a:r>
-            <a:r>
-              <a:rPr lang="de-CH" i="1" dirty="0"/>
-              <a:t>universal supertype</a:t>
-            </a:r>
-            <a:r>
-              <a:rPr lang="de-CH" dirty="0"/>
-              <a:t>, </a:t>
-            </a:r>
-            <a:r>
-              <a:rPr lang="de-CH" dirty="0" err="1"/>
-              <a:t>contains</a:t>
-            </a:r>
-            <a:r>
-              <a:rPr lang="de-CH" dirty="0"/>
-              <a:t> </a:t>
-            </a:r>
-            <a:r>
-              <a:rPr lang="de-CH" dirty="0" err="1"/>
-              <a:t>every</a:t>
-            </a:r>
-            <a:r>
-              <a:rPr lang="de-CH" dirty="0"/>
-              <a:t> possible </a:t>
-            </a:r>
-            <a:r>
-              <a:rPr lang="de-CH" dirty="0" err="1"/>
-              <a:t>value</a:t>
-            </a:r>
-            <a:endParaRPr lang="de-CH" dirty="0"/>
-          </a:p>
-          <a:p>
-            <a:r>
-              <a:rPr lang="en-GB" dirty="0"/>
-              <a:t>In typescript: </a:t>
-            </a:r>
-            <a:r>
-              <a:rPr lang="en-GB" b="1" dirty="0"/>
-              <a:t>any</a:t>
-            </a:r>
-            <a:r>
-              <a:rPr lang="en-GB" dirty="0"/>
-              <a:t> and </a:t>
-            </a:r>
-            <a:r>
-              <a:rPr lang="en-GB" b="1" dirty="0" err="1"/>
-              <a:t>unkown</a:t>
-            </a:r>
-            <a:endParaRPr lang="en-GB" dirty="0"/>
-          </a:p>
-        </p:txBody>
-      </p:sp>
-      <p:pic>
-        <p:nvPicPr>
-          <p:cNvPr id="6148" name="Picture 4">
-            <a:extLst>
-              <a:ext uri="{FF2B5EF4-FFF2-40B4-BE49-F238E27FC236}">
-                <a16:creationId xmlns:a16="http://schemas.microsoft.com/office/drawing/2014/main" id="{AD9C3E15-E5CB-4DB9-AB21-F41F744A7482}"/>
-              </a:ext>
-            </a:extLst>
-          </p:cNvPr>
-          <p:cNvPicPr>
-            <a:picLocks noChangeAspect="1" noChangeArrowheads="1"/>
-          </p:cNvPicPr>
-          <p:nvPr/>
-        </p:nvPicPr>
-        <p:blipFill rotWithShape="1">
-          <a:blip r:embed="rId3">
-            <a:extLst>
-              <a:ext uri="{28A0092B-C50C-407E-A947-70E740481C1C}">
-                <a14:useLocalDpi xmlns:a14="http://schemas.microsoft.com/office/drawing/2010/main" val="0"/>
-              </a:ext>
-            </a:extLst>
-          </a:blip>
-          <a:srcRect l="47142" t="10628" r="2333" b="62641"/>
-          <a:stretch/>
-        </p:blipFill>
-        <p:spPr bwMode="auto">
-          <a:xfrm>
-            <a:off x="7268562" y="4026068"/>
-            <a:ext cx="3684103" cy="2789968"/>
-          </a:xfrm>
-          <a:prstGeom prst="rect">
-            <a:avLst/>
-          </a:prstGeom>
-          <a:noFill/>
-          <a:extLst>
-            <a:ext uri="{909E8E84-426E-40DD-AFC4-6F175D3DCCD1}">
-              <a14:hiddenFill xmlns:a14="http://schemas.microsoft.com/office/drawing/2010/main">
-                <a:solidFill>
-                  <a:srgbClr val="FFFFFF"/>
-                </a:solidFill>
-              </a14:hiddenFill>
-            </a:ext>
-          </a:extLst>
-        </p:spPr>
-      </p:pic>
-      <p:pic>
-        <p:nvPicPr>
-          <p:cNvPr id="6152" name="Picture 8">
-            <a:extLst>
-              <a:ext uri="{FF2B5EF4-FFF2-40B4-BE49-F238E27FC236}">
-                <a16:creationId xmlns:a16="http://schemas.microsoft.com/office/drawing/2014/main" id="{B7BE1223-A0C9-4D41-AD43-E79D44A8B282}"/>
-              </a:ext>
-            </a:extLst>
-          </p:cNvPr>
-          <p:cNvPicPr>
-            <a:picLocks noChangeAspect="1" noChangeArrowheads="1"/>
-          </p:cNvPicPr>
-          <p:nvPr/>
-        </p:nvPicPr>
-        <p:blipFill rotWithShape="1">
-          <a:blip r:embed="rId4">
-            <a:extLst>
-              <a:ext uri="{28A0092B-C50C-407E-A947-70E740481C1C}">
-                <a14:useLocalDpi xmlns:a14="http://schemas.microsoft.com/office/drawing/2010/main" val="0"/>
-              </a:ext>
-            </a:extLst>
-          </a:blip>
-          <a:srcRect t="9147" r="53780" b="61482"/>
-          <a:stretch/>
-        </p:blipFill>
-        <p:spPr bwMode="auto">
-          <a:xfrm>
-            <a:off x="716289" y="3919475"/>
-            <a:ext cx="3230424" cy="2938525"/>
-          </a:xfrm>
-          <a:prstGeom prst="rect">
-            <a:avLst/>
-          </a:prstGeom>
-          <a:noFill/>
-          <a:extLst>
-            <a:ext uri="{909E8E84-426E-40DD-AFC4-6F175D3DCCD1}">
-              <a14:hiddenFill xmlns:a14="http://schemas.microsoft.com/office/drawing/2010/main">
-                <a:solidFill>
-                  <a:srgbClr val="FFFFFF"/>
-                </a:solidFill>
-              </a14:hiddenFill>
-            </a:ext>
-          </a:extLst>
-        </p:spPr>
-      </p:pic>
-      <p:sp>
-        <p:nvSpPr>
-          <p:cNvPr id="8" name="Rectangle 7">
-            <a:extLst>
-              <a:ext uri="{FF2B5EF4-FFF2-40B4-BE49-F238E27FC236}">
-                <a16:creationId xmlns:a16="http://schemas.microsoft.com/office/drawing/2014/main" id="{76B7E1B6-07FE-4F11-A12A-CFA7EFDB40BC}"/>
-              </a:ext>
-            </a:extLst>
-          </p:cNvPr>
-          <p:cNvSpPr/>
-          <p:nvPr/>
-        </p:nvSpPr>
-        <p:spPr>
-          <a:xfrm>
-            <a:off x="899057" y="3470964"/>
-            <a:ext cx="2864887" cy="707886"/>
-          </a:xfrm>
-          <a:prstGeom prst="rect">
-            <a:avLst/>
-          </a:prstGeom>
-          <a:solidFill>
-            <a:schemeClr val="tx1">
-              <a:lumMod val="75000"/>
-              <a:lumOff val="25000"/>
-            </a:schemeClr>
-          </a:solidFill>
-          <a:ln>
-            <a:noFill/>
-          </a:ln>
-        </p:spPr>
-        <p:txBody>
-          <a:bodyPr wrap="none">
-            <a:spAutoFit/>
-          </a:bodyPr>
-          <a:lstStyle/>
-          <a:p>
-            <a:r>
-              <a:rPr lang="en-US" sz="2000" dirty="0">
-                <a:solidFill>
-                  <a:srgbClr val="569CD6"/>
-                </a:solidFill>
-                <a:latin typeface="Consolas" panose="020B0609020204030204" pitchFamily="49" charset="0"/>
-              </a:rPr>
-              <a:t>let</a:t>
-            </a:r>
-            <a:r>
-              <a:rPr lang="en-US" sz="2000" dirty="0">
-                <a:solidFill>
-                  <a:srgbClr val="D4D4D4"/>
-                </a:solidFill>
-                <a:latin typeface="Consolas" panose="020B0609020204030204" pitchFamily="49" charset="0"/>
-              </a:rPr>
-              <a:t> </a:t>
-            </a:r>
-            <a:r>
-              <a:rPr lang="en-US" sz="2000" dirty="0">
-                <a:solidFill>
-                  <a:srgbClr val="9CDCFE"/>
-                </a:solidFill>
-                <a:latin typeface="Consolas" panose="020B0609020204030204" pitchFamily="49" charset="0"/>
-              </a:rPr>
-              <a:t>c</a:t>
-            </a:r>
-            <a:r>
-              <a:rPr lang="en-US" sz="2000" dirty="0">
-                <a:solidFill>
-                  <a:srgbClr val="D4D4D4"/>
-                </a:solidFill>
-                <a:latin typeface="Consolas" panose="020B0609020204030204" pitchFamily="49" charset="0"/>
-              </a:rPr>
-              <a:t>: </a:t>
-            </a:r>
-            <a:r>
-              <a:rPr lang="en-US" sz="2000" dirty="0">
-                <a:solidFill>
-                  <a:srgbClr val="4EC9B0"/>
-                </a:solidFill>
-                <a:latin typeface="Consolas" panose="020B0609020204030204" pitchFamily="49" charset="0"/>
-              </a:rPr>
-              <a:t>any</a:t>
-            </a:r>
-            <a:r>
-              <a:rPr lang="en-US" sz="2000" dirty="0">
-                <a:solidFill>
-                  <a:srgbClr val="D4D4D4"/>
-                </a:solidFill>
-                <a:latin typeface="Consolas" panose="020B0609020204030204" pitchFamily="49" charset="0"/>
-              </a:rPr>
-              <a:t> = </a:t>
-            </a:r>
-            <a:r>
-              <a:rPr lang="en-US" sz="2000" dirty="0">
-                <a:solidFill>
-                  <a:srgbClr val="CE9178"/>
-                </a:solidFill>
-                <a:latin typeface="Consolas" panose="020B0609020204030204" pitchFamily="49" charset="0"/>
-              </a:rPr>
-              <a:t>"foo"</a:t>
-            </a:r>
-            <a:r>
-              <a:rPr lang="en-US" sz="2000" dirty="0">
-                <a:solidFill>
-                  <a:srgbClr val="D4D4D4"/>
-                </a:solidFill>
-                <a:latin typeface="Consolas" panose="020B0609020204030204" pitchFamily="49" charset="0"/>
-              </a:rPr>
-              <a:t>;</a:t>
-            </a:r>
-          </a:p>
-          <a:p>
-            <a:r>
-              <a:rPr lang="en-US" sz="2000" dirty="0">
-                <a:solidFill>
-                  <a:srgbClr val="569CD6"/>
-                </a:solidFill>
-                <a:latin typeface="Consolas" panose="020B0609020204030204" pitchFamily="49" charset="0"/>
-              </a:rPr>
-              <a:t>let</a:t>
-            </a:r>
-            <a:r>
-              <a:rPr lang="en-US" sz="2000" dirty="0">
-                <a:solidFill>
-                  <a:srgbClr val="D4D4D4"/>
-                </a:solidFill>
-                <a:latin typeface="Consolas" panose="020B0609020204030204" pitchFamily="49" charset="0"/>
-              </a:rPr>
-              <a:t> </a:t>
-            </a:r>
-            <a:r>
-              <a:rPr lang="en-US" sz="2000" dirty="0">
-                <a:solidFill>
-                  <a:srgbClr val="9CDCFE"/>
-                </a:solidFill>
-                <a:latin typeface="Consolas" panose="020B0609020204030204" pitchFamily="49" charset="0"/>
-              </a:rPr>
-              <a:t>d</a:t>
-            </a:r>
-            <a:r>
-              <a:rPr lang="en-US" sz="2000" dirty="0">
-                <a:solidFill>
-                  <a:srgbClr val="D4D4D4"/>
-                </a:solidFill>
-                <a:latin typeface="Consolas" panose="020B0609020204030204" pitchFamily="49" charset="0"/>
-              </a:rPr>
-              <a:t>: </a:t>
-            </a:r>
-            <a:r>
-              <a:rPr lang="en-US" sz="2000" dirty="0">
-                <a:solidFill>
-                  <a:srgbClr val="4EC9B0"/>
-                </a:solidFill>
-                <a:latin typeface="Consolas" panose="020B0609020204030204" pitchFamily="49" charset="0"/>
-              </a:rPr>
-              <a:t>number</a:t>
-            </a:r>
-            <a:r>
-              <a:rPr lang="en-US" sz="2000" dirty="0">
-                <a:solidFill>
-                  <a:srgbClr val="D4D4D4"/>
-                </a:solidFill>
-                <a:latin typeface="Consolas" panose="020B0609020204030204" pitchFamily="49" charset="0"/>
-              </a:rPr>
-              <a:t> = </a:t>
-            </a:r>
-            <a:r>
-              <a:rPr lang="en-US" sz="2000" dirty="0">
-                <a:solidFill>
-                  <a:srgbClr val="9CDCFE"/>
-                </a:solidFill>
-                <a:latin typeface="Consolas" panose="020B0609020204030204" pitchFamily="49" charset="0"/>
-              </a:rPr>
-              <a:t>c</a:t>
-            </a:r>
-            <a:r>
-              <a:rPr lang="en-US" sz="2000" dirty="0">
-                <a:solidFill>
-                  <a:srgbClr val="D4D4D4"/>
-                </a:solidFill>
-                <a:latin typeface="Consolas" panose="020B0609020204030204" pitchFamily="49" charset="0"/>
-              </a:rPr>
-              <a:t>;</a:t>
-            </a:r>
-          </a:p>
-        </p:txBody>
-      </p:sp>
-      <p:sp>
-        <p:nvSpPr>
-          <p:cNvPr id="9" name="Rectangle 8">
-            <a:extLst>
-              <a:ext uri="{FF2B5EF4-FFF2-40B4-BE49-F238E27FC236}">
-                <a16:creationId xmlns:a16="http://schemas.microsoft.com/office/drawing/2014/main" id="{001A84F2-C294-406A-97D5-D9284F6C3240}"/>
-              </a:ext>
-            </a:extLst>
-          </p:cNvPr>
-          <p:cNvSpPr/>
-          <p:nvPr/>
-        </p:nvSpPr>
-        <p:spPr>
-          <a:xfrm>
-            <a:off x="6840075" y="3250714"/>
-            <a:ext cx="4698722" cy="707886"/>
-          </a:xfrm>
-          <a:prstGeom prst="rect">
-            <a:avLst/>
-          </a:prstGeom>
-          <a:solidFill>
-            <a:schemeClr val="tx1">
-              <a:lumMod val="75000"/>
-              <a:lumOff val="25000"/>
-            </a:schemeClr>
-          </a:solidFill>
-          <a:ln>
-            <a:noFill/>
-          </a:ln>
-        </p:spPr>
-        <p:txBody>
-          <a:bodyPr wrap="none">
-            <a:spAutoFit/>
-          </a:bodyPr>
-          <a:lstStyle/>
-          <a:p>
-            <a:r>
-              <a:rPr lang="en-US" sz="2000" dirty="0">
-                <a:solidFill>
-                  <a:srgbClr val="569CD6"/>
-                </a:solidFill>
-                <a:latin typeface="Consolas" panose="020B0609020204030204" pitchFamily="49" charset="0"/>
-              </a:rPr>
-              <a:t>let</a:t>
-            </a:r>
-            <a:r>
-              <a:rPr lang="en-US" sz="2000" dirty="0">
-                <a:solidFill>
-                  <a:srgbClr val="D4D4D4"/>
-                </a:solidFill>
-                <a:latin typeface="Consolas" panose="020B0609020204030204" pitchFamily="49" charset="0"/>
-              </a:rPr>
-              <a:t> </a:t>
-            </a:r>
-            <a:r>
-              <a:rPr lang="en-US" sz="2000" dirty="0">
-                <a:solidFill>
-                  <a:srgbClr val="9CDCFE"/>
-                </a:solidFill>
-                <a:latin typeface="Consolas" panose="020B0609020204030204" pitchFamily="49" charset="0"/>
-              </a:rPr>
-              <a:t>e</a:t>
-            </a:r>
-            <a:r>
-              <a:rPr lang="en-US" sz="2000" dirty="0">
-                <a:solidFill>
-                  <a:srgbClr val="D4D4D4"/>
-                </a:solidFill>
-                <a:latin typeface="Consolas" panose="020B0609020204030204" pitchFamily="49" charset="0"/>
-              </a:rPr>
-              <a:t>: </a:t>
-            </a:r>
-            <a:r>
-              <a:rPr lang="en-US" sz="2000" dirty="0">
-                <a:solidFill>
-                  <a:srgbClr val="4EC9B0"/>
-                </a:solidFill>
-                <a:latin typeface="Consolas" panose="020B0609020204030204" pitchFamily="49" charset="0"/>
-              </a:rPr>
-              <a:t>unknown</a:t>
-            </a:r>
-            <a:r>
-              <a:rPr lang="en-US" sz="2000" dirty="0">
-                <a:solidFill>
-                  <a:srgbClr val="D4D4D4"/>
-                </a:solidFill>
-                <a:latin typeface="Consolas" panose="020B0609020204030204" pitchFamily="49" charset="0"/>
-              </a:rPr>
-              <a:t> = </a:t>
-            </a:r>
-            <a:r>
-              <a:rPr lang="en-US" sz="2000" dirty="0">
-                <a:solidFill>
-                  <a:srgbClr val="B5CEA8"/>
-                </a:solidFill>
-                <a:latin typeface="Consolas" panose="020B0609020204030204" pitchFamily="49" charset="0"/>
-              </a:rPr>
-              <a:t>42</a:t>
-            </a:r>
-            <a:r>
-              <a:rPr lang="en-US" sz="2000" dirty="0">
-                <a:solidFill>
-                  <a:srgbClr val="D4D4D4"/>
-                </a:solidFill>
-                <a:latin typeface="Consolas" panose="020B0609020204030204" pitchFamily="49" charset="0"/>
-              </a:rPr>
-              <a:t>;</a:t>
-            </a:r>
-          </a:p>
-          <a:p>
-            <a:r>
-              <a:rPr lang="en-US" sz="2000" dirty="0">
-                <a:solidFill>
-                  <a:srgbClr val="569CD6"/>
-                </a:solidFill>
-                <a:latin typeface="Consolas" panose="020B0609020204030204" pitchFamily="49" charset="0"/>
-              </a:rPr>
-              <a:t>let</a:t>
-            </a:r>
-            <a:r>
-              <a:rPr lang="en-US" sz="2000" dirty="0">
-                <a:solidFill>
-                  <a:srgbClr val="D4D4D4"/>
-                </a:solidFill>
-                <a:latin typeface="Consolas" panose="020B0609020204030204" pitchFamily="49" charset="0"/>
-              </a:rPr>
-              <a:t> </a:t>
-            </a:r>
-            <a:r>
-              <a:rPr lang="en-US" sz="2000" dirty="0">
-                <a:solidFill>
-                  <a:srgbClr val="9CDCFE"/>
-                </a:solidFill>
-                <a:latin typeface="Consolas" panose="020B0609020204030204" pitchFamily="49" charset="0"/>
-              </a:rPr>
-              <a:t>f</a:t>
-            </a:r>
-            <a:r>
-              <a:rPr lang="en-US" sz="2000" dirty="0">
-                <a:solidFill>
-                  <a:srgbClr val="D4D4D4"/>
-                </a:solidFill>
-                <a:latin typeface="Consolas" panose="020B0609020204030204" pitchFamily="49" charset="0"/>
-              </a:rPr>
-              <a:t>: </a:t>
-            </a:r>
-            <a:r>
-              <a:rPr lang="en-US" sz="2000" dirty="0">
-                <a:solidFill>
-                  <a:srgbClr val="4EC9B0"/>
-                </a:solidFill>
-                <a:latin typeface="Consolas" panose="020B0609020204030204" pitchFamily="49" charset="0"/>
-              </a:rPr>
-              <a:t>string</a:t>
-            </a:r>
-            <a:r>
-              <a:rPr lang="en-US" sz="2000" dirty="0">
-                <a:solidFill>
-                  <a:srgbClr val="D4D4D4"/>
-                </a:solidFill>
-                <a:latin typeface="Consolas" panose="020B0609020204030204" pitchFamily="49" charset="0"/>
-              </a:rPr>
-              <a:t> = </a:t>
-            </a:r>
-            <a:r>
-              <a:rPr lang="en-US" sz="2000" dirty="0">
-                <a:solidFill>
-                  <a:srgbClr val="9CDCFE"/>
-                </a:solidFill>
-                <a:latin typeface="Consolas" panose="020B0609020204030204" pitchFamily="49" charset="0"/>
-              </a:rPr>
-              <a:t>e</a:t>
-            </a:r>
-            <a:r>
-              <a:rPr lang="en-US" sz="2000" dirty="0">
-                <a:solidFill>
-                  <a:srgbClr val="D4D4D4"/>
-                </a:solidFill>
-                <a:latin typeface="Consolas" panose="020B0609020204030204" pitchFamily="49" charset="0"/>
-              </a:rPr>
-              <a:t>; </a:t>
-            </a:r>
-            <a:r>
-              <a:rPr lang="en-US" sz="2000" dirty="0">
-                <a:solidFill>
-                  <a:srgbClr val="6A9955"/>
-                </a:solidFill>
-                <a:latin typeface="Consolas" panose="020B0609020204030204" pitchFamily="49" charset="0"/>
-              </a:rPr>
-              <a:t>// type error</a:t>
-            </a:r>
-            <a:endParaRPr lang="en-US" sz="2000" dirty="0">
-              <a:solidFill>
-                <a:srgbClr val="D4D4D4"/>
-              </a:solidFill>
-              <a:latin typeface="Consolas" panose="020B0609020204030204" pitchFamily="49" charset="0"/>
-            </a:endParaRPr>
+            <a:endParaRPr lang="en-GB"/>
           </a:p>
         </p:txBody>
       </p:sp>
     </p:spTree>
     <p:extLst>
       <p:ext uri="{BB962C8B-B14F-4D97-AF65-F5344CB8AC3E}">
-        <p14:creationId xmlns:p14="http://schemas.microsoft.com/office/powerpoint/2010/main" val="2931173364"/>
+        <p14:creationId xmlns:p14="http://schemas.microsoft.com/office/powerpoint/2010/main" val="2033930883"/>
       </p:ext>
     </p:extLst>
   </p:cSld>
@@ -5641,7 +5352,7 @@
           <p:cNvPr id="2" name="Title 1">
             <a:extLst>
               <a:ext uri="{FF2B5EF4-FFF2-40B4-BE49-F238E27FC236}">
-                <a16:creationId xmlns:a16="http://schemas.microsoft.com/office/drawing/2014/main" id="{53920761-7D5F-4D6F-8AED-A7C288194A13}"/>
+                <a16:creationId xmlns:a16="http://schemas.microsoft.com/office/drawing/2014/main" id="{70919B9E-4CF6-4D7C-8C93-37477D0941BF}"/>
               </a:ext>
             </a:extLst>
           </p:cNvPr>
@@ -5659,7 +5370,11 @@
           <a:p>
             <a:r>
               <a:rPr lang="de-CH" dirty="0"/>
-              <a:t>Bottom Type</a:t>
+              <a:t>Singleton </a:t>
+            </a:r>
+            <a:r>
+              <a:rPr lang="de-CH" dirty="0" err="1"/>
+              <a:t>Types</a:t>
             </a:r>
             <a:endParaRPr lang="en-GB" dirty="0"/>
           </a:p>
@@ -5667,10 +5382,10 @@
       </p:sp>
       <p:sp>
         <p:nvSpPr>
-          <p:cNvPr id="6" name="Content Placeholder 5">
+          <p:cNvPr id="3" name="Content Placeholder 2">
             <a:extLst>
               <a:ext uri="{FF2B5EF4-FFF2-40B4-BE49-F238E27FC236}">
-                <a16:creationId xmlns:a16="http://schemas.microsoft.com/office/drawing/2014/main" id="{C953FD85-F4C2-4F60-99D8-0666348DE4D2}"/>
+                <a16:creationId xmlns:a16="http://schemas.microsoft.com/office/drawing/2014/main" id="{B454710B-43EB-4A50-81F2-5D5D6C77B78E}"/>
               </a:ext>
             </a:extLst>
           </p:cNvPr>
@@ -5687,52 +5402,32 @@
           <a:lstStyle/>
           <a:p>
             <a:r>
-              <a:rPr lang="de-CH" dirty="0"/>
-              <a:t>A type </a:t>
-            </a:r>
-            <a:r>
               <a:rPr lang="de-CH" dirty="0" err="1"/>
-              <a:t>that</a:t>
+              <a:t>Types</a:t>
             </a:r>
             <a:r>
               <a:rPr lang="de-CH" dirty="0"/>
               <a:t> </a:t>
             </a:r>
             <a:r>
-              <a:rPr lang="de-CH" b="1" dirty="0" err="1"/>
-              <a:t>contains</a:t>
-            </a:r>
-            <a:r>
-              <a:rPr lang="de-CH" b="1" dirty="0"/>
+              <a:rPr lang="de-CH" dirty="0" err="1"/>
+              <a:t>with</a:t>
+            </a:r>
+            <a:r>
+              <a:rPr lang="de-CH" dirty="0"/>
               <a:t> </a:t>
             </a:r>
             <a:r>
-              <a:rPr lang="de-CH" b="1" dirty="0" err="1"/>
-              <a:t>no</a:t>
-            </a:r>
-            <a:r>
-              <a:rPr lang="de-CH" b="1" dirty="0"/>
+              <a:rPr lang="de-CH" dirty="0" err="1"/>
+              <a:t>only</a:t>
+            </a:r>
+            <a:r>
+              <a:rPr lang="de-CH" dirty="0"/>
               <a:t> </a:t>
             </a:r>
             <a:r>
-              <a:rPr lang="de-CH" b="1" dirty="0" err="1"/>
-              <a:t>values</a:t>
-            </a:r>
-            <a:endParaRPr lang="de-CH" b="1" dirty="0"/>
-          </a:p>
-          <a:p>
-            <a:endParaRPr lang="de-CH" b="1" dirty="0"/>
-          </a:p>
-          <a:p>
-            <a:endParaRPr lang="de-CH" b="1" dirty="0"/>
-          </a:p>
-          <a:p>
-            <a:endParaRPr lang="de-CH" b="1" dirty="0"/>
-          </a:p>
-          <a:p>
-            <a:r>
               <a:rPr lang="de-CH" dirty="0" err="1"/>
-              <a:t>Has</a:t>
+              <a:t>one</a:t>
             </a:r>
             <a:r>
               <a:rPr lang="de-CH" dirty="0"/>
@@ -5740,67 +5435,41 @@
             </a:r>
             <a:r>
               <a:rPr lang="de-CH" dirty="0" err="1"/>
-              <a:t>several</a:t>
-            </a:r>
-            <a:r>
-              <a:rPr lang="de-CH" dirty="0"/>
-              <a:t> </a:t>
+              <a:t>inhabitant</a:t>
+            </a:r>
+            <a:endParaRPr lang="de-CH" dirty="0"/>
+          </a:p>
+          <a:p>
+            <a:endParaRPr lang="de-CH" dirty="0"/>
+          </a:p>
+          <a:p>
+            <a:r>
+              <a:rPr lang="de-CH" dirty="0"/>
+              <a:t>In </a:t>
             </a:r>
             <a:r>
               <a:rPr lang="de-CH" dirty="0" err="1"/>
-              <a:t>interesting</a:t>
-            </a:r>
-            <a:r>
-              <a:rPr lang="de-CH" dirty="0"/>
-              <a:t> </a:t>
-            </a:r>
-            <a:r>
-              <a:rPr lang="de-CH" dirty="0" err="1"/>
-              <a:t>applications</a:t>
-            </a:r>
-            <a:r>
-              <a:rPr lang="de-CH" dirty="0"/>
-              <a:t>,</a:t>
-            </a:r>
-            <a:br>
-              <a:rPr lang="de-CH" dirty="0"/>
-            </a:br>
-            <a:r>
-              <a:rPr lang="de-CH" dirty="0" err="1"/>
-              <a:t>similar</a:t>
-            </a:r>
-            <a:r>
-              <a:rPr lang="de-CH" dirty="0"/>
-              <a:t> </a:t>
-            </a:r>
-            <a:r>
-              <a:rPr lang="de-CH" dirty="0" err="1"/>
-              <a:t>to</a:t>
-            </a:r>
-            <a:r>
-              <a:rPr lang="de-CH" dirty="0"/>
-              <a:t> 0 in </a:t>
-            </a:r>
-            <a:r>
-              <a:rPr lang="de-CH" dirty="0" err="1"/>
-              <a:t>algebra</a:t>
-            </a:r>
-            <a:endParaRPr lang="de-CH" dirty="0"/>
-          </a:p>
-          <a:p>
-            <a:endParaRPr lang="de-CH" dirty="0"/>
-          </a:p>
-          <a:p>
+              <a:t>Typescript</a:t>
+            </a:r>
+            <a:r>
+              <a:rPr lang="de-CH" dirty="0"/>
+              <a:t>:</a:t>
+            </a:r>
+          </a:p>
+          <a:p>
+            <a:pPr marL="0" indent="0">
+              <a:buNone/>
+            </a:pPr>
             <a:endParaRPr lang="en-GB" dirty="0"/>
           </a:p>
         </p:txBody>
       </p:sp>
       <p:pic>
         <p:nvPicPr>
-          <p:cNvPr id="4098" name="Picture 2">
+          <p:cNvPr id="8194" name="Picture 2">
             <a:extLst>
               <a:ext uri="{FF2B5EF4-FFF2-40B4-BE49-F238E27FC236}">
-                <a16:creationId xmlns:a16="http://schemas.microsoft.com/office/drawing/2014/main" id="{2E4BFA89-07F5-4DA9-8AF8-F57C5DBBCF9E}"/>
+                <a16:creationId xmlns:a16="http://schemas.microsoft.com/office/drawing/2014/main" id="{6CAC0203-0BF0-4A90-A562-D96744421473}"/>
               </a:ext>
             </a:extLst>
           </p:cNvPr>
@@ -5810,20 +5479,20 @@
           <p:nvPr/>
         </p:nvPicPr>
         <p:blipFill rotWithShape="1">
-          <a:blip r:embed="rId3">
+          <a:blip r:embed="rId2">
             <a:extLst>
               <a:ext uri="{28A0092B-C50C-407E-A947-70E740481C1C}">
                 <a14:useLocalDpi xmlns:a14="http://schemas.microsoft.com/office/drawing/2010/main" val="0"/>
               </a:ext>
             </a:extLst>
           </a:blip>
-          <a:srcRect l="50000" t="67806" r="14579" b="7963"/>
+          <a:srcRect l="28794" t="43929" r="29255" b="29211"/>
           <a:stretch/>
         </p:blipFill>
         <p:spPr bwMode="auto">
           <a:xfrm>
-            <a:off x="8522145" y="3429000"/>
-            <a:ext cx="3185850" cy="3119600"/>
+            <a:off x="7521951" y="681037"/>
+            <a:ext cx="3831849" cy="3511826"/>
           </a:xfrm>
           <a:prstGeom prst="rect">
             <a:avLst/>
@@ -5842,10 +5511,10 @@
       </p:pic>
       <p:sp>
         <p:nvSpPr>
-          <p:cNvPr id="8" name="Rectangle 7">
+          <p:cNvPr id="4" name="Rectangle 3">
             <a:extLst>
               <a:ext uri="{FF2B5EF4-FFF2-40B4-BE49-F238E27FC236}">
-                <a16:creationId xmlns:a16="http://schemas.microsoft.com/office/drawing/2014/main" id="{FC05B7DB-51B5-425D-9E43-EC9C8AC702A4}"/>
+                <a16:creationId xmlns:a16="http://schemas.microsoft.com/office/drawing/2014/main" id="{E85A615F-35D3-40E0-B270-F323201AACBC}"/>
               </a:ext>
             </a:extLst>
           </p:cNvPr>
@@ -5854,8 +5523,8 @@
         </p:nvSpPr>
         <p:spPr>
           <a:xfrm>
-            <a:off x="1158661" y="2635549"/>
-            <a:ext cx="5404043" cy="400110"/>
+            <a:off x="1184927" y="4722768"/>
+            <a:ext cx="3711272" cy="400110"/>
           </a:xfrm>
           <a:prstGeom prst="rect">
             <a:avLst/>
@@ -5877,16 +5546,16 @@
           <a:lstStyle/>
           <a:p>
             <a:r>
-              <a:rPr lang="en-US" sz="2000" dirty="0">
+              <a:rPr lang="de-CH" sz="2000" dirty="0" err="1">
                 <a:solidFill>
                   <a:srgbClr val="569CD6"/>
                 </a:solidFill>
                 <a:latin typeface="Consolas" panose="020B0609020204030204" pitchFamily="49" charset="0"/>
               </a:rPr>
-              <a:t>let</a:t>
-            </a:r>
-            <a:r>
-              <a:rPr lang="en-US" sz="2000" dirty="0">
+              <a:t>const</a:t>
+            </a:r>
+            <a:r>
+              <a:rPr lang="de-CH" sz="2000" dirty="0">
                 <a:solidFill>
                   <a:srgbClr val="D4D4D4"/>
                 </a:solidFill>
@@ -5895,87 +5564,87 @@
               <a:t> </a:t>
             </a:r>
             <a:r>
-              <a:rPr lang="en-US" sz="2000" dirty="0">
+              <a:rPr lang="de-CH" sz="2000" dirty="0">
                 <a:solidFill>
                   <a:srgbClr val="9CDCFE"/>
                 </a:solidFill>
                 <a:latin typeface="Consolas" panose="020B0609020204030204" pitchFamily="49" charset="0"/>
               </a:rPr>
-              <a:t>g</a:t>
-            </a:r>
-            <a:r>
-              <a:rPr lang="en-US" sz="2000" dirty="0">
-                <a:solidFill>
-                  <a:srgbClr val="D4D4D4"/>
-                </a:solidFill>
-                <a:latin typeface="Consolas" panose="020B0609020204030204" pitchFamily="49" charset="0"/>
-              </a:rPr>
-              <a:t>: </a:t>
-            </a:r>
-            <a:r>
-              <a:rPr lang="en-US" sz="2000" dirty="0">
-                <a:solidFill>
-                  <a:srgbClr val="4EC9B0"/>
-                </a:solidFill>
-                <a:latin typeface="Consolas" panose="020B0609020204030204" pitchFamily="49" charset="0"/>
-              </a:rPr>
-              <a:t>never</a:t>
-            </a:r>
-            <a:r>
-              <a:rPr lang="en-US" sz="2000" dirty="0">
-                <a:solidFill>
-                  <a:srgbClr val="D4D4D4"/>
-                </a:solidFill>
-                <a:latin typeface="Consolas" panose="020B0609020204030204" pitchFamily="49" charset="0"/>
-              </a:rPr>
-              <a:t> = ({} </a:t>
-            </a:r>
-            <a:r>
-              <a:rPr lang="en-US" sz="2000" dirty="0">
-                <a:solidFill>
-                  <a:srgbClr val="C586C0"/>
-                </a:solidFill>
-                <a:latin typeface="Consolas" panose="020B0609020204030204" pitchFamily="49" charset="0"/>
-              </a:rPr>
-              <a:t>as</a:t>
-            </a:r>
-            <a:r>
-              <a:rPr lang="en-US" sz="2000" dirty="0">
-                <a:solidFill>
-                  <a:srgbClr val="D4D4D4"/>
-                </a:solidFill>
-                <a:latin typeface="Consolas" panose="020B0609020204030204" pitchFamily="49" charset="0"/>
-              </a:rPr>
-              <a:t> </a:t>
-            </a:r>
-            <a:r>
-              <a:rPr lang="en-US" sz="2000" dirty="0">
-                <a:solidFill>
-                  <a:srgbClr val="4EC9B0"/>
-                </a:solidFill>
-                <a:latin typeface="Consolas" panose="020B0609020204030204" pitchFamily="49" charset="0"/>
-              </a:rPr>
-              <a:t>any</a:t>
-            </a:r>
-            <a:r>
-              <a:rPr lang="en-US" sz="2000" dirty="0">
-                <a:solidFill>
-                  <a:srgbClr val="D4D4D4"/>
-                </a:solidFill>
-                <a:latin typeface="Consolas" panose="020B0609020204030204" pitchFamily="49" charset="0"/>
-              </a:rPr>
-              <a:t>); </a:t>
-            </a:r>
-            <a:r>
-              <a:rPr lang="en-US" sz="2000" dirty="0">
+              <a:t>x</a:t>
+            </a:r>
+            <a:r>
+              <a:rPr lang="de-CH" sz="2000" dirty="0">
+                <a:solidFill>
+                  <a:srgbClr val="D4D4D4"/>
+                </a:solidFill>
+                <a:latin typeface="Consolas" panose="020B0609020204030204" pitchFamily="49" charset="0"/>
+              </a:rPr>
+              <a:t> = </a:t>
+            </a:r>
+            <a:r>
+              <a:rPr lang="de-CH" sz="2000" dirty="0">
+                <a:solidFill>
+                  <a:srgbClr val="CE9178"/>
+                </a:solidFill>
+                <a:latin typeface="Consolas" panose="020B0609020204030204" pitchFamily="49" charset="0"/>
+              </a:rPr>
+              <a:t>"</a:t>
+            </a:r>
+            <a:r>
+              <a:rPr lang="de-CH" sz="2000" dirty="0" err="1">
+                <a:solidFill>
+                  <a:srgbClr val="CE9178"/>
+                </a:solidFill>
+                <a:latin typeface="Consolas" panose="020B0609020204030204" pitchFamily="49" charset="0"/>
+              </a:rPr>
+              <a:t>foo</a:t>
+            </a:r>
+            <a:r>
+              <a:rPr lang="de-CH" sz="2000" dirty="0">
+                <a:solidFill>
+                  <a:srgbClr val="CE9178"/>
+                </a:solidFill>
+                <a:latin typeface="Consolas" panose="020B0609020204030204" pitchFamily="49" charset="0"/>
+              </a:rPr>
+              <a:t>"</a:t>
+            </a:r>
+            <a:r>
+              <a:rPr lang="de-CH" sz="2000" dirty="0">
+                <a:solidFill>
+                  <a:srgbClr val="D4D4D4"/>
+                </a:solidFill>
+                <a:latin typeface="Consolas" panose="020B0609020204030204" pitchFamily="49" charset="0"/>
+              </a:rPr>
+              <a:t>; </a:t>
+            </a:r>
+            <a:r>
+              <a:rPr lang="de-CH" sz="2000" dirty="0">
                 <a:solidFill>
                   <a:srgbClr val="6A9955"/>
                 </a:solidFill>
                 <a:latin typeface="Consolas" panose="020B0609020204030204" pitchFamily="49" charset="0"/>
               </a:rPr>
-              <a:t>// Error</a:t>
-            </a:r>
-            <a:endParaRPr lang="en-US" sz="2000" dirty="0">
+              <a:t>// "</a:t>
+            </a:r>
+            <a:r>
+              <a:rPr lang="de-CH" sz="2000" dirty="0" err="1">
+                <a:solidFill>
+                  <a:srgbClr val="6A9955"/>
+                </a:solidFill>
+                <a:latin typeface="Consolas" panose="020B0609020204030204" pitchFamily="49" charset="0"/>
+              </a:rPr>
+              <a:t>foo</a:t>
+            </a:r>
+            <a:r>
+              <a:rPr lang="de-CH" sz="2000" dirty="0">
+                <a:solidFill>
+                  <a:srgbClr val="6A9955"/>
+                </a:solidFill>
+                <a:latin typeface="Consolas" panose="020B0609020204030204" pitchFamily="49" charset="0"/>
+              </a:rPr>
+              <a:t>"</a:t>
+            </a:r>
+            <a:endParaRPr lang="de-CH" sz="2000" dirty="0">
               <a:solidFill>
                 <a:srgbClr val="D4D4D4"/>
               </a:solidFill>
@@ -5984,10 +5653,436 @@
           </a:p>
         </p:txBody>
       </p:sp>
+      <p:sp>
+        <p:nvSpPr>
+          <p:cNvPr id="6" name="Rectangle 5">
+            <a:extLst>
+              <a:ext uri="{FF2B5EF4-FFF2-40B4-BE49-F238E27FC236}">
+                <a16:creationId xmlns:a16="http://schemas.microsoft.com/office/drawing/2014/main" id="{5E2ACDF3-0179-4497-8758-F02BE247C24B}"/>
+              </a:ext>
+            </a:extLst>
+          </p:cNvPr>
+          <p:cNvSpPr/>
+          <p:nvPr/>
+        </p:nvSpPr>
+        <p:spPr>
+          <a:xfrm>
+            <a:off x="1184927" y="5340113"/>
+            <a:ext cx="2601192" cy="400110"/>
+          </a:xfrm>
+          <a:prstGeom prst="rect">
+            <a:avLst/>
+          </a:prstGeom>
+          <a:solidFill>
+            <a:schemeClr val="tx1">
+              <a:lumMod val="75000"/>
+              <a:lumOff val="25000"/>
+            </a:schemeClr>
+          </a:solidFill>
+          <a:ln>
+            <a:noFill/>
+          </a:ln>
+        </p:spPr>
+        <p:txBody>
+          <a:bodyPr wrap="square">
+            <a:spAutoFit/>
+          </a:bodyPr>
+          <a:lstStyle/>
+          <a:p>
+            <a:r>
+              <a:rPr lang="de-CH" sz="2000" dirty="0" err="1">
+                <a:solidFill>
+                  <a:srgbClr val="569CD6"/>
+                </a:solidFill>
+                <a:latin typeface="Consolas" panose="020B0609020204030204" pitchFamily="49" charset="0"/>
+              </a:rPr>
+              <a:t>const</a:t>
+            </a:r>
+            <a:r>
+              <a:rPr lang="de-CH" sz="2000" dirty="0">
+                <a:solidFill>
+                  <a:srgbClr val="D4D4D4"/>
+                </a:solidFill>
+                <a:latin typeface="Consolas" panose="020B0609020204030204" pitchFamily="49" charset="0"/>
+              </a:rPr>
+              <a:t> </a:t>
+            </a:r>
+            <a:r>
+              <a:rPr lang="de-CH" sz="2000" dirty="0">
+                <a:solidFill>
+                  <a:srgbClr val="9CDCFE"/>
+                </a:solidFill>
+                <a:latin typeface="Consolas" panose="020B0609020204030204" pitchFamily="49" charset="0"/>
+              </a:rPr>
+              <a:t>y</a:t>
+            </a:r>
+            <a:r>
+              <a:rPr lang="de-CH" sz="2000" dirty="0">
+                <a:solidFill>
+                  <a:srgbClr val="D4D4D4"/>
+                </a:solidFill>
+                <a:latin typeface="Consolas" panose="020B0609020204030204" pitchFamily="49" charset="0"/>
+              </a:rPr>
+              <a:t> = </a:t>
+            </a:r>
+            <a:r>
+              <a:rPr lang="de-CH" sz="2000" dirty="0">
+                <a:solidFill>
+                  <a:srgbClr val="B5CEA8"/>
+                </a:solidFill>
+                <a:latin typeface="Consolas" panose="020B0609020204030204" pitchFamily="49" charset="0"/>
+              </a:rPr>
+              <a:t>5</a:t>
+            </a:r>
+            <a:r>
+              <a:rPr lang="de-CH" sz="2000" dirty="0">
+                <a:solidFill>
+                  <a:srgbClr val="D4D4D4"/>
+                </a:solidFill>
+                <a:latin typeface="Consolas" panose="020B0609020204030204" pitchFamily="49" charset="0"/>
+              </a:rPr>
+              <a:t>; </a:t>
+            </a:r>
+            <a:r>
+              <a:rPr lang="de-CH" sz="2000" dirty="0">
+                <a:solidFill>
+                  <a:srgbClr val="6A9955"/>
+                </a:solidFill>
+                <a:latin typeface="Consolas" panose="020B0609020204030204" pitchFamily="49" charset="0"/>
+              </a:rPr>
+              <a:t>// 5</a:t>
+            </a:r>
+            <a:endParaRPr lang="de-CH" sz="2000" dirty="0">
+              <a:solidFill>
+                <a:srgbClr val="D4D4D4"/>
+              </a:solidFill>
+              <a:latin typeface="Consolas" panose="020B0609020204030204" pitchFamily="49" charset="0"/>
+            </a:endParaRPr>
+          </a:p>
+        </p:txBody>
+      </p:sp>
+      <p:sp>
+        <p:nvSpPr>
+          <p:cNvPr id="7" name="Rectangle 6">
+            <a:extLst>
+              <a:ext uri="{FF2B5EF4-FFF2-40B4-BE49-F238E27FC236}">
+                <a16:creationId xmlns:a16="http://schemas.microsoft.com/office/drawing/2014/main" id="{24F1EBD1-BA5E-4717-AC83-43F0E175553A}"/>
+              </a:ext>
+            </a:extLst>
+          </p:cNvPr>
+          <p:cNvSpPr/>
+          <p:nvPr/>
+        </p:nvSpPr>
+        <p:spPr>
+          <a:xfrm>
+            <a:off x="1184927" y="4105423"/>
+            <a:ext cx="3147015" cy="400110"/>
+          </a:xfrm>
+          <a:prstGeom prst="rect">
+            <a:avLst/>
+          </a:prstGeom>
+          <a:solidFill>
+            <a:schemeClr val="tx1">
+              <a:lumMod val="75000"/>
+              <a:lumOff val="25000"/>
+            </a:schemeClr>
+          </a:solidFill>
+          <a:ln>
+            <a:noFill/>
+          </a:ln>
+        </p:spPr>
+        <p:txBody>
+          <a:bodyPr wrap="none">
+            <a:spAutoFit/>
+          </a:bodyPr>
+          <a:lstStyle/>
+          <a:p>
+            <a:r>
+              <a:rPr lang="de-CH" sz="2000">
+                <a:solidFill>
+                  <a:srgbClr val="569CD6"/>
+                </a:solidFill>
+                <a:latin typeface="Consolas" panose="020B0609020204030204" pitchFamily="49" charset="0"/>
+              </a:rPr>
+              <a:t>let</a:t>
+            </a:r>
+            <a:r>
+              <a:rPr lang="de-CH" sz="2000">
+                <a:solidFill>
+                  <a:srgbClr val="D4D4D4"/>
+                </a:solidFill>
+                <a:latin typeface="Consolas" panose="020B0609020204030204" pitchFamily="49" charset="0"/>
+              </a:rPr>
+              <a:t> </a:t>
+            </a:r>
+            <a:r>
+              <a:rPr lang="de-CH" sz="2000">
+                <a:solidFill>
+                  <a:srgbClr val="9CDCFE"/>
+                </a:solidFill>
+                <a:latin typeface="Consolas" panose="020B0609020204030204" pitchFamily="49" charset="0"/>
+              </a:rPr>
+              <a:t>a</a:t>
+            </a:r>
+            <a:r>
+              <a:rPr lang="de-CH" sz="2000">
+                <a:solidFill>
+                  <a:srgbClr val="D4D4D4"/>
+                </a:solidFill>
+                <a:latin typeface="Consolas" panose="020B0609020204030204" pitchFamily="49" charset="0"/>
+              </a:rPr>
+              <a:t> = </a:t>
+            </a:r>
+            <a:r>
+              <a:rPr lang="de-CH" sz="2000">
+                <a:solidFill>
+                  <a:srgbClr val="569CD6"/>
+                </a:solidFill>
+                <a:latin typeface="Consolas" panose="020B0609020204030204" pitchFamily="49" charset="0"/>
+              </a:rPr>
+              <a:t>null</a:t>
+            </a:r>
+            <a:r>
+              <a:rPr lang="de-CH" sz="2000">
+                <a:solidFill>
+                  <a:srgbClr val="D4D4D4"/>
+                </a:solidFill>
+                <a:latin typeface="Consolas" panose="020B0609020204030204" pitchFamily="49" charset="0"/>
+              </a:rPr>
+              <a:t>; </a:t>
+            </a:r>
+            <a:r>
+              <a:rPr lang="de-CH" sz="2000">
+                <a:solidFill>
+                  <a:srgbClr val="6A9955"/>
+                </a:solidFill>
+                <a:latin typeface="Consolas" panose="020B0609020204030204" pitchFamily="49" charset="0"/>
+              </a:rPr>
+              <a:t>// null</a:t>
+            </a:r>
+            <a:endParaRPr lang="de-CH" sz="2000">
+              <a:solidFill>
+                <a:srgbClr val="D4D4D4"/>
+              </a:solidFill>
+              <a:latin typeface="Consolas" panose="020B0609020204030204" pitchFamily="49" charset="0"/>
+            </a:endParaRPr>
+          </a:p>
+        </p:txBody>
+      </p:sp>
+      <p:sp>
+        <p:nvSpPr>
+          <p:cNvPr id="8" name="Rectangle 7">
+            <a:extLst>
+              <a:ext uri="{FF2B5EF4-FFF2-40B4-BE49-F238E27FC236}">
+                <a16:creationId xmlns:a16="http://schemas.microsoft.com/office/drawing/2014/main" id="{B6A52AA5-3753-44A7-943C-05C785A96AD1}"/>
+              </a:ext>
+            </a:extLst>
+          </p:cNvPr>
+          <p:cNvSpPr/>
+          <p:nvPr/>
+        </p:nvSpPr>
+        <p:spPr>
+          <a:xfrm>
+            <a:off x="1184927" y="3488078"/>
+            <a:ext cx="2864887" cy="400110"/>
+          </a:xfrm>
+          <a:prstGeom prst="rect">
+            <a:avLst/>
+          </a:prstGeom>
+          <a:solidFill>
+            <a:schemeClr val="tx1">
+              <a:lumMod val="75000"/>
+              <a:lumOff val="25000"/>
+            </a:schemeClr>
+          </a:solidFill>
+          <a:ln>
+            <a:noFill/>
+          </a:ln>
+        </p:spPr>
+        <p:txBody>
+          <a:bodyPr wrap="none">
+            <a:spAutoFit/>
+          </a:bodyPr>
+          <a:lstStyle/>
+          <a:p>
+            <a:r>
+              <a:rPr lang="de-CH" sz="2000" dirty="0" err="1">
+                <a:solidFill>
+                  <a:srgbClr val="569CD6"/>
+                </a:solidFill>
+                <a:latin typeface="Consolas" panose="020B0609020204030204" pitchFamily="49" charset="0"/>
+              </a:rPr>
+              <a:t>let</a:t>
+            </a:r>
+            <a:r>
+              <a:rPr lang="de-CH" sz="2000" dirty="0">
+                <a:solidFill>
+                  <a:srgbClr val="D4D4D4"/>
+                </a:solidFill>
+                <a:latin typeface="Consolas" panose="020B0609020204030204" pitchFamily="49" charset="0"/>
+              </a:rPr>
+              <a:t> </a:t>
+            </a:r>
+            <a:r>
+              <a:rPr lang="de-CH" sz="2000" dirty="0">
+                <a:solidFill>
+                  <a:srgbClr val="9CDCFE"/>
+                </a:solidFill>
+                <a:latin typeface="Consolas" panose="020B0609020204030204" pitchFamily="49" charset="0"/>
+              </a:rPr>
+              <a:t>u</a:t>
+            </a:r>
+            <a:r>
+              <a:rPr lang="de-CH" sz="2000" dirty="0">
+                <a:solidFill>
+                  <a:srgbClr val="D4D4D4"/>
+                </a:solidFill>
+                <a:latin typeface="Consolas" panose="020B0609020204030204" pitchFamily="49" charset="0"/>
+              </a:rPr>
+              <a:t>; </a:t>
+            </a:r>
+            <a:r>
+              <a:rPr lang="de-CH" sz="2000" dirty="0">
+                <a:solidFill>
+                  <a:srgbClr val="6A9955"/>
+                </a:solidFill>
+                <a:latin typeface="Consolas" panose="020B0609020204030204" pitchFamily="49" charset="0"/>
+              </a:rPr>
+              <a:t>// </a:t>
+            </a:r>
+            <a:r>
+              <a:rPr lang="de-CH" sz="2000" dirty="0" err="1">
+                <a:solidFill>
+                  <a:srgbClr val="6A9955"/>
+                </a:solidFill>
+                <a:latin typeface="Consolas" panose="020B0609020204030204" pitchFamily="49" charset="0"/>
+              </a:rPr>
+              <a:t>undefined</a:t>
+            </a:r>
+            <a:endParaRPr lang="de-CH" sz="2000" dirty="0">
+              <a:solidFill>
+                <a:srgbClr val="D4D4D4"/>
+              </a:solidFill>
+              <a:latin typeface="Consolas" panose="020B0609020204030204" pitchFamily="49" charset="0"/>
+            </a:endParaRPr>
+          </a:p>
+        </p:txBody>
+      </p:sp>
+      <p:grpSp>
+        <p:nvGrpSpPr>
+          <p:cNvPr id="10" name="Group 9">
+            <a:extLst>
+              <a:ext uri="{FF2B5EF4-FFF2-40B4-BE49-F238E27FC236}">
+                <a16:creationId xmlns:a16="http://schemas.microsoft.com/office/drawing/2014/main" id="{D0405BC7-B2A0-44A7-9368-BDC968E6D1E7}"/>
+              </a:ext>
+            </a:extLst>
+          </p:cNvPr>
+          <p:cNvGrpSpPr/>
+          <p:nvPr/>
+        </p:nvGrpSpPr>
+        <p:grpSpPr>
+          <a:xfrm>
+            <a:off x="5063839" y="4640470"/>
+            <a:ext cx="2752895" cy="1220932"/>
+            <a:chOff x="5118908" y="4578235"/>
+            <a:chExt cx="2752895" cy="1220932"/>
+          </a:xfrm>
+        </p:grpSpPr>
+        <p:sp>
+          <p:nvSpPr>
+            <p:cNvPr id="5" name="TextBox 4">
+              <a:extLst>
+                <a:ext uri="{FF2B5EF4-FFF2-40B4-BE49-F238E27FC236}">
+                  <a16:creationId xmlns:a16="http://schemas.microsoft.com/office/drawing/2014/main" id="{EF322AF8-0ECE-48C7-B9E1-98A0C715A938}"/>
+                </a:ext>
+              </a:extLst>
+            </p:cNvPr>
+            <p:cNvSpPr txBox="1"/>
+            <p:nvPr/>
+          </p:nvSpPr>
+          <p:spPr>
+            <a:xfrm>
+              <a:off x="5648149" y="4902791"/>
+              <a:ext cx="2223654" cy="523220"/>
+            </a:xfrm>
+            <a:prstGeom prst="rect">
+              <a:avLst/>
+            </a:prstGeom>
+            <a:noFill/>
+          </p:spPr>
+          <p:txBody>
+            <a:bodyPr wrap="square" rtlCol="0">
+              <a:spAutoFit/>
+            </a:bodyPr>
+            <a:lstStyle/>
+            <a:p>
+              <a:r>
+                <a:rPr lang="de-CH" sz="2800" dirty="0">
+                  <a:latin typeface="Roboto" panose="02000000000000000000" pitchFamily="2" charset="0"/>
+                  <a:ea typeface="Roboto" panose="02000000000000000000" pitchFamily="2" charset="0"/>
+                </a:rPr>
+                <a:t>Type Literals</a:t>
+              </a:r>
+              <a:endParaRPr lang="en-GB" sz="2800" dirty="0">
+                <a:latin typeface="Roboto" panose="02000000000000000000" pitchFamily="2" charset="0"/>
+                <a:ea typeface="Roboto" panose="02000000000000000000" pitchFamily="2" charset="0"/>
+              </a:endParaRPr>
+            </a:p>
+          </p:txBody>
+        </p:sp>
+        <p:sp>
+          <p:nvSpPr>
+            <p:cNvPr id="9" name="Right Brace 8">
+              <a:extLst>
+                <a:ext uri="{FF2B5EF4-FFF2-40B4-BE49-F238E27FC236}">
+                  <a16:creationId xmlns:a16="http://schemas.microsoft.com/office/drawing/2014/main" id="{B39530EE-6545-4D53-86A8-DAFB3F411F9B}"/>
+                </a:ext>
+              </a:extLst>
+            </p:cNvPr>
+            <p:cNvSpPr/>
+            <p:nvPr/>
+          </p:nvSpPr>
+          <p:spPr>
+            <a:xfrm>
+              <a:off x="5118908" y="4578235"/>
+              <a:ext cx="306532" cy="1220932"/>
+            </a:xfrm>
+            <a:prstGeom prst="rightBrace">
+              <a:avLst>
+                <a:gd name="adj1" fmla="val 39102"/>
+                <a:gd name="adj2" fmla="val 48298"/>
+              </a:avLst>
+            </a:prstGeom>
+            <a:ln w="57150"/>
+          </p:spPr>
+          <p:style>
+            <a:lnRef idx="1">
+              <a:schemeClr val="dk1"/>
+            </a:lnRef>
+            <a:fillRef idx="0">
+              <a:schemeClr val="dk1"/>
+            </a:fillRef>
+            <a:effectRef idx="0">
+              <a:schemeClr val="dk1"/>
+            </a:effectRef>
+            <a:fontRef idx="minor">
+              <a:schemeClr val="tx1"/>
+            </a:fontRef>
+          </p:style>
+          <p:txBody>
+            <a:bodyPr rtlCol="0" anchor="ctr"/>
+            <a:lstStyle/>
+            <a:p>
+              <a:pPr algn="ctr"/>
+              <a:endParaRPr lang="en-GB"/>
+            </a:p>
+          </p:txBody>
+        </p:sp>
+      </p:grpSp>
     </p:spTree>
     <p:extLst>
       <p:ext uri="{BB962C8B-B14F-4D97-AF65-F5344CB8AC3E}">
-        <p14:creationId xmlns:p14="http://schemas.microsoft.com/office/powerpoint/2010/main" val="623836666"/>
+        <p14:creationId xmlns:p14="http://schemas.microsoft.com/office/powerpoint/2010/main" val="690073401"/>
       </p:ext>
     </p:extLst>
   </p:cSld>
@@ -6019,7 +6114,7 @@
           <p:cNvPr id="2" name="Title 1">
             <a:extLst>
               <a:ext uri="{FF2B5EF4-FFF2-40B4-BE49-F238E27FC236}">
-                <a16:creationId xmlns:a16="http://schemas.microsoft.com/office/drawing/2014/main" id="{881C8C4A-DA34-4933-BE30-83EDE40DD3F3}"/>
+                <a16:creationId xmlns:a16="http://schemas.microsoft.com/office/drawing/2014/main" id="{13443706-69D0-401F-BF0C-12133E76F0FB}"/>
               </a:ext>
             </a:extLst>
           </p:cNvPr>
@@ -6035,7 +6130,15 @@
           <a:bodyPr/>
           <a:lstStyle/>
           <a:p>
-            <a:endParaRPr lang="en-GB"/>
+            <a:r>
+              <a:rPr lang="de-CH" dirty="0"/>
+              <a:t>Top </a:t>
+            </a:r>
+            <a:r>
+              <a:rPr lang="de-CH" dirty="0" err="1"/>
+              <a:t>Types</a:t>
+            </a:r>
+            <a:endParaRPr lang="en-GB" dirty="0"/>
           </a:p>
         </p:txBody>
       </p:sp>
@@ -6044,7 +6147,7 @@
           <p:cNvPr id="3" name="Content Placeholder 2">
             <a:extLst>
               <a:ext uri="{FF2B5EF4-FFF2-40B4-BE49-F238E27FC236}">
-                <a16:creationId xmlns:a16="http://schemas.microsoft.com/office/drawing/2014/main" id="{DD7A9F0C-3198-4D5F-B54B-3C995CC9FC18}"/>
+                <a16:creationId xmlns:a16="http://schemas.microsoft.com/office/drawing/2014/main" id="{90042D91-CDD8-4C15-9F19-63338B03F2DA}"/>
               </a:ext>
             </a:extLst>
           </p:cNvPr>
@@ -6055,14 +6158,31 @@
             <p:ph idx="1"/>
           </p:nvPr>
         </p:nvSpPr>
-        <p:spPr/>
+        <p:spPr>
+          <a:xfrm>
+            <a:off x="838200" y="1819405"/>
+            <a:ext cx="10515600" cy="4351338"/>
+          </a:xfrm>
+        </p:spPr>
         <p:txBody>
           <a:bodyPr/>
           <a:lstStyle/>
           <a:p>
             <a:r>
+              <a:rPr lang="de-CH" dirty="0"/>
+              <a:t>Also </a:t>
+            </a:r>
+            <a:r>
+              <a:rPr lang="de-CH" i="1" dirty="0"/>
+              <a:t>universal supertype</a:t>
+            </a:r>
+            <a:r>
+              <a:rPr lang="de-CH" dirty="0"/>
+              <a:t>, </a:t>
+            </a:r>
+            <a:r>
               <a:rPr lang="de-CH" dirty="0" err="1"/>
-              <a:t>Example</a:t>
+              <a:t>contains</a:t>
             </a:r>
             <a:r>
               <a:rPr lang="de-CH" dirty="0"/>
@@ -6070,7 +6190,26 @@
             </a:r>
             <a:r>
               <a:rPr lang="de-CH" dirty="0" err="1"/>
-              <a:t>of</a:t>
+              <a:t>every</a:t>
+            </a:r>
+            <a:r>
+              <a:rPr lang="de-CH" dirty="0"/>
+              <a:t> possible </a:t>
+            </a:r>
+            <a:r>
+              <a:rPr lang="de-CH" dirty="0" err="1"/>
+              <a:t>value</a:t>
+            </a:r>
+            <a:r>
+              <a:rPr lang="de-CH" dirty="0"/>
+              <a:t>,</a:t>
+            </a:r>
+            <a:br>
+              <a:rPr lang="de-CH" dirty="0"/>
+            </a:br>
+            <a:r>
+              <a:rPr lang="de-CH" dirty="0" err="1"/>
+              <a:t>equals</a:t>
             </a:r>
             <a:r>
               <a:rPr lang="de-CH" dirty="0"/>
@@ -6078,16 +6217,533 @@
             </a:r>
             <a:r>
               <a:rPr lang="de-CH" dirty="0" err="1"/>
+              <a:t>the</a:t>
+            </a:r>
+            <a:r>
+              <a:rPr lang="de-CH" dirty="0"/>
+              <a:t> </a:t>
+            </a:r>
+            <a:r>
+              <a:rPr lang="de-CH" dirty="0" err="1"/>
+              <a:t>universe</a:t>
+            </a:r>
+            <a:r>
+              <a:rPr lang="de-CH" dirty="0"/>
+              <a:t> </a:t>
+            </a:r>
+            <a:r>
+              <a:rPr lang="de-CH" dirty="0" err="1"/>
+              <a:t>set</a:t>
+            </a:r>
+            <a:r>
+              <a:rPr lang="de-CH" dirty="0"/>
+              <a:t> </a:t>
+            </a:r>
+            <a:r>
+              <a:rPr lang="de-CH" i="1" dirty="0"/>
+              <a:t>U</a:t>
+            </a:r>
+          </a:p>
+          <a:p>
+            <a:r>
+              <a:rPr lang="en-GB" dirty="0"/>
+              <a:t>In typescript: </a:t>
+            </a:r>
+            <a:r>
+              <a:rPr lang="en-GB" b="1" dirty="0"/>
+              <a:t>any</a:t>
+            </a:r>
+            <a:r>
+              <a:rPr lang="en-GB" dirty="0"/>
+              <a:t> and </a:t>
+            </a:r>
+            <a:r>
+              <a:rPr lang="en-GB" b="1" dirty="0" err="1"/>
+              <a:t>unkown</a:t>
+            </a:r>
+            <a:endParaRPr lang="en-GB" dirty="0"/>
+          </a:p>
+        </p:txBody>
+      </p:sp>
+      <p:pic>
+        <p:nvPicPr>
+          <p:cNvPr id="6148" name="Picture 4">
+            <a:extLst>
+              <a:ext uri="{FF2B5EF4-FFF2-40B4-BE49-F238E27FC236}">
+                <a16:creationId xmlns:a16="http://schemas.microsoft.com/office/drawing/2014/main" id="{AD9C3E15-E5CB-4DB9-AB21-F41F744A7482}"/>
+              </a:ext>
+            </a:extLst>
+          </p:cNvPr>
+          <p:cNvPicPr>
+            <a:picLocks noChangeAspect="1" noChangeArrowheads="1"/>
+          </p:cNvPicPr>
+          <p:nvPr/>
+        </p:nvPicPr>
+        <p:blipFill rotWithShape="1">
+          <a:blip r:embed="rId3">
+            <a:extLst>
+              <a:ext uri="{28A0092B-C50C-407E-A947-70E740481C1C}">
+                <a14:useLocalDpi xmlns:a14="http://schemas.microsoft.com/office/drawing/2010/main" val="0"/>
+              </a:ext>
+            </a:extLst>
+          </a:blip>
+          <a:srcRect l="47142" t="10628" r="2333" b="62641"/>
+          <a:stretch/>
+        </p:blipFill>
+        <p:spPr bwMode="auto">
+          <a:xfrm>
+            <a:off x="7268562" y="4026068"/>
+            <a:ext cx="3684103" cy="2789968"/>
+          </a:xfrm>
+          <a:prstGeom prst="rect">
+            <a:avLst/>
+          </a:prstGeom>
+          <a:noFill/>
+          <a:extLst>
+            <a:ext uri="{909E8E84-426E-40DD-AFC4-6F175D3DCCD1}">
+              <a14:hiddenFill xmlns:a14="http://schemas.microsoft.com/office/drawing/2010/main">
+                <a:solidFill>
+                  <a:srgbClr val="FFFFFF"/>
+                </a:solidFill>
+              </a14:hiddenFill>
+            </a:ext>
+          </a:extLst>
+        </p:spPr>
+      </p:pic>
+      <p:pic>
+        <p:nvPicPr>
+          <p:cNvPr id="6152" name="Picture 8">
+            <a:extLst>
+              <a:ext uri="{FF2B5EF4-FFF2-40B4-BE49-F238E27FC236}">
+                <a16:creationId xmlns:a16="http://schemas.microsoft.com/office/drawing/2014/main" id="{B7BE1223-A0C9-4D41-AD43-E79D44A8B282}"/>
+              </a:ext>
+            </a:extLst>
+          </p:cNvPr>
+          <p:cNvPicPr>
+            <a:picLocks noChangeAspect="1" noChangeArrowheads="1"/>
+          </p:cNvPicPr>
+          <p:nvPr/>
+        </p:nvPicPr>
+        <p:blipFill rotWithShape="1">
+          <a:blip r:embed="rId4">
+            <a:extLst>
+              <a:ext uri="{28A0092B-C50C-407E-A947-70E740481C1C}">
+                <a14:useLocalDpi xmlns:a14="http://schemas.microsoft.com/office/drawing/2010/main" val="0"/>
+              </a:ext>
+            </a:extLst>
+          </a:blip>
+          <a:srcRect t="9147" r="53780" b="61482"/>
+          <a:stretch/>
+        </p:blipFill>
+        <p:spPr bwMode="auto">
+          <a:xfrm>
+            <a:off x="716289" y="3919475"/>
+            <a:ext cx="3230424" cy="2938525"/>
+          </a:xfrm>
+          <a:prstGeom prst="rect">
+            <a:avLst/>
+          </a:prstGeom>
+          <a:noFill/>
+          <a:extLst>
+            <a:ext uri="{909E8E84-426E-40DD-AFC4-6F175D3DCCD1}">
+              <a14:hiddenFill xmlns:a14="http://schemas.microsoft.com/office/drawing/2010/main">
+                <a:solidFill>
+                  <a:srgbClr val="FFFFFF"/>
+                </a:solidFill>
+              </a14:hiddenFill>
+            </a:ext>
+          </a:extLst>
+        </p:spPr>
+      </p:pic>
+      <p:sp>
+        <p:nvSpPr>
+          <p:cNvPr id="8" name="Rectangle 7">
+            <a:extLst>
+              <a:ext uri="{FF2B5EF4-FFF2-40B4-BE49-F238E27FC236}">
+                <a16:creationId xmlns:a16="http://schemas.microsoft.com/office/drawing/2014/main" id="{76B7E1B6-07FE-4F11-A12A-CFA7EFDB40BC}"/>
+              </a:ext>
+            </a:extLst>
+          </p:cNvPr>
+          <p:cNvSpPr/>
+          <p:nvPr/>
+        </p:nvSpPr>
+        <p:spPr>
+          <a:xfrm>
+            <a:off x="899057" y="3470964"/>
+            <a:ext cx="2864887" cy="707886"/>
+          </a:xfrm>
+          <a:prstGeom prst="rect">
+            <a:avLst/>
+          </a:prstGeom>
+          <a:solidFill>
+            <a:schemeClr val="tx1">
+              <a:lumMod val="75000"/>
+              <a:lumOff val="25000"/>
+            </a:schemeClr>
+          </a:solidFill>
+          <a:ln>
+            <a:noFill/>
+          </a:ln>
+        </p:spPr>
+        <p:txBody>
+          <a:bodyPr wrap="none">
+            <a:spAutoFit/>
+          </a:bodyPr>
+          <a:lstStyle/>
+          <a:p>
+            <a:r>
+              <a:rPr lang="en-US" sz="2000" dirty="0">
+                <a:solidFill>
+                  <a:srgbClr val="569CD6"/>
+                </a:solidFill>
+                <a:latin typeface="Consolas" panose="020B0609020204030204" pitchFamily="49" charset="0"/>
+              </a:rPr>
+              <a:t>let</a:t>
+            </a:r>
+            <a:r>
+              <a:rPr lang="en-US" sz="2000" dirty="0">
+                <a:solidFill>
+                  <a:srgbClr val="D4D4D4"/>
+                </a:solidFill>
+                <a:latin typeface="Consolas" panose="020B0609020204030204" pitchFamily="49" charset="0"/>
+              </a:rPr>
+              <a:t> </a:t>
+            </a:r>
+            <a:r>
+              <a:rPr lang="en-US" sz="2000" dirty="0">
+                <a:solidFill>
+                  <a:srgbClr val="9CDCFE"/>
+                </a:solidFill>
+                <a:latin typeface="Consolas" panose="020B0609020204030204" pitchFamily="49" charset="0"/>
+              </a:rPr>
+              <a:t>c</a:t>
+            </a:r>
+            <a:r>
+              <a:rPr lang="en-US" sz="2000" dirty="0">
+                <a:solidFill>
+                  <a:srgbClr val="D4D4D4"/>
+                </a:solidFill>
+                <a:latin typeface="Consolas" panose="020B0609020204030204" pitchFamily="49" charset="0"/>
+              </a:rPr>
+              <a:t>: </a:t>
+            </a:r>
+            <a:r>
+              <a:rPr lang="en-US" sz="2000" dirty="0">
+                <a:solidFill>
+                  <a:srgbClr val="4EC9B0"/>
+                </a:solidFill>
+                <a:latin typeface="Consolas" panose="020B0609020204030204" pitchFamily="49" charset="0"/>
+              </a:rPr>
+              <a:t>any</a:t>
+            </a:r>
+            <a:r>
+              <a:rPr lang="en-US" sz="2000" dirty="0">
+                <a:solidFill>
+                  <a:srgbClr val="D4D4D4"/>
+                </a:solidFill>
+                <a:latin typeface="Consolas" panose="020B0609020204030204" pitchFamily="49" charset="0"/>
+              </a:rPr>
+              <a:t> = </a:t>
+            </a:r>
+            <a:r>
+              <a:rPr lang="en-US" sz="2000" dirty="0">
+                <a:solidFill>
+                  <a:srgbClr val="CE9178"/>
+                </a:solidFill>
+                <a:latin typeface="Consolas" panose="020B0609020204030204" pitchFamily="49" charset="0"/>
+              </a:rPr>
+              <a:t>"foo"</a:t>
+            </a:r>
+            <a:r>
+              <a:rPr lang="en-US" sz="2000" dirty="0">
+                <a:solidFill>
+                  <a:srgbClr val="D4D4D4"/>
+                </a:solidFill>
+                <a:latin typeface="Consolas" panose="020B0609020204030204" pitchFamily="49" charset="0"/>
+              </a:rPr>
+              <a:t>;</a:t>
+            </a:r>
+          </a:p>
+          <a:p>
+            <a:r>
+              <a:rPr lang="en-US" sz="2000" dirty="0">
+                <a:solidFill>
+                  <a:srgbClr val="569CD6"/>
+                </a:solidFill>
+                <a:latin typeface="Consolas" panose="020B0609020204030204" pitchFamily="49" charset="0"/>
+              </a:rPr>
+              <a:t>let</a:t>
+            </a:r>
+            <a:r>
+              <a:rPr lang="en-US" sz="2000" dirty="0">
+                <a:solidFill>
+                  <a:srgbClr val="D4D4D4"/>
+                </a:solidFill>
+                <a:latin typeface="Consolas" panose="020B0609020204030204" pitchFamily="49" charset="0"/>
+              </a:rPr>
+              <a:t> </a:t>
+            </a:r>
+            <a:r>
+              <a:rPr lang="en-US" sz="2000" dirty="0">
+                <a:solidFill>
+                  <a:srgbClr val="9CDCFE"/>
+                </a:solidFill>
+                <a:latin typeface="Consolas" panose="020B0609020204030204" pitchFamily="49" charset="0"/>
+              </a:rPr>
+              <a:t>d</a:t>
+            </a:r>
+            <a:r>
+              <a:rPr lang="en-US" sz="2000" dirty="0">
+                <a:solidFill>
+                  <a:srgbClr val="D4D4D4"/>
+                </a:solidFill>
+                <a:latin typeface="Consolas" panose="020B0609020204030204" pitchFamily="49" charset="0"/>
+              </a:rPr>
+              <a:t>: </a:t>
+            </a:r>
+            <a:r>
+              <a:rPr lang="en-US" sz="2000" dirty="0">
+                <a:solidFill>
+                  <a:srgbClr val="4EC9B0"/>
+                </a:solidFill>
+                <a:latin typeface="Consolas" panose="020B0609020204030204" pitchFamily="49" charset="0"/>
+              </a:rPr>
+              <a:t>number</a:t>
+            </a:r>
+            <a:r>
+              <a:rPr lang="en-US" sz="2000" dirty="0">
+                <a:solidFill>
+                  <a:srgbClr val="D4D4D4"/>
+                </a:solidFill>
+                <a:latin typeface="Consolas" panose="020B0609020204030204" pitchFamily="49" charset="0"/>
+              </a:rPr>
+              <a:t> = </a:t>
+            </a:r>
+            <a:r>
+              <a:rPr lang="en-US" sz="2000" dirty="0">
+                <a:solidFill>
+                  <a:srgbClr val="9CDCFE"/>
+                </a:solidFill>
+                <a:latin typeface="Consolas" panose="020B0609020204030204" pitchFamily="49" charset="0"/>
+              </a:rPr>
+              <a:t>c</a:t>
+            </a:r>
+            <a:r>
+              <a:rPr lang="en-US" sz="2000" dirty="0">
+                <a:solidFill>
+                  <a:srgbClr val="D4D4D4"/>
+                </a:solidFill>
+                <a:latin typeface="Consolas" panose="020B0609020204030204" pitchFamily="49" charset="0"/>
+              </a:rPr>
+              <a:t>;</a:t>
+            </a:r>
+          </a:p>
+        </p:txBody>
+      </p:sp>
+      <p:sp>
+        <p:nvSpPr>
+          <p:cNvPr id="9" name="Rectangle 8">
+            <a:extLst>
+              <a:ext uri="{FF2B5EF4-FFF2-40B4-BE49-F238E27FC236}">
+                <a16:creationId xmlns:a16="http://schemas.microsoft.com/office/drawing/2014/main" id="{001A84F2-C294-406A-97D5-D9284F6C3240}"/>
+              </a:ext>
+            </a:extLst>
+          </p:cNvPr>
+          <p:cNvSpPr/>
+          <p:nvPr/>
+        </p:nvSpPr>
+        <p:spPr>
+          <a:xfrm>
+            <a:off x="6840075" y="3250714"/>
+            <a:ext cx="4698722" cy="707886"/>
+          </a:xfrm>
+          <a:prstGeom prst="rect">
+            <a:avLst/>
+          </a:prstGeom>
+          <a:solidFill>
+            <a:schemeClr val="tx1">
+              <a:lumMod val="75000"/>
+              <a:lumOff val="25000"/>
+            </a:schemeClr>
+          </a:solidFill>
+          <a:ln>
+            <a:noFill/>
+          </a:ln>
+        </p:spPr>
+        <p:txBody>
+          <a:bodyPr wrap="none">
+            <a:spAutoFit/>
+          </a:bodyPr>
+          <a:lstStyle/>
+          <a:p>
+            <a:r>
+              <a:rPr lang="en-US" sz="2000" dirty="0">
+                <a:solidFill>
+                  <a:srgbClr val="569CD6"/>
+                </a:solidFill>
+                <a:latin typeface="Consolas" panose="020B0609020204030204" pitchFamily="49" charset="0"/>
+              </a:rPr>
+              <a:t>let</a:t>
+            </a:r>
+            <a:r>
+              <a:rPr lang="en-US" sz="2000" dirty="0">
+                <a:solidFill>
+                  <a:srgbClr val="D4D4D4"/>
+                </a:solidFill>
+                <a:latin typeface="Consolas" panose="020B0609020204030204" pitchFamily="49" charset="0"/>
+              </a:rPr>
+              <a:t> </a:t>
+            </a:r>
+            <a:r>
+              <a:rPr lang="en-US" sz="2000" dirty="0">
+                <a:solidFill>
+                  <a:srgbClr val="9CDCFE"/>
+                </a:solidFill>
+                <a:latin typeface="Consolas" panose="020B0609020204030204" pitchFamily="49" charset="0"/>
+              </a:rPr>
+              <a:t>e</a:t>
+            </a:r>
+            <a:r>
+              <a:rPr lang="en-US" sz="2000" dirty="0">
+                <a:solidFill>
+                  <a:srgbClr val="D4D4D4"/>
+                </a:solidFill>
+                <a:latin typeface="Consolas" panose="020B0609020204030204" pitchFamily="49" charset="0"/>
+              </a:rPr>
+              <a:t>: </a:t>
+            </a:r>
+            <a:r>
+              <a:rPr lang="en-US" sz="2000" dirty="0">
+                <a:solidFill>
+                  <a:srgbClr val="4EC9B0"/>
+                </a:solidFill>
+                <a:latin typeface="Consolas" panose="020B0609020204030204" pitchFamily="49" charset="0"/>
+              </a:rPr>
               <a:t>unknown</a:t>
             </a:r>
-            <a:endParaRPr lang="en-GB" dirty="0"/>
+            <a:r>
+              <a:rPr lang="en-US" sz="2000" dirty="0">
+                <a:solidFill>
+                  <a:srgbClr val="D4D4D4"/>
+                </a:solidFill>
+                <a:latin typeface="Consolas" panose="020B0609020204030204" pitchFamily="49" charset="0"/>
+              </a:rPr>
+              <a:t> = </a:t>
+            </a:r>
+            <a:r>
+              <a:rPr lang="en-US" sz="2000" dirty="0">
+                <a:solidFill>
+                  <a:srgbClr val="B5CEA8"/>
+                </a:solidFill>
+                <a:latin typeface="Consolas" panose="020B0609020204030204" pitchFamily="49" charset="0"/>
+              </a:rPr>
+              <a:t>42</a:t>
+            </a:r>
+            <a:r>
+              <a:rPr lang="en-US" sz="2000" dirty="0">
+                <a:solidFill>
+                  <a:srgbClr val="D4D4D4"/>
+                </a:solidFill>
+                <a:latin typeface="Consolas" panose="020B0609020204030204" pitchFamily="49" charset="0"/>
+              </a:rPr>
+              <a:t>;</a:t>
+            </a:r>
+          </a:p>
+          <a:p>
+            <a:r>
+              <a:rPr lang="en-US" sz="2000" dirty="0">
+                <a:solidFill>
+                  <a:srgbClr val="569CD6"/>
+                </a:solidFill>
+                <a:latin typeface="Consolas" panose="020B0609020204030204" pitchFamily="49" charset="0"/>
+              </a:rPr>
+              <a:t>let</a:t>
+            </a:r>
+            <a:r>
+              <a:rPr lang="en-US" sz="2000" dirty="0">
+                <a:solidFill>
+                  <a:srgbClr val="D4D4D4"/>
+                </a:solidFill>
+                <a:latin typeface="Consolas" panose="020B0609020204030204" pitchFamily="49" charset="0"/>
+              </a:rPr>
+              <a:t> </a:t>
+            </a:r>
+            <a:r>
+              <a:rPr lang="en-US" sz="2000" dirty="0">
+                <a:solidFill>
+                  <a:srgbClr val="9CDCFE"/>
+                </a:solidFill>
+                <a:latin typeface="Consolas" panose="020B0609020204030204" pitchFamily="49" charset="0"/>
+              </a:rPr>
+              <a:t>f</a:t>
+            </a:r>
+            <a:r>
+              <a:rPr lang="en-US" sz="2000" dirty="0">
+                <a:solidFill>
+                  <a:srgbClr val="D4D4D4"/>
+                </a:solidFill>
+                <a:latin typeface="Consolas" panose="020B0609020204030204" pitchFamily="49" charset="0"/>
+              </a:rPr>
+              <a:t>: </a:t>
+            </a:r>
+            <a:r>
+              <a:rPr lang="en-US" sz="2000" dirty="0">
+                <a:solidFill>
+                  <a:srgbClr val="4EC9B0"/>
+                </a:solidFill>
+                <a:latin typeface="Consolas" panose="020B0609020204030204" pitchFamily="49" charset="0"/>
+              </a:rPr>
+              <a:t>string</a:t>
+            </a:r>
+            <a:r>
+              <a:rPr lang="en-US" sz="2000" dirty="0">
+                <a:solidFill>
+                  <a:srgbClr val="D4D4D4"/>
+                </a:solidFill>
+                <a:latin typeface="Consolas" panose="020B0609020204030204" pitchFamily="49" charset="0"/>
+              </a:rPr>
+              <a:t> = </a:t>
+            </a:r>
+            <a:r>
+              <a:rPr lang="en-US" sz="2000" dirty="0">
+                <a:solidFill>
+                  <a:srgbClr val="9CDCFE"/>
+                </a:solidFill>
+                <a:latin typeface="Consolas" panose="020B0609020204030204" pitchFamily="49" charset="0"/>
+              </a:rPr>
+              <a:t>e</a:t>
+            </a:r>
+            <a:r>
+              <a:rPr lang="en-US" sz="2000" dirty="0">
+                <a:solidFill>
+                  <a:srgbClr val="D4D4D4"/>
+                </a:solidFill>
+                <a:latin typeface="Consolas" panose="020B0609020204030204" pitchFamily="49" charset="0"/>
+              </a:rPr>
+              <a:t>; </a:t>
+            </a:r>
+            <a:r>
+              <a:rPr lang="en-US" sz="2000" dirty="0">
+                <a:solidFill>
+                  <a:srgbClr val="6A9955"/>
+                </a:solidFill>
+                <a:latin typeface="Consolas" panose="020B0609020204030204" pitchFamily="49" charset="0"/>
+              </a:rPr>
+              <a:t>// type error</a:t>
+            </a:r>
+            <a:endParaRPr lang="en-US" sz="2000" dirty="0">
+              <a:solidFill>
+                <a:srgbClr val="D4D4D4"/>
+              </a:solidFill>
+              <a:latin typeface="Consolas" panose="020B0609020204030204" pitchFamily="49" charset="0"/>
+            </a:endParaRPr>
           </a:p>
         </p:txBody>
       </p:sp>
     </p:spTree>
     <p:extLst>
       <p:ext uri="{BB962C8B-B14F-4D97-AF65-F5344CB8AC3E}">
-        <p14:creationId xmlns:p14="http://schemas.microsoft.com/office/powerpoint/2010/main" val="420486343"/>
+        <p14:creationId xmlns:p14="http://schemas.microsoft.com/office/powerpoint/2010/main" val="2931173364"/>
       </p:ext>
     </p:extLst>
   </p:cSld>
@@ -6119,7 +6775,7 @@
           <p:cNvPr id="2" name="Title 1">
             <a:extLst>
               <a:ext uri="{FF2B5EF4-FFF2-40B4-BE49-F238E27FC236}">
-                <a16:creationId xmlns:a16="http://schemas.microsoft.com/office/drawing/2014/main" id="{309B28CD-7B17-47C6-BCBA-9D6CD6CA66F7}"/>
+                <a16:creationId xmlns:a16="http://schemas.microsoft.com/office/drawing/2014/main" id="{53920761-7D5F-4D6F-8AED-A7C288194A13}"/>
               </a:ext>
             </a:extLst>
           </p:cNvPr>
@@ -6136,16 +6792,8 @@
           <a:lstStyle/>
           <a:p>
             <a:r>
-              <a:rPr lang="de-CH" dirty="0" err="1"/>
-              <a:t>Combining</a:t>
-            </a:r>
-            <a:r>
-              <a:rPr lang="de-CH" dirty="0"/>
-              <a:t> </a:t>
-            </a:r>
-            <a:r>
-              <a:rPr lang="de-CH" dirty="0" err="1"/>
-              <a:t>Types</a:t>
+              <a:rPr lang="de-CH" dirty="0"/>
+              <a:t>Bottom Type</a:t>
             </a:r>
             <a:endParaRPr lang="en-GB" dirty="0"/>
           </a:p>
@@ -6153,10 +6801,10 @@
       </p:sp>
       <p:sp>
         <p:nvSpPr>
-          <p:cNvPr id="3" name="Text Placeholder 2">
+          <p:cNvPr id="6" name="Content Placeholder 5">
             <a:extLst>
               <a:ext uri="{FF2B5EF4-FFF2-40B4-BE49-F238E27FC236}">
-                <a16:creationId xmlns:a16="http://schemas.microsoft.com/office/drawing/2014/main" id="{986A5F9C-8112-4D9C-A28C-06A8003E6041}"/>
+                <a16:creationId xmlns:a16="http://schemas.microsoft.com/office/drawing/2014/main" id="{C953FD85-F4C2-4F60-99D8-0666348DE4D2}"/>
               </a:ext>
             </a:extLst>
           </p:cNvPr>
@@ -6164,7 +6812,7 @@
             <a:spLocks noGrp="1"/>
           </p:cNvSpPr>
           <p:nvPr>
-            <p:ph type="body" idx="1"/>
+            <p:ph idx="1"/>
           </p:nvPr>
         </p:nvSpPr>
         <p:spPr/>
@@ -6172,14 +6820,413 @@
           <a:bodyPr/>
           <a:lstStyle/>
           <a:p>
-            <a:endParaRPr lang="en-GB"/>
+            <a:r>
+              <a:rPr lang="de-CH" dirty="0"/>
+              <a:t>A type </a:t>
+            </a:r>
+            <a:r>
+              <a:rPr lang="de-CH" dirty="0" err="1"/>
+              <a:t>that</a:t>
+            </a:r>
+            <a:r>
+              <a:rPr lang="de-CH" dirty="0"/>
+              <a:t> </a:t>
+            </a:r>
+            <a:r>
+              <a:rPr lang="de-CH" b="1" dirty="0" err="1"/>
+              <a:t>contains</a:t>
+            </a:r>
+            <a:r>
+              <a:rPr lang="de-CH" b="1" dirty="0"/>
+              <a:t> </a:t>
+            </a:r>
+            <a:r>
+              <a:rPr lang="de-CH" b="1" dirty="0" err="1"/>
+              <a:t>no</a:t>
+            </a:r>
+            <a:r>
+              <a:rPr lang="de-CH" b="1" dirty="0"/>
+              <a:t> </a:t>
+            </a:r>
+            <a:r>
+              <a:rPr lang="de-CH" b="1" dirty="0" err="1"/>
+              <a:t>values</a:t>
+            </a:r>
+            <a:r>
+              <a:rPr lang="de-CH" dirty="0"/>
+              <a:t>, </a:t>
+            </a:r>
+            <a:r>
+              <a:rPr lang="de-CH" dirty="0" err="1"/>
+              <a:t>equals</a:t>
+            </a:r>
+            <a:r>
+              <a:rPr lang="de-CH" dirty="0"/>
+              <a:t> </a:t>
+            </a:r>
+            <a:r>
+              <a:rPr lang="de-CH" dirty="0" err="1"/>
+              <a:t>the</a:t>
+            </a:r>
+            <a:r>
+              <a:rPr lang="de-CH" dirty="0"/>
+              <a:t> </a:t>
+            </a:r>
+            <a:r>
+              <a:rPr lang="de-CH" dirty="0" err="1"/>
+              <a:t>empty</a:t>
+            </a:r>
+            <a:r>
+              <a:rPr lang="de-CH" dirty="0"/>
+              <a:t> </a:t>
+            </a:r>
+            <a:r>
+              <a:rPr lang="de-CH" dirty="0" err="1"/>
+              <a:t>set</a:t>
+            </a:r>
+            <a:r>
+              <a:rPr lang="de-CH" dirty="0"/>
+              <a:t> Ø</a:t>
+            </a:r>
+            <a:endParaRPr lang="de-CH" b="1" dirty="0"/>
+          </a:p>
+          <a:p>
+            <a:endParaRPr lang="de-CH" b="1" dirty="0"/>
+          </a:p>
+          <a:p>
+            <a:endParaRPr lang="de-CH" b="1" dirty="0"/>
+          </a:p>
+          <a:p>
+            <a:endParaRPr lang="de-CH" b="1" dirty="0"/>
+          </a:p>
+          <a:p>
+            <a:r>
+              <a:rPr lang="de-CH" dirty="0" err="1"/>
+              <a:t>Has</a:t>
+            </a:r>
+            <a:r>
+              <a:rPr lang="de-CH" dirty="0"/>
+              <a:t> </a:t>
+            </a:r>
+            <a:r>
+              <a:rPr lang="de-CH" dirty="0" err="1"/>
+              <a:t>several</a:t>
+            </a:r>
+            <a:r>
+              <a:rPr lang="de-CH" dirty="0"/>
+              <a:t> </a:t>
+            </a:r>
+            <a:r>
+              <a:rPr lang="de-CH" dirty="0" err="1"/>
+              <a:t>interesting</a:t>
+            </a:r>
+            <a:r>
+              <a:rPr lang="de-CH" dirty="0"/>
+              <a:t> </a:t>
+            </a:r>
+            <a:r>
+              <a:rPr lang="de-CH" dirty="0" err="1"/>
+              <a:t>applications</a:t>
+            </a:r>
+            <a:r>
+              <a:rPr lang="de-CH" dirty="0"/>
+              <a:t>,</a:t>
+            </a:r>
+            <a:br>
+              <a:rPr lang="de-CH" dirty="0"/>
+            </a:br>
+            <a:r>
+              <a:rPr lang="de-CH" dirty="0" err="1"/>
+              <a:t>similar</a:t>
+            </a:r>
+            <a:r>
+              <a:rPr lang="de-CH" dirty="0"/>
+              <a:t> </a:t>
+            </a:r>
+            <a:r>
+              <a:rPr lang="de-CH" dirty="0" err="1"/>
+              <a:t>to</a:t>
+            </a:r>
+            <a:r>
+              <a:rPr lang="de-CH" dirty="0"/>
+              <a:t> 0 in </a:t>
+            </a:r>
+            <a:r>
+              <a:rPr lang="de-CH" dirty="0" err="1"/>
+              <a:t>algebra</a:t>
+            </a:r>
+            <a:endParaRPr lang="de-CH" dirty="0"/>
+          </a:p>
+          <a:p>
+            <a:endParaRPr lang="de-CH" dirty="0"/>
+          </a:p>
+          <a:p>
+            <a:r>
+              <a:rPr lang="de-CH" dirty="0" err="1"/>
+              <a:t>If</a:t>
+            </a:r>
+            <a:r>
+              <a:rPr lang="de-CH" dirty="0"/>
+              <a:t> </a:t>
+            </a:r>
+            <a:r>
+              <a:rPr lang="de-CH" dirty="0" err="1"/>
+              <a:t>the</a:t>
+            </a:r>
+            <a:r>
+              <a:rPr lang="de-CH" dirty="0"/>
+              <a:t> </a:t>
+            </a:r>
+            <a:r>
+              <a:rPr lang="de-CH" dirty="0" err="1"/>
+              <a:t>typescript</a:t>
+            </a:r>
+            <a:r>
+              <a:rPr lang="de-CH" dirty="0"/>
+              <a:t> </a:t>
+            </a:r>
+            <a:r>
+              <a:rPr lang="de-CH" dirty="0" err="1"/>
+              <a:t>ever</a:t>
+            </a:r>
+            <a:r>
+              <a:rPr lang="de-CH" dirty="0"/>
+              <a:t> </a:t>
+            </a:r>
+            <a:r>
+              <a:rPr lang="de-CH" dirty="0" err="1"/>
+              <a:t>reaches</a:t>
+            </a:r>
+            <a:r>
+              <a:rPr lang="de-CH" dirty="0"/>
+              <a:t> a</a:t>
+            </a:r>
+            <a:br>
+              <a:rPr lang="de-CH" dirty="0"/>
+            </a:br>
+            <a:r>
+              <a:rPr lang="de-CH" dirty="0" err="1"/>
+              <a:t>never</a:t>
+            </a:r>
+            <a:r>
+              <a:rPr lang="de-CH" dirty="0"/>
+              <a:t>, </a:t>
+            </a:r>
+            <a:r>
+              <a:rPr lang="de-CH" dirty="0" err="1"/>
+              <a:t>it</a:t>
+            </a:r>
+            <a:r>
+              <a:rPr lang="de-CH" dirty="0"/>
+              <a:t> will not </a:t>
+            </a:r>
+            <a:r>
+              <a:rPr lang="de-CH" dirty="0" err="1"/>
+              <a:t>compile</a:t>
+            </a:r>
+            <a:endParaRPr lang="de-CH" dirty="0"/>
+          </a:p>
+          <a:p>
+            <a:endParaRPr lang="de-CH" dirty="0"/>
+          </a:p>
+          <a:p>
+            <a:endParaRPr lang="en-GB" dirty="0"/>
+          </a:p>
+        </p:txBody>
+      </p:sp>
+      <p:pic>
+        <p:nvPicPr>
+          <p:cNvPr id="4098" name="Picture 2">
+            <a:extLst>
+              <a:ext uri="{FF2B5EF4-FFF2-40B4-BE49-F238E27FC236}">
+                <a16:creationId xmlns:a16="http://schemas.microsoft.com/office/drawing/2014/main" id="{2E4BFA89-07F5-4DA9-8AF8-F57C5DBBCF9E}"/>
+              </a:ext>
+            </a:extLst>
+          </p:cNvPr>
+          <p:cNvPicPr>
+            <a:picLocks noChangeAspect="1" noChangeArrowheads="1"/>
+          </p:cNvPicPr>
+          <p:nvPr/>
+        </p:nvPicPr>
+        <p:blipFill rotWithShape="1">
+          <a:blip r:embed="rId3">
+            <a:extLst>
+              <a:ext uri="{28A0092B-C50C-407E-A947-70E740481C1C}">
+                <a14:useLocalDpi xmlns:a14="http://schemas.microsoft.com/office/drawing/2010/main" val="0"/>
+              </a:ext>
+            </a:extLst>
+          </a:blip>
+          <a:srcRect l="50000" t="67806" r="14579" b="7963"/>
+          <a:stretch/>
+        </p:blipFill>
+        <p:spPr bwMode="auto">
+          <a:xfrm>
+            <a:off x="8522145" y="3429000"/>
+            <a:ext cx="3185850" cy="3119600"/>
+          </a:xfrm>
+          <a:prstGeom prst="rect">
+            <a:avLst/>
+          </a:prstGeom>
+          <a:noFill/>
+          <a:extLst>
+            <a:ext uri="{909E8E84-426E-40DD-AFC4-6F175D3DCCD1}">
+              <a14:hiddenFill xmlns:a14="http://schemas.microsoft.com/office/drawing/2010/main">
+                <a:solidFill>
+                  <a:srgbClr val="FFFFFF"/>
+                </a:solidFill>
+              </a14:hiddenFill>
+            </a:ext>
+          </a:extLst>
+        </p:spPr>
+      </p:pic>
+      <p:sp>
+        <p:nvSpPr>
+          <p:cNvPr id="8" name="Rectangle 7">
+            <a:extLst>
+              <a:ext uri="{FF2B5EF4-FFF2-40B4-BE49-F238E27FC236}">
+                <a16:creationId xmlns:a16="http://schemas.microsoft.com/office/drawing/2014/main" id="{FC05B7DB-51B5-425D-9E43-EC9C8AC702A4}"/>
+              </a:ext>
+            </a:extLst>
+          </p:cNvPr>
+          <p:cNvSpPr/>
+          <p:nvPr/>
+        </p:nvSpPr>
+        <p:spPr>
+          <a:xfrm>
+            <a:off x="1158661" y="2635549"/>
+            <a:ext cx="5404043" cy="400110"/>
+          </a:xfrm>
+          <a:prstGeom prst="rect">
+            <a:avLst/>
+          </a:prstGeom>
+          <a:solidFill>
+            <a:schemeClr val="tx1">
+              <a:lumMod val="75000"/>
+              <a:lumOff val="25000"/>
+            </a:schemeClr>
+          </a:solidFill>
+          <a:ln>
+            <a:noFill/>
+          </a:ln>
+        </p:spPr>
+        <p:txBody>
+          <a:bodyPr wrap="none">
+            <a:spAutoFit/>
+          </a:bodyPr>
+          <a:lstStyle/>
+          <a:p>
+            <a:r>
+              <a:rPr lang="en-US" sz="2000" dirty="0">
+                <a:solidFill>
+                  <a:srgbClr val="569CD6"/>
+                </a:solidFill>
+                <a:latin typeface="Consolas" panose="020B0609020204030204" pitchFamily="49" charset="0"/>
+              </a:rPr>
+              <a:t>let</a:t>
+            </a:r>
+            <a:r>
+              <a:rPr lang="en-US" sz="2000" dirty="0">
+                <a:solidFill>
+                  <a:srgbClr val="D4D4D4"/>
+                </a:solidFill>
+                <a:latin typeface="Consolas" panose="020B0609020204030204" pitchFamily="49" charset="0"/>
+              </a:rPr>
+              <a:t> </a:t>
+            </a:r>
+            <a:r>
+              <a:rPr lang="en-US" sz="2000" dirty="0">
+                <a:solidFill>
+                  <a:srgbClr val="9CDCFE"/>
+                </a:solidFill>
+                <a:latin typeface="Consolas" panose="020B0609020204030204" pitchFamily="49" charset="0"/>
+              </a:rPr>
+              <a:t>g</a:t>
+            </a:r>
+            <a:r>
+              <a:rPr lang="en-US" sz="2000" dirty="0">
+                <a:solidFill>
+                  <a:srgbClr val="D4D4D4"/>
+                </a:solidFill>
+                <a:latin typeface="Consolas" panose="020B0609020204030204" pitchFamily="49" charset="0"/>
+              </a:rPr>
+              <a:t>: </a:t>
+            </a:r>
+            <a:r>
+              <a:rPr lang="en-US" sz="2000" dirty="0">
+                <a:solidFill>
+                  <a:srgbClr val="4EC9B0"/>
+                </a:solidFill>
+                <a:latin typeface="Consolas" panose="020B0609020204030204" pitchFamily="49" charset="0"/>
+              </a:rPr>
+              <a:t>never</a:t>
+            </a:r>
+            <a:r>
+              <a:rPr lang="en-US" sz="2000" dirty="0">
+                <a:solidFill>
+                  <a:srgbClr val="D4D4D4"/>
+                </a:solidFill>
+                <a:latin typeface="Consolas" panose="020B0609020204030204" pitchFamily="49" charset="0"/>
+              </a:rPr>
+              <a:t> = ({} </a:t>
+            </a:r>
+            <a:r>
+              <a:rPr lang="en-US" sz="2000" dirty="0">
+                <a:solidFill>
+                  <a:srgbClr val="C586C0"/>
+                </a:solidFill>
+                <a:latin typeface="Consolas" panose="020B0609020204030204" pitchFamily="49" charset="0"/>
+              </a:rPr>
+              <a:t>as</a:t>
+            </a:r>
+            <a:r>
+              <a:rPr lang="en-US" sz="2000" dirty="0">
+                <a:solidFill>
+                  <a:srgbClr val="D4D4D4"/>
+                </a:solidFill>
+                <a:latin typeface="Consolas" panose="020B0609020204030204" pitchFamily="49" charset="0"/>
+              </a:rPr>
+              <a:t> </a:t>
+            </a:r>
+            <a:r>
+              <a:rPr lang="en-US" sz="2000" dirty="0">
+                <a:solidFill>
+                  <a:srgbClr val="4EC9B0"/>
+                </a:solidFill>
+                <a:latin typeface="Consolas" panose="020B0609020204030204" pitchFamily="49" charset="0"/>
+              </a:rPr>
+              <a:t>any</a:t>
+            </a:r>
+            <a:r>
+              <a:rPr lang="en-US" sz="2000" dirty="0">
+                <a:solidFill>
+                  <a:srgbClr val="D4D4D4"/>
+                </a:solidFill>
+                <a:latin typeface="Consolas" panose="020B0609020204030204" pitchFamily="49" charset="0"/>
+              </a:rPr>
+              <a:t>); </a:t>
+            </a:r>
+            <a:r>
+              <a:rPr lang="en-US" sz="2000" dirty="0">
+                <a:solidFill>
+                  <a:srgbClr val="6A9955"/>
+                </a:solidFill>
+                <a:latin typeface="Consolas" panose="020B0609020204030204" pitchFamily="49" charset="0"/>
+              </a:rPr>
+              <a:t>// Error</a:t>
+            </a:r>
+            <a:endParaRPr lang="en-US" sz="2000" dirty="0">
+              <a:solidFill>
+                <a:srgbClr val="D4D4D4"/>
+              </a:solidFill>
+              <a:latin typeface="Consolas" panose="020B0609020204030204" pitchFamily="49" charset="0"/>
+            </a:endParaRPr>
           </a:p>
         </p:txBody>
       </p:sp>
     </p:spTree>
     <p:extLst>
       <p:ext uri="{BB962C8B-B14F-4D97-AF65-F5344CB8AC3E}">
-        <p14:creationId xmlns:p14="http://schemas.microsoft.com/office/powerpoint/2010/main" val="2210213847"/>
+        <p14:creationId xmlns:p14="http://schemas.microsoft.com/office/powerpoint/2010/main" val="623836666"/>
       </p:ext>
     </p:extLst>
   </p:cSld>
@@ -6208,6 +7255,1308 @@
       </p:grpSpPr>
       <p:sp>
         <p:nvSpPr>
+          <p:cNvPr id="2" name="Title 1">
+            <a:extLst>
+              <a:ext uri="{FF2B5EF4-FFF2-40B4-BE49-F238E27FC236}">
+                <a16:creationId xmlns:a16="http://schemas.microsoft.com/office/drawing/2014/main" id="{FCA85EE2-6B98-470E-B174-9AE22D222B90}"/>
+              </a:ext>
+            </a:extLst>
+          </p:cNvPr>
+          <p:cNvSpPr>
+            <a:spLocks noGrp="1"/>
+          </p:cNvSpPr>
+          <p:nvPr>
+            <p:ph type="title"/>
+          </p:nvPr>
+        </p:nvSpPr>
+        <p:spPr/>
+        <p:txBody>
+          <a:bodyPr/>
+          <a:lstStyle/>
+          <a:p>
+            <a:r>
+              <a:rPr lang="en-GB" dirty="0"/>
+              <a:t>Type Hierarchy</a:t>
+            </a:r>
+          </a:p>
+        </p:txBody>
+      </p:sp>
+      <mc:AlternateContent xmlns:mc="http://schemas.openxmlformats.org/markup-compatibility/2006">
+        <mc:Choice xmlns:a14="http://schemas.microsoft.com/office/drawing/2010/main" Requires="a14">
+          <p:sp>
+            <p:nvSpPr>
+              <p:cNvPr id="3" name="Content Placeholder 2">
+                <a:extLst>
+                  <a:ext uri="{FF2B5EF4-FFF2-40B4-BE49-F238E27FC236}">
+                    <a16:creationId xmlns:a16="http://schemas.microsoft.com/office/drawing/2014/main" id="{9EE08E96-ACD3-4500-8EEF-3BFB5CFE0C4E}"/>
+                  </a:ext>
+                </a:extLst>
+              </p:cNvPr>
+              <p:cNvSpPr>
+                <a:spLocks noGrp="1"/>
+              </p:cNvSpPr>
+              <p:nvPr>
+                <p:ph idx="1"/>
+              </p:nvPr>
+            </p:nvSpPr>
+            <p:spPr/>
+            <p:txBody>
+              <a:bodyPr/>
+              <a:lstStyle/>
+              <a:p>
+                <a:pPr marL="0" indent="0">
+                  <a:buNone/>
+                </a:pPr>
+                <a14:m>
+                  <m:oMathPara xmlns:m="http://schemas.openxmlformats.org/officeDocument/2006/math">
+                    <m:oMathParaPr>
+                      <m:jc m:val="centerGroup"/>
+                    </m:oMathParaPr>
+                    <m:oMath xmlns:m="http://schemas.openxmlformats.org/officeDocument/2006/math">
+                      <m:r>
+                        <a:rPr lang="de-CH" b="0" i="1" smtClean="0">
+                          <a:latin typeface="Cambria Math" panose="02040503050406030204" pitchFamily="18" charset="0"/>
+                        </a:rPr>
+                        <m:t>𝑢𝑛𝑘𝑛𝑜𝑤𝑛</m:t>
+                      </m:r>
+                      <m:r>
+                        <a:rPr lang="de-CH" b="0" i="1" smtClean="0">
+                          <a:latin typeface="Cambria Math" panose="02040503050406030204" pitchFamily="18" charset="0"/>
+                        </a:rPr>
+                        <m:t>=</m:t>
+                      </m:r>
+                      <m:r>
+                        <a:rPr lang="de-CH" b="0" i="1" smtClean="0">
+                          <a:latin typeface="Cambria Math" panose="02040503050406030204" pitchFamily="18" charset="0"/>
+                        </a:rPr>
+                        <m:t>𝑎𝑛𝑦</m:t>
+                      </m:r>
+                      <m:r>
+                        <a:rPr lang="de-CH" b="0" i="1" smtClean="0">
+                          <a:latin typeface="Cambria Math" panose="02040503050406030204" pitchFamily="18" charset="0"/>
+                        </a:rPr>
+                        <m:t> ⊇</m:t>
+                      </m:r>
+                      <m:d>
+                        <m:dPr>
+                          <m:ctrlPr>
+                            <a:rPr lang="de-CH" b="0" i="1" smtClean="0">
+                              <a:latin typeface="Cambria Math" panose="02040503050406030204" pitchFamily="18" charset="0"/>
+                              <a:ea typeface="Cambria Math" panose="02040503050406030204" pitchFamily="18" charset="0"/>
+                            </a:rPr>
+                          </m:ctrlPr>
+                        </m:dPr>
+                        <m:e>
+                          <m:r>
+                            <a:rPr lang="de-CH" b="0" i="1" smtClean="0">
+                              <a:latin typeface="Cambria Math" panose="02040503050406030204" pitchFamily="18" charset="0"/>
+                              <a:ea typeface="Cambria Math" panose="02040503050406030204" pitchFamily="18" charset="0"/>
+                            </a:rPr>
+                            <m:t>𝑠𝑡𝑟𝑖𝑛𝑔</m:t>
+                          </m:r>
+                          <m:r>
+                            <a:rPr lang="de-CH" b="0" i="1" smtClean="0">
+                              <a:latin typeface="Cambria Math" panose="02040503050406030204" pitchFamily="18" charset="0"/>
+                              <a:ea typeface="Cambria Math" panose="02040503050406030204" pitchFamily="18" charset="0"/>
+                            </a:rPr>
+                            <m:t>, </m:t>
+                          </m:r>
+                          <m:r>
+                            <a:rPr lang="de-CH" b="0" i="1" smtClean="0">
+                              <a:latin typeface="Cambria Math" panose="02040503050406030204" pitchFamily="18" charset="0"/>
+                              <a:ea typeface="Cambria Math" panose="02040503050406030204" pitchFamily="18" charset="0"/>
+                            </a:rPr>
+                            <m:t>𝑛𝑢𝑚𝑏𝑒𝑟</m:t>
+                          </m:r>
+                          <m:r>
+                            <a:rPr lang="de-CH" b="0" i="1" smtClean="0">
+                              <a:latin typeface="Cambria Math" panose="02040503050406030204" pitchFamily="18" charset="0"/>
+                              <a:ea typeface="Cambria Math" panose="02040503050406030204" pitchFamily="18" charset="0"/>
+                            </a:rPr>
+                            <m:t>, </m:t>
+                          </m:r>
+                          <m:r>
+                            <a:rPr lang="de-CH" b="0" i="1" smtClean="0">
+                              <a:latin typeface="Cambria Math" panose="02040503050406030204" pitchFamily="18" charset="0"/>
+                              <a:ea typeface="Cambria Math" panose="02040503050406030204" pitchFamily="18" charset="0"/>
+                            </a:rPr>
+                            <m:t>𝑏𝑜𝑜𝑙</m:t>
+                          </m:r>
+                          <m:r>
+                            <a:rPr lang="de-CH" b="0" i="1" smtClean="0">
+                              <a:latin typeface="Cambria Math" panose="02040503050406030204" pitchFamily="18" charset="0"/>
+                              <a:ea typeface="Cambria Math" panose="02040503050406030204" pitchFamily="18" charset="0"/>
+                            </a:rPr>
+                            <m:t>, </m:t>
+                          </m:r>
+                          <m:r>
+                            <a:rPr lang="de-CH" b="0" i="1" smtClean="0">
+                              <a:latin typeface="Cambria Math" panose="02040503050406030204" pitchFamily="18" charset="0"/>
+                              <a:ea typeface="Cambria Math" panose="02040503050406030204" pitchFamily="18" charset="0"/>
+                            </a:rPr>
+                            <m:t>𝑒𝑡𝑐</m:t>
+                          </m:r>
+                          <m:r>
+                            <a:rPr lang="de-CH" b="0" i="1" smtClean="0">
+                              <a:latin typeface="Cambria Math" panose="02040503050406030204" pitchFamily="18" charset="0"/>
+                              <a:ea typeface="Cambria Math" panose="02040503050406030204" pitchFamily="18" charset="0"/>
+                            </a:rPr>
+                            <m:t>.</m:t>
+                          </m:r>
+                        </m:e>
+                      </m:d>
+                      <m:r>
+                        <a:rPr lang="de-CH" b="0" i="1" smtClean="0">
+                          <a:latin typeface="Cambria Math" panose="02040503050406030204" pitchFamily="18" charset="0"/>
+                          <a:ea typeface="Cambria Math" panose="02040503050406030204" pitchFamily="18" charset="0"/>
+                        </a:rPr>
+                        <m:t> ⊇</m:t>
+                      </m:r>
+                      <m:r>
+                        <a:rPr lang="de-CH" b="0" i="1" smtClean="0">
+                          <a:latin typeface="Cambria Math" panose="02040503050406030204" pitchFamily="18" charset="0"/>
+                          <a:ea typeface="Cambria Math" panose="02040503050406030204" pitchFamily="18" charset="0"/>
+                        </a:rPr>
+                        <m:t>𝑛𝑒𝑣𝑒𝑟</m:t>
+                      </m:r>
+                    </m:oMath>
+                  </m:oMathPara>
+                </a14:m>
+                <a:endParaRPr lang="en-GB" dirty="0"/>
+              </a:p>
+            </p:txBody>
+          </p:sp>
+        </mc:Choice>
+        <mc:Fallback>
+          <p:sp>
+            <p:nvSpPr>
+              <p:cNvPr id="3" name="Content Placeholder 2">
+                <a:extLst>
+                  <a:ext uri="{FF2B5EF4-FFF2-40B4-BE49-F238E27FC236}">
+                    <a16:creationId xmlns:a16="http://schemas.microsoft.com/office/drawing/2014/main" id="{9EE08E96-ACD3-4500-8EEF-3BFB5CFE0C4E}"/>
+                  </a:ext>
+                </a:extLst>
+              </p:cNvPr>
+              <p:cNvSpPr>
+                <a:spLocks noGrp="1" noRot="1" noChangeAspect="1" noMove="1" noResize="1" noEditPoints="1" noAdjustHandles="1" noChangeArrowheads="1" noChangeShapeType="1" noTextEdit="1"/>
+              </p:cNvSpPr>
+              <p:nvPr>
+                <p:ph idx="1"/>
+              </p:nvPr>
+            </p:nvSpPr>
+            <p:spPr>
+              <a:blipFill>
+                <a:blip r:embed="rId2"/>
+                <a:stretch>
+                  <a:fillRect/>
+                </a:stretch>
+              </a:blipFill>
+            </p:spPr>
+            <p:txBody>
+              <a:bodyPr/>
+              <a:lstStyle/>
+              <a:p>
+                <a:r>
+                  <a:rPr lang="en-GB">
+                    <a:noFill/>
+                  </a:rPr>
+                  <a:t> </a:t>
+                </a:r>
+              </a:p>
+            </p:txBody>
+          </p:sp>
+        </mc:Fallback>
+      </mc:AlternateContent>
+    </p:spTree>
+    <p:extLst>
+      <p:ext uri="{BB962C8B-B14F-4D97-AF65-F5344CB8AC3E}">
+        <p14:creationId xmlns:p14="http://schemas.microsoft.com/office/powerpoint/2010/main" val="2935644321"/>
+      </p:ext>
+    </p:extLst>
+  </p:cSld>
+  <p:clrMapOvr>
+    <a:masterClrMapping/>
+  </p:clrMapOvr>
+</p:sld>
+</file>
+
+<file path=ppt/slides/slide15.xml><?xml version="1.0" encoding="utf-8"?>
+<p:sld xmlns:a="http://schemas.openxmlformats.org/drawingml/2006/main" xmlns:r="http://schemas.openxmlformats.org/officeDocument/2006/relationships" xmlns:p="http://schemas.openxmlformats.org/presentationml/2006/main">
+  <p:cSld>
+    <p:spTree>
+      <p:nvGrpSpPr>
+        <p:cNvPr id="1" name=""/>
+        <p:cNvGrpSpPr/>
+        <p:nvPr/>
+      </p:nvGrpSpPr>
+      <p:grpSpPr>
+        <a:xfrm>
+          <a:off x="0" y="0"/>
+          <a:ext cx="0" cy="0"/>
+          <a:chOff x="0" y="0"/>
+          <a:chExt cx="0" cy="0"/>
+        </a:xfrm>
+      </p:grpSpPr>
+      <p:sp>
+        <p:nvSpPr>
+          <p:cNvPr id="2" name="Title 1">
+            <a:extLst>
+              <a:ext uri="{FF2B5EF4-FFF2-40B4-BE49-F238E27FC236}">
+                <a16:creationId xmlns:a16="http://schemas.microsoft.com/office/drawing/2014/main" id="{881C8C4A-DA34-4933-BE30-83EDE40DD3F3}"/>
+              </a:ext>
+            </a:extLst>
+          </p:cNvPr>
+          <p:cNvSpPr>
+            <a:spLocks noGrp="1"/>
+          </p:cNvSpPr>
+          <p:nvPr>
+            <p:ph type="title"/>
+          </p:nvPr>
+        </p:nvSpPr>
+        <p:spPr/>
+        <p:txBody>
+          <a:bodyPr/>
+          <a:lstStyle/>
+          <a:p>
+            <a:r>
+              <a:rPr lang="en-GB" dirty="0"/>
+              <a:t>Example of using unknown</a:t>
+            </a:r>
+          </a:p>
+        </p:txBody>
+      </p:sp>
+      <p:sp>
+        <p:nvSpPr>
+          <p:cNvPr id="3" name="Content Placeholder 2">
+            <a:extLst>
+              <a:ext uri="{FF2B5EF4-FFF2-40B4-BE49-F238E27FC236}">
+                <a16:creationId xmlns:a16="http://schemas.microsoft.com/office/drawing/2014/main" id="{DD7A9F0C-3198-4D5F-B54B-3C995CC9FC18}"/>
+              </a:ext>
+            </a:extLst>
+          </p:cNvPr>
+          <p:cNvSpPr>
+            <a:spLocks noGrp="1"/>
+          </p:cNvSpPr>
+          <p:nvPr>
+            <p:ph idx="1"/>
+          </p:nvPr>
+        </p:nvSpPr>
+        <p:spPr/>
+        <p:txBody>
+          <a:bodyPr/>
+          <a:lstStyle/>
+          <a:p>
+            <a:pPr marL="0" indent="0">
+              <a:buNone/>
+            </a:pPr>
+            <a:endParaRPr lang="en-GB" dirty="0"/>
+          </a:p>
+        </p:txBody>
+      </p:sp>
+      <p:sp>
+        <p:nvSpPr>
+          <p:cNvPr id="4" name="Rectangle 3">
+            <a:extLst>
+              <a:ext uri="{FF2B5EF4-FFF2-40B4-BE49-F238E27FC236}">
+                <a16:creationId xmlns:a16="http://schemas.microsoft.com/office/drawing/2014/main" id="{0217E739-B41C-417F-B235-6F10CF968E55}"/>
+              </a:ext>
+            </a:extLst>
+          </p:cNvPr>
+          <p:cNvSpPr/>
+          <p:nvPr/>
+        </p:nvSpPr>
+        <p:spPr>
+          <a:xfrm>
+            <a:off x="268309" y="1184858"/>
+            <a:ext cx="11187678" cy="4708981"/>
+          </a:xfrm>
+          <a:prstGeom prst="rect">
+            <a:avLst/>
+          </a:prstGeom>
+          <a:solidFill>
+            <a:schemeClr val="tx1">
+              <a:lumMod val="75000"/>
+              <a:lumOff val="25000"/>
+            </a:schemeClr>
+          </a:solidFill>
+          <a:ln>
+            <a:noFill/>
+          </a:ln>
+        </p:spPr>
+        <p:txBody>
+          <a:bodyPr wrap="none">
+            <a:spAutoFit/>
+          </a:bodyPr>
+          <a:lstStyle/>
+          <a:p>
+            <a:r>
+              <a:rPr lang="de-CH" sz="2000" dirty="0">
+                <a:solidFill>
+                  <a:srgbClr val="569CD6"/>
+                </a:solidFill>
+                <a:latin typeface="Consolas" panose="020B0609020204030204" pitchFamily="49" charset="0"/>
+              </a:rPr>
+              <a:t>type</a:t>
+            </a:r>
+            <a:r>
+              <a:rPr lang="de-CH" sz="2000" dirty="0">
+                <a:solidFill>
+                  <a:srgbClr val="D4D4D4"/>
+                </a:solidFill>
+                <a:latin typeface="Consolas" panose="020B0609020204030204" pitchFamily="49" charset="0"/>
+              </a:rPr>
+              <a:t> </a:t>
+            </a:r>
+            <a:r>
+              <a:rPr lang="de-CH" sz="2000" dirty="0">
+                <a:solidFill>
+                  <a:srgbClr val="4EC9B0"/>
+                </a:solidFill>
+                <a:latin typeface="Consolas" panose="020B0609020204030204" pitchFamily="49" charset="0"/>
+              </a:rPr>
+              <a:t>Point</a:t>
+            </a:r>
+            <a:r>
+              <a:rPr lang="de-CH" sz="2000" dirty="0">
+                <a:solidFill>
+                  <a:srgbClr val="D4D4D4"/>
+                </a:solidFill>
+                <a:latin typeface="Consolas" panose="020B0609020204030204" pitchFamily="49" charset="0"/>
+              </a:rPr>
+              <a:t> = { </a:t>
+            </a:r>
+            <a:r>
+              <a:rPr lang="de-CH" sz="2000" dirty="0">
+                <a:solidFill>
+                  <a:srgbClr val="9CDCFE"/>
+                </a:solidFill>
+                <a:latin typeface="Consolas" panose="020B0609020204030204" pitchFamily="49" charset="0"/>
+              </a:rPr>
+              <a:t>x</a:t>
+            </a:r>
+            <a:r>
+              <a:rPr lang="de-CH" sz="2000" dirty="0">
+                <a:solidFill>
+                  <a:srgbClr val="D4D4D4"/>
+                </a:solidFill>
+                <a:latin typeface="Consolas" panose="020B0609020204030204" pitchFamily="49" charset="0"/>
+              </a:rPr>
+              <a:t>: </a:t>
+            </a:r>
+            <a:r>
+              <a:rPr lang="de-CH" sz="2000" dirty="0" err="1">
+                <a:solidFill>
+                  <a:srgbClr val="4EC9B0"/>
+                </a:solidFill>
+                <a:latin typeface="Consolas" panose="020B0609020204030204" pitchFamily="49" charset="0"/>
+              </a:rPr>
+              <a:t>number</a:t>
+            </a:r>
+            <a:r>
+              <a:rPr lang="de-CH" sz="2000" dirty="0">
+                <a:solidFill>
+                  <a:srgbClr val="D4D4D4"/>
+                </a:solidFill>
+                <a:latin typeface="Consolas" panose="020B0609020204030204" pitchFamily="49" charset="0"/>
+              </a:rPr>
+              <a:t>, </a:t>
+            </a:r>
+            <a:r>
+              <a:rPr lang="de-CH" sz="2000" dirty="0">
+                <a:solidFill>
+                  <a:srgbClr val="9CDCFE"/>
+                </a:solidFill>
+                <a:latin typeface="Consolas" panose="020B0609020204030204" pitchFamily="49" charset="0"/>
+              </a:rPr>
+              <a:t>y</a:t>
+            </a:r>
+            <a:r>
+              <a:rPr lang="de-CH" sz="2000" dirty="0">
+                <a:solidFill>
+                  <a:srgbClr val="D4D4D4"/>
+                </a:solidFill>
+                <a:latin typeface="Consolas" panose="020B0609020204030204" pitchFamily="49" charset="0"/>
+              </a:rPr>
+              <a:t>: </a:t>
+            </a:r>
+            <a:r>
+              <a:rPr lang="de-CH" sz="2000" dirty="0" err="1">
+                <a:solidFill>
+                  <a:srgbClr val="4EC9B0"/>
+                </a:solidFill>
+                <a:latin typeface="Consolas" panose="020B0609020204030204" pitchFamily="49" charset="0"/>
+              </a:rPr>
+              <a:t>number</a:t>
+            </a:r>
+            <a:r>
+              <a:rPr lang="de-CH" sz="2000" dirty="0">
+                <a:solidFill>
+                  <a:srgbClr val="D4D4D4"/>
+                </a:solidFill>
+                <a:latin typeface="Consolas" panose="020B0609020204030204" pitchFamily="49" charset="0"/>
+              </a:rPr>
+              <a:t> };</a:t>
+            </a:r>
+          </a:p>
+          <a:p>
+            <a:br>
+              <a:rPr lang="de-CH" sz="2000" dirty="0">
+                <a:solidFill>
+                  <a:srgbClr val="D4D4D4"/>
+                </a:solidFill>
+                <a:latin typeface="Consolas" panose="020B0609020204030204" pitchFamily="49" charset="0"/>
+              </a:rPr>
+            </a:br>
+            <a:r>
+              <a:rPr lang="de-CH" sz="2000" dirty="0" err="1">
+                <a:solidFill>
+                  <a:srgbClr val="569CD6"/>
+                </a:solidFill>
+                <a:latin typeface="Consolas" panose="020B0609020204030204" pitchFamily="49" charset="0"/>
+              </a:rPr>
+              <a:t>function</a:t>
+            </a:r>
+            <a:r>
+              <a:rPr lang="de-CH" sz="2000" dirty="0">
+                <a:solidFill>
+                  <a:srgbClr val="D4D4D4"/>
+                </a:solidFill>
+                <a:latin typeface="Consolas" panose="020B0609020204030204" pitchFamily="49" charset="0"/>
+              </a:rPr>
+              <a:t> </a:t>
+            </a:r>
+            <a:r>
+              <a:rPr lang="de-CH" sz="2000" dirty="0" err="1">
+                <a:solidFill>
+                  <a:srgbClr val="DCDCAA"/>
+                </a:solidFill>
+                <a:latin typeface="Consolas" panose="020B0609020204030204" pitchFamily="49" charset="0"/>
+              </a:rPr>
+              <a:t>isPoint</a:t>
+            </a:r>
+            <a:r>
+              <a:rPr lang="de-CH" sz="2000" dirty="0">
+                <a:solidFill>
+                  <a:srgbClr val="D4D4D4"/>
+                </a:solidFill>
+                <a:latin typeface="Consolas" panose="020B0609020204030204" pitchFamily="49" charset="0"/>
+              </a:rPr>
+              <a:t>(</a:t>
+            </a:r>
+            <a:r>
+              <a:rPr lang="de-CH" sz="2000" dirty="0" err="1">
+                <a:solidFill>
+                  <a:srgbClr val="9CDCFE"/>
+                </a:solidFill>
+                <a:latin typeface="Consolas" panose="020B0609020204030204" pitchFamily="49" charset="0"/>
+              </a:rPr>
+              <a:t>thing</a:t>
+            </a:r>
+            <a:r>
+              <a:rPr lang="de-CH" sz="2000" dirty="0">
+                <a:solidFill>
+                  <a:srgbClr val="D4D4D4"/>
+                </a:solidFill>
+                <a:latin typeface="Consolas" panose="020B0609020204030204" pitchFamily="49" charset="0"/>
+              </a:rPr>
+              <a:t>: </a:t>
+            </a:r>
+            <a:r>
+              <a:rPr lang="de-CH" sz="2000" dirty="0" err="1">
+                <a:solidFill>
+                  <a:srgbClr val="4EC9B0"/>
+                </a:solidFill>
+                <a:latin typeface="Consolas" panose="020B0609020204030204" pitchFamily="49" charset="0"/>
+              </a:rPr>
+              <a:t>unknown</a:t>
+            </a:r>
+            <a:r>
+              <a:rPr lang="de-CH" sz="2000" dirty="0">
+                <a:solidFill>
+                  <a:srgbClr val="D4D4D4"/>
+                </a:solidFill>
+                <a:latin typeface="Consolas" panose="020B0609020204030204" pitchFamily="49" charset="0"/>
+              </a:rPr>
+              <a:t>): </a:t>
+            </a:r>
+            <a:r>
+              <a:rPr lang="de-CH" sz="2000" dirty="0" err="1">
+                <a:solidFill>
+                  <a:srgbClr val="4EC9B0"/>
+                </a:solidFill>
+                <a:latin typeface="Consolas" panose="020B0609020204030204" pitchFamily="49" charset="0"/>
+              </a:rPr>
+              <a:t>thing</a:t>
+            </a:r>
+            <a:r>
+              <a:rPr lang="de-CH" sz="2000" dirty="0">
+                <a:solidFill>
+                  <a:srgbClr val="D4D4D4"/>
+                </a:solidFill>
+                <a:latin typeface="Consolas" panose="020B0609020204030204" pitchFamily="49" charset="0"/>
+              </a:rPr>
+              <a:t> </a:t>
+            </a:r>
+            <a:r>
+              <a:rPr lang="de-CH" sz="2000" dirty="0" err="1">
+                <a:solidFill>
+                  <a:srgbClr val="569CD6"/>
+                </a:solidFill>
+                <a:latin typeface="Consolas" panose="020B0609020204030204" pitchFamily="49" charset="0"/>
+              </a:rPr>
+              <a:t>is</a:t>
+            </a:r>
+            <a:r>
+              <a:rPr lang="de-CH" sz="2000" dirty="0">
+                <a:solidFill>
+                  <a:srgbClr val="D4D4D4"/>
+                </a:solidFill>
+                <a:latin typeface="Consolas" panose="020B0609020204030204" pitchFamily="49" charset="0"/>
+              </a:rPr>
+              <a:t> </a:t>
+            </a:r>
+            <a:r>
+              <a:rPr lang="de-CH" sz="2000" dirty="0">
+                <a:solidFill>
+                  <a:srgbClr val="4EC9B0"/>
+                </a:solidFill>
+                <a:latin typeface="Consolas" panose="020B0609020204030204" pitchFamily="49" charset="0"/>
+              </a:rPr>
+              <a:t>Point</a:t>
+            </a:r>
+            <a:r>
+              <a:rPr lang="de-CH" sz="2000" dirty="0">
+                <a:solidFill>
+                  <a:srgbClr val="D4D4D4"/>
+                </a:solidFill>
+                <a:latin typeface="Consolas" panose="020B0609020204030204" pitchFamily="49" charset="0"/>
+              </a:rPr>
+              <a:t> {</a:t>
+            </a:r>
+          </a:p>
+          <a:p>
+            <a:r>
+              <a:rPr lang="de-CH" sz="2000" dirty="0">
+                <a:solidFill>
+                  <a:srgbClr val="C586C0"/>
+                </a:solidFill>
+                <a:latin typeface="Consolas" panose="020B0609020204030204" pitchFamily="49" charset="0"/>
+              </a:rPr>
+              <a:t>  </a:t>
+            </a:r>
+            <a:r>
+              <a:rPr lang="de-CH" sz="2000" dirty="0" err="1">
+                <a:solidFill>
+                  <a:srgbClr val="C586C0"/>
+                </a:solidFill>
+                <a:latin typeface="Consolas" panose="020B0609020204030204" pitchFamily="49" charset="0"/>
+              </a:rPr>
+              <a:t>return</a:t>
+            </a:r>
+            <a:r>
+              <a:rPr lang="de-CH" sz="2000" dirty="0">
+                <a:solidFill>
+                  <a:srgbClr val="D4D4D4"/>
+                </a:solidFill>
+                <a:latin typeface="Consolas" panose="020B0609020204030204" pitchFamily="49" charset="0"/>
+              </a:rPr>
+              <a:t> (</a:t>
+            </a:r>
+            <a:r>
+              <a:rPr lang="de-CH" sz="2000" dirty="0" err="1">
+                <a:solidFill>
+                  <a:srgbClr val="9CDCFE"/>
+                </a:solidFill>
+                <a:latin typeface="Consolas" panose="020B0609020204030204" pitchFamily="49" charset="0"/>
+              </a:rPr>
+              <a:t>thing</a:t>
+            </a:r>
+            <a:r>
+              <a:rPr lang="de-CH" sz="2000" dirty="0">
+                <a:solidFill>
+                  <a:srgbClr val="D4D4D4"/>
+                </a:solidFill>
+                <a:latin typeface="Consolas" panose="020B0609020204030204" pitchFamily="49" charset="0"/>
+              </a:rPr>
+              <a:t> </a:t>
+            </a:r>
+            <a:r>
+              <a:rPr lang="de-CH" sz="2000" dirty="0" err="1">
+                <a:solidFill>
+                  <a:srgbClr val="C586C0"/>
+                </a:solidFill>
+                <a:latin typeface="Consolas" panose="020B0609020204030204" pitchFamily="49" charset="0"/>
+              </a:rPr>
+              <a:t>as</a:t>
+            </a:r>
+            <a:r>
+              <a:rPr lang="de-CH" sz="2000" dirty="0">
+                <a:solidFill>
+                  <a:srgbClr val="D4D4D4"/>
+                </a:solidFill>
+                <a:latin typeface="Consolas" panose="020B0609020204030204" pitchFamily="49" charset="0"/>
+              </a:rPr>
+              <a:t> </a:t>
+            </a:r>
+            <a:r>
+              <a:rPr lang="de-CH" sz="2000" dirty="0">
+                <a:solidFill>
+                  <a:srgbClr val="4EC9B0"/>
+                </a:solidFill>
+                <a:latin typeface="Consolas" panose="020B0609020204030204" pitchFamily="49" charset="0"/>
+              </a:rPr>
+              <a:t>Point</a:t>
+            </a:r>
+            <a:r>
+              <a:rPr lang="de-CH" sz="2000" dirty="0">
+                <a:solidFill>
+                  <a:srgbClr val="D4D4D4"/>
+                </a:solidFill>
+                <a:latin typeface="Consolas" panose="020B0609020204030204" pitchFamily="49" charset="0"/>
+              </a:rPr>
+              <a:t>).</a:t>
+            </a:r>
+            <a:r>
+              <a:rPr lang="de-CH" sz="2000" dirty="0">
+                <a:solidFill>
+                  <a:srgbClr val="9CDCFE"/>
+                </a:solidFill>
+                <a:latin typeface="Consolas" panose="020B0609020204030204" pitchFamily="49" charset="0"/>
+              </a:rPr>
+              <a:t>x</a:t>
+            </a:r>
+            <a:r>
+              <a:rPr lang="de-CH" sz="2000" dirty="0">
+                <a:solidFill>
+                  <a:srgbClr val="D4D4D4"/>
+                </a:solidFill>
+                <a:latin typeface="Consolas" panose="020B0609020204030204" pitchFamily="49" charset="0"/>
+              </a:rPr>
+              <a:t> !== </a:t>
+            </a:r>
+            <a:r>
+              <a:rPr lang="de-CH" sz="2000" dirty="0" err="1">
+                <a:solidFill>
+                  <a:srgbClr val="569CD6"/>
+                </a:solidFill>
+                <a:latin typeface="Consolas" panose="020B0609020204030204" pitchFamily="49" charset="0"/>
+              </a:rPr>
+              <a:t>undefined</a:t>
+            </a:r>
+            <a:r>
+              <a:rPr lang="de-CH" sz="2000" dirty="0">
+                <a:solidFill>
+                  <a:srgbClr val="D4D4D4"/>
+                </a:solidFill>
+                <a:latin typeface="Consolas" panose="020B0609020204030204" pitchFamily="49" charset="0"/>
+              </a:rPr>
+              <a:t> &amp;&amp; (</a:t>
+            </a:r>
+            <a:r>
+              <a:rPr lang="de-CH" sz="2000" dirty="0" err="1">
+                <a:solidFill>
+                  <a:srgbClr val="9CDCFE"/>
+                </a:solidFill>
+                <a:latin typeface="Consolas" panose="020B0609020204030204" pitchFamily="49" charset="0"/>
+              </a:rPr>
+              <a:t>thing</a:t>
+            </a:r>
+            <a:r>
+              <a:rPr lang="de-CH" sz="2000" dirty="0">
+                <a:solidFill>
+                  <a:srgbClr val="D4D4D4"/>
+                </a:solidFill>
+                <a:latin typeface="Consolas" panose="020B0609020204030204" pitchFamily="49" charset="0"/>
+              </a:rPr>
+              <a:t> </a:t>
+            </a:r>
+            <a:r>
+              <a:rPr lang="de-CH" sz="2000" dirty="0" err="1">
+                <a:solidFill>
+                  <a:srgbClr val="C586C0"/>
+                </a:solidFill>
+                <a:latin typeface="Consolas" panose="020B0609020204030204" pitchFamily="49" charset="0"/>
+              </a:rPr>
+              <a:t>as</a:t>
+            </a:r>
+            <a:r>
+              <a:rPr lang="de-CH" sz="2000" dirty="0">
+                <a:solidFill>
+                  <a:srgbClr val="D4D4D4"/>
+                </a:solidFill>
+                <a:latin typeface="Consolas" panose="020B0609020204030204" pitchFamily="49" charset="0"/>
+              </a:rPr>
+              <a:t> </a:t>
+            </a:r>
+            <a:r>
+              <a:rPr lang="de-CH" sz="2000" dirty="0">
+                <a:solidFill>
+                  <a:srgbClr val="4EC9B0"/>
+                </a:solidFill>
+                <a:latin typeface="Consolas" panose="020B0609020204030204" pitchFamily="49" charset="0"/>
+              </a:rPr>
+              <a:t>Point</a:t>
+            </a:r>
+            <a:r>
+              <a:rPr lang="de-CH" sz="2000" dirty="0">
+                <a:solidFill>
+                  <a:srgbClr val="D4D4D4"/>
+                </a:solidFill>
+                <a:latin typeface="Consolas" panose="020B0609020204030204" pitchFamily="49" charset="0"/>
+              </a:rPr>
+              <a:t>).</a:t>
+            </a:r>
+            <a:r>
+              <a:rPr lang="de-CH" sz="2000" dirty="0">
+                <a:solidFill>
+                  <a:srgbClr val="9CDCFE"/>
+                </a:solidFill>
+                <a:latin typeface="Consolas" panose="020B0609020204030204" pitchFamily="49" charset="0"/>
+              </a:rPr>
+              <a:t>y</a:t>
+            </a:r>
+            <a:r>
+              <a:rPr lang="de-CH" sz="2000" dirty="0">
+                <a:solidFill>
+                  <a:srgbClr val="D4D4D4"/>
+                </a:solidFill>
+                <a:latin typeface="Consolas" panose="020B0609020204030204" pitchFamily="49" charset="0"/>
+              </a:rPr>
+              <a:t> !== </a:t>
+            </a:r>
+            <a:r>
+              <a:rPr lang="de-CH" sz="2000" dirty="0" err="1">
+                <a:solidFill>
+                  <a:srgbClr val="569CD6"/>
+                </a:solidFill>
+                <a:latin typeface="Consolas" panose="020B0609020204030204" pitchFamily="49" charset="0"/>
+              </a:rPr>
+              <a:t>undefined</a:t>
+            </a:r>
+            <a:r>
+              <a:rPr lang="de-CH" sz="2000" dirty="0">
+                <a:solidFill>
+                  <a:srgbClr val="D4D4D4"/>
+                </a:solidFill>
+                <a:latin typeface="Consolas" panose="020B0609020204030204" pitchFamily="49" charset="0"/>
+              </a:rPr>
+              <a:t>;</a:t>
+            </a:r>
+          </a:p>
+          <a:p>
+            <a:r>
+              <a:rPr lang="de-CH" sz="2000" dirty="0">
+                <a:solidFill>
+                  <a:srgbClr val="D4D4D4"/>
+                </a:solidFill>
+                <a:latin typeface="Consolas" panose="020B0609020204030204" pitchFamily="49" charset="0"/>
+              </a:rPr>
+              <a:t>}</a:t>
+            </a:r>
+          </a:p>
+          <a:p>
+            <a:br>
+              <a:rPr lang="de-CH" sz="2000" dirty="0">
+                <a:solidFill>
+                  <a:srgbClr val="D4D4D4"/>
+                </a:solidFill>
+                <a:latin typeface="Consolas" panose="020B0609020204030204" pitchFamily="49" charset="0"/>
+              </a:rPr>
+            </a:br>
+            <a:r>
+              <a:rPr lang="de-CH" sz="2000" dirty="0" err="1">
+                <a:solidFill>
+                  <a:srgbClr val="569CD6"/>
+                </a:solidFill>
+                <a:latin typeface="Consolas" panose="020B0609020204030204" pitchFamily="49" charset="0"/>
+              </a:rPr>
+              <a:t>function</a:t>
+            </a:r>
+            <a:r>
+              <a:rPr lang="de-CH" sz="2000" dirty="0">
+                <a:solidFill>
+                  <a:srgbClr val="D4D4D4"/>
+                </a:solidFill>
+                <a:latin typeface="Consolas" panose="020B0609020204030204" pitchFamily="49" charset="0"/>
+              </a:rPr>
+              <a:t> </a:t>
+            </a:r>
+            <a:r>
+              <a:rPr lang="de-CH" sz="2000" dirty="0" err="1">
+                <a:solidFill>
+                  <a:srgbClr val="DCDCAA"/>
+                </a:solidFill>
+                <a:latin typeface="Consolas" panose="020B0609020204030204" pitchFamily="49" charset="0"/>
+              </a:rPr>
+              <a:t>tryGetProduct</a:t>
+            </a:r>
+            <a:r>
+              <a:rPr lang="de-CH" sz="2000" dirty="0">
+                <a:solidFill>
+                  <a:srgbClr val="D4D4D4"/>
+                </a:solidFill>
+                <a:latin typeface="Consolas" panose="020B0609020204030204" pitchFamily="49" charset="0"/>
+              </a:rPr>
+              <a:t>(</a:t>
+            </a:r>
+            <a:r>
+              <a:rPr lang="de-CH" sz="2000" dirty="0" err="1">
+                <a:solidFill>
+                  <a:srgbClr val="9CDCFE"/>
+                </a:solidFill>
+                <a:latin typeface="Consolas" panose="020B0609020204030204" pitchFamily="49" charset="0"/>
+              </a:rPr>
+              <a:t>value</a:t>
+            </a:r>
+            <a:r>
+              <a:rPr lang="de-CH" sz="2000" dirty="0">
+                <a:solidFill>
+                  <a:srgbClr val="D4D4D4"/>
+                </a:solidFill>
+                <a:latin typeface="Consolas" panose="020B0609020204030204" pitchFamily="49" charset="0"/>
+              </a:rPr>
+              <a:t>: </a:t>
+            </a:r>
+            <a:r>
+              <a:rPr lang="de-CH" sz="2000" dirty="0" err="1">
+                <a:solidFill>
+                  <a:srgbClr val="4EC9B0"/>
+                </a:solidFill>
+                <a:latin typeface="Consolas" panose="020B0609020204030204" pitchFamily="49" charset="0"/>
+              </a:rPr>
+              <a:t>unknown</a:t>
+            </a:r>
+            <a:r>
+              <a:rPr lang="de-CH" sz="2000" dirty="0">
+                <a:solidFill>
+                  <a:srgbClr val="D4D4D4"/>
+                </a:solidFill>
+                <a:latin typeface="Consolas" panose="020B0609020204030204" pitchFamily="49" charset="0"/>
+              </a:rPr>
+              <a:t>): </a:t>
+            </a:r>
+            <a:r>
+              <a:rPr lang="de-CH" sz="2000" dirty="0" err="1">
+                <a:solidFill>
+                  <a:srgbClr val="4EC9B0"/>
+                </a:solidFill>
+                <a:latin typeface="Consolas" panose="020B0609020204030204" pitchFamily="49" charset="0"/>
+              </a:rPr>
+              <a:t>number</a:t>
+            </a:r>
+            <a:r>
+              <a:rPr lang="de-CH" sz="2000" dirty="0">
+                <a:solidFill>
+                  <a:srgbClr val="D4D4D4"/>
+                </a:solidFill>
+                <a:latin typeface="Consolas" panose="020B0609020204030204" pitchFamily="49" charset="0"/>
+              </a:rPr>
+              <a:t> | </a:t>
+            </a:r>
+            <a:r>
+              <a:rPr lang="de-CH" sz="2000" dirty="0" err="1">
+                <a:solidFill>
+                  <a:srgbClr val="4EC9B0"/>
+                </a:solidFill>
+                <a:latin typeface="Consolas" panose="020B0609020204030204" pitchFamily="49" charset="0"/>
+              </a:rPr>
+              <a:t>undefined</a:t>
+            </a:r>
+            <a:r>
+              <a:rPr lang="de-CH" sz="2000" dirty="0">
+                <a:solidFill>
+                  <a:srgbClr val="D4D4D4"/>
+                </a:solidFill>
+                <a:latin typeface="Consolas" panose="020B0609020204030204" pitchFamily="49" charset="0"/>
+              </a:rPr>
+              <a:t> {</a:t>
+            </a:r>
+          </a:p>
+          <a:p>
+            <a:r>
+              <a:rPr lang="de-CH" sz="2000" dirty="0">
+                <a:solidFill>
+                  <a:srgbClr val="C586C0"/>
+                </a:solidFill>
+                <a:latin typeface="Consolas" panose="020B0609020204030204" pitchFamily="49" charset="0"/>
+              </a:rPr>
+              <a:t>  </a:t>
+            </a:r>
+            <a:r>
+              <a:rPr lang="de-CH" sz="2000" dirty="0" err="1">
+                <a:solidFill>
+                  <a:srgbClr val="C586C0"/>
+                </a:solidFill>
+                <a:latin typeface="Consolas" panose="020B0609020204030204" pitchFamily="49" charset="0"/>
+              </a:rPr>
+              <a:t>if</a:t>
+            </a:r>
+            <a:r>
+              <a:rPr lang="de-CH" sz="2000" dirty="0">
+                <a:solidFill>
+                  <a:srgbClr val="D4D4D4"/>
+                </a:solidFill>
+                <a:latin typeface="Consolas" panose="020B0609020204030204" pitchFamily="49" charset="0"/>
+              </a:rPr>
+              <a:t> (</a:t>
+            </a:r>
+            <a:r>
+              <a:rPr lang="de-CH" sz="2000" dirty="0" err="1">
+                <a:solidFill>
+                  <a:srgbClr val="DCDCAA"/>
+                </a:solidFill>
+                <a:latin typeface="Consolas" panose="020B0609020204030204" pitchFamily="49" charset="0"/>
+              </a:rPr>
+              <a:t>isPoint</a:t>
+            </a:r>
+            <a:r>
+              <a:rPr lang="de-CH" sz="2000" dirty="0">
+                <a:solidFill>
+                  <a:srgbClr val="D4D4D4"/>
+                </a:solidFill>
+                <a:latin typeface="Consolas" panose="020B0609020204030204" pitchFamily="49" charset="0"/>
+              </a:rPr>
+              <a:t>(</a:t>
+            </a:r>
+            <a:r>
+              <a:rPr lang="de-CH" sz="2000" dirty="0" err="1">
+                <a:solidFill>
+                  <a:srgbClr val="9CDCFE"/>
+                </a:solidFill>
+                <a:latin typeface="Consolas" panose="020B0609020204030204" pitchFamily="49" charset="0"/>
+              </a:rPr>
+              <a:t>value</a:t>
+            </a:r>
+            <a:r>
+              <a:rPr lang="de-CH" sz="2000" dirty="0">
+                <a:solidFill>
+                  <a:srgbClr val="D4D4D4"/>
+                </a:solidFill>
+                <a:latin typeface="Consolas" panose="020B0609020204030204" pitchFamily="49" charset="0"/>
+              </a:rPr>
+              <a:t>)) {</a:t>
+            </a:r>
+          </a:p>
+          <a:p>
+            <a:r>
+              <a:rPr lang="de-CH" sz="2000" dirty="0">
+                <a:solidFill>
+                  <a:srgbClr val="C586C0"/>
+                </a:solidFill>
+                <a:latin typeface="Consolas" panose="020B0609020204030204" pitchFamily="49" charset="0"/>
+              </a:rPr>
+              <a:t>    </a:t>
+            </a:r>
+            <a:r>
+              <a:rPr lang="de-CH" sz="2000" dirty="0" err="1">
+                <a:solidFill>
+                  <a:srgbClr val="C586C0"/>
+                </a:solidFill>
+                <a:latin typeface="Consolas" panose="020B0609020204030204" pitchFamily="49" charset="0"/>
+              </a:rPr>
+              <a:t>return</a:t>
+            </a:r>
+            <a:r>
+              <a:rPr lang="de-CH" sz="2000" dirty="0">
+                <a:solidFill>
+                  <a:srgbClr val="D4D4D4"/>
+                </a:solidFill>
+                <a:latin typeface="Consolas" panose="020B0609020204030204" pitchFamily="49" charset="0"/>
+              </a:rPr>
+              <a:t> </a:t>
+            </a:r>
+            <a:r>
+              <a:rPr lang="de-CH" sz="2000" dirty="0" err="1">
+                <a:solidFill>
+                  <a:srgbClr val="9CDCFE"/>
+                </a:solidFill>
+                <a:latin typeface="Consolas" panose="020B0609020204030204" pitchFamily="49" charset="0"/>
+              </a:rPr>
+              <a:t>value</a:t>
+            </a:r>
+            <a:r>
+              <a:rPr lang="de-CH" sz="2000" dirty="0" err="1">
+                <a:solidFill>
+                  <a:srgbClr val="D4D4D4"/>
+                </a:solidFill>
+                <a:latin typeface="Consolas" panose="020B0609020204030204" pitchFamily="49" charset="0"/>
+              </a:rPr>
+              <a:t>.</a:t>
+            </a:r>
+            <a:r>
+              <a:rPr lang="de-CH" sz="2000" dirty="0" err="1">
+                <a:solidFill>
+                  <a:srgbClr val="9CDCFE"/>
+                </a:solidFill>
+                <a:latin typeface="Consolas" panose="020B0609020204030204" pitchFamily="49" charset="0"/>
+              </a:rPr>
+              <a:t>x</a:t>
+            </a:r>
+            <a:r>
+              <a:rPr lang="de-CH" sz="2000" dirty="0">
+                <a:solidFill>
+                  <a:srgbClr val="D4D4D4"/>
+                </a:solidFill>
+                <a:latin typeface="Consolas" panose="020B0609020204030204" pitchFamily="49" charset="0"/>
+              </a:rPr>
+              <a:t> * </a:t>
+            </a:r>
+            <a:r>
+              <a:rPr lang="de-CH" sz="2000" dirty="0" err="1">
+                <a:solidFill>
+                  <a:srgbClr val="9CDCFE"/>
+                </a:solidFill>
+                <a:latin typeface="Consolas" panose="020B0609020204030204" pitchFamily="49" charset="0"/>
+              </a:rPr>
+              <a:t>value</a:t>
+            </a:r>
+            <a:r>
+              <a:rPr lang="de-CH" sz="2000" dirty="0" err="1">
+                <a:solidFill>
+                  <a:srgbClr val="D4D4D4"/>
+                </a:solidFill>
+                <a:latin typeface="Consolas" panose="020B0609020204030204" pitchFamily="49" charset="0"/>
+              </a:rPr>
+              <a:t>.</a:t>
+            </a:r>
+            <a:r>
+              <a:rPr lang="de-CH" sz="2000" dirty="0" err="1">
+                <a:solidFill>
+                  <a:srgbClr val="9CDCFE"/>
+                </a:solidFill>
+                <a:latin typeface="Consolas" panose="020B0609020204030204" pitchFamily="49" charset="0"/>
+              </a:rPr>
+              <a:t>y</a:t>
+            </a:r>
+            <a:r>
+              <a:rPr lang="de-CH" sz="2000" dirty="0">
+                <a:solidFill>
+                  <a:srgbClr val="D4D4D4"/>
+                </a:solidFill>
+                <a:latin typeface="Consolas" panose="020B0609020204030204" pitchFamily="49" charset="0"/>
+              </a:rPr>
+              <a:t>;</a:t>
+            </a:r>
+          </a:p>
+          <a:p>
+            <a:r>
+              <a:rPr lang="de-CH" sz="2000" dirty="0">
+                <a:solidFill>
+                  <a:srgbClr val="D4D4D4"/>
+                </a:solidFill>
+                <a:latin typeface="Consolas" panose="020B0609020204030204" pitchFamily="49" charset="0"/>
+              </a:rPr>
+              <a:t>  }</a:t>
+            </a:r>
+          </a:p>
+          <a:p>
+            <a:br>
+              <a:rPr lang="de-CH" sz="2000" dirty="0">
+                <a:solidFill>
+                  <a:srgbClr val="D4D4D4"/>
+                </a:solidFill>
+                <a:latin typeface="Consolas" panose="020B0609020204030204" pitchFamily="49" charset="0"/>
+              </a:rPr>
+            </a:br>
+            <a:r>
+              <a:rPr lang="de-CH" sz="2000" dirty="0">
+                <a:solidFill>
+                  <a:srgbClr val="D4D4D4"/>
+                </a:solidFill>
+                <a:latin typeface="Consolas" panose="020B0609020204030204" pitchFamily="49" charset="0"/>
+              </a:rPr>
+              <a:t>  </a:t>
+            </a:r>
+            <a:r>
+              <a:rPr lang="de-CH" sz="2000" dirty="0" err="1">
+                <a:solidFill>
+                  <a:srgbClr val="C586C0"/>
+                </a:solidFill>
+                <a:latin typeface="Consolas" panose="020B0609020204030204" pitchFamily="49" charset="0"/>
+              </a:rPr>
+              <a:t>return</a:t>
+            </a:r>
+            <a:r>
+              <a:rPr lang="de-CH" sz="2000" dirty="0">
+                <a:solidFill>
+                  <a:srgbClr val="D4D4D4"/>
+                </a:solidFill>
+                <a:latin typeface="Consolas" panose="020B0609020204030204" pitchFamily="49" charset="0"/>
+              </a:rPr>
+              <a:t> </a:t>
+            </a:r>
+            <a:r>
+              <a:rPr lang="de-CH" sz="2000" dirty="0" err="1">
+                <a:solidFill>
+                  <a:srgbClr val="569CD6"/>
+                </a:solidFill>
+                <a:latin typeface="Consolas" panose="020B0609020204030204" pitchFamily="49" charset="0"/>
+              </a:rPr>
+              <a:t>undefined</a:t>
+            </a:r>
+            <a:r>
+              <a:rPr lang="de-CH" sz="2000" dirty="0">
+                <a:solidFill>
+                  <a:srgbClr val="D4D4D4"/>
+                </a:solidFill>
+                <a:latin typeface="Consolas" panose="020B0609020204030204" pitchFamily="49" charset="0"/>
+              </a:rPr>
+              <a:t>;</a:t>
+            </a:r>
+          </a:p>
+          <a:p>
+            <a:r>
+              <a:rPr lang="de-CH" sz="2000" dirty="0">
+                <a:solidFill>
+                  <a:srgbClr val="D4D4D4"/>
+                </a:solidFill>
+                <a:latin typeface="Consolas" panose="020B0609020204030204" pitchFamily="49" charset="0"/>
+              </a:rPr>
+              <a:t>}</a:t>
+            </a:r>
+          </a:p>
+          <a:p>
+            <a:br>
+              <a:rPr lang="de-CH" sz="2000" dirty="0">
+                <a:solidFill>
+                  <a:srgbClr val="D4D4D4"/>
+                </a:solidFill>
+                <a:latin typeface="Consolas" panose="020B0609020204030204" pitchFamily="49" charset="0"/>
+              </a:rPr>
+            </a:br>
+            <a:endParaRPr lang="de-CH" sz="2000" dirty="0">
+              <a:solidFill>
+                <a:srgbClr val="D4D4D4"/>
+              </a:solidFill>
+              <a:latin typeface="Consolas" panose="020B0609020204030204" pitchFamily="49" charset="0"/>
+            </a:endParaRPr>
+          </a:p>
+        </p:txBody>
+      </p:sp>
+    </p:spTree>
+    <p:extLst>
+      <p:ext uri="{BB962C8B-B14F-4D97-AF65-F5344CB8AC3E}">
+        <p14:creationId xmlns:p14="http://schemas.microsoft.com/office/powerpoint/2010/main" val="420486343"/>
+      </p:ext>
+    </p:extLst>
+  </p:cSld>
+  <p:clrMapOvr>
+    <a:masterClrMapping/>
+  </p:clrMapOvr>
+</p:sld>
+</file>
+
+<file path=ppt/slides/slide16.xml><?xml version="1.0" encoding="utf-8"?>
+<p:sld xmlns:a="http://schemas.openxmlformats.org/drawingml/2006/main" xmlns:r="http://schemas.openxmlformats.org/officeDocument/2006/relationships" xmlns:p="http://schemas.openxmlformats.org/presentationml/2006/main">
+  <p:cSld>
+    <p:spTree>
+      <p:nvGrpSpPr>
+        <p:cNvPr id="1" name=""/>
+        <p:cNvGrpSpPr/>
+        <p:nvPr/>
+      </p:nvGrpSpPr>
+      <p:grpSpPr>
+        <a:xfrm>
+          <a:off x="0" y="0"/>
+          <a:ext cx="0" cy="0"/>
+          <a:chOff x="0" y="0"/>
+          <a:chExt cx="0" cy="0"/>
+        </a:xfrm>
+      </p:grpSpPr>
+      <p:sp>
+        <p:nvSpPr>
+          <p:cNvPr id="2" name="Title 1">
+            <a:extLst>
+              <a:ext uri="{FF2B5EF4-FFF2-40B4-BE49-F238E27FC236}">
+                <a16:creationId xmlns:a16="http://schemas.microsoft.com/office/drawing/2014/main" id="{309B28CD-7B17-47C6-BCBA-9D6CD6CA66F7}"/>
+              </a:ext>
+            </a:extLst>
+          </p:cNvPr>
+          <p:cNvSpPr>
+            <a:spLocks noGrp="1"/>
+          </p:cNvSpPr>
+          <p:nvPr>
+            <p:ph type="title"/>
+          </p:nvPr>
+        </p:nvSpPr>
+        <p:spPr/>
+        <p:txBody>
+          <a:bodyPr/>
+          <a:lstStyle/>
+          <a:p>
+            <a:r>
+              <a:rPr lang="de-CH" dirty="0" err="1"/>
+              <a:t>Combining</a:t>
+            </a:r>
+            <a:r>
+              <a:rPr lang="de-CH" dirty="0"/>
+              <a:t> </a:t>
+            </a:r>
+            <a:r>
+              <a:rPr lang="de-CH" dirty="0" err="1"/>
+              <a:t>Types</a:t>
+            </a:r>
+            <a:endParaRPr lang="en-GB" dirty="0"/>
+          </a:p>
+        </p:txBody>
+      </p:sp>
+      <p:sp>
+        <p:nvSpPr>
+          <p:cNvPr id="3" name="Text Placeholder 2">
+            <a:extLst>
+              <a:ext uri="{FF2B5EF4-FFF2-40B4-BE49-F238E27FC236}">
+                <a16:creationId xmlns:a16="http://schemas.microsoft.com/office/drawing/2014/main" id="{986A5F9C-8112-4D9C-A28C-06A8003E6041}"/>
+              </a:ext>
+            </a:extLst>
+          </p:cNvPr>
+          <p:cNvSpPr>
+            <a:spLocks noGrp="1"/>
+          </p:cNvSpPr>
+          <p:nvPr>
+            <p:ph type="body" idx="1"/>
+          </p:nvPr>
+        </p:nvSpPr>
+        <p:spPr/>
+        <p:txBody>
+          <a:bodyPr/>
+          <a:lstStyle/>
+          <a:p>
+            <a:endParaRPr lang="en-GB"/>
+          </a:p>
+        </p:txBody>
+      </p:sp>
+    </p:spTree>
+    <p:extLst>
+      <p:ext uri="{BB962C8B-B14F-4D97-AF65-F5344CB8AC3E}">
+        <p14:creationId xmlns:p14="http://schemas.microsoft.com/office/powerpoint/2010/main" val="2210213847"/>
+      </p:ext>
+    </p:extLst>
+  </p:cSld>
+  <p:clrMapOvr>
+    <a:masterClrMapping/>
+  </p:clrMapOvr>
+</p:sld>
+</file>
+
+<file path=ppt/slides/slide17.xml><?xml version="1.0" encoding="utf-8"?>
+<p:sld xmlns:a="http://schemas.openxmlformats.org/drawingml/2006/main" xmlns:r="http://schemas.openxmlformats.org/officeDocument/2006/relationships" xmlns:p="http://schemas.openxmlformats.org/presentationml/2006/main">
+  <p:cSld>
+    <p:spTree>
+      <p:nvGrpSpPr>
+        <p:cNvPr id="1" name=""/>
+        <p:cNvGrpSpPr/>
+        <p:nvPr/>
+      </p:nvGrpSpPr>
+      <p:grpSpPr>
+        <a:xfrm>
+          <a:off x="0" y="0"/>
+          <a:ext cx="0" cy="0"/>
+          <a:chOff x="0" y="0"/>
+          <a:chExt cx="0" cy="0"/>
+        </a:xfrm>
+      </p:grpSpPr>
+      <p:sp>
+        <p:nvSpPr>
           <p:cNvPr id="3" name="Content Placeholder 2">
             <a:extLst>
               <a:ext uri="{FF2B5EF4-FFF2-40B4-BE49-F238E27FC236}">
@@ -6846,8 +9195,8 @@
           </a:extLst>
         </p:spPr>
       </p:pic>
-      <mc:AlternateContent xmlns:mc="http://schemas.openxmlformats.org/markup-compatibility/2006" xmlns:a14="http://schemas.microsoft.com/office/drawing/2010/main">
-        <mc:Choice Requires="a14">
+      <mc:AlternateContent xmlns:mc="http://schemas.openxmlformats.org/markup-compatibility/2006">
+        <mc:Choice xmlns:a14="http://schemas.microsoft.com/office/drawing/2010/main" Requires="a14">
           <p:sp>
             <p:nvSpPr>
               <p:cNvPr id="4" name="TextBox 3">
@@ -6894,7 +9243,7 @@
                           <a:latin typeface="Cambria Math" panose="02040503050406030204" pitchFamily="18" charset="0"/>
                           <a:ea typeface="Cambria Math" panose="02040503050406030204" pitchFamily="18" charset="0"/>
                         </a:rPr>
-                        <m:t>∪</m:t>
+                        <m:t>∩</m:t>
                       </m:r>
                       <m:r>
                         <a:rPr lang="de-CH" sz="6000" b="0" i="1" smtClean="0">
@@ -6911,7 +9260,7 @@
             </p:txBody>
           </p:sp>
         </mc:Choice>
-        <mc:Fallback xmlns="">
+        <mc:Fallback>
           <p:sp>
             <p:nvSpPr>
               <p:cNvPr id="4" name="TextBox 3">
@@ -6969,7 +9318,7 @@
 </p:sld>
 </file>
 
-<file path=ppt/slides/slide15.xml><?xml version="1.0" encoding="utf-8"?>
+<file path=ppt/slides/slide18.xml><?xml version="1.0" encoding="utf-8"?>
 <p:sld xmlns:a="http://schemas.openxmlformats.org/drawingml/2006/main" xmlns:r="http://schemas.openxmlformats.org/officeDocument/2006/relationships" xmlns:p="http://schemas.openxmlformats.org/presentationml/2006/main">
   <p:cSld>
     <p:spTree>
@@ -7298,17 +9647,20 @@
               </a:rPr>
               <a:t>"hello"</a:t>
             </a:r>
-            <a:endParaRPr lang="en-US" sz="2000" dirty="0">
-              <a:solidFill>
-                <a:srgbClr val="D4D4D4"/>
-              </a:solidFill>
-              <a:latin typeface="Consolas" panose="020B0609020204030204" pitchFamily="49" charset="0"/>
-            </a:endParaRPr>
-          </a:p>
-          <a:p>
             <a:r>
               <a:rPr lang="en-US" sz="2000" dirty="0">
                 <a:solidFill>
+                  <a:srgbClr val="D4D4D4"/>
+                </a:solidFill>
+                <a:latin typeface="Consolas" panose="020B0609020204030204" pitchFamily="49" charset="0"/>
+              </a:rPr>
+              <a:t>;</a:t>
+            </a:r>
+          </a:p>
+          <a:p>
+            <a:r>
+              <a:rPr lang="en-US" sz="2000" dirty="0">
+                <a:solidFill>
                   <a:srgbClr val="9CDCFE"/>
                 </a:solidFill>
                 <a:latin typeface="Consolas" panose="020B0609020204030204" pitchFamily="49" charset="0"/>
@@ -7333,17 +9685,20 @@
               </a:rPr>
               <a:t>42</a:t>
             </a:r>
-            <a:endParaRPr lang="en-US" sz="2000" dirty="0">
-              <a:solidFill>
-                <a:srgbClr val="D4D4D4"/>
-              </a:solidFill>
-              <a:latin typeface="Consolas" panose="020B0609020204030204" pitchFamily="49" charset="0"/>
-            </a:endParaRPr>
+            <a:r>
+              <a:rPr lang="en-US" sz="2000" dirty="0">
+                <a:solidFill>
+                  <a:srgbClr val="D4D4D4"/>
+                </a:solidFill>
+                <a:latin typeface="Consolas" panose="020B0609020204030204" pitchFamily="49" charset="0"/>
+              </a:rPr>
+              <a:t>;</a:t>
+            </a:r>
           </a:p>
         </p:txBody>
       </p:sp>
-      <mc:AlternateContent xmlns:mc="http://schemas.openxmlformats.org/markup-compatibility/2006" xmlns:a14="http://schemas.microsoft.com/office/drawing/2010/main">
-        <mc:Choice Requires="a14">
+      <mc:AlternateContent xmlns:mc="http://schemas.openxmlformats.org/markup-compatibility/2006">
+        <mc:Choice xmlns:a14="http://schemas.microsoft.com/office/drawing/2010/main" Requires="a14">
           <p:sp>
             <p:nvSpPr>
               <p:cNvPr id="7" name="TextBox 6">
@@ -7390,7 +9745,7 @@
                           <a:latin typeface="Cambria Math" panose="02040503050406030204" pitchFamily="18" charset="0"/>
                           <a:ea typeface="Cambria Math" panose="02040503050406030204" pitchFamily="18" charset="0"/>
                         </a:rPr>
-                        <m:t>∩</m:t>
+                        <m:t>∪</m:t>
                       </m:r>
                       <m:r>
                         <a:rPr lang="de-CH" sz="6000" b="0" i="1" smtClean="0">
@@ -7407,7 +9762,7 @@
             </p:txBody>
           </p:sp>
         </mc:Choice>
-        <mc:Fallback xmlns="">
+        <mc:Fallback>
           <p:sp>
             <p:nvSpPr>
               <p:cNvPr id="7" name="TextBox 6">
@@ -7465,7 +9820,7 @@
 </p:sld>
 </file>
 
-<file path=ppt/slides/slide16.xml><?xml version="1.0" encoding="utf-8"?>
+<file path=ppt/slides/slide19.xml><?xml version="1.0" encoding="utf-8"?>
 <p:sld xmlns:a="http://schemas.openxmlformats.org/drawingml/2006/main" xmlns:r="http://schemas.openxmlformats.org/officeDocument/2006/relationships" xmlns:p="http://schemas.openxmlformats.org/presentationml/2006/main">
   <p:cSld>
     <p:spTree>
@@ -7487,7 +9842,7 @@
           <p:cNvPr id="2" name="Title 1">
             <a:extLst>
               <a:ext uri="{FF2B5EF4-FFF2-40B4-BE49-F238E27FC236}">
-                <a16:creationId xmlns:a16="http://schemas.microsoft.com/office/drawing/2014/main" id="{956EFEE4-944A-4783-BE59-8B0153C0CC2A}"/>
+                <a16:creationId xmlns:a16="http://schemas.microsoft.com/office/drawing/2014/main" id="{6BA9DF8C-CB41-4912-99AD-C12E6EC9D10F}"/>
               </a:ext>
             </a:extLst>
           </p:cNvPr>
@@ -7503,47 +9858,1256 @@
           <a:bodyPr/>
           <a:lstStyle/>
           <a:p>
-            <a:endParaRPr lang="en-GB"/>
+            <a:r>
+              <a:rPr lang="en-GB" dirty="0"/>
+              <a:t>Some set algebra</a:t>
+            </a:r>
           </a:p>
         </p:txBody>
       </p:sp>
       <p:sp>
         <p:nvSpPr>
-          <p:cNvPr id="3" name="Content Placeholder 2">
+          <p:cNvPr id="5" name="AutoShape 4" descr="{\displaystyle A\cup B=B\cup A}">
             <a:extLst>
               <a:ext uri="{FF2B5EF4-FFF2-40B4-BE49-F238E27FC236}">
-                <a16:creationId xmlns:a16="http://schemas.microsoft.com/office/drawing/2014/main" id="{A5A623C0-7610-415B-B79C-6218591E66F6}"/>
+                <a16:creationId xmlns:a16="http://schemas.microsoft.com/office/drawing/2014/main" id="{EC0B17A9-4BA9-4D86-AF4E-1A7DB4B10F7C}"/>
               </a:ext>
             </a:extLst>
           </p:cNvPr>
           <p:cNvSpPr>
-            <a:spLocks noGrp="1"/>
+            <a:spLocks noGrp="1" noChangeAspect="1" noChangeArrowheads="1"/>
           </p:cNvSpPr>
           <p:nvPr>
             <p:ph idx="1"/>
           </p:nvPr>
         </p:nvSpPr>
-        <p:spPr/>
+        <p:spPr bwMode="auto">
+          <a:prstGeom prst="rect">
+            <a:avLst/>
+          </a:prstGeom>
+          <a:noFill/>
+          <a:extLst>
+            <a:ext uri="{909E8E84-426E-40DD-AFC4-6F175D3DCCD1}">
+              <a14:hiddenFill xmlns:a14="http://schemas.microsoft.com/office/drawing/2010/main">
+                <a:solidFill>
+                  <a:srgbClr val="FFFFFF"/>
+                </a:solidFill>
+              </a14:hiddenFill>
+            </a:ext>
+          </a:extLst>
+        </p:spPr>
         <p:txBody>
-          <a:bodyPr/>
+          <a:bodyPr vert="horz" wrap="square" lIns="91440" tIns="45720" rIns="91440" bIns="45720" numCol="1" anchor="t" anchorCtr="0" compatLnSpc="1">
+            <a:prstTxWarp prst="textNoShape">
+              <a:avLst/>
+            </a:prstTxWarp>
+          </a:bodyPr>
           <a:lstStyle/>
           <a:p>
-            <a:r>
-              <a:rPr lang="de-CH" dirty="0" err="1"/>
-              <a:t>Examples</a:t>
-            </a:r>
-            <a:r>
-              <a:rPr lang="de-CH" dirty="0"/>
-              <a:t> / Use Cases</a:t>
-            </a:r>
+            <a:pPr marL="0" indent="0">
+              <a:buNone/>
+            </a:pPr>
+            <a:r>
+              <a:rPr lang="en-GB" dirty="0"/>
+              <a:t>Identity Laws:</a:t>
+            </a:r>
+          </a:p>
+          <a:p>
+            <a:pPr marL="0" indent="0">
+              <a:buNone/>
+            </a:pPr>
             <a:endParaRPr lang="en-GB" dirty="0"/>
           </a:p>
+          <a:p>
+            <a:pPr marL="0" indent="0">
+              <a:buNone/>
+            </a:pPr>
+            <a:endParaRPr lang="en-GB" dirty="0"/>
+          </a:p>
+          <a:p>
+            <a:pPr marL="0" indent="0">
+              <a:buNone/>
+            </a:pPr>
+            <a:endParaRPr lang="en-GB" dirty="0"/>
+          </a:p>
+          <a:p>
+            <a:pPr marL="0" indent="0">
+              <a:buNone/>
+            </a:pPr>
+            <a:r>
+              <a:rPr lang="en-GB" dirty="0"/>
+              <a:t>Commutativity:				Associativity:</a:t>
+            </a:r>
+          </a:p>
+          <a:p>
+            <a:pPr marL="0" indent="0">
+              <a:buNone/>
+            </a:pPr>
+            <a:endParaRPr lang="en-GB" dirty="0"/>
+          </a:p>
+          <a:p>
+            <a:pPr marL="0" indent="0">
+              <a:buNone/>
+            </a:pPr>
+            <a:endParaRPr lang="en-GB" dirty="0"/>
+          </a:p>
+          <a:p>
+            <a:pPr marL="0" indent="0">
+              <a:buNone/>
+            </a:pPr>
+            <a:endParaRPr lang="en-GB" dirty="0"/>
+          </a:p>
+          <a:p>
+            <a:pPr marL="0" indent="0">
+              <a:buNone/>
+            </a:pPr>
+            <a:r>
+              <a:rPr lang="en-GB" dirty="0"/>
+              <a:t>And some more </a:t>
+            </a:r>
+            <a:r>
+              <a:rPr lang="en-GB" dirty="0">
+                <a:sym typeface="Wingdings" panose="05000000000000000000" pitchFamily="2" charset="2"/>
+              </a:rPr>
+              <a:t></a:t>
+            </a:r>
+            <a:endParaRPr lang="en-GB" dirty="0"/>
+          </a:p>
+          <a:p>
+            <a:pPr marL="0" indent="0">
+              <a:buNone/>
+            </a:pPr>
+            <a:endParaRPr lang="en-GB" dirty="0"/>
+          </a:p>
+          <a:p>
+            <a:pPr marL="0" indent="0">
+              <a:buNone/>
+            </a:pPr>
+            <a:endParaRPr lang="en-GB" dirty="0"/>
+          </a:p>
+          <a:p>
+            <a:pPr marL="0" indent="0">
+              <a:buNone/>
+            </a:pPr>
+            <a:endParaRPr lang="en-GB" dirty="0"/>
+          </a:p>
+          <a:p>
+            <a:pPr marL="0" indent="0">
+              <a:buNone/>
+            </a:pPr>
+            <a:endParaRPr lang="en-GB" dirty="0"/>
+          </a:p>
         </p:txBody>
       </p:sp>
+      <mc:AlternateContent xmlns:mc="http://schemas.openxmlformats.org/markup-compatibility/2006">
+        <mc:Choice xmlns:a14="http://schemas.microsoft.com/office/drawing/2010/main" Requires="a14">
+          <p:sp>
+            <p:nvSpPr>
+              <p:cNvPr id="6" name="Rectangle 5">
+                <a:extLst>
+                  <a:ext uri="{FF2B5EF4-FFF2-40B4-BE49-F238E27FC236}">
+                    <a16:creationId xmlns:a16="http://schemas.microsoft.com/office/drawing/2014/main" id="{7277E92A-8F46-4801-88B9-7F76E38435D1}"/>
+                  </a:ext>
+                </a:extLst>
+              </p:cNvPr>
+              <p:cNvSpPr/>
+              <p:nvPr/>
+            </p:nvSpPr>
+            <p:spPr>
+              <a:xfrm>
+                <a:off x="268309" y="1597764"/>
+                <a:ext cx="2018277" cy="523220"/>
+              </a:xfrm>
+              <a:prstGeom prst="rect">
+                <a:avLst/>
+              </a:prstGeom>
+            </p:spPr>
+            <p:txBody>
+              <a:bodyPr wrap="none">
+                <a:noAutofit/>
+              </a:bodyPr>
+              <a:lstStyle/>
+              <a:p>
+                <a14:m>
+                  <m:oMathPara xmlns:m="http://schemas.openxmlformats.org/officeDocument/2006/math">
+                    <m:oMathParaPr>
+                      <m:jc m:val="centerGroup"/>
+                    </m:oMathParaPr>
+                    <m:oMath xmlns:m="http://schemas.openxmlformats.org/officeDocument/2006/math">
+                      <m:r>
+                        <a:rPr lang="de-CH" sz="2800" i="1" smtClean="0">
+                          <a:latin typeface="Cambria Math" panose="02040503050406030204" pitchFamily="18" charset="0"/>
+                        </a:rPr>
+                        <m:t>𝐴</m:t>
+                      </m:r>
+                      <m:r>
+                        <a:rPr lang="de-CH" sz="2800" i="1">
+                          <a:latin typeface="Cambria Math" panose="02040503050406030204" pitchFamily="18" charset="0"/>
+                          <a:ea typeface="Cambria Math" panose="02040503050406030204" pitchFamily="18" charset="0"/>
+                        </a:rPr>
+                        <m:t>∪</m:t>
+                      </m:r>
+                      <m:r>
+                        <a:rPr lang="de-CH" sz="2800" i="1">
+                          <a:latin typeface="Cambria Math" panose="02040503050406030204" pitchFamily="18" charset="0"/>
+                          <a:ea typeface="Cambria Math" panose="02040503050406030204" pitchFamily="18" charset="0"/>
+                        </a:rPr>
+                        <m:t>Ø=</m:t>
+                      </m:r>
+                      <m:r>
+                        <a:rPr lang="de-CH" sz="2800" i="1">
+                          <a:latin typeface="Cambria Math" panose="02040503050406030204" pitchFamily="18" charset="0"/>
+                          <a:ea typeface="Cambria Math" panose="02040503050406030204" pitchFamily="18" charset="0"/>
+                        </a:rPr>
+                        <m:t>𝐴</m:t>
+                      </m:r>
+                    </m:oMath>
+                  </m:oMathPara>
+                </a14:m>
+                <a:endParaRPr lang="en-GB" sz="2800" dirty="0"/>
+              </a:p>
+            </p:txBody>
+          </p:sp>
+        </mc:Choice>
+        <mc:Fallback>
+          <p:sp>
+            <p:nvSpPr>
+              <p:cNvPr id="6" name="Rectangle 5">
+                <a:extLst>
+                  <a:ext uri="{FF2B5EF4-FFF2-40B4-BE49-F238E27FC236}">
+                    <a16:creationId xmlns:a16="http://schemas.microsoft.com/office/drawing/2014/main" id="{7277E92A-8F46-4801-88B9-7F76E38435D1}"/>
+                  </a:ext>
+                </a:extLst>
+              </p:cNvPr>
+              <p:cNvSpPr>
+                <a:spLocks noRot="1" noChangeAspect="1" noMove="1" noResize="1" noEditPoints="1" noAdjustHandles="1" noChangeArrowheads="1" noChangeShapeType="1" noTextEdit="1"/>
+              </p:cNvSpPr>
+              <p:nvPr/>
+            </p:nvSpPr>
+            <p:spPr>
+              <a:xfrm>
+                <a:off x="268309" y="1597764"/>
+                <a:ext cx="2018277" cy="523220"/>
+              </a:xfrm>
+              <a:prstGeom prst="rect">
+                <a:avLst/>
+              </a:prstGeom>
+              <a:blipFill>
+                <a:blip r:embed="rId3"/>
+                <a:stretch>
+                  <a:fillRect/>
+                </a:stretch>
+              </a:blipFill>
+            </p:spPr>
+            <p:txBody>
+              <a:bodyPr/>
+              <a:lstStyle/>
+              <a:p>
+                <a:r>
+                  <a:rPr lang="en-GB">
+                    <a:noFill/>
+                  </a:rPr>
+                  <a:t> </a:t>
+                </a:r>
+              </a:p>
+            </p:txBody>
+          </p:sp>
+        </mc:Fallback>
+      </mc:AlternateContent>
+      <mc:AlternateContent xmlns:mc="http://schemas.openxmlformats.org/markup-compatibility/2006">
+        <mc:Choice xmlns:a14="http://schemas.microsoft.com/office/drawing/2010/main" Requires="a14">
+          <p:sp>
+            <p:nvSpPr>
+              <p:cNvPr id="7" name="Rectangle 6">
+                <a:extLst>
+                  <a:ext uri="{FF2B5EF4-FFF2-40B4-BE49-F238E27FC236}">
+                    <a16:creationId xmlns:a16="http://schemas.microsoft.com/office/drawing/2014/main" id="{F8EC8325-B864-4901-AA1C-2539D63817F6}"/>
+                  </a:ext>
+                </a:extLst>
+              </p:cNvPr>
+              <p:cNvSpPr/>
+              <p:nvPr/>
+            </p:nvSpPr>
+            <p:spPr>
+              <a:xfrm>
+                <a:off x="268309" y="2120984"/>
+                <a:ext cx="2040071" cy="523220"/>
+              </a:xfrm>
+              <a:prstGeom prst="rect">
+                <a:avLst/>
+              </a:prstGeom>
+            </p:spPr>
+            <p:txBody>
+              <a:bodyPr wrap="none">
+                <a:noAutofit/>
+              </a:bodyPr>
+              <a:lstStyle/>
+              <a:p>
+                <a14:m>
+                  <m:oMathPara xmlns:m="http://schemas.openxmlformats.org/officeDocument/2006/math">
+                    <m:oMathParaPr>
+                      <m:jc m:val="centerGroup"/>
+                    </m:oMathParaPr>
+                    <m:oMath xmlns:m="http://schemas.openxmlformats.org/officeDocument/2006/math">
+                      <m:r>
+                        <a:rPr lang="de-CH" sz="2800" i="1" smtClean="0">
+                          <a:latin typeface="Cambria Math" panose="02040503050406030204" pitchFamily="18" charset="0"/>
+                        </a:rPr>
+                        <m:t>𝐴</m:t>
+                      </m:r>
+                      <m:r>
+                        <a:rPr lang="de-CH" sz="2800" i="1" smtClean="0">
+                          <a:latin typeface="Cambria Math" panose="02040503050406030204" pitchFamily="18" charset="0"/>
+                          <a:ea typeface="Cambria Math" panose="02040503050406030204" pitchFamily="18" charset="0"/>
+                        </a:rPr>
+                        <m:t>∩</m:t>
+                      </m:r>
+                      <m:r>
+                        <a:rPr lang="de-CH" sz="2800" b="0" i="1" smtClean="0">
+                          <a:latin typeface="Cambria Math" panose="02040503050406030204" pitchFamily="18" charset="0"/>
+                          <a:ea typeface="Cambria Math" panose="02040503050406030204" pitchFamily="18" charset="0"/>
+                        </a:rPr>
+                        <m:t>𝑈</m:t>
+                      </m:r>
+                      <m:r>
+                        <a:rPr lang="de-CH" sz="2800" i="1">
+                          <a:latin typeface="Cambria Math" panose="02040503050406030204" pitchFamily="18" charset="0"/>
+                          <a:ea typeface="Cambria Math" panose="02040503050406030204" pitchFamily="18" charset="0"/>
+                        </a:rPr>
+                        <m:t>=</m:t>
+                      </m:r>
+                      <m:r>
+                        <a:rPr lang="de-CH" sz="2800" i="1">
+                          <a:latin typeface="Cambria Math" panose="02040503050406030204" pitchFamily="18" charset="0"/>
+                          <a:ea typeface="Cambria Math" panose="02040503050406030204" pitchFamily="18" charset="0"/>
+                        </a:rPr>
+                        <m:t>𝐴</m:t>
+                      </m:r>
+                    </m:oMath>
+                  </m:oMathPara>
+                </a14:m>
+                <a:endParaRPr lang="en-GB" sz="2800" dirty="0"/>
+              </a:p>
+            </p:txBody>
+          </p:sp>
+        </mc:Choice>
+        <mc:Fallback>
+          <p:sp>
+            <p:nvSpPr>
+              <p:cNvPr id="7" name="Rectangle 6">
+                <a:extLst>
+                  <a:ext uri="{FF2B5EF4-FFF2-40B4-BE49-F238E27FC236}">
+                    <a16:creationId xmlns:a16="http://schemas.microsoft.com/office/drawing/2014/main" id="{F8EC8325-B864-4901-AA1C-2539D63817F6}"/>
+                  </a:ext>
+                </a:extLst>
+              </p:cNvPr>
+              <p:cNvSpPr>
+                <a:spLocks noRot="1" noChangeAspect="1" noMove="1" noResize="1" noEditPoints="1" noAdjustHandles="1" noChangeArrowheads="1" noChangeShapeType="1" noTextEdit="1"/>
+              </p:cNvSpPr>
+              <p:nvPr/>
+            </p:nvSpPr>
+            <p:spPr>
+              <a:xfrm>
+                <a:off x="268309" y="2120984"/>
+                <a:ext cx="2040071" cy="523220"/>
+              </a:xfrm>
+              <a:prstGeom prst="rect">
+                <a:avLst/>
+              </a:prstGeom>
+              <a:blipFill>
+                <a:blip r:embed="rId4"/>
+                <a:stretch>
+                  <a:fillRect/>
+                </a:stretch>
+              </a:blipFill>
+            </p:spPr>
+            <p:txBody>
+              <a:bodyPr/>
+              <a:lstStyle/>
+              <a:p>
+                <a:r>
+                  <a:rPr lang="en-GB">
+                    <a:noFill/>
+                  </a:rPr>
+                  <a:t> </a:t>
+                </a:r>
+              </a:p>
+            </p:txBody>
+          </p:sp>
+        </mc:Fallback>
+      </mc:AlternateContent>
+      <p:sp>
+        <p:nvSpPr>
+          <p:cNvPr id="8" name="Rectangle 7">
+            <a:extLst>
+              <a:ext uri="{FF2B5EF4-FFF2-40B4-BE49-F238E27FC236}">
+                <a16:creationId xmlns:a16="http://schemas.microsoft.com/office/drawing/2014/main" id="{6C2A9C1B-1BAB-43E7-A7D3-DDD91C59F591}"/>
+              </a:ext>
+            </a:extLst>
+          </p:cNvPr>
+          <p:cNvSpPr/>
+          <p:nvPr/>
+        </p:nvSpPr>
+        <p:spPr>
+          <a:xfrm>
+            <a:off x="3601895" y="1628541"/>
+            <a:ext cx="5827236" cy="1015663"/>
+          </a:xfrm>
+          <a:prstGeom prst="rect">
+            <a:avLst/>
+          </a:prstGeom>
+          <a:solidFill>
+            <a:schemeClr val="tx1">
+              <a:lumMod val="75000"/>
+              <a:lumOff val="25000"/>
+            </a:schemeClr>
+          </a:solidFill>
+          <a:ln>
+            <a:noFill/>
+          </a:ln>
+        </p:spPr>
+        <p:txBody>
+          <a:bodyPr wrap="none">
+            <a:spAutoFit/>
+          </a:bodyPr>
+          <a:lstStyle/>
+          <a:p>
+            <a:r>
+              <a:rPr lang="en-US" sz="2000" dirty="0">
+                <a:solidFill>
+                  <a:srgbClr val="569CD6"/>
+                </a:solidFill>
+                <a:latin typeface="Consolas" panose="020B0609020204030204" pitchFamily="49" charset="0"/>
+              </a:rPr>
+              <a:t>type</a:t>
+            </a:r>
+            <a:r>
+              <a:rPr lang="en-US" sz="2000" dirty="0">
+                <a:solidFill>
+                  <a:srgbClr val="D4D4D4"/>
+                </a:solidFill>
+                <a:latin typeface="Consolas" panose="020B0609020204030204" pitchFamily="49" charset="0"/>
+              </a:rPr>
+              <a:t> </a:t>
+            </a:r>
+            <a:r>
+              <a:rPr lang="en-US" sz="2000" dirty="0">
+                <a:solidFill>
+                  <a:srgbClr val="4EC9B0"/>
+                </a:solidFill>
+                <a:latin typeface="Consolas" panose="020B0609020204030204" pitchFamily="49" charset="0"/>
+              </a:rPr>
+              <a:t>x</a:t>
+            </a:r>
+            <a:r>
+              <a:rPr lang="en-US" sz="2000" dirty="0">
+                <a:solidFill>
+                  <a:srgbClr val="D4D4D4"/>
+                </a:solidFill>
+                <a:latin typeface="Consolas" panose="020B0609020204030204" pitchFamily="49" charset="0"/>
+              </a:rPr>
+              <a:t> = </a:t>
+            </a:r>
+            <a:r>
+              <a:rPr lang="en-US" sz="2000" dirty="0">
+                <a:solidFill>
+                  <a:srgbClr val="4EC9B0"/>
+                </a:solidFill>
+                <a:latin typeface="Consolas" panose="020B0609020204030204" pitchFamily="49" charset="0"/>
+              </a:rPr>
+              <a:t>number</a:t>
+            </a:r>
+            <a:r>
+              <a:rPr lang="en-US" sz="2000" dirty="0">
+                <a:solidFill>
+                  <a:srgbClr val="D4D4D4"/>
+                </a:solidFill>
+                <a:latin typeface="Consolas" panose="020B0609020204030204" pitchFamily="49" charset="0"/>
+              </a:rPr>
+              <a:t> | </a:t>
+            </a:r>
+            <a:r>
+              <a:rPr lang="en-US" sz="2000" dirty="0">
+                <a:solidFill>
+                  <a:srgbClr val="4EC9B0"/>
+                </a:solidFill>
+                <a:latin typeface="Consolas" panose="020B0609020204030204" pitchFamily="49" charset="0"/>
+              </a:rPr>
+              <a:t>never</a:t>
+            </a:r>
+            <a:r>
+              <a:rPr lang="en-US" sz="2000" dirty="0">
+                <a:solidFill>
+                  <a:srgbClr val="D4D4D4"/>
+                </a:solidFill>
+                <a:latin typeface="Consolas" panose="020B0609020204030204" pitchFamily="49" charset="0"/>
+              </a:rPr>
+              <a:t>; </a:t>
+            </a:r>
+            <a:r>
+              <a:rPr lang="en-US" sz="2000" dirty="0">
+                <a:solidFill>
+                  <a:srgbClr val="6A9955"/>
+                </a:solidFill>
+                <a:latin typeface="Consolas" panose="020B0609020204030204" pitchFamily="49" charset="0"/>
+              </a:rPr>
+              <a:t>// x = number</a:t>
+            </a:r>
+            <a:endParaRPr lang="en-US" sz="2000" dirty="0">
+              <a:solidFill>
+                <a:srgbClr val="D4D4D4"/>
+              </a:solidFill>
+              <a:latin typeface="Consolas" panose="020B0609020204030204" pitchFamily="49" charset="0"/>
+            </a:endParaRPr>
+          </a:p>
+          <a:p>
+            <a:br>
+              <a:rPr lang="en-US" sz="2000" dirty="0">
+                <a:solidFill>
+                  <a:srgbClr val="D4D4D4"/>
+                </a:solidFill>
+                <a:latin typeface="Consolas" panose="020B0609020204030204" pitchFamily="49" charset="0"/>
+              </a:rPr>
+            </a:br>
+            <a:r>
+              <a:rPr lang="en-US" sz="2000" dirty="0">
+                <a:solidFill>
+                  <a:srgbClr val="569CD6"/>
+                </a:solidFill>
+                <a:latin typeface="Consolas" panose="020B0609020204030204" pitchFamily="49" charset="0"/>
+              </a:rPr>
+              <a:t>type</a:t>
+            </a:r>
+            <a:r>
+              <a:rPr lang="en-US" sz="2000" dirty="0">
+                <a:solidFill>
+                  <a:srgbClr val="D4D4D4"/>
+                </a:solidFill>
+                <a:latin typeface="Consolas" panose="020B0609020204030204" pitchFamily="49" charset="0"/>
+              </a:rPr>
+              <a:t> </a:t>
+            </a:r>
+            <a:r>
+              <a:rPr lang="en-US" sz="2000" dirty="0">
+                <a:solidFill>
+                  <a:srgbClr val="4EC9B0"/>
+                </a:solidFill>
+                <a:latin typeface="Consolas" panose="020B0609020204030204" pitchFamily="49" charset="0"/>
+              </a:rPr>
+              <a:t>y</a:t>
+            </a:r>
+            <a:r>
+              <a:rPr lang="en-US" sz="2000" dirty="0">
+                <a:solidFill>
+                  <a:srgbClr val="D4D4D4"/>
+                </a:solidFill>
+                <a:latin typeface="Consolas" panose="020B0609020204030204" pitchFamily="49" charset="0"/>
+              </a:rPr>
+              <a:t> = </a:t>
+            </a:r>
+            <a:r>
+              <a:rPr lang="en-US" sz="2000" dirty="0">
+                <a:solidFill>
+                  <a:srgbClr val="4EC9B0"/>
+                </a:solidFill>
+                <a:latin typeface="Consolas" panose="020B0609020204030204" pitchFamily="49" charset="0"/>
+              </a:rPr>
+              <a:t>number</a:t>
+            </a:r>
+            <a:r>
+              <a:rPr lang="en-US" sz="2000" dirty="0">
+                <a:solidFill>
+                  <a:srgbClr val="D4D4D4"/>
+                </a:solidFill>
+                <a:latin typeface="Consolas" panose="020B0609020204030204" pitchFamily="49" charset="0"/>
+              </a:rPr>
+              <a:t> &amp; </a:t>
+            </a:r>
+            <a:r>
+              <a:rPr lang="en-US" sz="2000" dirty="0">
+                <a:solidFill>
+                  <a:srgbClr val="4EC9B0"/>
+                </a:solidFill>
+                <a:latin typeface="Consolas" panose="020B0609020204030204" pitchFamily="49" charset="0"/>
+              </a:rPr>
+              <a:t>unknown</a:t>
+            </a:r>
+            <a:r>
+              <a:rPr lang="en-US" sz="2000" dirty="0">
+                <a:solidFill>
+                  <a:srgbClr val="D4D4D4"/>
+                </a:solidFill>
+                <a:latin typeface="Consolas" panose="020B0609020204030204" pitchFamily="49" charset="0"/>
+              </a:rPr>
+              <a:t>; </a:t>
+            </a:r>
+            <a:r>
+              <a:rPr lang="en-US" sz="2000" dirty="0">
+                <a:solidFill>
+                  <a:srgbClr val="6A9955"/>
+                </a:solidFill>
+                <a:latin typeface="Consolas" panose="020B0609020204030204" pitchFamily="49" charset="0"/>
+              </a:rPr>
+              <a:t>// y = number</a:t>
+            </a:r>
+            <a:endParaRPr lang="en-US" sz="2000" dirty="0">
+              <a:solidFill>
+                <a:srgbClr val="D4D4D4"/>
+              </a:solidFill>
+              <a:latin typeface="Consolas" panose="020B0609020204030204" pitchFamily="49" charset="0"/>
+            </a:endParaRPr>
+          </a:p>
+        </p:txBody>
+      </p:sp>
+      <mc:AlternateContent xmlns:mc="http://schemas.openxmlformats.org/markup-compatibility/2006">
+        <mc:Choice xmlns:a14="http://schemas.microsoft.com/office/drawing/2010/main" Requires="a14">
+          <p:sp>
+            <p:nvSpPr>
+              <p:cNvPr id="9" name="Rectangle 8">
+                <a:extLst>
+                  <a:ext uri="{FF2B5EF4-FFF2-40B4-BE49-F238E27FC236}">
+                    <a16:creationId xmlns:a16="http://schemas.microsoft.com/office/drawing/2014/main" id="{F2C15F32-A083-4CB3-8435-99FE8AD0179F}"/>
+                  </a:ext>
+                </a:extLst>
+              </p:cNvPr>
+              <p:cNvSpPr/>
+              <p:nvPr/>
+            </p:nvSpPr>
+            <p:spPr>
+              <a:xfrm>
+                <a:off x="268309" y="3690577"/>
+                <a:ext cx="2407084" cy="523220"/>
+              </a:xfrm>
+              <a:prstGeom prst="rect">
+                <a:avLst/>
+              </a:prstGeom>
+            </p:spPr>
+            <p:txBody>
+              <a:bodyPr wrap="none">
+                <a:noAutofit/>
+              </a:bodyPr>
+              <a:lstStyle/>
+              <a:p>
+                <a14:m>
+                  <m:oMathPara xmlns:m="http://schemas.openxmlformats.org/officeDocument/2006/math">
+                    <m:oMathParaPr>
+                      <m:jc m:val="centerGroup"/>
+                    </m:oMathParaPr>
+                    <m:oMath xmlns:m="http://schemas.openxmlformats.org/officeDocument/2006/math">
+                      <m:r>
+                        <a:rPr lang="de-CH" sz="2800" i="1" smtClean="0">
+                          <a:latin typeface="Cambria Math" panose="02040503050406030204" pitchFamily="18" charset="0"/>
+                        </a:rPr>
+                        <m:t>𝐴</m:t>
+                      </m:r>
+                      <m:r>
+                        <a:rPr lang="de-CH" sz="2800" i="1" smtClean="0">
+                          <a:latin typeface="Cambria Math" panose="02040503050406030204" pitchFamily="18" charset="0"/>
+                          <a:ea typeface="Cambria Math" panose="02040503050406030204" pitchFamily="18" charset="0"/>
+                        </a:rPr>
+                        <m:t>∪</m:t>
+                      </m:r>
+                      <m:r>
+                        <a:rPr lang="de-CH" sz="2800" b="0" i="1" smtClean="0">
+                          <a:latin typeface="Cambria Math" panose="02040503050406030204" pitchFamily="18" charset="0"/>
+                          <a:ea typeface="Cambria Math" panose="02040503050406030204" pitchFamily="18" charset="0"/>
+                        </a:rPr>
+                        <m:t>𝐵</m:t>
+                      </m:r>
+                      <m:r>
+                        <a:rPr lang="de-CH" sz="2800" i="1">
+                          <a:latin typeface="Cambria Math" panose="02040503050406030204" pitchFamily="18" charset="0"/>
+                          <a:ea typeface="Cambria Math" panose="02040503050406030204" pitchFamily="18" charset="0"/>
+                        </a:rPr>
+                        <m:t>=</m:t>
+                      </m:r>
+                      <m:r>
+                        <a:rPr lang="de-CH" sz="2800" b="0" i="1" smtClean="0">
+                          <a:latin typeface="Cambria Math" panose="02040503050406030204" pitchFamily="18" charset="0"/>
+                          <a:ea typeface="Cambria Math" panose="02040503050406030204" pitchFamily="18" charset="0"/>
+                        </a:rPr>
+                        <m:t>𝐵</m:t>
+                      </m:r>
+                      <m:r>
+                        <a:rPr lang="de-CH" sz="2800" i="1" smtClean="0">
+                          <a:latin typeface="Cambria Math" panose="02040503050406030204" pitchFamily="18" charset="0"/>
+                          <a:ea typeface="Cambria Math" panose="02040503050406030204" pitchFamily="18" charset="0"/>
+                        </a:rPr>
+                        <m:t>∪</m:t>
+                      </m:r>
+                      <m:r>
+                        <a:rPr lang="de-CH" sz="2800" b="0" i="1" smtClean="0">
+                          <a:latin typeface="Cambria Math" panose="02040503050406030204" pitchFamily="18" charset="0"/>
+                          <a:ea typeface="Cambria Math" panose="02040503050406030204" pitchFamily="18" charset="0"/>
+                        </a:rPr>
+                        <m:t>𝐴</m:t>
+                      </m:r>
+                    </m:oMath>
+                  </m:oMathPara>
+                </a14:m>
+                <a:endParaRPr lang="en-GB" sz="2800" dirty="0"/>
+              </a:p>
+            </p:txBody>
+          </p:sp>
+        </mc:Choice>
+        <mc:Fallback>
+          <p:sp>
+            <p:nvSpPr>
+              <p:cNvPr id="9" name="Rectangle 8">
+                <a:extLst>
+                  <a:ext uri="{FF2B5EF4-FFF2-40B4-BE49-F238E27FC236}">
+                    <a16:creationId xmlns:a16="http://schemas.microsoft.com/office/drawing/2014/main" id="{F2C15F32-A083-4CB3-8435-99FE8AD0179F}"/>
+                  </a:ext>
+                </a:extLst>
+              </p:cNvPr>
+              <p:cNvSpPr>
+                <a:spLocks noRot="1" noChangeAspect="1" noMove="1" noResize="1" noEditPoints="1" noAdjustHandles="1" noChangeArrowheads="1" noChangeShapeType="1" noTextEdit="1"/>
+              </p:cNvSpPr>
+              <p:nvPr/>
+            </p:nvSpPr>
+            <p:spPr>
+              <a:xfrm>
+                <a:off x="268309" y="3690577"/>
+                <a:ext cx="2407084" cy="523220"/>
+              </a:xfrm>
+              <a:prstGeom prst="rect">
+                <a:avLst/>
+              </a:prstGeom>
+              <a:blipFill>
+                <a:blip r:embed="rId5"/>
+                <a:stretch>
+                  <a:fillRect/>
+                </a:stretch>
+              </a:blipFill>
+            </p:spPr>
+            <p:txBody>
+              <a:bodyPr/>
+              <a:lstStyle/>
+              <a:p>
+                <a:r>
+                  <a:rPr lang="en-GB">
+                    <a:noFill/>
+                  </a:rPr>
+                  <a:t> </a:t>
+                </a:r>
+              </a:p>
+            </p:txBody>
+          </p:sp>
+        </mc:Fallback>
+      </mc:AlternateContent>
+      <mc:AlternateContent xmlns:mc="http://schemas.openxmlformats.org/markup-compatibility/2006">
+        <mc:Choice xmlns:a14="http://schemas.microsoft.com/office/drawing/2010/main" Requires="a14">
+          <p:sp>
+            <p:nvSpPr>
+              <p:cNvPr id="10" name="Rectangle 9">
+                <a:extLst>
+                  <a:ext uri="{FF2B5EF4-FFF2-40B4-BE49-F238E27FC236}">
+                    <a16:creationId xmlns:a16="http://schemas.microsoft.com/office/drawing/2014/main" id="{4491F55C-8D1B-4D74-84B5-EBD77B7B6B5C}"/>
+                  </a:ext>
+                </a:extLst>
+              </p:cNvPr>
+              <p:cNvSpPr/>
+              <p:nvPr/>
+            </p:nvSpPr>
+            <p:spPr>
+              <a:xfrm>
+                <a:off x="268309" y="4213797"/>
+                <a:ext cx="2407084" cy="523220"/>
+              </a:xfrm>
+              <a:prstGeom prst="rect">
+                <a:avLst/>
+              </a:prstGeom>
+            </p:spPr>
+            <p:txBody>
+              <a:bodyPr wrap="none">
+                <a:noAutofit/>
+              </a:bodyPr>
+              <a:lstStyle/>
+              <a:p>
+                <a14:m>
+                  <m:oMathPara xmlns:m="http://schemas.openxmlformats.org/officeDocument/2006/math">
+                    <m:oMathParaPr>
+                      <m:jc m:val="centerGroup"/>
+                    </m:oMathParaPr>
+                    <m:oMath xmlns:m="http://schemas.openxmlformats.org/officeDocument/2006/math">
+                      <m:r>
+                        <a:rPr lang="de-CH" sz="2800" i="1" smtClean="0">
+                          <a:latin typeface="Cambria Math" panose="02040503050406030204" pitchFamily="18" charset="0"/>
+                        </a:rPr>
+                        <m:t>𝐴</m:t>
+                      </m:r>
+                      <m:r>
+                        <a:rPr lang="de-CH" sz="2800" i="1" smtClean="0">
+                          <a:latin typeface="Cambria Math" panose="02040503050406030204" pitchFamily="18" charset="0"/>
+                          <a:ea typeface="Cambria Math" panose="02040503050406030204" pitchFamily="18" charset="0"/>
+                        </a:rPr>
+                        <m:t>∩</m:t>
+                      </m:r>
+                      <m:r>
+                        <a:rPr lang="de-CH" sz="2800" b="0" i="1" smtClean="0">
+                          <a:latin typeface="Cambria Math" panose="02040503050406030204" pitchFamily="18" charset="0"/>
+                          <a:ea typeface="Cambria Math" panose="02040503050406030204" pitchFamily="18" charset="0"/>
+                        </a:rPr>
+                        <m:t>𝐵</m:t>
+                      </m:r>
+                      <m:r>
+                        <a:rPr lang="de-CH" sz="2800" i="1">
+                          <a:latin typeface="Cambria Math" panose="02040503050406030204" pitchFamily="18" charset="0"/>
+                          <a:ea typeface="Cambria Math" panose="02040503050406030204" pitchFamily="18" charset="0"/>
+                        </a:rPr>
+                        <m:t>=</m:t>
+                      </m:r>
+                      <m:r>
+                        <a:rPr lang="de-CH" sz="2800" b="0" i="1" smtClean="0">
+                          <a:latin typeface="Cambria Math" panose="02040503050406030204" pitchFamily="18" charset="0"/>
+                          <a:ea typeface="Cambria Math" panose="02040503050406030204" pitchFamily="18" charset="0"/>
+                        </a:rPr>
+                        <m:t>𝐵</m:t>
+                      </m:r>
+                      <m:r>
+                        <a:rPr lang="de-CH" sz="2800" i="1">
+                          <a:latin typeface="Cambria Math" panose="02040503050406030204" pitchFamily="18" charset="0"/>
+                          <a:ea typeface="Cambria Math" panose="02040503050406030204" pitchFamily="18" charset="0"/>
+                        </a:rPr>
+                        <m:t>∩</m:t>
+                      </m:r>
+                      <m:r>
+                        <a:rPr lang="de-CH" sz="2800" b="0" i="1" smtClean="0">
+                          <a:latin typeface="Cambria Math" panose="02040503050406030204" pitchFamily="18" charset="0"/>
+                          <a:ea typeface="Cambria Math" panose="02040503050406030204" pitchFamily="18" charset="0"/>
+                        </a:rPr>
+                        <m:t>𝐴</m:t>
+                      </m:r>
+                    </m:oMath>
+                  </m:oMathPara>
+                </a14:m>
+                <a:endParaRPr lang="en-GB" sz="2800" dirty="0"/>
+              </a:p>
+            </p:txBody>
+          </p:sp>
+        </mc:Choice>
+        <mc:Fallback>
+          <p:sp>
+            <p:nvSpPr>
+              <p:cNvPr id="10" name="Rectangle 9">
+                <a:extLst>
+                  <a:ext uri="{FF2B5EF4-FFF2-40B4-BE49-F238E27FC236}">
+                    <a16:creationId xmlns:a16="http://schemas.microsoft.com/office/drawing/2014/main" id="{4491F55C-8D1B-4D74-84B5-EBD77B7B6B5C}"/>
+                  </a:ext>
+                </a:extLst>
+              </p:cNvPr>
+              <p:cNvSpPr>
+                <a:spLocks noRot="1" noChangeAspect="1" noMove="1" noResize="1" noEditPoints="1" noAdjustHandles="1" noChangeArrowheads="1" noChangeShapeType="1" noTextEdit="1"/>
+              </p:cNvSpPr>
+              <p:nvPr/>
+            </p:nvSpPr>
+            <p:spPr>
+              <a:xfrm>
+                <a:off x="268309" y="4213797"/>
+                <a:ext cx="2407084" cy="523220"/>
+              </a:xfrm>
+              <a:prstGeom prst="rect">
+                <a:avLst/>
+              </a:prstGeom>
+              <a:blipFill>
+                <a:blip r:embed="rId6"/>
+                <a:stretch>
+                  <a:fillRect/>
+                </a:stretch>
+              </a:blipFill>
+            </p:spPr>
+            <p:txBody>
+              <a:bodyPr/>
+              <a:lstStyle/>
+              <a:p>
+                <a:r>
+                  <a:rPr lang="en-GB">
+                    <a:noFill/>
+                  </a:rPr>
+                  <a:t> </a:t>
+                </a:r>
+              </a:p>
+            </p:txBody>
+          </p:sp>
+        </mc:Fallback>
+      </mc:AlternateContent>
+      <mc:AlternateContent xmlns:mc="http://schemas.openxmlformats.org/markup-compatibility/2006">
+        <mc:Choice xmlns:a14="http://schemas.microsoft.com/office/drawing/2010/main" Requires="a14">
+          <p:sp>
+            <p:nvSpPr>
+              <p:cNvPr id="11" name="Rectangle 10">
+                <a:extLst>
+                  <a:ext uri="{FF2B5EF4-FFF2-40B4-BE49-F238E27FC236}">
+                    <a16:creationId xmlns:a16="http://schemas.microsoft.com/office/drawing/2014/main" id="{95C03BF4-78F6-485A-9361-DF7A56D66456}"/>
+                  </a:ext>
+                </a:extLst>
+              </p:cNvPr>
+              <p:cNvSpPr/>
+              <p:nvPr/>
+            </p:nvSpPr>
+            <p:spPr>
+              <a:xfrm>
+                <a:off x="5712179" y="3690577"/>
+                <a:ext cx="2407084" cy="523220"/>
+              </a:xfrm>
+              <a:prstGeom prst="rect">
+                <a:avLst/>
+              </a:prstGeom>
+            </p:spPr>
+            <p:txBody>
+              <a:bodyPr wrap="none">
+                <a:noAutofit/>
+              </a:bodyPr>
+              <a:lstStyle/>
+              <a:p>
+                <a14:m>
+                  <m:oMathPara xmlns:m="http://schemas.openxmlformats.org/officeDocument/2006/math">
+                    <m:oMathParaPr>
+                      <m:jc m:val="centerGroup"/>
+                    </m:oMathParaPr>
+                    <m:oMath xmlns:m="http://schemas.openxmlformats.org/officeDocument/2006/math">
+                      <m:d>
+                        <m:dPr>
+                          <m:ctrlPr>
+                            <a:rPr lang="de-CH" sz="2800" b="0" i="1" smtClean="0">
+                              <a:latin typeface="Cambria Math" panose="02040503050406030204" pitchFamily="18" charset="0"/>
+                            </a:rPr>
+                          </m:ctrlPr>
+                        </m:dPr>
+                        <m:e>
+                          <m:r>
+                            <a:rPr lang="de-CH" sz="2800" i="1" smtClean="0">
+                              <a:latin typeface="Cambria Math" panose="02040503050406030204" pitchFamily="18" charset="0"/>
+                            </a:rPr>
+                            <m:t>𝐴</m:t>
+                          </m:r>
+                          <m:r>
+                            <a:rPr lang="de-CH" sz="2800" i="1" smtClean="0">
+                              <a:latin typeface="Cambria Math" panose="02040503050406030204" pitchFamily="18" charset="0"/>
+                              <a:ea typeface="Cambria Math" panose="02040503050406030204" pitchFamily="18" charset="0"/>
+                            </a:rPr>
+                            <m:t>∪</m:t>
+                          </m:r>
+                          <m:r>
+                            <a:rPr lang="de-CH" sz="2800" b="0" i="1" smtClean="0">
+                              <a:latin typeface="Cambria Math" panose="02040503050406030204" pitchFamily="18" charset="0"/>
+                              <a:ea typeface="Cambria Math" panose="02040503050406030204" pitchFamily="18" charset="0"/>
+                            </a:rPr>
+                            <m:t>𝐵</m:t>
+                          </m:r>
+                        </m:e>
+                      </m:d>
+                      <m:r>
+                        <a:rPr lang="de-CH" sz="2800" i="1">
+                          <a:latin typeface="Cambria Math" panose="02040503050406030204" pitchFamily="18" charset="0"/>
+                          <a:ea typeface="Cambria Math" panose="02040503050406030204" pitchFamily="18" charset="0"/>
+                        </a:rPr>
+                        <m:t>∪</m:t>
+                      </m:r>
+                      <m:r>
+                        <a:rPr lang="de-CH" sz="2800" b="0" i="1" smtClean="0">
+                          <a:latin typeface="Cambria Math" panose="02040503050406030204" pitchFamily="18" charset="0"/>
+                          <a:ea typeface="Cambria Math" panose="02040503050406030204" pitchFamily="18" charset="0"/>
+                        </a:rPr>
+                        <m:t>𝐶</m:t>
+                      </m:r>
+                      <m:r>
+                        <a:rPr lang="de-CH" sz="2800" i="1">
+                          <a:latin typeface="Cambria Math" panose="02040503050406030204" pitchFamily="18" charset="0"/>
+                          <a:ea typeface="Cambria Math" panose="02040503050406030204" pitchFamily="18" charset="0"/>
+                        </a:rPr>
+                        <m:t>=</m:t>
+                      </m:r>
+                      <m:r>
+                        <a:rPr lang="de-CH" sz="2800" b="0" i="1" smtClean="0">
+                          <a:latin typeface="Cambria Math" panose="02040503050406030204" pitchFamily="18" charset="0"/>
+                          <a:ea typeface="Cambria Math" panose="02040503050406030204" pitchFamily="18" charset="0"/>
+                        </a:rPr>
+                        <m:t>𝐴</m:t>
+                      </m:r>
+                      <m:r>
+                        <a:rPr lang="de-CH" sz="2800" i="1" smtClean="0">
+                          <a:latin typeface="Cambria Math" panose="02040503050406030204" pitchFamily="18" charset="0"/>
+                          <a:ea typeface="Cambria Math" panose="02040503050406030204" pitchFamily="18" charset="0"/>
+                        </a:rPr>
+                        <m:t>∪</m:t>
+                      </m:r>
+                      <m:r>
+                        <a:rPr lang="de-CH" sz="2800" b="0" i="1" smtClean="0">
+                          <a:latin typeface="Cambria Math" panose="02040503050406030204" pitchFamily="18" charset="0"/>
+                          <a:ea typeface="Cambria Math" panose="02040503050406030204" pitchFamily="18" charset="0"/>
+                        </a:rPr>
+                        <m:t>(</m:t>
+                      </m:r>
+                      <m:r>
+                        <a:rPr lang="de-CH" sz="2800" b="0" i="1" smtClean="0">
+                          <a:latin typeface="Cambria Math" panose="02040503050406030204" pitchFamily="18" charset="0"/>
+                          <a:ea typeface="Cambria Math" panose="02040503050406030204" pitchFamily="18" charset="0"/>
+                        </a:rPr>
+                        <m:t>𝐵</m:t>
+                      </m:r>
+                      <m:r>
+                        <a:rPr lang="de-CH" sz="2800" b="0" i="1" smtClean="0">
+                          <a:latin typeface="Cambria Math" panose="02040503050406030204" pitchFamily="18" charset="0"/>
+                          <a:ea typeface="Cambria Math" panose="02040503050406030204" pitchFamily="18" charset="0"/>
+                        </a:rPr>
+                        <m:t>∪</m:t>
+                      </m:r>
+                      <m:r>
+                        <a:rPr lang="de-CH" sz="2800" b="0" i="1" smtClean="0">
+                          <a:latin typeface="Cambria Math" panose="02040503050406030204" pitchFamily="18" charset="0"/>
+                          <a:ea typeface="Cambria Math" panose="02040503050406030204" pitchFamily="18" charset="0"/>
+                        </a:rPr>
+                        <m:t>𝐶</m:t>
+                      </m:r>
+                      <m:r>
+                        <a:rPr lang="de-CH" sz="2800" b="0" i="1" smtClean="0">
+                          <a:latin typeface="Cambria Math" panose="02040503050406030204" pitchFamily="18" charset="0"/>
+                          <a:ea typeface="Cambria Math" panose="02040503050406030204" pitchFamily="18" charset="0"/>
+                        </a:rPr>
+                        <m:t>)</m:t>
+                      </m:r>
+                    </m:oMath>
+                  </m:oMathPara>
+                </a14:m>
+                <a:endParaRPr lang="en-GB" sz="2800" dirty="0"/>
+              </a:p>
+            </p:txBody>
+          </p:sp>
+        </mc:Choice>
+        <mc:Fallback>
+          <p:sp>
+            <p:nvSpPr>
+              <p:cNvPr id="11" name="Rectangle 10">
+                <a:extLst>
+                  <a:ext uri="{FF2B5EF4-FFF2-40B4-BE49-F238E27FC236}">
+                    <a16:creationId xmlns:a16="http://schemas.microsoft.com/office/drawing/2014/main" id="{95C03BF4-78F6-485A-9361-DF7A56D66456}"/>
+                  </a:ext>
+                </a:extLst>
+              </p:cNvPr>
+              <p:cNvSpPr>
+                <a:spLocks noRot="1" noChangeAspect="1" noMove="1" noResize="1" noEditPoints="1" noAdjustHandles="1" noChangeArrowheads="1" noChangeShapeType="1" noTextEdit="1"/>
+              </p:cNvSpPr>
+              <p:nvPr/>
+            </p:nvSpPr>
+            <p:spPr>
+              <a:xfrm>
+                <a:off x="5712179" y="3690577"/>
+                <a:ext cx="2407084" cy="523220"/>
+              </a:xfrm>
+              <a:prstGeom prst="rect">
+                <a:avLst/>
+              </a:prstGeom>
+              <a:blipFill>
+                <a:blip r:embed="rId7"/>
+                <a:stretch>
+                  <a:fillRect r="-71139"/>
+                </a:stretch>
+              </a:blipFill>
+            </p:spPr>
+            <p:txBody>
+              <a:bodyPr/>
+              <a:lstStyle/>
+              <a:p>
+                <a:r>
+                  <a:rPr lang="en-GB">
+                    <a:noFill/>
+                  </a:rPr>
+                  <a:t> </a:t>
+                </a:r>
+              </a:p>
+            </p:txBody>
+          </p:sp>
+        </mc:Fallback>
+      </mc:AlternateContent>
+      <mc:AlternateContent xmlns:mc="http://schemas.openxmlformats.org/markup-compatibility/2006">
+        <mc:Choice xmlns:a14="http://schemas.microsoft.com/office/drawing/2010/main" Requires="a14">
+          <p:sp>
+            <p:nvSpPr>
+              <p:cNvPr id="12" name="Rectangle 11">
+                <a:extLst>
+                  <a:ext uri="{FF2B5EF4-FFF2-40B4-BE49-F238E27FC236}">
+                    <a16:creationId xmlns:a16="http://schemas.microsoft.com/office/drawing/2014/main" id="{96C5B2CF-C2E5-4830-B046-68EC03CA1FDE}"/>
+                  </a:ext>
+                </a:extLst>
+              </p:cNvPr>
+              <p:cNvSpPr/>
+              <p:nvPr/>
+            </p:nvSpPr>
+            <p:spPr>
+              <a:xfrm>
+                <a:off x="5712179" y="4213797"/>
+                <a:ext cx="2407084" cy="523220"/>
+              </a:xfrm>
+              <a:prstGeom prst="rect">
+                <a:avLst/>
+              </a:prstGeom>
+            </p:spPr>
+            <p:txBody>
+              <a:bodyPr wrap="none">
+                <a:noAutofit/>
+              </a:bodyPr>
+              <a:lstStyle/>
+              <a:p>
+                <a14:m>
+                  <m:oMathPara xmlns:m="http://schemas.openxmlformats.org/officeDocument/2006/math">
+                    <m:oMathParaPr>
+                      <m:jc m:val="centerGroup"/>
+                    </m:oMathParaPr>
+                    <m:oMath xmlns:m="http://schemas.openxmlformats.org/officeDocument/2006/math">
+                      <m:r>
+                        <a:rPr lang="de-CH" sz="2800" b="0" i="1" smtClean="0">
+                          <a:latin typeface="Cambria Math" panose="02040503050406030204" pitchFamily="18" charset="0"/>
+                        </a:rPr>
+                        <m:t>(</m:t>
+                      </m:r>
+                      <m:r>
+                        <a:rPr lang="de-CH" sz="2800" i="1" smtClean="0">
+                          <a:latin typeface="Cambria Math" panose="02040503050406030204" pitchFamily="18" charset="0"/>
+                        </a:rPr>
+                        <m:t>𝐴</m:t>
+                      </m:r>
+                      <m:r>
+                        <a:rPr lang="de-CH" sz="2800" i="1" smtClean="0">
+                          <a:latin typeface="Cambria Math" panose="02040503050406030204" pitchFamily="18" charset="0"/>
+                          <a:ea typeface="Cambria Math" panose="02040503050406030204" pitchFamily="18" charset="0"/>
+                        </a:rPr>
+                        <m:t>∩</m:t>
+                      </m:r>
+                      <m:r>
+                        <a:rPr lang="de-CH" sz="2800" b="0" i="1" smtClean="0">
+                          <a:latin typeface="Cambria Math" panose="02040503050406030204" pitchFamily="18" charset="0"/>
+                          <a:ea typeface="Cambria Math" panose="02040503050406030204" pitchFamily="18" charset="0"/>
+                        </a:rPr>
+                        <m:t>𝐵</m:t>
+                      </m:r>
+                      <m:r>
+                        <a:rPr lang="de-CH" sz="2800" b="0" i="1" smtClean="0">
+                          <a:latin typeface="Cambria Math" panose="02040503050406030204" pitchFamily="18" charset="0"/>
+                          <a:ea typeface="Cambria Math" panose="02040503050406030204" pitchFamily="18" charset="0"/>
+                        </a:rPr>
+                        <m:t>)∩</m:t>
+                      </m:r>
+                      <m:r>
+                        <a:rPr lang="de-CH" sz="2800" b="0" i="1" smtClean="0">
+                          <a:latin typeface="Cambria Math" panose="02040503050406030204" pitchFamily="18" charset="0"/>
+                          <a:ea typeface="Cambria Math" panose="02040503050406030204" pitchFamily="18" charset="0"/>
+                        </a:rPr>
+                        <m:t>𝐶</m:t>
+                      </m:r>
+                      <m:r>
+                        <a:rPr lang="de-CH" sz="2800" i="1">
+                          <a:latin typeface="Cambria Math" panose="02040503050406030204" pitchFamily="18" charset="0"/>
+                          <a:ea typeface="Cambria Math" panose="02040503050406030204" pitchFamily="18" charset="0"/>
+                        </a:rPr>
+                        <m:t>=</m:t>
+                      </m:r>
+                      <m:r>
+                        <a:rPr lang="de-CH" sz="2800" b="0" i="1" smtClean="0">
+                          <a:latin typeface="Cambria Math" panose="02040503050406030204" pitchFamily="18" charset="0"/>
+                          <a:ea typeface="Cambria Math" panose="02040503050406030204" pitchFamily="18" charset="0"/>
+                        </a:rPr>
+                        <m:t>𝐴</m:t>
+                      </m:r>
+                      <m:r>
+                        <a:rPr lang="de-CH" sz="2800" i="1">
+                          <a:latin typeface="Cambria Math" panose="02040503050406030204" pitchFamily="18" charset="0"/>
+                          <a:ea typeface="Cambria Math" panose="02040503050406030204" pitchFamily="18" charset="0"/>
+                        </a:rPr>
+                        <m:t>∩</m:t>
+                      </m:r>
+                      <m:r>
+                        <a:rPr lang="de-CH" sz="2800" b="0" i="1" smtClean="0">
+                          <a:latin typeface="Cambria Math" panose="02040503050406030204" pitchFamily="18" charset="0"/>
+                          <a:ea typeface="Cambria Math" panose="02040503050406030204" pitchFamily="18" charset="0"/>
+                        </a:rPr>
+                        <m:t>(</m:t>
+                      </m:r>
+                      <m:r>
+                        <a:rPr lang="de-CH" sz="2800" b="0" i="1" smtClean="0">
+                          <a:latin typeface="Cambria Math" panose="02040503050406030204" pitchFamily="18" charset="0"/>
+                          <a:ea typeface="Cambria Math" panose="02040503050406030204" pitchFamily="18" charset="0"/>
+                        </a:rPr>
+                        <m:t>𝐵</m:t>
+                      </m:r>
+                      <m:r>
+                        <a:rPr lang="de-CH" sz="2800" i="1">
+                          <a:latin typeface="Cambria Math" panose="02040503050406030204" pitchFamily="18" charset="0"/>
+                          <a:ea typeface="Cambria Math" panose="02040503050406030204" pitchFamily="18" charset="0"/>
+                        </a:rPr>
+                        <m:t>∩</m:t>
+                      </m:r>
+                      <m:r>
+                        <a:rPr lang="de-CH" sz="2800" b="0" i="1" smtClean="0">
+                          <a:latin typeface="Cambria Math" panose="02040503050406030204" pitchFamily="18" charset="0"/>
+                          <a:ea typeface="Cambria Math" panose="02040503050406030204" pitchFamily="18" charset="0"/>
+                        </a:rPr>
+                        <m:t>𝐶</m:t>
+                      </m:r>
+                      <m:r>
+                        <a:rPr lang="de-CH" sz="2800" b="0" i="1" smtClean="0">
+                          <a:latin typeface="Cambria Math" panose="02040503050406030204" pitchFamily="18" charset="0"/>
+                          <a:ea typeface="Cambria Math" panose="02040503050406030204" pitchFamily="18" charset="0"/>
+                        </a:rPr>
+                        <m:t>)</m:t>
+                      </m:r>
+                    </m:oMath>
+                  </m:oMathPara>
+                </a14:m>
+                <a:endParaRPr lang="en-GB" sz="2800" dirty="0"/>
+              </a:p>
+            </p:txBody>
+          </p:sp>
+        </mc:Choice>
+        <mc:Fallback>
+          <p:sp>
+            <p:nvSpPr>
+              <p:cNvPr id="12" name="Rectangle 11">
+                <a:extLst>
+                  <a:ext uri="{FF2B5EF4-FFF2-40B4-BE49-F238E27FC236}">
+                    <a16:creationId xmlns:a16="http://schemas.microsoft.com/office/drawing/2014/main" id="{96C5B2CF-C2E5-4830-B046-68EC03CA1FDE}"/>
+                  </a:ext>
+                </a:extLst>
+              </p:cNvPr>
+              <p:cNvSpPr>
+                <a:spLocks noRot="1" noChangeAspect="1" noMove="1" noResize="1" noEditPoints="1" noAdjustHandles="1" noChangeArrowheads="1" noChangeShapeType="1" noTextEdit="1"/>
+              </p:cNvSpPr>
+              <p:nvPr/>
+            </p:nvSpPr>
+            <p:spPr>
+              <a:xfrm>
+                <a:off x="5712179" y="4213797"/>
+                <a:ext cx="2407084" cy="523220"/>
+              </a:xfrm>
+              <a:prstGeom prst="rect">
+                <a:avLst/>
+              </a:prstGeom>
+              <a:blipFill>
+                <a:blip r:embed="rId8"/>
+                <a:stretch>
+                  <a:fillRect r="-71139"/>
+                </a:stretch>
+              </a:blipFill>
+            </p:spPr>
+            <p:txBody>
+              <a:bodyPr/>
+              <a:lstStyle/>
+              <a:p>
+                <a:r>
+                  <a:rPr lang="en-GB">
+                    <a:noFill/>
+                  </a:rPr>
+                  <a:t> </a:t>
+                </a:r>
+              </a:p>
+            </p:txBody>
+          </p:sp>
+        </mc:Fallback>
+      </mc:AlternateContent>
     </p:spTree>
     <p:extLst>
       <p:ext uri="{BB962C8B-B14F-4D97-AF65-F5344CB8AC3E}">
-        <p14:creationId xmlns:p14="http://schemas.microsoft.com/office/powerpoint/2010/main" val="2783837660"/>
+        <p14:creationId xmlns:p14="http://schemas.microsoft.com/office/powerpoint/2010/main" val="3829287403"/>
       </p:ext>
     </p:extLst>
   </p:cSld>
@@ -7756,6 +11320,413 @@
 </p:sld>
 </file>
 
+<file path=ppt/slides/slide20.xml><?xml version="1.0" encoding="utf-8"?>
+<p:sld xmlns:a="http://schemas.openxmlformats.org/drawingml/2006/main" xmlns:r="http://schemas.openxmlformats.org/officeDocument/2006/relationships" xmlns:p="http://schemas.openxmlformats.org/presentationml/2006/main">
+  <p:cSld>
+    <p:spTree>
+      <p:nvGrpSpPr>
+        <p:cNvPr id="1" name=""/>
+        <p:cNvGrpSpPr/>
+        <p:nvPr/>
+      </p:nvGrpSpPr>
+      <p:grpSpPr>
+        <a:xfrm>
+          <a:off x="0" y="0"/>
+          <a:ext cx="0" cy="0"/>
+          <a:chOff x="0" y="0"/>
+          <a:chExt cx="0" cy="0"/>
+        </a:xfrm>
+      </p:grpSpPr>
+      <p:sp>
+        <p:nvSpPr>
+          <p:cNvPr id="2" name="Title 1">
+            <a:extLst>
+              <a:ext uri="{FF2B5EF4-FFF2-40B4-BE49-F238E27FC236}">
+                <a16:creationId xmlns:a16="http://schemas.microsoft.com/office/drawing/2014/main" id="{956EFEE4-944A-4783-BE59-8B0153C0CC2A}"/>
+              </a:ext>
+            </a:extLst>
+          </p:cNvPr>
+          <p:cNvSpPr>
+            <a:spLocks noGrp="1"/>
+          </p:cNvSpPr>
+          <p:nvPr>
+            <p:ph type="title"/>
+          </p:nvPr>
+        </p:nvSpPr>
+        <p:spPr/>
+        <p:txBody>
+          <a:bodyPr/>
+          <a:lstStyle/>
+          <a:p>
+            <a:endParaRPr lang="en-GB"/>
+          </a:p>
+        </p:txBody>
+      </p:sp>
+      <p:sp>
+        <p:nvSpPr>
+          <p:cNvPr id="3" name="Content Placeholder 2">
+            <a:extLst>
+              <a:ext uri="{FF2B5EF4-FFF2-40B4-BE49-F238E27FC236}">
+                <a16:creationId xmlns:a16="http://schemas.microsoft.com/office/drawing/2014/main" id="{A5A623C0-7610-415B-B79C-6218591E66F6}"/>
+              </a:ext>
+            </a:extLst>
+          </p:cNvPr>
+          <p:cNvSpPr>
+            <a:spLocks noGrp="1"/>
+          </p:cNvSpPr>
+          <p:nvPr>
+            <p:ph idx="1"/>
+          </p:nvPr>
+        </p:nvSpPr>
+        <p:spPr/>
+        <p:txBody>
+          <a:bodyPr/>
+          <a:lstStyle/>
+          <a:p>
+            <a:r>
+              <a:rPr lang="de-CH" dirty="0" err="1"/>
+              <a:t>Examples</a:t>
+            </a:r>
+            <a:r>
+              <a:rPr lang="de-CH" dirty="0"/>
+              <a:t> / Use Cases</a:t>
+            </a:r>
+            <a:endParaRPr lang="en-GB" dirty="0"/>
+          </a:p>
+        </p:txBody>
+      </p:sp>
+    </p:spTree>
+    <p:extLst>
+      <p:ext uri="{BB962C8B-B14F-4D97-AF65-F5344CB8AC3E}">
+        <p14:creationId xmlns:p14="http://schemas.microsoft.com/office/powerpoint/2010/main" val="2783837660"/>
+      </p:ext>
+    </p:extLst>
+  </p:cSld>
+  <p:clrMapOvr>
+    <a:masterClrMapping/>
+  </p:clrMapOvr>
+</p:sld>
+</file>
+
+<file path=ppt/slides/slide21.xml><?xml version="1.0" encoding="utf-8"?>
+<p:sld xmlns:a="http://schemas.openxmlformats.org/drawingml/2006/main" xmlns:r="http://schemas.openxmlformats.org/officeDocument/2006/relationships" xmlns:p="http://schemas.openxmlformats.org/presentationml/2006/main">
+  <p:cSld>
+    <p:spTree>
+      <p:nvGrpSpPr>
+        <p:cNvPr id="1" name=""/>
+        <p:cNvGrpSpPr/>
+        <p:nvPr/>
+      </p:nvGrpSpPr>
+      <p:grpSpPr>
+        <a:xfrm>
+          <a:off x="0" y="0"/>
+          <a:ext cx="0" cy="0"/>
+          <a:chOff x="0" y="0"/>
+          <a:chExt cx="0" cy="0"/>
+        </a:xfrm>
+      </p:grpSpPr>
+      <p:sp>
+        <p:nvSpPr>
+          <p:cNvPr id="4" name="Title 3">
+            <a:extLst>
+              <a:ext uri="{FF2B5EF4-FFF2-40B4-BE49-F238E27FC236}">
+                <a16:creationId xmlns:a16="http://schemas.microsoft.com/office/drawing/2014/main" id="{443904DF-70D0-4970-931B-2C78B952BB8B}"/>
+              </a:ext>
+            </a:extLst>
+          </p:cNvPr>
+          <p:cNvSpPr>
+            <a:spLocks noGrp="1"/>
+          </p:cNvSpPr>
+          <p:nvPr>
+            <p:ph type="title"/>
+          </p:nvPr>
+        </p:nvSpPr>
+        <p:spPr/>
+        <p:txBody>
+          <a:bodyPr/>
+          <a:lstStyle/>
+          <a:p>
+            <a:r>
+              <a:rPr lang="de-CH" dirty="0" err="1"/>
+              <a:t>Algebraic</a:t>
+            </a:r>
+            <a:r>
+              <a:rPr lang="de-CH" dirty="0"/>
+              <a:t> Data </a:t>
+            </a:r>
+            <a:r>
+              <a:rPr lang="de-CH" dirty="0" err="1"/>
+              <a:t>Types</a:t>
+            </a:r>
+            <a:endParaRPr lang="en-GB" dirty="0"/>
+          </a:p>
+        </p:txBody>
+      </p:sp>
+      <p:sp>
+        <p:nvSpPr>
+          <p:cNvPr id="5" name="Text Placeholder 4">
+            <a:extLst>
+              <a:ext uri="{FF2B5EF4-FFF2-40B4-BE49-F238E27FC236}">
+                <a16:creationId xmlns:a16="http://schemas.microsoft.com/office/drawing/2014/main" id="{ECC345FA-2B4F-4E28-A4B9-118C4C5FAEB1}"/>
+              </a:ext>
+            </a:extLst>
+          </p:cNvPr>
+          <p:cNvSpPr>
+            <a:spLocks noGrp="1"/>
+          </p:cNvSpPr>
+          <p:nvPr>
+            <p:ph type="body" idx="1"/>
+          </p:nvPr>
+        </p:nvSpPr>
+        <p:spPr/>
+        <p:txBody>
+          <a:bodyPr/>
+          <a:lstStyle/>
+          <a:p>
+            <a:endParaRPr lang="en-GB"/>
+          </a:p>
+        </p:txBody>
+      </p:sp>
+    </p:spTree>
+    <p:extLst>
+      <p:ext uri="{BB962C8B-B14F-4D97-AF65-F5344CB8AC3E}">
+        <p14:creationId xmlns:p14="http://schemas.microsoft.com/office/powerpoint/2010/main" val="3156262310"/>
+      </p:ext>
+    </p:extLst>
+  </p:cSld>
+  <p:clrMapOvr>
+    <a:masterClrMapping/>
+  </p:clrMapOvr>
+</p:sld>
+</file>
+
+<file path=ppt/slides/slide22.xml><?xml version="1.0" encoding="utf-8"?>
+<p:sld xmlns:a="http://schemas.openxmlformats.org/drawingml/2006/main" xmlns:r="http://schemas.openxmlformats.org/officeDocument/2006/relationships" xmlns:p="http://schemas.openxmlformats.org/presentationml/2006/main">
+  <p:cSld>
+    <p:spTree>
+      <p:nvGrpSpPr>
+        <p:cNvPr id="1" name=""/>
+        <p:cNvGrpSpPr/>
+        <p:nvPr/>
+      </p:nvGrpSpPr>
+      <p:grpSpPr>
+        <a:xfrm>
+          <a:off x="0" y="0"/>
+          <a:ext cx="0" cy="0"/>
+          <a:chOff x="0" y="0"/>
+          <a:chExt cx="0" cy="0"/>
+        </a:xfrm>
+      </p:grpSpPr>
+      <p:sp>
+        <p:nvSpPr>
+          <p:cNvPr id="4" name="Title 3">
+            <a:extLst>
+              <a:ext uri="{FF2B5EF4-FFF2-40B4-BE49-F238E27FC236}">
+                <a16:creationId xmlns:a16="http://schemas.microsoft.com/office/drawing/2014/main" id="{1956786B-2938-4199-B1DA-0E2983FB2BD1}"/>
+              </a:ext>
+            </a:extLst>
+          </p:cNvPr>
+          <p:cNvSpPr>
+            <a:spLocks noGrp="1"/>
+          </p:cNvSpPr>
+          <p:nvPr>
+            <p:ph type="title"/>
+          </p:nvPr>
+        </p:nvSpPr>
+        <p:spPr/>
+        <p:txBody>
+          <a:bodyPr/>
+          <a:lstStyle/>
+          <a:p>
+            <a:r>
+              <a:rPr lang="en-GB" dirty="0"/>
+              <a:t>Product Type</a:t>
+            </a:r>
+          </a:p>
+        </p:txBody>
+      </p:sp>
+      <p:sp>
+        <p:nvSpPr>
+          <p:cNvPr id="5" name="Content Placeholder 4">
+            <a:extLst>
+              <a:ext uri="{FF2B5EF4-FFF2-40B4-BE49-F238E27FC236}">
+                <a16:creationId xmlns:a16="http://schemas.microsoft.com/office/drawing/2014/main" id="{B68F69AF-9F4D-4281-B1A2-3CDCCA78F09C}"/>
+              </a:ext>
+            </a:extLst>
+          </p:cNvPr>
+          <p:cNvSpPr>
+            <a:spLocks noGrp="1"/>
+          </p:cNvSpPr>
+          <p:nvPr>
+            <p:ph idx="1"/>
+          </p:nvPr>
+        </p:nvSpPr>
+        <p:spPr/>
+        <p:txBody>
+          <a:bodyPr/>
+          <a:lstStyle/>
+          <a:p>
+            <a:endParaRPr lang="en-GB" dirty="0"/>
+          </a:p>
+        </p:txBody>
+      </p:sp>
+    </p:spTree>
+    <p:extLst>
+      <p:ext uri="{BB962C8B-B14F-4D97-AF65-F5344CB8AC3E}">
+        <p14:creationId xmlns:p14="http://schemas.microsoft.com/office/powerpoint/2010/main" val="4000818841"/>
+      </p:ext>
+    </p:extLst>
+  </p:cSld>
+  <p:clrMapOvr>
+    <a:masterClrMapping/>
+  </p:clrMapOvr>
+</p:sld>
+</file>
+
+<file path=ppt/slides/slide23.xml><?xml version="1.0" encoding="utf-8"?>
+<p:sld xmlns:a="http://schemas.openxmlformats.org/drawingml/2006/main" xmlns:r="http://schemas.openxmlformats.org/officeDocument/2006/relationships" xmlns:p="http://schemas.openxmlformats.org/presentationml/2006/main">
+  <p:cSld>
+    <p:spTree>
+      <p:nvGrpSpPr>
+        <p:cNvPr id="1" name=""/>
+        <p:cNvGrpSpPr/>
+        <p:nvPr/>
+      </p:nvGrpSpPr>
+      <p:grpSpPr>
+        <a:xfrm>
+          <a:off x="0" y="0"/>
+          <a:ext cx="0" cy="0"/>
+          <a:chOff x="0" y="0"/>
+          <a:chExt cx="0" cy="0"/>
+        </a:xfrm>
+      </p:grpSpPr>
+      <p:sp>
+        <p:nvSpPr>
+          <p:cNvPr id="4" name="Title 3">
+            <a:extLst>
+              <a:ext uri="{FF2B5EF4-FFF2-40B4-BE49-F238E27FC236}">
+                <a16:creationId xmlns:a16="http://schemas.microsoft.com/office/drawing/2014/main" id="{73CBAFDA-E306-4433-89D8-7EFE282D1D81}"/>
+              </a:ext>
+            </a:extLst>
+          </p:cNvPr>
+          <p:cNvSpPr>
+            <a:spLocks noGrp="1"/>
+          </p:cNvSpPr>
+          <p:nvPr>
+            <p:ph type="title"/>
+          </p:nvPr>
+        </p:nvSpPr>
+        <p:spPr/>
+        <p:txBody>
+          <a:bodyPr/>
+          <a:lstStyle/>
+          <a:p>
+            <a:r>
+              <a:rPr lang="de-CH" dirty="0" err="1"/>
+              <a:t>Product</a:t>
+            </a:r>
+            <a:r>
+              <a:rPr lang="de-CH" dirty="0"/>
+              <a:t> Type</a:t>
+            </a:r>
+            <a:endParaRPr lang="en-GB" dirty="0"/>
+          </a:p>
+        </p:txBody>
+      </p:sp>
+      <p:sp>
+        <p:nvSpPr>
+          <p:cNvPr id="5" name="Content Placeholder 4">
+            <a:extLst>
+              <a:ext uri="{FF2B5EF4-FFF2-40B4-BE49-F238E27FC236}">
+                <a16:creationId xmlns:a16="http://schemas.microsoft.com/office/drawing/2014/main" id="{184BC370-B111-4D1D-9942-BBB186FF8A31}"/>
+              </a:ext>
+            </a:extLst>
+          </p:cNvPr>
+          <p:cNvSpPr>
+            <a:spLocks noGrp="1"/>
+          </p:cNvSpPr>
+          <p:nvPr>
+            <p:ph idx="1"/>
+          </p:nvPr>
+        </p:nvSpPr>
+        <p:spPr/>
+        <p:txBody>
+          <a:bodyPr/>
+          <a:lstStyle/>
+          <a:p>
+            <a:r>
+              <a:rPr lang="en-GB" dirty="0"/>
+              <a:t>Is equal to the </a:t>
+            </a:r>
+            <a:r>
+              <a:rPr lang="en-GB" dirty="0" err="1"/>
+              <a:t>carthesian</a:t>
+            </a:r>
+            <a:r>
+              <a:rPr lang="en-GB" dirty="0"/>
+              <a:t> product of sets</a:t>
+            </a:r>
+          </a:p>
+        </p:txBody>
+      </p:sp>
+      <p:pic>
+        <p:nvPicPr>
+          <p:cNvPr id="12290" name="Picture 2">
+            <a:extLst>
+              <a:ext uri="{FF2B5EF4-FFF2-40B4-BE49-F238E27FC236}">
+                <a16:creationId xmlns:a16="http://schemas.microsoft.com/office/drawing/2014/main" id="{AFEFB387-452F-448F-AAFB-AC998254B394}"/>
+              </a:ext>
+            </a:extLst>
+          </p:cNvPr>
+          <p:cNvPicPr>
+            <a:picLocks noChangeAspect="1" noChangeArrowheads="1"/>
+          </p:cNvPicPr>
+          <p:nvPr/>
+        </p:nvPicPr>
+        <p:blipFill rotWithShape="1">
+          <a:blip r:embed="rId2">
+            <a:extLst>
+              <a:ext uri="{28A0092B-C50C-407E-A947-70E740481C1C}">
+                <a14:useLocalDpi xmlns:a14="http://schemas.microsoft.com/office/drawing/2010/main" val="0"/>
+              </a:ext>
+            </a:extLst>
+          </a:blip>
+          <a:srcRect l="10400" t="35555" r="12738" b="41225"/>
+          <a:stretch/>
+        </p:blipFill>
+        <p:spPr bwMode="auto">
+          <a:xfrm>
+            <a:off x="2626600" y="3552726"/>
+            <a:ext cx="6799097" cy="2940149"/>
+          </a:xfrm>
+          <a:prstGeom prst="rect">
+            <a:avLst/>
+          </a:prstGeom>
+          <a:noFill/>
+          <a:extLst>
+            <a:ext uri="{909E8E84-426E-40DD-AFC4-6F175D3DCCD1}">
+              <a14:hiddenFill xmlns:a14="http://schemas.microsoft.com/office/drawing/2010/main">
+                <a:solidFill>
+                  <a:srgbClr val="FFFFFF"/>
+                </a:solidFill>
+              </a14:hiddenFill>
+            </a:ext>
+          </a:extLst>
+        </p:spPr>
+      </p:pic>
+    </p:spTree>
+    <p:extLst>
+      <p:ext uri="{BB962C8B-B14F-4D97-AF65-F5344CB8AC3E}">
+        <p14:creationId xmlns:p14="http://schemas.microsoft.com/office/powerpoint/2010/main" val="2262627350"/>
+      </p:ext>
+    </p:extLst>
+  </p:cSld>
+  <p:clrMapOvr>
+    <a:masterClrMapping/>
+  </p:clrMapOvr>
+</p:sld>
+</file>
+
 <file path=ppt/slides/slide3.xml><?xml version="1.0" encoding="utf-8"?>
 <p:sld xmlns:a="http://schemas.openxmlformats.org/drawingml/2006/main" xmlns:r="http://schemas.openxmlformats.org/officeDocument/2006/relationships" xmlns:p="http://schemas.openxmlformats.org/presentationml/2006/main">
   <p:cSld>
@@ -7913,7 +11884,7 @@
           <p:cNvPr id="2" name="Title 1">
             <a:extLst>
               <a:ext uri="{FF2B5EF4-FFF2-40B4-BE49-F238E27FC236}">
-                <a16:creationId xmlns:a16="http://schemas.microsoft.com/office/drawing/2014/main" id="{0071AB33-8FAD-48A5-82D5-F400B6791C31}"/>
+                <a16:creationId xmlns:a16="http://schemas.microsoft.com/office/drawing/2014/main" id="{A6A02372-547D-45F9-A517-9281E65F99FB}"/>
               </a:ext>
             </a:extLst>
           </p:cNvPr>
@@ -7931,7 +11902,7 @@
           <a:p>
             <a:r>
               <a:rPr lang="en-GB" dirty="0"/>
-              <a:t>Why Type-Safety?</a:t>
+              <a:t>Typescript Config</a:t>
             </a:r>
           </a:p>
         </p:txBody>
@@ -7941,7 +11912,7 @@
           <p:cNvPr id="3" name="Content Placeholder 2">
             <a:extLst>
               <a:ext uri="{FF2B5EF4-FFF2-40B4-BE49-F238E27FC236}">
-                <a16:creationId xmlns:a16="http://schemas.microsoft.com/office/drawing/2014/main" id="{9D4862AA-FAC7-41B0-ADB5-CC64D7813E9D}"/>
+                <a16:creationId xmlns:a16="http://schemas.microsoft.com/office/drawing/2014/main" id="{AF61846F-C7B2-475D-84CC-F96CE0A22FF0}"/>
               </a:ext>
             </a:extLst>
           </p:cNvPr>
@@ -7957,94 +11928,285 @@
           <a:bodyPr/>
           <a:lstStyle/>
           <a:p>
-            <a:pPr>
-              <a:buFont typeface="Calibri" panose="020F0502020204030204" pitchFamily="34" charset="0"/>
-              <a:buChar char="−"/>
-            </a:pPr>
             <a:r>
               <a:rPr lang="en-GB" dirty="0"/>
-              <a:t>Prevents several classes of bugs</a:t>
-            </a:r>
-          </a:p>
-          <a:p>
-            <a:pPr>
-              <a:buFont typeface="Calibri" panose="020F0502020204030204" pitchFamily="34" charset="0"/>
-              <a:buChar char="−"/>
-            </a:pPr>
+              <a:t>Minimum config for type safety:</a:t>
+            </a:r>
+          </a:p>
+          <a:p>
+            <a:pPr lvl="1"/>
             <a:r>
               <a:rPr lang="en-GB" dirty="0"/>
-              <a:t>Let the compiler help you</a:t>
-            </a:r>
-          </a:p>
-          <a:p>
-            <a:pPr>
-              <a:buFont typeface="Calibri" panose="020F0502020204030204" pitchFamily="34" charset="0"/>
-              <a:buChar char="−"/>
-            </a:pPr>
+              <a:t>Variables are non-nullable unless explicitly stated</a:t>
+            </a:r>
+          </a:p>
+          <a:p>
+            <a:pPr lvl="1"/>
             <a:r>
               <a:rPr lang="en-GB" dirty="0"/>
-              <a:t>Write </a:t>
-            </a:r>
-            <a:r>
-              <a:rPr lang="en-GB" i="1" dirty="0"/>
-              <a:t>correct</a:t>
-            </a:r>
+              <a:t>Expressions and declarations cannot be any unless explicitly stated</a:t>
+            </a:r>
+          </a:p>
+          <a:p>
+            <a:endParaRPr lang="en-GB" dirty="0"/>
+          </a:p>
+          <a:p>
+            <a:endParaRPr lang="en-GB" dirty="0"/>
+          </a:p>
+          <a:p>
+            <a:endParaRPr lang="en-GB" dirty="0"/>
+          </a:p>
+          <a:p>
+            <a:endParaRPr lang="en-GB" dirty="0"/>
+          </a:p>
+          <a:p>
+            <a:endParaRPr lang="en-GB" dirty="0"/>
+          </a:p>
+          <a:p>
             <a:r>
               <a:rPr lang="en-GB" dirty="0"/>
-              <a:t> programs</a:t>
-            </a:r>
+              <a:t>Enable </a:t>
+            </a:r>
+            <a:r>
+              <a:rPr lang="en-GB" b="1" dirty="0"/>
+              <a:t>all</a:t>
+            </a:r>
+            <a:r>
+              <a:rPr lang="en-GB" dirty="0"/>
+              <a:t> strict type checking options with </a:t>
+            </a:r>
+            <a:r>
+              <a:rPr lang="en-GB" b="1" dirty="0"/>
+              <a:t>“strict”: true</a:t>
+            </a:r>
+            <a:endParaRPr lang="en-GB" dirty="0"/>
           </a:p>
         </p:txBody>
       </p:sp>
-      <p:pic>
-        <p:nvPicPr>
-          <p:cNvPr id="2050" name="Picture 2">
+      <p:sp>
+        <p:nvSpPr>
+          <p:cNvPr id="4" name="TextBox 3">
             <a:extLst>
               <a:ext uri="{FF2B5EF4-FFF2-40B4-BE49-F238E27FC236}">
-                <a16:creationId xmlns:a16="http://schemas.microsoft.com/office/drawing/2014/main" id="{72207913-EAB9-4EA1-8DEA-84E7F8DACC0F}"/>
+                <a16:creationId xmlns:a16="http://schemas.microsoft.com/office/drawing/2014/main" id="{96FD7C35-D00A-49AC-88FB-668367E9B6EF}"/>
               </a:ext>
             </a:extLst>
           </p:cNvPr>
-          <p:cNvPicPr>
-            <a:picLocks noChangeAspect="1" noChangeArrowheads="1"/>
-          </p:cNvPicPr>
+          <p:cNvSpPr txBox="1"/>
           <p:nvPr/>
-        </p:nvPicPr>
-        <p:blipFill rotWithShape="1">
-          <a:blip r:embed="rId3">
-            <a:extLst>
-              <a:ext uri="{28A0092B-C50C-407E-A947-70E740481C1C}">
-                <a14:useLocalDpi xmlns:a14="http://schemas.microsoft.com/office/drawing/2010/main" val="0"/>
-              </a:ext>
-            </a:extLst>
-          </a:blip>
-          <a:srcRect l="9378" t="15866" r="33601" b="51188"/>
-          <a:stretch/>
-        </p:blipFill>
-        <p:spPr bwMode="auto">
+        </p:nvSpPr>
+        <p:spPr>
           <a:xfrm>
-            <a:off x="6710017" y="2349846"/>
-            <a:ext cx="5261113" cy="4351338"/>
+            <a:off x="838200" y="3184451"/>
+            <a:ext cx="10515600" cy="2246769"/>
           </a:xfrm>
           <a:prstGeom prst="rect">
             <a:avLst/>
           </a:prstGeom>
-          <a:noFill/>
-          <a:extLst>
-            <a:ext uri="{909E8E84-426E-40DD-AFC4-6F175D3DCCD1}">
-              <a14:hiddenFill xmlns:a14="http://schemas.microsoft.com/office/drawing/2010/main">
-                <a:solidFill>
-                  <a:srgbClr val="FFFFFF"/>
-                </a:solidFill>
-              </a14:hiddenFill>
-            </a:ext>
-          </a:extLst>
+          <a:solidFill>
+            <a:schemeClr val="tx1">
+              <a:lumMod val="75000"/>
+              <a:lumOff val="25000"/>
+            </a:schemeClr>
+          </a:solidFill>
+          <a:ln>
+            <a:noFill/>
+          </a:ln>
         </p:spPr>
-      </p:pic>
+        <p:txBody>
+          <a:bodyPr wrap="square">
+            <a:spAutoFit/>
+          </a:bodyPr>
+          <a:lstStyle>
+            <a:defPPr>
+              <a:defRPr lang="de-DE"/>
+            </a:defPPr>
+            <a:lvl1pPr>
+              <a:defRPr sz="2000">
+                <a:solidFill>
+                  <a:srgbClr val="569CD6"/>
+                </a:solidFill>
+                <a:latin typeface="Consolas" panose="020B0609020204030204" pitchFamily="49" charset="0"/>
+              </a:defRPr>
+            </a:lvl1pPr>
+          </a:lstStyle>
+          <a:p>
+            <a:r>
+              <a:rPr lang="de-CH" dirty="0">
+                <a:solidFill>
+                  <a:srgbClr val="D4D4D4"/>
+                </a:solidFill>
+              </a:rPr>
+              <a:t>{</a:t>
+            </a:r>
+          </a:p>
+          <a:p>
+            <a:r>
+              <a:rPr lang="de-CH" dirty="0">
+                <a:solidFill>
+                  <a:srgbClr val="9CDCFE"/>
+                </a:solidFill>
+              </a:rPr>
+              <a:t>  "</a:t>
+            </a:r>
+            <a:r>
+              <a:rPr lang="de-CH" dirty="0" err="1">
+                <a:solidFill>
+                  <a:srgbClr val="9CDCFE"/>
+                </a:solidFill>
+              </a:rPr>
+              <a:t>compilerOptions</a:t>
+            </a:r>
+            <a:r>
+              <a:rPr lang="de-CH" dirty="0">
+                <a:solidFill>
+                  <a:srgbClr val="9CDCFE"/>
+                </a:solidFill>
+              </a:rPr>
+              <a:t>"</a:t>
+            </a:r>
+            <a:r>
+              <a:rPr lang="de-CH" dirty="0">
+                <a:solidFill>
+                  <a:srgbClr val="D4D4D4"/>
+                </a:solidFill>
+              </a:rPr>
+              <a:t>: {</a:t>
+            </a:r>
+          </a:p>
+          <a:p>
+            <a:r>
+              <a:rPr lang="de-CH" dirty="0">
+                <a:solidFill>
+                  <a:srgbClr val="9CDCFE"/>
+                </a:solidFill>
+              </a:rPr>
+              <a:t>    "</a:t>
+            </a:r>
+            <a:r>
+              <a:rPr lang="de-CH" dirty="0" err="1">
+                <a:solidFill>
+                  <a:srgbClr val="9CDCFE"/>
+                </a:solidFill>
+              </a:rPr>
+              <a:t>strictNullChecks</a:t>
+            </a:r>
+            <a:r>
+              <a:rPr lang="de-CH" dirty="0">
+                <a:solidFill>
+                  <a:srgbClr val="9CDCFE"/>
+                </a:solidFill>
+              </a:rPr>
+              <a:t>"</a:t>
+            </a:r>
+            <a:r>
+              <a:rPr lang="de-CH" dirty="0">
+                <a:solidFill>
+                  <a:srgbClr val="D4D4D4"/>
+                </a:solidFill>
+              </a:rPr>
+              <a:t>: </a:t>
+            </a:r>
+            <a:r>
+              <a:rPr lang="de-CH" dirty="0" err="1"/>
+              <a:t>true</a:t>
+            </a:r>
+            <a:r>
+              <a:rPr lang="de-CH" dirty="0">
+                <a:solidFill>
+                  <a:srgbClr val="D4D4D4"/>
+                </a:solidFill>
+              </a:rPr>
+              <a:t>,</a:t>
+            </a:r>
+          </a:p>
+          <a:p>
+            <a:r>
+              <a:rPr lang="de-CH" dirty="0">
+                <a:solidFill>
+                  <a:srgbClr val="9CDCFE"/>
+                </a:solidFill>
+              </a:rPr>
+              <a:t>    "</a:t>
+            </a:r>
+            <a:r>
+              <a:rPr lang="de-CH" dirty="0" err="1">
+                <a:solidFill>
+                  <a:srgbClr val="9CDCFE"/>
+                </a:solidFill>
+              </a:rPr>
+              <a:t>noImplicitAny</a:t>
+            </a:r>
+            <a:r>
+              <a:rPr lang="de-CH" dirty="0">
+                <a:solidFill>
+                  <a:srgbClr val="9CDCFE"/>
+                </a:solidFill>
+              </a:rPr>
+              <a:t>"</a:t>
+            </a:r>
+            <a:r>
+              <a:rPr lang="de-CH" dirty="0">
+                <a:solidFill>
+                  <a:srgbClr val="D4D4D4"/>
+                </a:solidFill>
+              </a:rPr>
+              <a:t>: </a:t>
+            </a:r>
+            <a:r>
+              <a:rPr lang="de-CH" dirty="0" err="1"/>
+              <a:t>true</a:t>
+            </a:r>
+            <a:r>
+              <a:rPr lang="de-CH" dirty="0">
+                <a:solidFill>
+                  <a:srgbClr val="D4D4D4"/>
+                </a:solidFill>
+              </a:rPr>
+              <a:t>,</a:t>
+            </a:r>
+          </a:p>
+          <a:p>
+            <a:r>
+              <a:rPr lang="de-CH" dirty="0">
+                <a:solidFill>
+                  <a:srgbClr val="6A9955"/>
+                </a:solidFill>
+              </a:rPr>
+              <a:t>    // ...</a:t>
+            </a:r>
+            <a:endParaRPr lang="de-CH" dirty="0">
+              <a:solidFill>
+                <a:srgbClr val="D4D4D4"/>
+              </a:solidFill>
+            </a:endParaRPr>
+          </a:p>
+          <a:p>
+            <a:r>
+              <a:rPr lang="de-CH" dirty="0">
+                <a:solidFill>
+                  <a:srgbClr val="D4D4D4"/>
+                </a:solidFill>
+              </a:rPr>
+              <a:t>  }</a:t>
+            </a:r>
+          </a:p>
+          <a:p>
+            <a:r>
+              <a:rPr lang="de-CH" dirty="0">
+                <a:solidFill>
+                  <a:srgbClr val="D4D4D4"/>
+                </a:solidFill>
+              </a:rPr>
+              <a:t>}</a:t>
+            </a:r>
+          </a:p>
+        </p:txBody>
+      </p:sp>
     </p:spTree>
     <p:extLst>
       <p:ext uri="{BB962C8B-B14F-4D97-AF65-F5344CB8AC3E}">
-        <p14:creationId xmlns:p14="http://schemas.microsoft.com/office/powerpoint/2010/main" val="775065336"/>
+        <p14:creationId xmlns:p14="http://schemas.microsoft.com/office/powerpoint/2010/main" val="2707232114"/>
       </p:ext>
     </p:extLst>
   </p:cSld>
@@ -8076,7 +12238,7 @@
           <p:cNvPr id="2" name="Title 1">
             <a:extLst>
               <a:ext uri="{FF2B5EF4-FFF2-40B4-BE49-F238E27FC236}">
-                <a16:creationId xmlns:a16="http://schemas.microsoft.com/office/drawing/2014/main" id="{98AD239B-B9F3-4C8B-9951-1D1EA4CF4924}"/>
+                <a16:creationId xmlns:a16="http://schemas.microsoft.com/office/drawing/2014/main" id="{0071AB33-8FAD-48A5-82D5-F400B6791C31}"/>
               </a:ext>
             </a:extLst>
           </p:cNvPr>
@@ -8094,7 +12256,7 @@
           <a:p>
             <a:r>
               <a:rPr lang="en-GB" dirty="0"/>
-              <a:t>Goals</a:t>
+              <a:t>Why Type-Safety?</a:t>
             </a:r>
           </a:p>
         </p:txBody>
@@ -8104,7 +12266,7 @@
           <p:cNvPr id="3" name="Content Placeholder 2">
             <a:extLst>
               <a:ext uri="{FF2B5EF4-FFF2-40B4-BE49-F238E27FC236}">
-                <a16:creationId xmlns:a16="http://schemas.microsoft.com/office/drawing/2014/main" id="{32A0709A-1209-4069-831A-2AC3243550C2}"/>
+                <a16:creationId xmlns:a16="http://schemas.microsoft.com/office/drawing/2014/main" id="{9D4862AA-FAC7-41B0-ADB5-CC64D7813E9D}"/>
               </a:ext>
             </a:extLst>
           </p:cNvPr>
@@ -8120,14 +12282,106 @@
           <a:bodyPr/>
           <a:lstStyle/>
           <a:p>
-            <a:endParaRPr lang="en-GB"/>
+            <a:r>
+              <a:rPr lang="en-GB" b="1" dirty="0"/>
+              <a:t>Let the compiler help you!</a:t>
+            </a:r>
+          </a:p>
+          <a:p>
+            <a:endParaRPr lang="en-GB" dirty="0"/>
+          </a:p>
+          <a:p>
+            <a:r>
+              <a:rPr lang="en-GB" dirty="0"/>
+              <a:t>Prevents several classes of bugs</a:t>
+            </a:r>
+          </a:p>
+          <a:p>
+            <a:endParaRPr lang="en-GB" dirty="0"/>
+          </a:p>
+          <a:p>
+            <a:r>
+              <a:rPr lang="en-GB" dirty="0"/>
+              <a:t>Less testing effort</a:t>
+            </a:r>
+          </a:p>
+          <a:p>
+            <a:endParaRPr lang="en-GB" dirty="0"/>
+          </a:p>
+          <a:p>
+            <a:r>
+              <a:rPr lang="en-GB" dirty="0"/>
+              <a:t>Write </a:t>
+            </a:r>
+            <a:r>
+              <a:rPr lang="en-GB" i="1" dirty="0"/>
+              <a:t>correct</a:t>
+            </a:r>
+            <a:r>
+              <a:rPr lang="en-GB" dirty="0"/>
+              <a:t> programs</a:t>
+            </a:r>
+          </a:p>
+          <a:p>
+            <a:endParaRPr lang="en-GB" dirty="0"/>
+          </a:p>
+          <a:p>
+            <a:r>
+              <a:rPr lang="en-GB" dirty="0"/>
+              <a:t>Can be fun too!</a:t>
+            </a:r>
           </a:p>
         </p:txBody>
       </p:sp>
+      <p:pic>
+        <p:nvPicPr>
+          <p:cNvPr id="2050" name="Picture 2">
+            <a:extLst>
+              <a:ext uri="{FF2B5EF4-FFF2-40B4-BE49-F238E27FC236}">
+                <a16:creationId xmlns:a16="http://schemas.microsoft.com/office/drawing/2014/main" id="{72207913-EAB9-4EA1-8DEA-84E7F8DACC0F}"/>
+              </a:ext>
+            </a:extLst>
+          </p:cNvPr>
+          <p:cNvPicPr>
+            <a:picLocks noChangeAspect="1" noChangeArrowheads="1"/>
+          </p:cNvPicPr>
+          <p:nvPr/>
+        </p:nvPicPr>
+        <p:blipFill rotWithShape="1">
+          <a:blip r:embed="rId3">
+            <a:extLst>
+              <a:ext uri="{28A0092B-C50C-407E-A947-70E740481C1C}">
+                <a14:useLocalDpi xmlns:a14="http://schemas.microsoft.com/office/drawing/2010/main" val="0"/>
+              </a:ext>
+            </a:extLst>
+          </a:blip>
+          <a:srcRect l="9378" t="15866" r="33601" b="51188"/>
+          <a:stretch/>
+        </p:blipFill>
+        <p:spPr bwMode="auto">
+          <a:xfrm>
+            <a:off x="6710017" y="2349846"/>
+            <a:ext cx="5261113" cy="4351338"/>
+          </a:xfrm>
+          <a:prstGeom prst="rect">
+            <a:avLst/>
+          </a:prstGeom>
+          <a:noFill/>
+          <a:extLst>
+            <a:ext uri="{909E8E84-426E-40DD-AFC4-6F175D3DCCD1}">
+              <a14:hiddenFill xmlns:a14="http://schemas.microsoft.com/office/drawing/2010/main">
+                <a:solidFill>
+                  <a:srgbClr val="FFFFFF"/>
+                </a:solidFill>
+              </a14:hiddenFill>
+            </a:ext>
+          </a:extLst>
+        </p:spPr>
+      </p:pic>
     </p:spTree>
     <p:extLst>
       <p:ext uri="{BB962C8B-B14F-4D97-AF65-F5344CB8AC3E}">
-        <p14:creationId xmlns:p14="http://schemas.microsoft.com/office/powerpoint/2010/main" val="2516503550"/>
+        <p14:creationId xmlns:p14="http://schemas.microsoft.com/office/powerpoint/2010/main" val="775065336"/>
       </p:ext>
     </p:extLst>
   </p:cSld>
@@ -8159,7 +12413,7 @@
           <p:cNvPr id="2" name="Title 1">
             <a:extLst>
               <a:ext uri="{FF2B5EF4-FFF2-40B4-BE49-F238E27FC236}">
-                <a16:creationId xmlns:a16="http://schemas.microsoft.com/office/drawing/2014/main" id="{A2BF1EE7-8114-4DD7-88DF-62B740990DAF}"/>
+                <a16:creationId xmlns:a16="http://schemas.microsoft.com/office/drawing/2014/main" id="{98AD239B-B9F3-4C8B-9951-1D1EA4CF4924}"/>
               </a:ext>
             </a:extLst>
           </p:cNvPr>
@@ -8176,22 +12430,9 @@
           <a:lstStyle/>
           <a:p>
             <a:r>
-              <a:rPr lang="de-CH" dirty="0" err="1"/>
-              <a:t>Types</a:t>
-            </a:r>
-            <a:r>
-              <a:rPr lang="de-CH" dirty="0"/>
-              <a:t> </a:t>
-            </a:r>
-            <a:r>
-              <a:rPr lang="de-CH" dirty="0" err="1"/>
-              <a:t>as</a:t>
-            </a:r>
-            <a:r>
-              <a:rPr lang="de-CH" dirty="0"/>
-              <a:t> Sets</a:t>
-            </a:r>
-            <a:endParaRPr lang="en-GB" dirty="0"/>
+              <a:rPr lang="en-GB" dirty="0"/>
+              <a:t>Goals</a:t>
+            </a:r>
           </a:p>
         </p:txBody>
       </p:sp>
@@ -8200,7 +12441,7 @@
           <p:cNvPr id="3" name="Content Placeholder 2">
             <a:extLst>
               <a:ext uri="{FF2B5EF4-FFF2-40B4-BE49-F238E27FC236}">
-                <a16:creationId xmlns:a16="http://schemas.microsoft.com/office/drawing/2014/main" id="{56C40128-E923-4F65-A95F-8070D6868A07}"/>
+                <a16:creationId xmlns:a16="http://schemas.microsoft.com/office/drawing/2014/main" id="{32A0709A-1209-4069-831A-2AC3243550C2}"/>
               </a:ext>
             </a:extLst>
           </p:cNvPr>
@@ -8216,95 +12457,14 @@
           <a:bodyPr/>
           <a:lstStyle/>
           <a:p>
-            <a:r>
-              <a:rPr lang="en-GB" dirty="0"/>
-              <a:t>Seeing the relationship of types and sets can help to understand the more advanced concepts</a:t>
-            </a:r>
-          </a:p>
-          <a:p>
-            <a:endParaRPr lang="en-GB" dirty="0"/>
-          </a:p>
-          <a:p>
-            <a:r>
-              <a:rPr lang="en-GB" dirty="0"/>
-              <a:t>Allows us to use simple algebra to</a:t>
-            </a:r>
-            <a:br>
-              <a:rPr lang="en-GB" dirty="0"/>
-            </a:br>
-            <a:r>
-              <a:rPr lang="en-GB" dirty="0"/>
-              <a:t>describe relationships of types</a:t>
-            </a:r>
-            <a:br>
-              <a:rPr lang="en-GB" dirty="0"/>
-            </a:br>
-            <a:endParaRPr lang="en-GB" dirty="0"/>
-          </a:p>
-          <a:p>
-            <a:r>
-              <a:rPr lang="en-GB" dirty="0"/>
-              <a:t>Explains a class of bugs:</a:t>
-            </a:r>
-            <a:br>
-              <a:rPr lang="en-GB" dirty="0"/>
-            </a:br>
-            <a:r>
-              <a:rPr lang="en-GB" dirty="0"/>
-              <a:t>Invalid Data</a:t>
-            </a:r>
+            <a:endParaRPr lang="en-GB"/>
           </a:p>
         </p:txBody>
       </p:sp>
-      <p:pic>
-        <p:nvPicPr>
-          <p:cNvPr id="7170" name="Picture 2">
-            <a:extLst>
-              <a:ext uri="{FF2B5EF4-FFF2-40B4-BE49-F238E27FC236}">
-                <a16:creationId xmlns:a16="http://schemas.microsoft.com/office/drawing/2014/main" id="{B504CE8A-6082-47D7-A6EA-73137BCA441D}"/>
-              </a:ext>
-            </a:extLst>
-          </p:cNvPr>
-          <p:cNvPicPr>
-            <a:picLocks noChangeAspect="1" noChangeArrowheads="1"/>
-          </p:cNvPicPr>
-          <p:nvPr/>
-        </p:nvPicPr>
-        <p:blipFill rotWithShape="1">
-          <a:blip r:embed="rId3">
-            <a:extLst>
-              <a:ext uri="{28A0092B-C50C-407E-A947-70E740481C1C}">
-                <a14:useLocalDpi xmlns:a14="http://schemas.microsoft.com/office/drawing/2010/main" val="0"/>
-              </a:ext>
-            </a:extLst>
-          </a:blip>
-          <a:srcRect l="12936" t="17649" r="14779" b="48406"/>
-          <a:stretch/>
-        </p:blipFill>
-        <p:spPr bwMode="auto">
-          <a:xfrm>
-            <a:off x="6140475" y="2733686"/>
-            <a:ext cx="5592417" cy="3759189"/>
-          </a:xfrm>
-          <a:prstGeom prst="rect">
-            <a:avLst/>
-          </a:prstGeom>
-          <a:noFill/>
-          <a:extLst>
-            <a:ext uri="{909E8E84-426E-40DD-AFC4-6F175D3DCCD1}">
-              <a14:hiddenFill xmlns:a14="http://schemas.microsoft.com/office/drawing/2010/main">
-                <a:solidFill>
-                  <a:srgbClr val="FFFFFF"/>
-                </a:solidFill>
-              </a14:hiddenFill>
-            </a:ext>
-          </a:extLst>
-        </p:spPr>
-      </p:pic>
     </p:spTree>
     <p:extLst>
       <p:ext uri="{BB962C8B-B14F-4D97-AF65-F5344CB8AC3E}">
-        <p14:creationId xmlns:p14="http://schemas.microsoft.com/office/powerpoint/2010/main" val="613028623"/>
+        <p14:creationId xmlns:p14="http://schemas.microsoft.com/office/powerpoint/2010/main" val="2516503550"/>
       </p:ext>
     </p:extLst>
   </p:cSld>
@@ -8333,10 +12493,10 @@
       </p:grpSpPr>
       <p:sp>
         <p:nvSpPr>
-          <p:cNvPr id="4" name="Title 3">
+          <p:cNvPr id="2" name="Title 1">
             <a:extLst>
               <a:ext uri="{FF2B5EF4-FFF2-40B4-BE49-F238E27FC236}">
-                <a16:creationId xmlns:a16="http://schemas.microsoft.com/office/drawing/2014/main" id="{904449A3-B222-4C65-9660-9075B9C84A89}"/>
+                <a16:creationId xmlns:a16="http://schemas.microsoft.com/office/drawing/2014/main" id="{A2BF1EE7-8114-4DD7-88DF-62B740990DAF}"/>
               </a:ext>
             </a:extLst>
           </p:cNvPr>
@@ -8353,23 +12513,31 @@
           <a:lstStyle/>
           <a:p>
             <a:r>
-              <a:rPr lang="de-CH" dirty="0"/>
-              <a:t>Basic </a:t>
-            </a:r>
-            <a:r>
               <a:rPr lang="de-CH" dirty="0" err="1"/>
               <a:t>Types</a:t>
             </a:r>
+            <a:r>
+              <a:rPr lang="de-CH" dirty="0"/>
+              <a:t> </a:t>
+            </a:r>
+            <a:r>
+              <a:rPr lang="de-CH" dirty="0" err="1"/>
+              <a:t>as</a:t>
+            </a:r>
+            <a:r>
+              <a:rPr lang="de-CH" dirty="0"/>
+              <a:t> Sets</a:t>
+            </a:r>
             <a:endParaRPr lang="en-GB" dirty="0"/>
           </a:p>
         </p:txBody>
       </p:sp>
       <p:sp>
         <p:nvSpPr>
-          <p:cNvPr id="5" name="Text Placeholder 4">
+          <p:cNvPr id="3" name="Content Placeholder 2">
             <a:extLst>
               <a:ext uri="{FF2B5EF4-FFF2-40B4-BE49-F238E27FC236}">
-                <a16:creationId xmlns:a16="http://schemas.microsoft.com/office/drawing/2014/main" id="{D63CEE87-5CA8-4CC6-B01A-C922CED57DD5}"/>
+                <a16:creationId xmlns:a16="http://schemas.microsoft.com/office/drawing/2014/main" id="{56C40128-E923-4F65-A95F-8070D6868A07}"/>
               </a:ext>
             </a:extLst>
           </p:cNvPr>
@@ -8377,7 +12545,7 @@
             <a:spLocks noGrp="1"/>
           </p:cNvSpPr>
           <p:nvPr>
-            <p:ph type="body" idx="1"/>
+            <p:ph idx="1"/>
           </p:nvPr>
         </p:nvSpPr>
         <p:spPr/>
@@ -8385,14 +12553,91 @@
           <a:bodyPr/>
           <a:lstStyle/>
           <a:p>
-            <a:endParaRPr lang="en-GB"/>
+            <a:r>
+              <a:rPr lang="en-GB" dirty="0"/>
+              <a:t>Looking at types as sets helps to understand the underlying concepts</a:t>
+            </a:r>
+          </a:p>
+          <a:p>
+            <a:endParaRPr lang="en-GB" dirty="0"/>
+          </a:p>
+          <a:p>
+            <a:r>
+              <a:rPr lang="en-GB" dirty="0"/>
+              <a:t>Types can be described with </a:t>
+            </a:r>
+            <a:br>
+              <a:rPr lang="en-GB" dirty="0"/>
+            </a:br>
+            <a:r>
+              <a:rPr lang="en-GB" dirty="0"/>
+              <a:t>simple algebra</a:t>
+            </a:r>
+          </a:p>
+          <a:p>
+            <a:endParaRPr lang="en-GB" dirty="0"/>
+          </a:p>
+          <a:p>
+            <a:r>
+              <a:rPr lang="en-GB" dirty="0"/>
+              <a:t>What is a Set? A collection of Objects</a:t>
+            </a:r>
+            <a:br>
+              <a:rPr lang="en-GB" dirty="0"/>
+            </a:br>
+            <a:endParaRPr lang="en-GB" dirty="0"/>
           </a:p>
         </p:txBody>
       </p:sp>
+      <p:pic>
+        <p:nvPicPr>
+          <p:cNvPr id="7170" name="Picture 2">
+            <a:extLst>
+              <a:ext uri="{FF2B5EF4-FFF2-40B4-BE49-F238E27FC236}">
+                <a16:creationId xmlns:a16="http://schemas.microsoft.com/office/drawing/2014/main" id="{B504CE8A-6082-47D7-A6EA-73137BCA441D}"/>
+              </a:ext>
+            </a:extLst>
+          </p:cNvPr>
+          <p:cNvPicPr>
+            <a:picLocks noChangeAspect="1" noChangeArrowheads="1"/>
+          </p:cNvPicPr>
+          <p:nvPr/>
+        </p:nvPicPr>
+        <p:blipFill rotWithShape="1">
+          <a:blip r:embed="rId3">
+            <a:extLst>
+              <a:ext uri="{28A0092B-C50C-407E-A947-70E740481C1C}">
+                <a14:useLocalDpi xmlns:a14="http://schemas.microsoft.com/office/drawing/2010/main" val="0"/>
+              </a:ext>
+            </a:extLst>
+          </a:blip>
+          <a:srcRect l="12936" t="17649" r="14779" b="48406"/>
+          <a:stretch/>
+        </p:blipFill>
+        <p:spPr bwMode="auto">
+          <a:xfrm>
+            <a:off x="6140475" y="2733686"/>
+            <a:ext cx="5592417" cy="3759189"/>
+          </a:xfrm>
+          <a:prstGeom prst="rect">
+            <a:avLst/>
+          </a:prstGeom>
+          <a:noFill/>
+          <a:extLst>
+            <a:ext uri="{909E8E84-426E-40DD-AFC4-6F175D3DCCD1}">
+              <a14:hiddenFill xmlns:a14="http://schemas.microsoft.com/office/drawing/2010/main">
+                <a:solidFill>
+                  <a:srgbClr val="FFFFFF"/>
+                </a:solidFill>
+              </a14:hiddenFill>
+            </a:ext>
+          </a:extLst>
+        </p:spPr>
+      </p:pic>
     </p:spTree>
     <p:extLst>
       <p:ext uri="{BB962C8B-B14F-4D97-AF65-F5344CB8AC3E}">
-        <p14:creationId xmlns:p14="http://schemas.microsoft.com/office/powerpoint/2010/main" val="2033930883"/>
+        <p14:creationId xmlns:p14="http://schemas.microsoft.com/office/powerpoint/2010/main" val="613028623"/>
       </p:ext>
     </p:extLst>
   </p:cSld>
@@ -8972,43 +13217,10 @@
       </p:grpSpPr>
       <p:sp>
         <p:nvSpPr>
-          <p:cNvPr id="2" name="Title 1">
+          <p:cNvPr id="3" name="Content Placeholder 2">
             <a:extLst>
               <a:ext uri="{FF2B5EF4-FFF2-40B4-BE49-F238E27FC236}">
-                <a16:creationId xmlns:a16="http://schemas.microsoft.com/office/drawing/2014/main" id="{70919B9E-4CF6-4D7C-8C93-37477D0941BF}"/>
-              </a:ext>
-            </a:extLst>
-          </p:cNvPr>
-          <p:cNvSpPr>
-            <a:spLocks noGrp="1"/>
-          </p:cNvSpPr>
-          <p:nvPr>
-            <p:ph type="title"/>
-          </p:nvPr>
-        </p:nvSpPr>
-        <p:spPr/>
-        <p:txBody>
-          <a:bodyPr/>
-          <a:lstStyle/>
-          <a:p>
-            <a:r>
-              <a:rPr lang="de-CH" dirty="0"/>
-              <a:t>Singleton </a:t>
-            </a:r>
-            <a:r>
-              <a:rPr lang="de-CH" dirty="0" err="1"/>
-              <a:t>Types</a:t>
-            </a:r>
-            <a:endParaRPr lang="en-GB" dirty="0"/>
-          </a:p>
-        </p:txBody>
-      </p:sp>
-      <p:sp>
-        <p:nvSpPr>
-          <p:cNvPr id="3" name="Content Placeholder 2">
-            <a:extLst>
-              <a:ext uri="{FF2B5EF4-FFF2-40B4-BE49-F238E27FC236}">
-                <a16:creationId xmlns:a16="http://schemas.microsoft.com/office/drawing/2014/main" id="{B454710B-43EB-4A50-81F2-5D5D6C77B78E}"/>
+                <a16:creationId xmlns:a16="http://schemas.microsoft.com/office/drawing/2014/main" id="{73992C75-E426-4313-99A1-3BE5A4B55EB7}"/>
               </a:ext>
             </a:extLst>
           </p:cNvPr>
@@ -9025,273 +13237,50 @@
           <a:lstStyle/>
           <a:p>
             <a:r>
-              <a:rPr lang="de-CH" dirty="0" err="1"/>
-              <a:t>Types</a:t>
-            </a:r>
-            <a:r>
-              <a:rPr lang="de-CH" dirty="0"/>
-              <a:t> </a:t>
-            </a:r>
-            <a:r>
-              <a:rPr lang="de-CH" dirty="0" err="1"/>
-              <a:t>with</a:t>
-            </a:r>
-            <a:r>
-              <a:rPr lang="de-CH" dirty="0"/>
-              <a:t> </a:t>
-            </a:r>
-            <a:r>
-              <a:rPr lang="de-CH" dirty="0" err="1"/>
-              <a:t>only</a:t>
-            </a:r>
-            <a:r>
-              <a:rPr lang="de-CH" dirty="0"/>
-              <a:t> </a:t>
-            </a:r>
-            <a:r>
-              <a:rPr lang="de-CH" dirty="0" err="1"/>
-              <a:t>one</a:t>
-            </a:r>
-            <a:r>
-              <a:rPr lang="de-CH" dirty="0"/>
-              <a:t> </a:t>
-            </a:r>
-            <a:r>
-              <a:rPr lang="de-CH" dirty="0" err="1"/>
-              <a:t>inhabitant</a:t>
-            </a:r>
-            <a:endParaRPr lang="de-CH" dirty="0"/>
-          </a:p>
-          <a:p>
-            <a:endParaRPr lang="de-CH" dirty="0"/>
-          </a:p>
-          <a:p>
-            <a:r>
-              <a:rPr lang="de-CH" dirty="0"/>
-              <a:t>In </a:t>
-            </a:r>
-            <a:r>
-              <a:rPr lang="de-CH" dirty="0" err="1"/>
-              <a:t>Typescript</a:t>
-            </a:r>
-            <a:r>
-              <a:rPr lang="de-CH" dirty="0"/>
-              <a:t>:</a:t>
-            </a:r>
-          </a:p>
-          <a:p>
-            <a:pPr marL="0" indent="0">
-              <a:buNone/>
-            </a:pPr>
-            <a:endParaRPr lang="en-GB" dirty="0"/>
+              <a:rPr lang="en-GB" dirty="0"/>
+              <a:t>C#, Java, etc: </a:t>
+            </a:r>
+            <a:r>
+              <a:rPr lang="en-GB" i="1" dirty="0"/>
+              <a:t>Nominal</a:t>
+            </a:r>
+            <a:r>
+              <a:rPr lang="en-GB" dirty="0"/>
+              <a:t> type systems</a:t>
+            </a:r>
+          </a:p>
+          <a:p>
+            <a:r>
+              <a:rPr lang="en-GB" dirty="0"/>
+              <a:t>TypeScript, Haskell, Elm: types are defined by their shape, </a:t>
+            </a:r>
+            <a:r>
+              <a:rPr lang="en-GB" i="1" dirty="0"/>
+              <a:t>not</a:t>
+            </a:r>
+            <a:r>
+              <a:rPr lang="en-GB" dirty="0"/>
+              <a:t> their names</a:t>
+            </a:r>
           </a:p>
         </p:txBody>
       </p:sp>
-      <p:pic>
-        <p:nvPicPr>
-          <p:cNvPr id="8194" name="Picture 2">
+      <p:sp>
+        <p:nvSpPr>
+          <p:cNvPr id="7" name="TextBox 6">
             <a:extLst>
               <a:ext uri="{FF2B5EF4-FFF2-40B4-BE49-F238E27FC236}">
-                <a16:creationId xmlns:a16="http://schemas.microsoft.com/office/drawing/2014/main" id="{6CAC0203-0BF0-4A90-A562-D96744421473}"/>
+                <a16:creationId xmlns:a16="http://schemas.microsoft.com/office/drawing/2014/main" id="{F07A583B-750C-4AAD-B57C-A0EDF9940D0F}"/>
               </a:ext>
             </a:extLst>
           </p:cNvPr>
-          <p:cNvPicPr>
-            <a:picLocks noChangeAspect="1" noChangeArrowheads="1"/>
-          </p:cNvPicPr>
-          <p:nvPr/>
-        </p:nvPicPr>
-        <p:blipFill rotWithShape="1">
-          <a:blip r:embed="rId2">
-            <a:extLst>
-              <a:ext uri="{28A0092B-C50C-407E-A947-70E740481C1C}">
-                <a14:useLocalDpi xmlns:a14="http://schemas.microsoft.com/office/drawing/2010/main" val="0"/>
-              </a:ext>
-            </a:extLst>
-          </a:blip>
-          <a:srcRect l="28794" t="43929" r="29255" b="29211"/>
-          <a:stretch/>
-        </p:blipFill>
-        <p:spPr bwMode="auto">
-          <a:xfrm>
-            <a:off x="7521951" y="681037"/>
-            <a:ext cx="3831849" cy="3511826"/>
-          </a:xfrm>
-          <a:prstGeom prst="rect">
-            <a:avLst/>
-          </a:prstGeom>
-          <a:noFill/>
-          <a:extLst>
-            <a:ext uri="{909E8E84-426E-40DD-AFC4-6F175D3DCCD1}">
-              <a14:hiddenFill xmlns:a14="http://schemas.microsoft.com/office/drawing/2010/main">
-                <a:solidFill>
-                  <a:srgbClr val="FFFFFF"/>
-                </a:solidFill>
-              </a14:hiddenFill>
-            </a:ext>
-          </a:extLst>
-        </p:spPr>
-      </p:pic>
-      <p:sp>
-        <p:nvSpPr>
-          <p:cNvPr id="4" name="Rectangle 3">
-            <a:extLst>
-              <a:ext uri="{FF2B5EF4-FFF2-40B4-BE49-F238E27FC236}">
-                <a16:creationId xmlns:a16="http://schemas.microsoft.com/office/drawing/2014/main" id="{E85A615F-35D3-40E0-B270-F323201AACBC}"/>
-              </a:ext>
-            </a:extLst>
-          </p:cNvPr>
-          <p:cNvSpPr/>
+          <p:cNvSpPr txBox="1"/>
           <p:nvPr/>
         </p:nvSpPr>
         <p:spPr>
           <a:xfrm>
-            <a:off x="1184927" y="4722768"/>
-            <a:ext cx="3711272" cy="400110"/>
-          </a:xfrm>
-          <a:prstGeom prst="rect">
-            <a:avLst/>
-          </a:prstGeom>
-          <a:solidFill>
-            <a:schemeClr val="tx1">
-              <a:lumMod val="75000"/>
-              <a:lumOff val="25000"/>
-            </a:schemeClr>
-          </a:solidFill>
-          <a:ln>
-            <a:noFill/>
-          </a:ln>
-        </p:spPr>
-        <p:txBody>
-          <a:bodyPr wrap="none">
-            <a:spAutoFit/>
-          </a:bodyPr>
-          <a:lstStyle/>
-          <a:p>
-            <a:r>
-              <a:rPr lang="de-CH" sz="2000" dirty="0" err="1">
-                <a:solidFill>
-                  <a:srgbClr val="569CD6"/>
-                </a:solidFill>
-                <a:latin typeface="Consolas" panose="020B0609020204030204" pitchFamily="49" charset="0"/>
-              </a:rPr>
-              <a:t>const</a:t>
-            </a:r>
-            <a:r>
-              <a:rPr lang="de-CH" sz="2000" dirty="0">
-                <a:solidFill>
-                  <a:srgbClr val="D4D4D4"/>
-                </a:solidFill>
-                <a:latin typeface="Consolas" panose="020B0609020204030204" pitchFamily="49" charset="0"/>
-              </a:rPr>
-              <a:t> </a:t>
-            </a:r>
-            <a:r>
-              <a:rPr lang="de-CH" sz="2000" dirty="0">
-                <a:solidFill>
-                  <a:srgbClr val="9CDCFE"/>
-                </a:solidFill>
-                <a:latin typeface="Consolas" panose="020B0609020204030204" pitchFamily="49" charset="0"/>
-              </a:rPr>
-              <a:t>x</a:t>
-            </a:r>
-            <a:r>
-              <a:rPr lang="de-CH" sz="2000" dirty="0">
-                <a:solidFill>
-                  <a:srgbClr val="D4D4D4"/>
-                </a:solidFill>
-                <a:latin typeface="Consolas" panose="020B0609020204030204" pitchFamily="49" charset="0"/>
-              </a:rPr>
-              <a:t> = </a:t>
-            </a:r>
-            <a:r>
-              <a:rPr lang="de-CH" sz="2000" dirty="0">
-                <a:solidFill>
-                  <a:srgbClr val="CE9178"/>
-                </a:solidFill>
-                <a:latin typeface="Consolas" panose="020B0609020204030204" pitchFamily="49" charset="0"/>
-              </a:rPr>
-              <a:t>"</a:t>
-            </a:r>
-            <a:r>
-              <a:rPr lang="de-CH" sz="2000" dirty="0" err="1">
-                <a:solidFill>
-                  <a:srgbClr val="CE9178"/>
-                </a:solidFill>
-                <a:latin typeface="Consolas" panose="020B0609020204030204" pitchFamily="49" charset="0"/>
-              </a:rPr>
-              <a:t>foo</a:t>
-            </a:r>
-            <a:r>
-              <a:rPr lang="de-CH" sz="2000" dirty="0">
-                <a:solidFill>
-                  <a:srgbClr val="CE9178"/>
-                </a:solidFill>
-                <a:latin typeface="Consolas" panose="020B0609020204030204" pitchFamily="49" charset="0"/>
-              </a:rPr>
-              <a:t>"</a:t>
-            </a:r>
-            <a:r>
-              <a:rPr lang="de-CH" sz="2000" dirty="0">
-                <a:solidFill>
-                  <a:srgbClr val="D4D4D4"/>
-                </a:solidFill>
-                <a:latin typeface="Consolas" panose="020B0609020204030204" pitchFamily="49" charset="0"/>
-              </a:rPr>
-              <a:t>; </a:t>
-            </a:r>
-            <a:r>
-              <a:rPr lang="de-CH" sz="2000" dirty="0">
-                <a:solidFill>
-                  <a:srgbClr val="6A9955"/>
-                </a:solidFill>
-                <a:latin typeface="Consolas" panose="020B0609020204030204" pitchFamily="49" charset="0"/>
-              </a:rPr>
-              <a:t>// "</a:t>
-            </a:r>
-            <a:r>
-              <a:rPr lang="de-CH" sz="2000" dirty="0" err="1">
-                <a:solidFill>
-                  <a:srgbClr val="6A9955"/>
-                </a:solidFill>
-                <a:latin typeface="Consolas" panose="020B0609020204030204" pitchFamily="49" charset="0"/>
-              </a:rPr>
-              <a:t>foo</a:t>
-            </a:r>
-            <a:r>
-              <a:rPr lang="de-CH" sz="2000" dirty="0">
-                <a:solidFill>
-                  <a:srgbClr val="6A9955"/>
-                </a:solidFill>
-                <a:latin typeface="Consolas" panose="020B0609020204030204" pitchFamily="49" charset="0"/>
-              </a:rPr>
-              <a:t>"</a:t>
-            </a:r>
-            <a:endParaRPr lang="de-CH" sz="2000" dirty="0">
-              <a:solidFill>
-                <a:srgbClr val="D4D4D4"/>
-              </a:solidFill>
-              <a:latin typeface="Consolas" panose="020B0609020204030204" pitchFamily="49" charset="0"/>
-            </a:endParaRPr>
-          </a:p>
-        </p:txBody>
-      </p:sp>
-      <p:sp>
-        <p:nvSpPr>
-          <p:cNvPr id="6" name="Rectangle 5">
-            <a:extLst>
-              <a:ext uri="{FF2B5EF4-FFF2-40B4-BE49-F238E27FC236}">
-                <a16:creationId xmlns:a16="http://schemas.microsoft.com/office/drawing/2014/main" id="{5E2ACDF3-0179-4497-8758-F02BE247C24B}"/>
-              </a:ext>
-            </a:extLst>
-          </p:cNvPr>
-          <p:cNvSpPr/>
-          <p:nvPr/>
-        </p:nvSpPr>
-        <p:spPr>
-          <a:xfrm>
-            <a:off x="1184927" y="5340113"/>
-            <a:ext cx="2601192" cy="400110"/>
+            <a:off x="412897" y="3530009"/>
+            <a:ext cx="6290930" cy="2554545"/>
           </a:xfrm>
           <a:prstGeom prst="rect">
             <a:avLst/>
@@ -9310,402 +13299,341 @@
           <a:bodyPr wrap="square">
             <a:spAutoFit/>
           </a:bodyPr>
-          <a:lstStyle/>
-          <a:p>
-            <a:r>
-              <a:rPr lang="de-CH" sz="2000" dirty="0" err="1">
+          <a:lstStyle>
+            <a:defPPr>
+              <a:defRPr lang="de-DE"/>
+            </a:defPPr>
+            <a:lvl1pPr>
+              <a:defRPr sz="2000">
                 <a:solidFill>
                   <a:srgbClr val="569CD6"/>
                 </a:solidFill>
                 <a:latin typeface="Consolas" panose="020B0609020204030204" pitchFamily="49" charset="0"/>
-              </a:rPr>
-              <a:t>const</a:t>
-            </a:r>
-            <a:r>
-              <a:rPr lang="de-CH" sz="2000" dirty="0">
-                <a:solidFill>
-                  <a:srgbClr val="D4D4D4"/>
-                </a:solidFill>
-                <a:latin typeface="Consolas" panose="020B0609020204030204" pitchFamily="49" charset="0"/>
+              </a:defRPr>
+            </a:lvl1pPr>
+          </a:lstStyle>
+          <a:p>
+            <a:r>
+              <a:rPr lang="en-US" dirty="0"/>
+              <a:t>declare</a:t>
+            </a:r>
+            <a:r>
+              <a:rPr lang="en-US" dirty="0">
+                <a:solidFill>
+                  <a:srgbClr val="D4D4D4"/>
+                </a:solidFill>
               </a:rPr>
               <a:t> </a:t>
             </a:r>
             <a:r>
-              <a:rPr lang="de-CH" sz="2000" dirty="0">
+              <a:rPr lang="en-US" dirty="0"/>
+              <a:t>function</a:t>
+            </a:r>
+            <a:r>
+              <a:rPr lang="en-US" dirty="0">
+                <a:solidFill>
+                  <a:srgbClr val="D4D4D4"/>
+                </a:solidFill>
+              </a:rPr>
+              <a:t> </a:t>
+            </a:r>
+            <a:r>
+              <a:rPr lang="en-US" dirty="0">
+                <a:solidFill>
+                  <a:srgbClr val="DCDCAA"/>
+                </a:solidFill>
+              </a:rPr>
+              <a:t>call</a:t>
+            </a:r>
+            <a:r>
+              <a:rPr lang="en-US" dirty="0">
+                <a:solidFill>
+                  <a:srgbClr val="D4D4D4"/>
+                </a:solidFill>
+              </a:rPr>
+              <a:t>(</a:t>
+            </a:r>
+            <a:r>
+              <a:rPr lang="en-US" dirty="0">
                 <a:solidFill>
                   <a:srgbClr val="9CDCFE"/>
                 </a:solidFill>
-                <a:latin typeface="Consolas" panose="020B0609020204030204" pitchFamily="49" charset="0"/>
-              </a:rPr>
-              <a:t>y</a:t>
-            </a:r>
-            <a:r>
-              <a:rPr lang="de-CH" sz="2000" dirty="0">
-                <a:solidFill>
-                  <a:srgbClr val="D4D4D4"/>
-                </a:solidFill>
-                <a:latin typeface="Consolas" panose="020B0609020204030204" pitchFamily="49" charset="0"/>
-              </a:rPr>
-              <a:t> = </a:t>
-            </a:r>
-            <a:r>
-              <a:rPr lang="de-CH" sz="2000" dirty="0">
-                <a:solidFill>
-                  <a:srgbClr val="B5CEA8"/>
-                </a:solidFill>
-                <a:latin typeface="Consolas" panose="020B0609020204030204" pitchFamily="49" charset="0"/>
-              </a:rPr>
-              <a:t>5</a:t>
-            </a:r>
-            <a:r>
-              <a:rPr lang="de-CH" sz="2000" dirty="0">
-                <a:solidFill>
-                  <a:srgbClr val="D4D4D4"/>
-                </a:solidFill>
-                <a:latin typeface="Consolas" panose="020B0609020204030204" pitchFamily="49" charset="0"/>
-              </a:rPr>
-              <a:t>; </a:t>
-            </a:r>
-            <a:r>
-              <a:rPr lang="de-CH" sz="2000" dirty="0">
-                <a:solidFill>
-                  <a:srgbClr val="6A9955"/>
-                </a:solidFill>
-                <a:latin typeface="Consolas" panose="020B0609020204030204" pitchFamily="49" charset="0"/>
-              </a:rPr>
-              <a:t>// 5</a:t>
-            </a:r>
-            <a:endParaRPr lang="de-CH" sz="2000" dirty="0">
+              </a:rPr>
+              <a:t>c</a:t>
+            </a:r>
+            <a:r>
+              <a:rPr lang="en-US" dirty="0">
+                <a:solidFill>
+                  <a:srgbClr val="D4D4D4"/>
+                </a:solidFill>
+              </a:rPr>
+              <a:t>: </a:t>
+            </a:r>
+            <a:r>
+              <a:rPr lang="en-US" dirty="0">
+                <a:solidFill>
+                  <a:srgbClr val="4EC9B0"/>
+                </a:solidFill>
+              </a:rPr>
+              <a:t>Contact</a:t>
+            </a:r>
+            <a:r>
+              <a:rPr lang="en-US" dirty="0">
+                <a:solidFill>
+                  <a:srgbClr val="D4D4D4"/>
+                </a:solidFill>
+              </a:rPr>
+              <a:t>): </a:t>
+            </a:r>
+            <a:r>
+              <a:rPr lang="en-US" dirty="0" err="1">
+                <a:solidFill>
+                  <a:srgbClr val="4EC9B0"/>
+                </a:solidFill>
+              </a:rPr>
+              <a:t>boolean</a:t>
+            </a:r>
+            <a:r>
+              <a:rPr lang="en-US" dirty="0">
+                <a:solidFill>
+                  <a:srgbClr val="D4D4D4"/>
+                </a:solidFill>
+              </a:rPr>
+              <a:t>;</a:t>
+            </a:r>
+          </a:p>
+          <a:p>
+            <a:br>
+              <a:rPr lang="en-US" dirty="0">
+                <a:solidFill>
+                  <a:srgbClr val="D4D4D4"/>
+                </a:solidFill>
+              </a:rPr>
+            </a:br>
+            <a:r>
+              <a:rPr lang="en-US" dirty="0"/>
+              <a:t>var</a:t>
+            </a:r>
+            <a:r>
+              <a:rPr lang="en-US" dirty="0">
+                <a:solidFill>
+                  <a:srgbClr val="D4D4D4"/>
+                </a:solidFill>
+              </a:rPr>
+              <a:t> </a:t>
+            </a:r>
+            <a:r>
+              <a:rPr lang="en-US" dirty="0" err="1">
+                <a:solidFill>
+                  <a:srgbClr val="9CDCFE"/>
+                </a:solidFill>
+              </a:rPr>
+              <a:t>personWithContact</a:t>
+            </a:r>
+            <a:r>
+              <a:rPr lang="en-US" dirty="0">
+                <a:solidFill>
+                  <a:srgbClr val="D4D4D4"/>
+                </a:solidFill>
+              </a:rPr>
+              <a:t> = {</a:t>
+            </a:r>
+          </a:p>
+          <a:p>
+            <a:r>
+              <a:rPr lang="en-US" dirty="0">
+                <a:solidFill>
+                  <a:srgbClr val="9CDCFE"/>
+                </a:solidFill>
+              </a:rPr>
+              <a:t>name:</a:t>
+            </a:r>
+            <a:r>
+              <a:rPr lang="en-US" dirty="0">
+                <a:solidFill>
+                  <a:srgbClr val="D4D4D4"/>
+                </a:solidFill>
+              </a:rPr>
+              <a:t> </a:t>
+            </a:r>
+            <a:r>
+              <a:rPr lang="en-US" dirty="0">
+                <a:solidFill>
+                  <a:srgbClr val="CE9178"/>
+                </a:solidFill>
+              </a:rPr>
+              <a:t>"JoJo"</a:t>
+            </a:r>
+            <a:r>
+              <a:rPr lang="en-US" dirty="0">
+                <a:solidFill>
+                  <a:srgbClr val="D4D4D4"/>
+                </a:solidFill>
+              </a:rPr>
+              <a:t>,</a:t>
+            </a:r>
+          </a:p>
+          <a:p>
+            <a:r>
+              <a:rPr lang="en-US" dirty="0">
+                <a:solidFill>
+                  <a:srgbClr val="9CDCFE"/>
+                </a:solidFill>
+              </a:rPr>
+              <a:t>phone:</a:t>
+            </a:r>
+            <a:r>
+              <a:rPr lang="en-US" dirty="0">
+                <a:solidFill>
+                  <a:srgbClr val="D4D4D4"/>
+                </a:solidFill>
+              </a:rPr>
+              <a:t> </a:t>
+            </a:r>
+            <a:r>
+              <a:rPr lang="en-US" dirty="0">
+                <a:solidFill>
+                  <a:srgbClr val="CE9178"/>
+                </a:solidFill>
+              </a:rPr>
+              <a:t>"079 123 45 67"</a:t>
+            </a:r>
+            <a:endParaRPr lang="en-US" dirty="0">
               <a:solidFill>
                 <a:srgbClr val="D4D4D4"/>
               </a:solidFill>
-              <a:latin typeface="Consolas" panose="020B0609020204030204" pitchFamily="49" charset="0"/>
             </a:endParaRPr>
           </a:p>
+          <a:p>
+            <a:r>
+              <a:rPr lang="en-US" dirty="0">
+                <a:solidFill>
+                  <a:srgbClr val="D4D4D4"/>
+                </a:solidFill>
+              </a:rPr>
+              <a:t>};</a:t>
+            </a:r>
+          </a:p>
+          <a:p>
+            <a:br>
+              <a:rPr lang="en-US" dirty="0">
+                <a:solidFill>
+                  <a:srgbClr val="D4D4D4"/>
+                </a:solidFill>
+              </a:rPr>
+            </a:br>
+            <a:r>
+              <a:rPr lang="en-US" dirty="0">
+                <a:solidFill>
+                  <a:srgbClr val="DCDCAA"/>
+                </a:solidFill>
+              </a:rPr>
+              <a:t>call</a:t>
+            </a:r>
+            <a:r>
+              <a:rPr lang="en-US" dirty="0">
+                <a:solidFill>
+                  <a:srgbClr val="D4D4D4"/>
+                </a:solidFill>
+              </a:rPr>
+              <a:t>(</a:t>
+            </a:r>
+            <a:r>
+              <a:rPr lang="en-US" dirty="0" err="1">
+                <a:solidFill>
+                  <a:srgbClr val="9CDCFE"/>
+                </a:solidFill>
+              </a:rPr>
+              <a:t>personWithContact</a:t>
+            </a:r>
+            <a:r>
+              <a:rPr lang="en-US" dirty="0">
+                <a:solidFill>
+                  <a:srgbClr val="D4D4D4"/>
+                </a:solidFill>
+              </a:rPr>
+              <a:t>);</a:t>
+            </a:r>
+          </a:p>
         </p:txBody>
       </p:sp>
       <p:sp>
         <p:nvSpPr>
-          <p:cNvPr id="7" name="Rectangle 6">
+          <p:cNvPr id="2" name="Title 1">
             <a:extLst>
               <a:ext uri="{FF2B5EF4-FFF2-40B4-BE49-F238E27FC236}">
-                <a16:creationId xmlns:a16="http://schemas.microsoft.com/office/drawing/2014/main" id="{24F1EBD1-BA5E-4717-AC83-43F0E175553A}"/>
+                <a16:creationId xmlns:a16="http://schemas.microsoft.com/office/drawing/2014/main" id="{336CD5BA-7D78-42F9-9A43-A3C28C5D6127}"/>
               </a:ext>
             </a:extLst>
           </p:cNvPr>
-          <p:cNvSpPr/>
+          <p:cNvSpPr>
+            <a:spLocks noGrp="1"/>
+          </p:cNvSpPr>
+          <p:nvPr>
+            <p:ph type="title"/>
+          </p:nvPr>
+        </p:nvSpPr>
+        <p:spPr/>
+        <p:txBody>
+          <a:bodyPr/>
+          <a:lstStyle/>
+          <a:p>
+            <a:r>
+              <a:rPr lang="en-GB" dirty="0"/>
+              <a:t>Structural Type Equality</a:t>
+            </a:r>
+          </a:p>
+        </p:txBody>
+      </p:sp>
+      <p:pic>
+        <p:nvPicPr>
+          <p:cNvPr id="1028" name="Picture 4">
+            <a:extLst>
+              <a:ext uri="{FF2B5EF4-FFF2-40B4-BE49-F238E27FC236}">
+                <a16:creationId xmlns:a16="http://schemas.microsoft.com/office/drawing/2014/main" id="{7EEDABCB-C94C-437B-B1DD-0946E6D0EF3B}"/>
+              </a:ext>
+            </a:extLst>
+          </p:cNvPr>
+          <p:cNvPicPr>
+            <a:picLocks noChangeAspect="1" noChangeArrowheads="1"/>
+          </p:cNvPicPr>
           <p:nvPr/>
-        </p:nvSpPr>
-        <p:spPr>
+        </p:nvPicPr>
+        <p:blipFill rotWithShape="1">
+          <a:blip r:embed="rId3">
+            <a:extLst>
+              <a:ext uri="{28A0092B-C50C-407E-A947-70E740481C1C}">
+                <a14:useLocalDpi xmlns:a14="http://schemas.microsoft.com/office/drawing/2010/main" val="0"/>
+              </a:ext>
+            </a:extLst>
+          </a:blip>
+          <a:srcRect l="16642" t="19147" r="3327" b="43566"/>
+          <a:stretch/>
+        </p:blipFill>
+        <p:spPr bwMode="auto">
           <a:xfrm>
-            <a:off x="1184927" y="4105423"/>
-            <a:ext cx="3147015" cy="400110"/>
+            <a:off x="6150935" y="2843346"/>
+            <a:ext cx="5699052" cy="3802003"/>
           </a:xfrm>
           <a:prstGeom prst="rect">
             <a:avLst/>
           </a:prstGeom>
-          <a:solidFill>
-            <a:schemeClr val="tx1">
-              <a:lumMod val="75000"/>
-              <a:lumOff val="25000"/>
-            </a:schemeClr>
-          </a:solidFill>
-          <a:ln>
-            <a:noFill/>
-          </a:ln>
+          <a:noFill/>
+          <a:extLst>
+            <a:ext uri="{909E8E84-426E-40DD-AFC4-6F175D3DCCD1}">
+              <a14:hiddenFill xmlns:a14="http://schemas.microsoft.com/office/drawing/2010/main">
+                <a:solidFill>
+                  <a:srgbClr val="FFFFFF"/>
+                </a:solidFill>
+              </a14:hiddenFill>
+            </a:ext>
+          </a:extLst>
         </p:spPr>
-        <p:txBody>
-          <a:bodyPr wrap="none">
-            <a:spAutoFit/>
-          </a:bodyPr>
-          <a:lstStyle/>
-          <a:p>
-            <a:r>
-              <a:rPr lang="de-CH" sz="2000">
-                <a:solidFill>
-                  <a:srgbClr val="569CD6"/>
-                </a:solidFill>
-                <a:latin typeface="Consolas" panose="020B0609020204030204" pitchFamily="49" charset="0"/>
-              </a:rPr>
-              <a:t>let</a:t>
-            </a:r>
-            <a:r>
-              <a:rPr lang="de-CH" sz="2000">
-                <a:solidFill>
-                  <a:srgbClr val="D4D4D4"/>
-                </a:solidFill>
-                <a:latin typeface="Consolas" panose="020B0609020204030204" pitchFamily="49" charset="0"/>
-              </a:rPr>
-              <a:t> </a:t>
-            </a:r>
-            <a:r>
-              <a:rPr lang="de-CH" sz="2000">
-                <a:solidFill>
-                  <a:srgbClr val="9CDCFE"/>
-                </a:solidFill>
-                <a:latin typeface="Consolas" panose="020B0609020204030204" pitchFamily="49" charset="0"/>
-              </a:rPr>
-              <a:t>a</a:t>
-            </a:r>
-            <a:r>
-              <a:rPr lang="de-CH" sz="2000">
-                <a:solidFill>
-                  <a:srgbClr val="D4D4D4"/>
-                </a:solidFill>
-                <a:latin typeface="Consolas" panose="020B0609020204030204" pitchFamily="49" charset="0"/>
-              </a:rPr>
-              <a:t> = </a:t>
-            </a:r>
-            <a:r>
-              <a:rPr lang="de-CH" sz="2000">
-                <a:solidFill>
-                  <a:srgbClr val="569CD6"/>
-                </a:solidFill>
-                <a:latin typeface="Consolas" panose="020B0609020204030204" pitchFamily="49" charset="0"/>
-              </a:rPr>
-              <a:t>null</a:t>
-            </a:r>
-            <a:r>
-              <a:rPr lang="de-CH" sz="2000">
-                <a:solidFill>
-                  <a:srgbClr val="D4D4D4"/>
-                </a:solidFill>
-                <a:latin typeface="Consolas" panose="020B0609020204030204" pitchFamily="49" charset="0"/>
-              </a:rPr>
-              <a:t>; </a:t>
-            </a:r>
-            <a:r>
-              <a:rPr lang="de-CH" sz="2000">
-                <a:solidFill>
-                  <a:srgbClr val="6A9955"/>
-                </a:solidFill>
-                <a:latin typeface="Consolas" panose="020B0609020204030204" pitchFamily="49" charset="0"/>
-              </a:rPr>
-              <a:t>// null</a:t>
-            </a:r>
-            <a:endParaRPr lang="de-CH" sz="2000">
-              <a:solidFill>
-                <a:srgbClr val="D4D4D4"/>
-              </a:solidFill>
-              <a:latin typeface="Consolas" panose="020B0609020204030204" pitchFamily="49" charset="0"/>
-            </a:endParaRPr>
-          </a:p>
-        </p:txBody>
-      </p:sp>
-      <p:sp>
-        <p:nvSpPr>
-          <p:cNvPr id="8" name="Rectangle 7">
-            <a:extLst>
-              <a:ext uri="{FF2B5EF4-FFF2-40B4-BE49-F238E27FC236}">
-                <a16:creationId xmlns:a16="http://schemas.microsoft.com/office/drawing/2014/main" id="{B6A52AA5-3753-44A7-943C-05C785A96AD1}"/>
-              </a:ext>
-            </a:extLst>
-          </p:cNvPr>
-          <p:cNvSpPr/>
-          <p:nvPr/>
-        </p:nvSpPr>
-        <p:spPr>
-          <a:xfrm>
-            <a:off x="1184927" y="3488078"/>
-            <a:ext cx="2864887" cy="400110"/>
-          </a:xfrm>
-          <a:prstGeom prst="rect">
-            <a:avLst/>
-          </a:prstGeom>
-          <a:solidFill>
-            <a:schemeClr val="tx1">
-              <a:lumMod val="75000"/>
-              <a:lumOff val="25000"/>
-            </a:schemeClr>
-          </a:solidFill>
-          <a:ln>
-            <a:noFill/>
-          </a:ln>
-        </p:spPr>
-        <p:txBody>
-          <a:bodyPr wrap="none">
-            <a:spAutoFit/>
-          </a:bodyPr>
-          <a:lstStyle/>
-          <a:p>
-            <a:r>
-              <a:rPr lang="de-CH" sz="2000" dirty="0" err="1">
-                <a:solidFill>
-                  <a:srgbClr val="569CD6"/>
-                </a:solidFill>
-                <a:latin typeface="Consolas" panose="020B0609020204030204" pitchFamily="49" charset="0"/>
-              </a:rPr>
-              <a:t>let</a:t>
-            </a:r>
-            <a:r>
-              <a:rPr lang="de-CH" sz="2000" dirty="0">
-                <a:solidFill>
-                  <a:srgbClr val="D4D4D4"/>
-                </a:solidFill>
-                <a:latin typeface="Consolas" panose="020B0609020204030204" pitchFamily="49" charset="0"/>
-              </a:rPr>
-              <a:t> </a:t>
-            </a:r>
-            <a:r>
-              <a:rPr lang="de-CH" sz="2000" dirty="0">
-                <a:solidFill>
-                  <a:srgbClr val="9CDCFE"/>
-                </a:solidFill>
-                <a:latin typeface="Consolas" panose="020B0609020204030204" pitchFamily="49" charset="0"/>
-              </a:rPr>
-              <a:t>u</a:t>
-            </a:r>
-            <a:r>
-              <a:rPr lang="de-CH" sz="2000" dirty="0">
-                <a:solidFill>
-                  <a:srgbClr val="D4D4D4"/>
-                </a:solidFill>
-                <a:latin typeface="Consolas" panose="020B0609020204030204" pitchFamily="49" charset="0"/>
-              </a:rPr>
-              <a:t>; </a:t>
-            </a:r>
-            <a:r>
-              <a:rPr lang="de-CH" sz="2000" dirty="0">
-                <a:solidFill>
-                  <a:srgbClr val="6A9955"/>
-                </a:solidFill>
-                <a:latin typeface="Consolas" panose="020B0609020204030204" pitchFamily="49" charset="0"/>
-              </a:rPr>
-              <a:t>// </a:t>
-            </a:r>
-            <a:r>
-              <a:rPr lang="de-CH" sz="2000" dirty="0" err="1">
-                <a:solidFill>
-                  <a:srgbClr val="6A9955"/>
-                </a:solidFill>
-                <a:latin typeface="Consolas" panose="020B0609020204030204" pitchFamily="49" charset="0"/>
-              </a:rPr>
-              <a:t>undefined</a:t>
-            </a:r>
-            <a:endParaRPr lang="de-CH" sz="2000" dirty="0">
-              <a:solidFill>
-                <a:srgbClr val="D4D4D4"/>
-              </a:solidFill>
-              <a:latin typeface="Consolas" panose="020B0609020204030204" pitchFamily="49" charset="0"/>
-            </a:endParaRPr>
-          </a:p>
-        </p:txBody>
-      </p:sp>
-      <p:grpSp>
-        <p:nvGrpSpPr>
-          <p:cNvPr id="10" name="Group 9">
-            <a:extLst>
-              <a:ext uri="{FF2B5EF4-FFF2-40B4-BE49-F238E27FC236}">
-                <a16:creationId xmlns:a16="http://schemas.microsoft.com/office/drawing/2014/main" id="{D0405BC7-B2A0-44A7-9368-BDC968E6D1E7}"/>
-              </a:ext>
-            </a:extLst>
-          </p:cNvPr>
-          <p:cNvGrpSpPr/>
-          <p:nvPr/>
-        </p:nvGrpSpPr>
-        <p:grpSpPr>
-          <a:xfrm>
-            <a:off x="5063839" y="4640470"/>
-            <a:ext cx="2752895" cy="1220932"/>
-            <a:chOff x="5118908" y="4578235"/>
-            <a:chExt cx="2752895" cy="1220932"/>
-          </a:xfrm>
-        </p:grpSpPr>
-        <p:sp>
-          <p:nvSpPr>
-            <p:cNvPr id="5" name="TextBox 4">
-              <a:extLst>
-                <a:ext uri="{FF2B5EF4-FFF2-40B4-BE49-F238E27FC236}">
-                  <a16:creationId xmlns:a16="http://schemas.microsoft.com/office/drawing/2014/main" id="{EF322AF8-0ECE-48C7-B9E1-98A0C715A938}"/>
-                </a:ext>
-              </a:extLst>
-            </p:cNvPr>
-            <p:cNvSpPr txBox="1"/>
-            <p:nvPr/>
-          </p:nvSpPr>
-          <p:spPr>
-            <a:xfrm>
-              <a:off x="5648149" y="4902791"/>
-              <a:ext cx="2223654" cy="523220"/>
-            </a:xfrm>
-            <a:prstGeom prst="rect">
-              <a:avLst/>
-            </a:prstGeom>
-            <a:noFill/>
-          </p:spPr>
-          <p:txBody>
-            <a:bodyPr wrap="square" rtlCol="0">
-              <a:spAutoFit/>
-            </a:bodyPr>
-            <a:lstStyle/>
-            <a:p>
-              <a:r>
-                <a:rPr lang="de-CH" sz="2800" dirty="0">
-                  <a:latin typeface="Roboto" panose="02000000000000000000" pitchFamily="2" charset="0"/>
-                  <a:ea typeface="Roboto" panose="02000000000000000000" pitchFamily="2" charset="0"/>
-                </a:rPr>
-                <a:t>Type Literals</a:t>
-              </a:r>
-              <a:endParaRPr lang="en-GB" sz="2800" dirty="0">
-                <a:latin typeface="Roboto" panose="02000000000000000000" pitchFamily="2" charset="0"/>
-                <a:ea typeface="Roboto" panose="02000000000000000000" pitchFamily="2" charset="0"/>
-              </a:endParaRPr>
-            </a:p>
-          </p:txBody>
-        </p:sp>
-        <p:sp>
-          <p:nvSpPr>
-            <p:cNvPr id="9" name="Right Brace 8">
-              <a:extLst>
-                <a:ext uri="{FF2B5EF4-FFF2-40B4-BE49-F238E27FC236}">
-                  <a16:creationId xmlns:a16="http://schemas.microsoft.com/office/drawing/2014/main" id="{B39530EE-6545-4D53-86A8-DAFB3F411F9B}"/>
-                </a:ext>
-              </a:extLst>
-            </p:cNvPr>
-            <p:cNvSpPr/>
-            <p:nvPr/>
-          </p:nvSpPr>
-          <p:spPr>
-            <a:xfrm>
-              <a:off x="5118908" y="4578235"/>
-              <a:ext cx="306532" cy="1220932"/>
-            </a:xfrm>
-            <a:prstGeom prst="rightBrace">
-              <a:avLst>
-                <a:gd name="adj1" fmla="val 39102"/>
-                <a:gd name="adj2" fmla="val 48298"/>
-              </a:avLst>
-            </a:prstGeom>
-            <a:ln w="57150"/>
-          </p:spPr>
-          <p:style>
-            <a:lnRef idx="1">
-              <a:schemeClr val="dk1"/>
-            </a:lnRef>
-            <a:fillRef idx="0">
-              <a:schemeClr val="dk1"/>
-            </a:fillRef>
-            <a:effectRef idx="0">
-              <a:schemeClr val="dk1"/>
-            </a:effectRef>
-            <a:fontRef idx="minor">
-              <a:schemeClr val="tx1"/>
-            </a:fontRef>
-          </p:style>
-          <p:txBody>
-            <a:bodyPr rtlCol="0" anchor="ctr"/>
-            <a:lstStyle/>
-            <a:p>
-              <a:pPr algn="ctr"/>
-              <a:endParaRPr lang="en-GB"/>
-            </a:p>
-          </p:txBody>
-        </p:sp>
-      </p:grpSp>
+      </p:pic>
     </p:spTree>
     <p:extLst>
       <p:ext uri="{BB962C8B-B14F-4D97-AF65-F5344CB8AC3E}">
-        <p14:creationId xmlns:p14="http://schemas.microsoft.com/office/powerpoint/2010/main" val="690073401"/>
+        <p14:creationId xmlns:p14="http://schemas.microsoft.com/office/powerpoint/2010/main" val="4038144484"/>
       </p:ext>
     </p:extLst>
   </p:cSld>

--- a/a-type-of-magic.pptx
+++ b/a-type-of-magic.pptx
@@ -5,7 +5,7 @@
     <p:sldMasterId id="2147483648" r:id="rId1"/>
   </p:sldMasterIdLst>
   <p:notesMasterIdLst>
-    <p:notesMasterId r:id="rId25"/>
+    <p:notesMasterId r:id="rId26"/>
   </p:notesMasterIdLst>
   <p:sldIdLst>
     <p:sldId id="256" r:id="rId2"/>
@@ -27,10 +27,11 @@
     <p:sldId id="269" r:id="rId18"/>
     <p:sldId id="267" r:id="rId19"/>
     <p:sldId id="278" r:id="rId20"/>
-    <p:sldId id="271" r:id="rId21"/>
-    <p:sldId id="270" r:id="rId22"/>
-    <p:sldId id="274" r:id="rId23"/>
-    <p:sldId id="273" r:id="rId24"/>
+    <p:sldId id="279" r:id="rId21"/>
+    <p:sldId id="281" r:id="rId22"/>
+    <p:sldId id="282" r:id="rId23"/>
+    <p:sldId id="270" r:id="rId24"/>
+    <p:sldId id="273" r:id="rId25"/>
   </p:sldIdLst>
   <p:sldSz cx="12192000" cy="6858000"/>
   <p:notesSz cx="6858000" cy="9144000"/>
@@ -8593,6 +8594,12 @@
             <a:endParaRPr lang="de-CH" dirty="0"/>
           </a:p>
           <a:p>
+            <a:endParaRPr lang="de-CH" dirty="0"/>
+          </a:p>
+          <a:p>
+            <a:endParaRPr lang="de-CH" dirty="0"/>
+          </a:p>
+          <a:p>
             <a:r>
               <a:rPr lang="de-CH" dirty="0"/>
               <a:t>Objects </a:t>
@@ -8642,8 +8649,8 @@
         </p:nvSpPr>
         <p:spPr>
           <a:xfrm>
-            <a:off x="1164881" y="4247437"/>
-            <a:ext cx="6955750" cy="2246769"/>
+            <a:off x="580090" y="4156200"/>
+            <a:ext cx="5630067" cy="2031325"/>
           </a:xfrm>
           <a:prstGeom prst="rect">
             <a:avLst/>
@@ -8665,7 +8672,7 @@
           <a:lstStyle/>
           <a:p>
             <a:r>
-              <a:rPr lang="de-CH" sz="2000" dirty="0">
+              <a:rPr lang="de-CH" dirty="0">
                 <a:solidFill>
                   <a:srgbClr val="569CD6"/>
                 </a:solidFill>
@@ -8674,7 +8681,7 @@
               <a:t>type</a:t>
             </a:r>
             <a:r>
-              <a:rPr lang="de-CH" sz="2000" dirty="0">
+              <a:rPr lang="de-CH" dirty="0">
                 <a:solidFill>
                   <a:srgbClr val="D4D4D4"/>
                 </a:solidFill>
@@ -8683,7 +8690,7 @@
               <a:t> </a:t>
             </a:r>
             <a:r>
-              <a:rPr lang="de-CH" sz="2000" dirty="0">
+              <a:rPr lang="de-CH" dirty="0">
                 <a:solidFill>
                   <a:srgbClr val="4EC9B0"/>
                 </a:solidFill>
@@ -8692,7 +8699,7 @@
               <a:t>Person</a:t>
             </a:r>
             <a:r>
-              <a:rPr lang="de-CH" sz="2000" dirty="0">
+              <a:rPr lang="de-CH" dirty="0">
                 <a:solidFill>
                   <a:srgbClr val="D4D4D4"/>
                 </a:solidFill>
@@ -8701,7 +8708,7 @@
               <a:t> = { </a:t>
             </a:r>
             <a:r>
-              <a:rPr lang="de-CH" sz="2000" dirty="0" err="1">
+              <a:rPr lang="de-CH" dirty="0" err="1">
                 <a:solidFill>
                   <a:srgbClr val="9CDCFE"/>
                 </a:solidFill>
@@ -8710,7 +8717,7 @@
               <a:t>name</a:t>
             </a:r>
             <a:r>
-              <a:rPr lang="de-CH" sz="2000" dirty="0">
+              <a:rPr lang="de-CH" dirty="0">
                 <a:solidFill>
                   <a:srgbClr val="D4D4D4"/>
                 </a:solidFill>
@@ -8719,7 +8726,7 @@
               <a:t>: </a:t>
             </a:r>
             <a:r>
-              <a:rPr lang="de-CH" sz="2000" dirty="0" err="1">
+              <a:rPr lang="de-CH" dirty="0" err="1">
                 <a:solidFill>
                   <a:srgbClr val="4EC9B0"/>
                 </a:solidFill>
@@ -8728,7 +8735,7 @@
               <a:t>string</a:t>
             </a:r>
             <a:r>
-              <a:rPr lang="de-CH" sz="2000" dirty="0">
+              <a:rPr lang="de-CH" dirty="0">
                 <a:solidFill>
                   <a:srgbClr val="D4D4D4"/>
                 </a:solidFill>
@@ -8737,7 +8744,7 @@
               <a:t>, </a:t>
             </a:r>
             <a:r>
-              <a:rPr lang="de-CH" sz="2000" dirty="0" err="1">
+              <a:rPr lang="de-CH" dirty="0" err="1">
                 <a:solidFill>
                   <a:srgbClr val="9CDCFE"/>
                 </a:solidFill>
@@ -8746,7 +8753,7 @@
               <a:t>age</a:t>
             </a:r>
             <a:r>
-              <a:rPr lang="de-CH" sz="2000" dirty="0">
+              <a:rPr lang="de-CH" dirty="0">
                 <a:solidFill>
                   <a:srgbClr val="D4D4D4"/>
                 </a:solidFill>
@@ -8755,7 +8762,7 @@
               <a:t>: </a:t>
             </a:r>
             <a:r>
-              <a:rPr lang="de-CH" sz="2000" dirty="0" err="1">
+              <a:rPr lang="de-CH" dirty="0" err="1">
                 <a:solidFill>
                   <a:srgbClr val="4EC9B0"/>
                 </a:solidFill>
@@ -8764,7 +8771,7 @@
               <a:t>number</a:t>
             </a:r>
             <a:r>
-              <a:rPr lang="de-CH" sz="2000" dirty="0">
+              <a:rPr lang="de-CH" dirty="0">
                 <a:solidFill>
                   <a:srgbClr val="D4D4D4"/>
                 </a:solidFill>
@@ -8775,7 +8782,7 @@
           </a:p>
           <a:p>
             <a:r>
-              <a:rPr lang="de-CH" sz="2000" dirty="0">
+              <a:rPr lang="de-CH" dirty="0">
                 <a:solidFill>
                   <a:srgbClr val="569CD6"/>
                 </a:solidFill>
@@ -8784,7 +8791,7 @@
               <a:t>type</a:t>
             </a:r>
             <a:r>
-              <a:rPr lang="de-CH" sz="2000" dirty="0">
+              <a:rPr lang="de-CH" dirty="0">
                 <a:solidFill>
                   <a:srgbClr val="D4D4D4"/>
                 </a:solidFill>
@@ -8793,16 +8800,16 @@
               <a:t> </a:t>
             </a:r>
             <a:r>
-              <a:rPr lang="de-CH" sz="2000" dirty="0" err="1">
+              <a:rPr lang="de-CH" dirty="0">
                 <a:solidFill>
                   <a:srgbClr val="4EC9B0"/>
                 </a:solidFill>
                 <a:latin typeface="Consolas" panose="020B0609020204030204" pitchFamily="49" charset="0"/>
               </a:rPr>
-              <a:t>Serializable</a:t>
-            </a:r>
-            <a:r>
-              <a:rPr lang="de-CH" sz="2000" dirty="0">
+              <a:t>Contact</a:t>
+            </a:r>
+            <a:r>
+              <a:rPr lang="de-CH" dirty="0">
                 <a:solidFill>
                   <a:srgbClr val="D4D4D4"/>
                 </a:solidFill>
@@ -8811,34 +8818,62 @@
               <a:t> = { </a:t>
             </a:r>
             <a:r>
-              <a:rPr lang="de-CH" sz="2000" dirty="0" err="1">
-                <a:solidFill>
-                  <a:srgbClr val="DCDCAA"/>
-                </a:solidFill>
-                <a:latin typeface="Consolas" panose="020B0609020204030204" pitchFamily="49" charset="0"/>
-              </a:rPr>
-              <a:t>serialize</a:t>
-            </a:r>
-            <a:r>
-              <a:rPr lang="de-CH" sz="2000" dirty="0">
-                <a:solidFill>
-                  <a:srgbClr val="D4D4D4"/>
-                </a:solidFill>
-                <a:latin typeface="Consolas" panose="020B0609020204030204" pitchFamily="49" charset="0"/>
-              </a:rPr>
-              <a:t>: () </a:t>
-            </a:r>
-            <a:r>
-              <a:rPr lang="de-CH" sz="2000" dirty="0">
+              <a:rPr lang="de-CH" dirty="0" err="1">
+                <a:solidFill>
+                  <a:srgbClr val="9CDCFE"/>
+                </a:solidFill>
+                <a:latin typeface="Consolas" panose="020B0609020204030204" pitchFamily="49" charset="0"/>
+              </a:rPr>
+              <a:t>phone</a:t>
+            </a:r>
+            <a:r>
+              <a:rPr lang="de-CH" dirty="0">
+                <a:solidFill>
+                  <a:srgbClr val="D4D4D4"/>
+                </a:solidFill>
+                <a:latin typeface="Consolas" panose="020B0609020204030204" pitchFamily="49" charset="0"/>
+              </a:rPr>
+              <a:t>: </a:t>
+            </a:r>
+            <a:r>
+              <a:rPr lang="de-CH" dirty="0" err="1">
+                <a:solidFill>
+                  <a:srgbClr val="4EC9B0"/>
+                </a:solidFill>
+                <a:latin typeface="Consolas" panose="020B0609020204030204" pitchFamily="49" charset="0"/>
+              </a:rPr>
+              <a:t>string</a:t>
+            </a:r>
+            <a:r>
+              <a:rPr lang="de-CH" dirty="0">
+                <a:solidFill>
+                  <a:srgbClr val="D4D4D4"/>
+                </a:solidFill>
+                <a:latin typeface="Consolas" panose="020B0609020204030204" pitchFamily="49" charset="0"/>
+              </a:rPr>
+              <a:t> }</a:t>
+            </a:r>
+          </a:p>
+          <a:p>
+            <a:br>
+              <a:rPr lang="de-CH" dirty="0">
+                <a:solidFill>
+                  <a:srgbClr val="D4D4D4"/>
+                </a:solidFill>
+                <a:latin typeface="Consolas" panose="020B0609020204030204" pitchFamily="49" charset="0"/>
+              </a:rPr>
+            </a:br>
+            <a:r>
+              <a:rPr lang="de-CH" dirty="0" err="1">
                 <a:solidFill>
                   <a:srgbClr val="569CD6"/>
                 </a:solidFill>
                 <a:latin typeface="Consolas" panose="020B0609020204030204" pitchFamily="49" charset="0"/>
               </a:rPr>
-              <a:t>=&gt;</a:t>
-            </a:r>
-            <a:r>
-              <a:rPr lang="de-CH" sz="2000" dirty="0">
+              <a:t>let</a:t>
+            </a:r>
+            <a:r>
+              <a:rPr lang="de-CH" dirty="0">
                 <a:solidFill>
                   <a:srgbClr val="D4D4D4"/>
                 </a:solidFill>
@@ -8847,98 +8882,126 @@
               <a:t> </a:t>
             </a:r>
             <a:r>
-              <a:rPr lang="de-CH" sz="2000" dirty="0" err="1">
+              <a:rPr lang="de-CH" dirty="0">
+                <a:solidFill>
+                  <a:srgbClr val="9CDCFE"/>
+                </a:solidFill>
+                <a:latin typeface="Consolas" panose="020B0609020204030204" pitchFamily="49" charset="0"/>
+              </a:rPr>
+              <a:t>p</a:t>
+            </a:r>
+            <a:r>
+              <a:rPr lang="de-CH" dirty="0">
+                <a:solidFill>
+                  <a:srgbClr val="D4D4D4"/>
+                </a:solidFill>
+                <a:latin typeface="Consolas" panose="020B0609020204030204" pitchFamily="49" charset="0"/>
+              </a:rPr>
+              <a:t>: </a:t>
+            </a:r>
+            <a:r>
+              <a:rPr lang="de-CH" dirty="0">
                 <a:solidFill>
                   <a:srgbClr val="4EC9B0"/>
                 </a:solidFill>
                 <a:latin typeface="Consolas" panose="020B0609020204030204" pitchFamily="49" charset="0"/>
               </a:rPr>
-              <a:t>string</a:t>
-            </a:r>
-            <a:r>
-              <a:rPr lang="de-CH" sz="2000" dirty="0">
-                <a:solidFill>
-                  <a:srgbClr val="D4D4D4"/>
-                </a:solidFill>
-                <a:latin typeface="Consolas" panose="020B0609020204030204" pitchFamily="49" charset="0"/>
-              </a:rPr>
-              <a:t> };</a:t>
-            </a:r>
-          </a:p>
-          <a:p>
-            <a:br>
-              <a:rPr lang="de-CH" sz="2000" dirty="0">
-                <a:solidFill>
-                  <a:srgbClr val="D4D4D4"/>
-                </a:solidFill>
-                <a:latin typeface="Consolas" panose="020B0609020204030204" pitchFamily="49" charset="0"/>
-              </a:rPr>
-            </a:br>
-            <a:r>
-              <a:rPr lang="de-CH" sz="2000" dirty="0" err="1">
-                <a:solidFill>
-                  <a:srgbClr val="569CD6"/>
-                </a:solidFill>
-                <a:latin typeface="Consolas" panose="020B0609020204030204" pitchFamily="49" charset="0"/>
-              </a:rPr>
-              <a:t>let</a:t>
-            </a:r>
-            <a:r>
-              <a:rPr lang="de-CH" sz="2000" dirty="0">
-                <a:solidFill>
-                  <a:srgbClr val="D4D4D4"/>
-                </a:solidFill>
-                <a:latin typeface="Consolas" panose="020B0609020204030204" pitchFamily="49" charset="0"/>
-              </a:rPr>
-              <a:t> </a:t>
-            </a:r>
-            <a:r>
-              <a:rPr lang="de-CH" sz="2000" dirty="0">
+              <a:t>Person</a:t>
+            </a:r>
+            <a:r>
+              <a:rPr lang="de-CH" dirty="0">
+                <a:solidFill>
+                  <a:srgbClr val="D4D4D4"/>
+                </a:solidFill>
+                <a:latin typeface="Consolas" panose="020B0609020204030204" pitchFamily="49" charset="0"/>
+              </a:rPr>
+              <a:t> &amp; </a:t>
+            </a:r>
+            <a:r>
+              <a:rPr lang="de-CH" dirty="0">
+                <a:solidFill>
+                  <a:srgbClr val="4EC9B0"/>
+                </a:solidFill>
+                <a:latin typeface="Consolas" panose="020B0609020204030204" pitchFamily="49" charset="0"/>
+              </a:rPr>
+              <a:t>Contact</a:t>
+            </a:r>
+            <a:r>
+              <a:rPr lang="de-CH" dirty="0">
+                <a:solidFill>
+                  <a:srgbClr val="D4D4D4"/>
+                </a:solidFill>
+                <a:latin typeface="Consolas" panose="020B0609020204030204" pitchFamily="49" charset="0"/>
+              </a:rPr>
+              <a:t> = {};</a:t>
+            </a:r>
+          </a:p>
+          <a:p>
+            <a:r>
+              <a:rPr lang="de-CH" dirty="0">
                 <a:solidFill>
                   <a:srgbClr val="9CDCFE"/>
                 </a:solidFill>
                 <a:latin typeface="Consolas" panose="020B0609020204030204" pitchFamily="49" charset="0"/>
               </a:rPr>
-              <a:t>i</a:t>
-            </a:r>
-            <a:r>
-              <a:rPr lang="de-CH" sz="2000" dirty="0">
-                <a:solidFill>
-                  <a:srgbClr val="D4D4D4"/>
-                </a:solidFill>
-                <a:latin typeface="Consolas" panose="020B0609020204030204" pitchFamily="49" charset="0"/>
-              </a:rPr>
-              <a:t>: </a:t>
-            </a:r>
-            <a:r>
-              <a:rPr lang="de-CH" sz="2000" dirty="0">
-                <a:solidFill>
-                  <a:srgbClr val="4EC9B0"/>
-                </a:solidFill>
-                <a:latin typeface="Consolas" panose="020B0609020204030204" pitchFamily="49" charset="0"/>
-              </a:rPr>
-              <a:t>Person</a:t>
-            </a:r>
-            <a:r>
-              <a:rPr lang="de-CH" sz="2000" dirty="0">
-                <a:solidFill>
-                  <a:srgbClr val="D4D4D4"/>
-                </a:solidFill>
-                <a:latin typeface="Consolas" panose="020B0609020204030204" pitchFamily="49" charset="0"/>
-              </a:rPr>
-              <a:t> &amp; </a:t>
-            </a:r>
-            <a:r>
-              <a:rPr lang="de-CH" sz="2000" dirty="0" err="1">
-                <a:solidFill>
-                  <a:srgbClr val="4EC9B0"/>
-                </a:solidFill>
-                <a:latin typeface="Consolas" panose="020B0609020204030204" pitchFamily="49" charset="0"/>
-              </a:rPr>
-              <a:t>Serializable</a:t>
-            </a:r>
-            <a:r>
-              <a:rPr lang="de-CH" sz="2000" dirty="0">
+              <a:t>p</a:t>
+            </a:r>
+            <a:r>
+              <a:rPr lang="de-CH" dirty="0">
+                <a:solidFill>
+                  <a:srgbClr val="D4D4D4"/>
+                </a:solidFill>
+                <a:latin typeface="Consolas" panose="020B0609020204030204" pitchFamily="49" charset="0"/>
+              </a:rPr>
+              <a:t>.</a:t>
+            </a:r>
+            <a:r>
+              <a:rPr lang="de-CH" dirty="0">
+                <a:solidFill>
+                  <a:srgbClr val="9CDCFE"/>
+                </a:solidFill>
+                <a:latin typeface="Consolas" panose="020B0609020204030204" pitchFamily="49" charset="0"/>
+              </a:rPr>
+              <a:t>name</a:t>
+            </a:r>
+            <a:r>
+              <a:rPr lang="de-CH" dirty="0">
+                <a:solidFill>
+                  <a:srgbClr val="D4D4D4"/>
+                </a:solidFill>
+                <a:latin typeface="Consolas" panose="020B0609020204030204" pitchFamily="49" charset="0"/>
+              </a:rPr>
+              <a:t> = </a:t>
+            </a:r>
+            <a:r>
+              <a:rPr lang="de-CH" dirty="0">
+                <a:solidFill>
+                  <a:srgbClr val="CE9178"/>
+                </a:solidFill>
+                <a:latin typeface="Consolas" panose="020B0609020204030204" pitchFamily="49" charset="0"/>
+              </a:rPr>
+              <a:t>"</a:t>
+            </a:r>
+            <a:r>
+              <a:rPr lang="de-CH" dirty="0" err="1">
+                <a:solidFill>
+                  <a:srgbClr val="CE9178"/>
+                </a:solidFill>
+                <a:latin typeface="Consolas" panose="020B0609020204030204" pitchFamily="49" charset="0"/>
+              </a:rPr>
+              <a:t>JoJo</a:t>
+            </a:r>
+            <a:r>
+              <a:rPr lang="de-CH" dirty="0">
+                <a:solidFill>
+                  <a:srgbClr val="CE9178"/>
+                </a:solidFill>
+                <a:latin typeface="Consolas" panose="020B0609020204030204" pitchFamily="49" charset="0"/>
+              </a:rPr>
+              <a:t>"</a:t>
+            </a:r>
+            <a:r>
+              <a:rPr lang="de-CH" dirty="0">
                 <a:solidFill>
                   <a:srgbClr val="D4D4D4"/>
                 </a:solidFill>
@@ -8949,16 +9012,16 @@
           </a:p>
           <a:p>
             <a:r>
-              <a:rPr lang="de-CH" sz="2000" dirty="0">
+              <a:rPr lang="de-CH" dirty="0" err="1">
                 <a:solidFill>
                   <a:srgbClr val="9CDCFE"/>
                 </a:solidFill>
                 <a:latin typeface="Consolas" panose="020B0609020204030204" pitchFamily="49" charset="0"/>
               </a:rPr>
-              <a:t>i</a:t>
-            </a:r>
-            <a:r>
-              <a:rPr lang="de-CH" sz="2000" dirty="0">
+              <a:t>p</a:t>
+            </a:r>
+            <a:r>
+              <a:rPr lang="de-CH" dirty="0" err="1">
                 <a:solidFill>
                   <a:srgbClr val="D4D4D4"/>
                 </a:solidFill>
@@ -8967,16 +9030,16 @@
               <a:t>.</a:t>
             </a:r>
             <a:r>
-              <a:rPr lang="de-CH" sz="2000" dirty="0">
+              <a:rPr lang="de-CH" dirty="0" err="1">
                 <a:solidFill>
                   <a:srgbClr val="9CDCFE"/>
                 </a:solidFill>
                 <a:latin typeface="Consolas" panose="020B0609020204030204" pitchFamily="49" charset="0"/>
               </a:rPr>
-              <a:t>name</a:t>
-            </a:r>
-            <a:r>
-              <a:rPr lang="de-CH" sz="2000" dirty="0">
+              <a:t>age</a:t>
+            </a:r>
+            <a:r>
+              <a:rPr lang="de-CH" dirty="0">
                 <a:solidFill>
                   <a:srgbClr val="D4D4D4"/>
                 </a:solidFill>
@@ -8985,134 +9048,78 @@
               <a:t> = </a:t>
             </a:r>
             <a:r>
-              <a:rPr lang="de-CH" sz="2000" dirty="0">
+              <a:rPr lang="de-CH" dirty="0">
+                <a:solidFill>
+                  <a:srgbClr val="B5CEA8"/>
+                </a:solidFill>
+                <a:latin typeface="Consolas" panose="020B0609020204030204" pitchFamily="49" charset="0"/>
+              </a:rPr>
+              <a:t>17</a:t>
+            </a:r>
+            <a:r>
+              <a:rPr lang="de-CH" dirty="0">
+                <a:solidFill>
+                  <a:srgbClr val="D4D4D4"/>
+                </a:solidFill>
+                <a:latin typeface="Consolas" panose="020B0609020204030204" pitchFamily="49" charset="0"/>
+              </a:rPr>
+              <a:t>;</a:t>
+            </a:r>
+          </a:p>
+          <a:p>
+            <a:r>
+              <a:rPr lang="de-CH" dirty="0" err="1">
+                <a:solidFill>
+                  <a:srgbClr val="9CDCFE"/>
+                </a:solidFill>
+                <a:latin typeface="Consolas" panose="020B0609020204030204" pitchFamily="49" charset="0"/>
+              </a:rPr>
+              <a:t>p</a:t>
+            </a:r>
+            <a:r>
+              <a:rPr lang="de-CH" dirty="0" err="1">
+                <a:solidFill>
+                  <a:srgbClr val="D4D4D4"/>
+                </a:solidFill>
+                <a:latin typeface="Consolas" panose="020B0609020204030204" pitchFamily="49" charset="0"/>
+              </a:rPr>
+              <a:t>.</a:t>
+            </a:r>
+            <a:r>
+              <a:rPr lang="de-CH" dirty="0" err="1">
+                <a:solidFill>
+                  <a:srgbClr val="9CDCFE"/>
+                </a:solidFill>
+                <a:latin typeface="Consolas" panose="020B0609020204030204" pitchFamily="49" charset="0"/>
+              </a:rPr>
+              <a:t>phone</a:t>
+            </a:r>
+            <a:r>
+              <a:rPr lang="de-CH" dirty="0">
+                <a:solidFill>
+                  <a:srgbClr val="D4D4D4"/>
+                </a:solidFill>
+                <a:latin typeface="Consolas" panose="020B0609020204030204" pitchFamily="49" charset="0"/>
+              </a:rPr>
+              <a:t> = </a:t>
+            </a:r>
+            <a:r>
+              <a:rPr lang="de-CH" dirty="0">
                 <a:solidFill>
                   <a:srgbClr val="CE9178"/>
                 </a:solidFill>
                 <a:latin typeface="Consolas" panose="020B0609020204030204" pitchFamily="49" charset="0"/>
               </a:rPr>
-              <a:t>"</a:t>
-            </a:r>
-            <a:r>
-              <a:rPr lang="de-CH" sz="2000" dirty="0" err="1">
-                <a:solidFill>
-                  <a:srgbClr val="CE9178"/>
-                </a:solidFill>
-                <a:latin typeface="Consolas" panose="020B0609020204030204" pitchFamily="49" charset="0"/>
-              </a:rPr>
-              <a:t>JoJo</a:t>
-            </a:r>
-            <a:r>
-              <a:rPr lang="de-CH" sz="2000" dirty="0">
-                <a:solidFill>
-                  <a:srgbClr val="CE9178"/>
-                </a:solidFill>
-                <a:latin typeface="Consolas" panose="020B0609020204030204" pitchFamily="49" charset="0"/>
-              </a:rPr>
-              <a:t>"</a:t>
-            </a:r>
-            <a:r>
-              <a:rPr lang="de-CH" sz="2000" dirty="0">
+              <a:t>"079 123 45 67"</a:t>
+            </a:r>
+            <a:r>
+              <a:rPr lang="de-CH" dirty="0">
                 <a:solidFill>
                   <a:srgbClr val="D4D4D4"/>
                 </a:solidFill>
                 <a:latin typeface="Consolas" panose="020B0609020204030204" pitchFamily="49" charset="0"/>
               </a:rPr>
               <a:t>;</a:t>
-            </a:r>
-          </a:p>
-          <a:p>
-            <a:r>
-              <a:rPr lang="de-CH" sz="2000" dirty="0" err="1">
-                <a:solidFill>
-                  <a:srgbClr val="9CDCFE"/>
-                </a:solidFill>
-                <a:latin typeface="Consolas" panose="020B0609020204030204" pitchFamily="49" charset="0"/>
-              </a:rPr>
-              <a:t>i</a:t>
-            </a:r>
-            <a:r>
-              <a:rPr lang="de-CH" sz="2000" dirty="0" err="1">
-                <a:solidFill>
-                  <a:srgbClr val="D4D4D4"/>
-                </a:solidFill>
-                <a:latin typeface="Consolas" panose="020B0609020204030204" pitchFamily="49" charset="0"/>
-              </a:rPr>
-              <a:t>.</a:t>
-            </a:r>
-            <a:r>
-              <a:rPr lang="de-CH" sz="2000" dirty="0" err="1">
-                <a:solidFill>
-                  <a:srgbClr val="9CDCFE"/>
-                </a:solidFill>
-                <a:latin typeface="Consolas" panose="020B0609020204030204" pitchFamily="49" charset="0"/>
-              </a:rPr>
-              <a:t>age</a:t>
-            </a:r>
-            <a:r>
-              <a:rPr lang="de-CH" sz="2000" dirty="0">
-                <a:solidFill>
-                  <a:srgbClr val="D4D4D4"/>
-                </a:solidFill>
-                <a:latin typeface="Consolas" panose="020B0609020204030204" pitchFamily="49" charset="0"/>
-              </a:rPr>
-              <a:t> = </a:t>
-            </a:r>
-            <a:r>
-              <a:rPr lang="de-CH" sz="2000" dirty="0">
-                <a:solidFill>
-                  <a:srgbClr val="B5CEA8"/>
-                </a:solidFill>
-                <a:latin typeface="Consolas" panose="020B0609020204030204" pitchFamily="49" charset="0"/>
-              </a:rPr>
-              <a:t>17</a:t>
-            </a:r>
-            <a:r>
-              <a:rPr lang="de-CH" sz="2000" dirty="0">
-                <a:solidFill>
-                  <a:srgbClr val="D4D4D4"/>
-                </a:solidFill>
-                <a:latin typeface="Consolas" panose="020B0609020204030204" pitchFamily="49" charset="0"/>
-              </a:rPr>
-              <a:t>;</a:t>
-            </a:r>
-          </a:p>
-          <a:p>
-            <a:r>
-              <a:rPr lang="de-CH" sz="2000" dirty="0" err="1">
-                <a:solidFill>
-                  <a:srgbClr val="9CDCFE"/>
-                </a:solidFill>
-                <a:latin typeface="Consolas" panose="020B0609020204030204" pitchFamily="49" charset="0"/>
-              </a:rPr>
-              <a:t>i</a:t>
-            </a:r>
-            <a:r>
-              <a:rPr lang="de-CH" sz="2000" dirty="0" err="1">
-                <a:solidFill>
-                  <a:srgbClr val="D4D4D4"/>
-                </a:solidFill>
-                <a:latin typeface="Consolas" panose="020B0609020204030204" pitchFamily="49" charset="0"/>
-              </a:rPr>
-              <a:t>.</a:t>
-            </a:r>
-            <a:r>
-              <a:rPr lang="de-CH" sz="2000" dirty="0" err="1">
-                <a:solidFill>
-                  <a:srgbClr val="DCDCAA"/>
-                </a:solidFill>
-                <a:latin typeface="Consolas" panose="020B0609020204030204" pitchFamily="49" charset="0"/>
-              </a:rPr>
-              <a:t>serialize</a:t>
-            </a:r>
-            <a:r>
-              <a:rPr lang="de-CH" sz="2000" dirty="0">
-                <a:solidFill>
-                  <a:srgbClr val="D4D4D4"/>
-                </a:solidFill>
-                <a:latin typeface="Consolas" panose="020B0609020204030204" pitchFamily="49" charset="0"/>
-              </a:rPr>
-              <a:t>();</a:t>
             </a:r>
           </a:p>
         </p:txBody>
@@ -9177,8 +9184,8 @@
         </p:blipFill>
         <p:spPr bwMode="auto">
           <a:xfrm>
-            <a:off x="6997276" y="344044"/>
-            <a:ext cx="4959629" cy="3354130"/>
+            <a:off x="6363586" y="216453"/>
+            <a:ext cx="5784706" cy="3912118"/>
           </a:xfrm>
           <a:prstGeom prst="rect">
             <a:avLst/>
@@ -9211,7 +9218,7 @@
             </p:nvSpPr>
             <p:spPr>
               <a:xfrm>
-                <a:off x="2535904" y="1559444"/>
+                <a:off x="2147815" y="914309"/>
                 <a:ext cx="2061334" cy="923330"/>
               </a:xfrm>
               <a:prstGeom prst="rect">
@@ -9277,7 +9284,7 @@
             </p:nvSpPr>
             <p:spPr>
               <a:xfrm>
-                <a:off x="2535904" y="1559444"/>
+                <a:off x="2147815" y="914309"/>
                 <a:ext cx="2061334" cy="923330"/>
               </a:xfrm>
               <a:prstGeom prst="rect">
@@ -9394,6 +9401,9 @@
             <a:endParaRPr lang="de-CH" dirty="0"/>
           </a:p>
           <a:p>
+            <a:endParaRPr lang="de-CH" dirty="0"/>
+          </a:p>
+          <a:p>
             <a:r>
               <a:rPr lang="de-CH" dirty="0"/>
               <a:t>The </a:t>
@@ -9492,8 +9502,8 @@
         </p:blipFill>
         <p:spPr bwMode="auto">
           <a:xfrm>
-            <a:off x="7029061" y="365125"/>
-            <a:ext cx="4870579" cy="3330952"/>
+            <a:off x="6300730" y="205637"/>
+            <a:ext cx="5785200" cy="3956454"/>
           </a:xfrm>
           <a:prstGeom prst="rect">
             <a:avLst/>
@@ -9524,7 +9534,7 @@
         </p:nvSpPr>
         <p:spPr>
           <a:xfrm>
-            <a:off x="1183543" y="4273401"/>
+            <a:off x="588120" y="3816201"/>
             <a:ext cx="3429144" cy="1015663"/>
           </a:xfrm>
           <a:prstGeom prst="rect">
@@ -9713,7 +9723,7 @@
             </p:nvSpPr>
             <p:spPr>
               <a:xfrm>
-                <a:off x="2672753" y="1568936"/>
+                <a:off x="2194288" y="904401"/>
                 <a:ext cx="2061334" cy="923330"/>
               </a:xfrm>
               <a:prstGeom prst="rect">
@@ -9779,7 +9789,7 @@
             </p:nvSpPr>
             <p:spPr>
               <a:xfrm>
-                <a:off x="2672753" y="1568936"/>
+                <a:off x="2194288" y="904401"/>
                 <a:ext cx="2061334" cy="923330"/>
               </a:xfrm>
               <a:prstGeom prst="rect">
@@ -11342,7 +11352,7 @@
           <p:cNvPr id="2" name="Title 1">
             <a:extLst>
               <a:ext uri="{FF2B5EF4-FFF2-40B4-BE49-F238E27FC236}">
-                <a16:creationId xmlns:a16="http://schemas.microsoft.com/office/drawing/2014/main" id="{956EFEE4-944A-4783-BE59-8B0153C0CC2A}"/>
+                <a16:creationId xmlns:a16="http://schemas.microsoft.com/office/drawing/2014/main" id="{881C8C4A-DA34-4933-BE30-83EDE40DD3F3}"/>
               </a:ext>
             </a:extLst>
           </p:cNvPr>
@@ -11358,7 +11368,10 @@
           <a:bodyPr/>
           <a:lstStyle/>
           <a:p>
-            <a:endParaRPr lang="en-GB"/>
+            <a:r>
+              <a:rPr lang="en-GB" dirty="0"/>
+              <a:t>Example of using Union Types</a:t>
+            </a:r>
           </a:p>
         </p:txBody>
       </p:sp>
@@ -11367,7 +11380,7 @@
           <p:cNvPr id="3" name="Content Placeholder 2">
             <a:extLst>
               <a:ext uri="{FF2B5EF4-FFF2-40B4-BE49-F238E27FC236}">
-                <a16:creationId xmlns:a16="http://schemas.microsoft.com/office/drawing/2014/main" id="{A5A623C0-7610-415B-B79C-6218591E66F6}"/>
+                <a16:creationId xmlns:a16="http://schemas.microsoft.com/office/drawing/2014/main" id="{DD7A9F0C-3198-4D5F-B54B-3C995CC9FC18}"/>
               </a:ext>
             </a:extLst>
           </p:cNvPr>
@@ -11383,32 +11396,3552 @@
           <a:bodyPr/>
           <a:lstStyle/>
           <a:p>
-            <a:r>
-              <a:rPr lang="de-CH" dirty="0" err="1"/>
-              <a:t>Examples</a:t>
-            </a:r>
-            <a:r>
-              <a:rPr lang="de-CH" dirty="0"/>
-              <a:t> / Use Cases</a:t>
-            </a:r>
+            <a:pPr marL="0" indent="0">
+              <a:buNone/>
+            </a:pPr>
             <a:endParaRPr lang="en-GB" dirty="0"/>
+          </a:p>
+        </p:txBody>
+      </p:sp>
+      <p:sp>
+        <p:nvSpPr>
+          <p:cNvPr id="4" name="Rectangle 3">
+            <a:extLst>
+              <a:ext uri="{FF2B5EF4-FFF2-40B4-BE49-F238E27FC236}">
+                <a16:creationId xmlns:a16="http://schemas.microsoft.com/office/drawing/2014/main" id="{0217E739-B41C-417F-B235-6F10CF968E55}"/>
+              </a:ext>
+            </a:extLst>
+          </p:cNvPr>
+          <p:cNvSpPr/>
+          <p:nvPr/>
+        </p:nvSpPr>
+        <p:spPr>
+          <a:xfrm>
+            <a:off x="268308" y="1184858"/>
+            <a:ext cx="11655379" cy="4524315"/>
+          </a:xfrm>
+          <a:prstGeom prst="rect">
+            <a:avLst/>
+          </a:prstGeom>
+          <a:solidFill>
+            <a:schemeClr val="tx1">
+              <a:lumMod val="75000"/>
+              <a:lumOff val="25000"/>
+            </a:schemeClr>
+          </a:solidFill>
+          <a:ln>
+            <a:noFill/>
+          </a:ln>
+        </p:spPr>
+        <p:txBody>
+          <a:bodyPr wrap="square">
+            <a:spAutoFit/>
+          </a:bodyPr>
+          <a:lstStyle/>
+          <a:p>
+            <a:r>
+              <a:rPr lang="de-CH" dirty="0">
+                <a:solidFill>
+                  <a:srgbClr val="569CD6"/>
+                </a:solidFill>
+                <a:latin typeface="Consolas" panose="020B0609020204030204" pitchFamily="49" charset="0"/>
+              </a:rPr>
+              <a:t>type</a:t>
+            </a:r>
+            <a:r>
+              <a:rPr lang="de-CH" dirty="0">
+                <a:solidFill>
+                  <a:srgbClr val="D4D4D4"/>
+                </a:solidFill>
+                <a:latin typeface="Consolas" panose="020B0609020204030204" pitchFamily="49" charset="0"/>
+              </a:rPr>
+              <a:t> </a:t>
+            </a:r>
+            <a:r>
+              <a:rPr lang="de-CH" dirty="0" err="1">
+                <a:solidFill>
+                  <a:srgbClr val="4EC9B0"/>
+                </a:solidFill>
+                <a:latin typeface="Consolas" panose="020B0609020204030204" pitchFamily="49" charset="0"/>
+              </a:rPr>
+              <a:t>InitAction</a:t>
+            </a:r>
+            <a:r>
+              <a:rPr lang="de-CH" dirty="0">
+                <a:solidFill>
+                  <a:srgbClr val="D4D4D4"/>
+                </a:solidFill>
+                <a:latin typeface="Consolas" panose="020B0609020204030204" pitchFamily="49" charset="0"/>
+              </a:rPr>
+              <a:t> = { </a:t>
+            </a:r>
+            <a:r>
+              <a:rPr lang="de-CH" dirty="0">
+                <a:solidFill>
+                  <a:srgbClr val="9CDCFE"/>
+                </a:solidFill>
+                <a:latin typeface="Consolas" panose="020B0609020204030204" pitchFamily="49" charset="0"/>
+              </a:rPr>
+              <a:t>type</a:t>
+            </a:r>
+            <a:r>
+              <a:rPr lang="de-CH" dirty="0">
+                <a:solidFill>
+                  <a:srgbClr val="D4D4D4"/>
+                </a:solidFill>
+                <a:latin typeface="Consolas" panose="020B0609020204030204" pitchFamily="49" charset="0"/>
+              </a:rPr>
+              <a:t>: </a:t>
+            </a:r>
+            <a:r>
+              <a:rPr lang="de-CH" dirty="0">
+                <a:solidFill>
+                  <a:srgbClr val="CE9178"/>
+                </a:solidFill>
+                <a:latin typeface="Consolas" panose="020B0609020204030204" pitchFamily="49" charset="0"/>
+              </a:rPr>
+              <a:t>"INIT"</a:t>
+            </a:r>
+            <a:r>
+              <a:rPr lang="de-CH" dirty="0">
+                <a:solidFill>
+                  <a:srgbClr val="D4D4D4"/>
+                </a:solidFill>
+                <a:latin typeface="Consolas" panose="020B0609020204030204" pitchFamily="49" charset="0"/>
+              </a:rPr>
+              <a:t> }</a:t>
+            </a:r>
+          </a:p>
+          <a:p>
+            <a:r>
+              <a:rPr lang="de-CH" dirty="0">
+                <a:solidFill>
+                  <a:srgbClr val="569CD6"/>
+                </a:solidFill>
+                <a:latin typeface="Consolas" panose="020B0609020204030204" pitchFamily="49" charset="0"/>
+              </a:rPr>
+              <a:t>type</a:t>
+            </a:r>
+            <a:r>
+              <a:rPr lang="de-CH" dirty="0">
+                <a:solidFill>
+                  <a:srgbClr val="D4D4D4"/>
+                </a:solidFill>
+                <a:latin typeface="Consolas" panose="020B0609020204030204" pitchFamily="49" charset="0"/>
+              </a:rPr>
+              <a:t> </a:t>
+            </a:r>
+            <a:r>
+              <a:rPr lang="de-CH" dirty="0" err="1">
+                <a:solidFill>
+                  <a:srgbClr val="4EC9B0"/>
+                </a:solidFill>
+                <a:latin typeface="Consolas" panose="020B0609020204030204" pitchFamily="49" charset="0"/>
+              </a:rPr>
+              <a:t>LoginAction</a:t>
+            </a:r>
+            <a:r>
+              <a:rPr lang="de-CH" dirty="0">
+                <a:solidFill>
+                  <a:srgbClr val="D4D4D4"/>
+                </a:solidFill>
+                <a:latin typeface="Consolas" panose="020B0609020204030204" pitchFamily="49" charset="0"/>
+              </a:rPr>
+              <a:t> = { </a:t>
+            </a:r>
+            <a:r>
+              <a:rPr lang="de-CH" dirty="0">
+                <a:solidFill>
+                  <a:srgbClr val="9CDCFE"/>
+                </a:solidFill>
+                <a:latin typeface="Consolas" panose="020B0609020204030204" pitchFamily="49" charset="0"/>
+              </a:rPr>
+              <a:t>type</a:t>
+            </a:r>
+            <a:r>
+              <a:rPr lang="de-CH" dirty="0">
+                <a:solidFill>
+                  <a:srgbClr val="D4D4D4"/>
+                </a:solidFill>
+                <a:latin typeface="Consolas" panose="020B0609020204030204" pitchFamily="49" charset="0"/>
+              </a:rPr>
+              <a:t>: </a:t>
+            </a:r>
+            <a:r>
+              <a:rPr lang="de-CH" dirty="0">
+                <a:solidFill>
+                  <a:srgbClr val="CE9178"/>
+                </a:solidFill>
+                <a:latin typeface="Consolas" panose="020B0609020204030204" pitchFamily="49" charset="0"/>
+              </a:rPr>
+              <a:t>"LOGIN"</a:t>
+            </a:r>
+            <a:r>
+              <a:rPr lang="de-CH" dirty="0">
+                <a:solidFill>
+                  <a:srgbClr val="D4D4D4"/>
+                </a:solidFill>
+                <a:latin typeface="Consolas" panose="020B0609020204030204" pitchFamily="49" charset="0"/>
+              </a:rPr>
+              <a:t>, </a:t>
+            </a:r>
+            <a:r>
+              <a:rPr lang="de-CH" dirty="0" err="1">
+                <a:solidFill>
+                  <a:srgbClr val="9CDCFE"/>
+                </a:solidFill>
+                <a:latin typeface="Consolas" panose="020B0609020204030204" pitchFamily="49" charset="0"/>
+              </a:rPr>
+              <a:t>name</a:t>
+            </a:r>
+            <a:r>
+              <a:rPr lang="de-CH" dirty="0">
+                <a:solidFill>
+                  <a:srgbClr val="D4D4D4"/>
+                </a:solidFill>
+                <a:latin typeface="Consolas" panose="020B0609020204030204" pitchFamily="49" charset="0"/>
+              </a:rPr>
+              <a:t>: </a:t>
+            </a:r>
+            <a:r>
+              <a:rPr lang="de-CH" dirty="0" err="1">
+                <a:solidFill>
+                  <a:srgbClr val="4EC9B0"/>
+                </a:solidFill>
+                <a:latin typeface="Consolas" panose="020B0609020204030204" pitchFamily="49" charset="0"/>
+              </a:rPr>
+              <a:t>string</a:t>
+            </a:r>
+            <a:r>
+              <a:rPr lang="de-CH" dirty="0">
+                <a:solidFill>
+                  <a:srgbClr val="D4D4D4"/>
+                </a:solidFill>
+                <a:latin typeface="Consolas" panose="020B0609020204030204" pitchFamily="49" charset="0"/>
+              </a:rPr>
+              <a:t>, </a:t>
+            </a:r>
+            <a:r>
+              <a:rPr lang="de-CH" dirty="0" err="1">
+                <a:solidFill>
+                  <a:srgbClr val="9CDCFE"/>
+                </a:solidFill>
+                <a:latin typeface="Consolas" panose="020B0609020204030204" pitchFamily="49" charset="0"/>
+              </a:rPr>
+              <a:t>password</a:t>
+            </a:r>
+            <a:r>
+              <a:rPr lang="de-CH" dirty="0">
+                <a:solidFill>
+                  <a:srgbClr val="D4D4D4"/>
+                </a:solidFill>
+                <a:latin typeface="Consolas" panose="020B0609020204030204" pitchFamily="49" charset="0"/>
+              </a:rPr>
+              <a:t>: </a:t>
+            </a:r>
+            <a:r>
+              <a:rPr lang="de-CH" dirty="0" err="1">
+                <a:solidFill>
+                  <a:srgbClr val="4EC9B0"/>
+                </a:solidFill>
+                <a:latin typeface="Consolas" panose="020B0609020204030204" pitchFamily="49" charset="0"/>
+              </a:rPr>
+              <a:t>string</a:t>
+            </a:r>
+            <a:r>
+              <a:rPr lang="de-CH" dirty="0">
+                <a:solidFill>
+                  <a:srgbClr val="D4D4D4"/>
+                </a:solidFill>
+                <a:latin typeface="Consolas" panose="020B0609020204030204" pitchFamily="49" charset="0"/>
+              </a:rPr>
+              <a:t> }</a:t>
+            </a:r>
+          </a:p>
+          <a:p>
+            <a:br>
+              <a:rPr lang="de-CH" dirty="0">
+                <a:solidFill>
+                  <a:srgbClr val="D4D4D4"/>
+                </a:solidFill>
+                <a:latin typeface="Consolas" panose="020B0609020204030204" pitchFamily="49" charset="0"/>
+              </a:rPr>
+            </a:br>
+            <a:r>
+              <a:rPr lang="de-CH" dirty="0">
+                <a:solidFill>
+                  <a:srgbClr val="569CD6"/>
+                </a:solidFill>
+                <a:latin typeface="Consolas" panose="020B0609020204030204" pitchFamily="49" charset="0"/>
+              </a:rPr>
+              <a:t>type</a:t>
+            </a:r>
+            <a:r>
+              <a:rPr lang="de-CH" dirty="0">
+                <a:solidFill>
+                  <a:srgbClr val="D4D4D4"/>
+                </a:solidFill>
+                <a:latin typeface="Consolas" panose="020B0609020204030204" pitchFamily="49" charset="0"/>
+              </a:rPr>
+              <a:t> </a:t>
+            </a:r>
+            <a:r>
+              <a:rPr lang="de-CH" dirty="0">
+                <a:solidFill>
+                  <a:srgbClr val="4EC9B0"/>
+                </a:solidFill>
+                <a:latin typeface="Consolas" panose="020B0609020204030204" pitchFamily="49" charset="0"/>
+              </a:rPr>
+              <a:t>Actions</a:t>
+            </a:r>
+            <a:r>
+              <a:rPr lang="de-CH" dirty="0">
+                <a:solidFill>
+                  <a:srgbClr val="D4D4D4"/>
+                </a:solidFill>
+                <a:latin typeface="Consolas" panose="020B0609020204030204" pitchFamily="49" charset="0"/>
+              </a:rPr>
+              <a:t> = </a:t>
+            </a:r>
+            <a:r>
+              <a:rPr lang="de-CH" dirty="0" err="1">
+                <a:solidFill>
+                  <a:srgbClr val="4EC9B0"/>
+                </a:solidFill>
+                <a:latin typeface="Consolas" panose="020B0609020204030204" pitchFamily="49" charset="0"/>
+              </a:rPr>
+              <a:t>InitAction</a:t>
+            </a:r>
+            <a:r>
+              <a:rPr lang="de-CH" dirty="0">
+                <a:solidFill>
+                  <a:srgbClr val="D4D4D4"/>
+                </a:solidFill>
+                <a:latin typeface="Consolas" panose="020B0609020204030204" pitchFamily="49" charset="0"/>
+              </a:rPr>
+              <a:t> | </a:t>
+            </a:r>
+            <a:r>
+              <a:rPr lang="de-CH" dirty="0" err="1">
+                <a:solidFill>
+                  <a:srgbClr val="4EC9B0"/>
+                </a:solidFill>
+                <a:latin typeface="Consolas" panose="020B0609020204030204" pitchFamily="49" charset="0"/>
+              </a:rPr>
+              <a:t>LoginAction</a:t>
+            </a:r>
+            <a:r>
+              <a:rPr lang="de-CH" dirty="0">
+                <a:solidFill>
+                  <a:srgbClr val="D4D4D4"/>
+                </a:solidFill>
+                <a:latin typeface="Consolas" panose="020B0609020204030204" pitchFamily="49" charset="0"/>
+              </a:rPr>
+              <a:t>;</a:t>
+            </a:r>
+          </a:p>
+          <a:p>
+            <a:br>
+              <a:rPr lang="de-CH" dirty="0">
+                <a:solidFill>
+                  <a:srgbClr val="D4D4D4"/>
+                </a:solidFill>
+                <a:latin typeface="Consolas" panose="020B0609020204030204" pitchFamily="49" charset="0"/>
+              </a:rPr>
+            </a:br>
+            <a:r>
+              <a:rPr lang="de-CH" dirty="0" err="1">
+                <a:solidFill>
+                  <a:srgbClr val="569CD6"/>
+                </a:solidFill>
+                <a:latin typeface="Consolas" panose="020B0609020204030204" pitchFamily="49" charset="0"/>
+              </a:rPr>
+              <a:t>function</a:t>
+            </a:r>
+            <a:r>
+              <a:rPr lang="de-CH" dirty="0">
+                <a:solidFill>
+                  <a:srgbClr val="D4D4D4"/>
+                </a:solidFill>
+                <a:latin typeface="Consolas" panose="020B0609020204030204" pitchFamily="49" charset="0"/>
+              </a:rPr>
+              <a:t> </a:t>
+            </a:r>
+            <a:r>
+              <a:rPr lang="de-CH" dirty="0" err="1">
+                <a:solidFill>
+                  <a:srgbClr val="DCDCAA"/>
+                </a:solidFill>
+                <a:latin typeface="Consolas" panose="020B0609020204030204" pitchFamily="49" charset="0"/>
+              </a:rPr>
+              <a:t>handleAction</a:t>
+            </a:r>
+            <a:r>
+              <a:rPr lang="de-CH" dirty="0">
+                <a:solidFill>
+                  <a:srgbClr val="D4D4D4"/>
+                </a:solidFill>
+                <a:latin typeface="Consolas" panose="020B0609020204030204" pitchFamily="49" charset="0"/>
+              </a:rPr>
+              <a:t>(</a:t>
+            </a:r>
+            <a:r>
+              <a:rPr lang="de-CH" dirty="0" err="1">
+                <a:solidFill>
+                  <a:srgbClr val="9CDCFE"/>
+                </a:solidFill>
+                <a:latin typeface="Consolas" panose="020B0609020204030204" pitchFamily="49" charset="0"/>
+              </a:rPr>
+              <a:t>action</a:t>
+            </a:r>
+            <a:r>
+              <a:rPr lang="de-CH" dirty="0">
+                <a:solidFill>
+                  <a:srgbClr val="D4D4D4"/>
+                </a:solidFill>
+                <a:latin typeface="Consolas" panose="020B0609020204030204" pitchFamily="49" charset="0"/>
+              </a:rPr>
+              <a:t>: </a:t>
+            </a:r>
+            <a:r>
+              <a:rPr lang="de-CH" dirty="0">
+                <a:solidFill>
+                  <a:srgbClr val="4EC9B0"/>
+                </a:solidFill>
+                <a:latin typeface="Consolas" panose="020B0609020204030204" pitchFamily="49" charset="0"/>
+              </a:rPr>
+              <a:t>Actions</a:t>
+            </a:r>
+            <a:r>
+              <a:rPr lang="de-CH" dirty="0">
+                <a:solidFill>
+                  <a:srgbClr val="D4D4D4"/>
+                </a:solidFill>
+                <a:latin typeface="Consolas" panose="020B0609020204030204" pitchFamily="49" charset="0"/>
+              </a:rPr>
+              <a:t>) {</a:t>
+            </a:r>
+          </a:p>
+          <a:p>
+            <a:r>
+              <a:rPr lang="de-CH" dirty="0">
+                <a:solidFill>
+                  <a:srgbClr val="C586C0"/>
+                </a:solidFill>
+                <a:latin typeface="Consolas" panose="020B0609020204030204" pitchFamily="49" charset="0"/>
+              </a:rPr>
+              <a:t>  switch</a:t>
+            </a:r>
+            <a:r>
+              <a:rPr lang="de-CH" dirty="0">
+                <a:solidFill>
+                  <a:srgbClr val="D4D4D4"/>
+                </a:solidFill>
+                <a:latin typeface="Consolas" panose="020B0609020204030204" pitchFamily="49" charset="0"/>
+              </a:rPr>
+              <a:t> (</a:t>
+            </a:r>
+            <a:r>
+              <a:rPr lang="de-CH" dirty="0" err="1">
+                <a:solidFill>
+                  <a:srgbClr val="9CDCFE"/>
+                </a:solidFill>
+                <a:latin typeface="Consolas" panose="020B0609020204030204" pitchFamily="49" charset="0"/>
+              </a:rPr>
+              <a:t>action</a:t>
+            </a:r>
+            <a:r>
+              <a:rPr lang="de-CH" dirty="0" err="1">
+                <a:solidFill>
+                  <a:srgbClr val="D4D4D4"/>
+                </a:solidFill>
+                <a:latin typeface="Consolas" panose="020B0609020204030204" pitchFamily="49" charset="0"/>
+              </a:rPr>
+              <a:t>.</a:t>
+            </a:r>
+            <a:r>
+              <a:rPr lang="de-CH" dirty="0" err="1">
+                <a:solidFill>
+                  <a:srgbClr val="9CDCFE"/>
+                </a:solidFill>
+                <a:latin typeface="Consolas" panose="020B0609020204030204" pitchFamily="49" charset="0"/>
+              </a:rPr>
+              <a:t>type</a:t>
+            </a:r>
+            <a:r>
+              <a:rPr lang="de-CH" dirty="0">
+                <a:solidFill>
+                  <a:srgbClr val="D4D4D4"/>
+                </a:solidFill>
+                <a:latin typeface="Consolas" panose="020B0609020204030204" pitchFamily="49" charset="0"/>
+              </a:rPr>
+              <a:t>) {</a:t>
+            </a:r>
+          </a:p>
+          <a:p>
+            <a:r>
+              <a:rPr lang="de-CH" dirty="0">
+                <a:solidFill>
+                  <a:srgbClr val="C586C0"/>
+                </a:solidFill>
+                <a:latin typeface="Consolas" panose="020B0609020204030204" pitchFamily="49" charset="0"/>
+              </a:rPr>
+              <a:t>    </a:t>
+            </a:r>
+            <a:r>
+              <a:rPr lang="de-CH" dirty="0" err="1">
+                <a:solidFill>
+                  <a:srgbClr val="C586C0"/>
+                </a:solidFill>
+                <a:latin typeface="Consolas" panose="020B0609020204030204" pitchFamily="49" charset="0"/>
+              </a:rPr>
+              <a:t>case</a:t>
+            </a:r>
+            <a:r>
+              <a:rPr lang="de-CH" dirty="0">
+                <a:solidFill>
+                  <a:srgbClr val="D4D4D4"/>
+                </a:solidFill>
+                <a:latin typeface="Consolas" panose="020B0609020204030204" pitchFamily="49" charset="0"/>
+              </a:rPr>
+              <a:t> </a:t>
+            </a:r>
+            <a:r>
+              <a:rPr lang="de-CH" dirty="0">
+                <a:solidFill>
+                  <a:srgbClr val="CE9178"/>
+                </a:solidFill>
+                <a:latin typeface="Consolas" panose="020B0609020204030204" pitchFamily="49" charset="0"/>
+              </a:rPr>
+              <a:t>"INIT"</a:t>
+            </a:r>
+            <a:r>
+              <a:rPr lang="de-CH" dirty="0">
+                <a:solidFill>
+                  <a:srgbClr val="D4D4D4"/>
+                </a:solidFill>
+                <a:latin typeface="Consolas" panose="020B0609020204030204" pitchFamily="49" charset="0"/>
+              </a:rPr>
+              <a:t>:</a:t>
+            </a:r>
+          </a:p>
+          <a:p>
+            <a:r>
+              <a:rPr lang="de-CH" dirty="0">
+                <a:solidFill>
+                  <a:srgbClr val="C586C0"/>
+                </a:solidFill>
+                <a:latin typeface="Consolas" panose="020B0609020204030204" pitchFamily="49" charset="0"/>
+              </a:rPr>
+              <a:t>      </a:t>
+            </a:r>
+            <a:r>
+              <a:rPr lang="de-CH" dirty="0" err="1">
+                <a:solidFill>
+                  <a:srgbClr val="C586C0"/>
+                </a:solidFill>
+                <a:latin typeface="Consolas" panose="020B0609020204030204" pitchFamily="49" charset="0"/>
+              </a:rPr>
+              <a:t>return</a:t>
+            </a:r>
+            <a:r>
+              <a:rPr lang="de-CH" dirty="0">
+                <a:solidFill>
+                  <a:srgbClr val="D4D4D4"/>
+                </a:solidFill>
+                <a:latin typeface="Consolas" panose="020B0609020204030204" pitchFamily="49" charset="0"/>
+              </a:rPr>
+              <a:t> </a:t>
+            </a:r>
+            <a:r>
+              <a:rPr lang="de-CH" dirty="0">
+                <a:solidFill>
+                  <a:srgbClr val="CE9178"/>
+                </a:solidFill>
+                <a:latin typeface="Consolas" panose="020B0609020204030204" pitchFamily="49" charset="0"/>
+              </a:rPr>
+              <a:t>"</a:t>
+            </a:r>
+            <a:r>
+              <a:rPr lang="de-CH" dirty="0" err="1">
+                <a:solidFill>
+                  <a:srgbClr val="CE9178"/>
+                </a:solidFill>
+                <a:latin typeface="Consolas" panose="020B0609020204030204" pitchFamily="49" charset="0"/>
+              </a:rPr>
+              <a:t>Initialized</a:t>
+            </a:r>
+            <a:r>
+              <a:rPr lang="de-CH" dirty="0">
+                <a:solidFill>
+                  <a:srgbClr val="CE9178"/>
+                </a:solidFill>
+                <a:latin typeface="Consolas" panose="020B0609020204030204" pitchFamily="49" charset="0"/>
+              </a:rPr>
+              <a:t>"</a:t>
+            </a:r>
+            <a:r>
+              <a:rPr lang="de-CH" dirty="0">
+                <a:solidFill>
+                  <a:srgbClr val="D4D4D4"/>
+                </a:solidFill>
+                <a:latin typeface="Consolas" panose="020B0609020204030204" pitchFamily="49" charset="0"/>
+              </a:rPr>
+              <a:t>;</a:t>
+            </a:r>
+          </a:p>
+          <a:p>
+            <a:r>
+              <a:rPr lang="de-CH" dirty="0">
+                <a:solidFill>
+                  <a:srgbClr val="C586C0"/>
+                </a:solidFill>
+                <a:latin typeface="Consolas" panose="020B0609020204030204" pitchFamily="49" charset="0"/>
+              </a:rPr>
+              <a:t>    </a:t>
+            </a:r>
+            <a:r>
+              <a:rPr lang="de-CH" dirty="0" err="1">
+                <a:solidFill>
+                  <a:srgbClr val="C586C0"/>
+                </a:solidFill>
+                <a:latin typeface="Consolas" panose="020B0609020204030204" pitchFamily="49" charset="0"/>
+              </a:rPr>
+              <a:t>case</a:t>
+            </a:r>
+            <a:r>
+              <a:rPr lang="de-CH" dirty="0">
+                <a:solidFill>
+                  <a:srgbClr val="D4D4D4"/>
+                </a:solidFill>
+                <a:latin typeface="Consolas" panose="020B0609020204030204" pitchFamily="49" charset="0"/>
+              </a:rPr>
+              <a:t> </a:t>
+            </a:r>
+            <a:r>
+              <a:rPr lang="de-CH" dirty="0">
+                <a:solidFill>
+                  <a:srgbClr val="CE9178"/>
+                </a:solidFill>
+                <a:latin typeface="Consolas" panose="020B0609020204030204" pitchFamily="49" charset="0"/>
+              </a:rPr>
+              <a:t>"LOGIN"</a:t>
+            </a:r>
+            <a:r>
+              <a:rPr lang="de-CH" dirty="0">
+                <a:solidFill>
+                  <a:srgbClr val="D4D4D4"/>
+                </a:solidFill>
+                <a:latin typeface="Consolas" panose="020B0609020204030204" pitchFamily="49" charset="0"/>
+              </a:rPr>
+              <a:t>:</a:t>
+            </a:r>
+          </a:p>
+          <a:p>
+            <a:r>
+              <a:rPr lang="de-CH" dirty="0">
+                <a:solidFill>
+                  <a:srgbClr val="4EC9B0"/>
+                </a:solidFill>
+                <a:latin typeface="Consolas" panose="020B0609020204030204" pitchFamily="49" charset="0"/>
+              </a:rPr>
+              <a:t>      console</a:t>
+            </a:r>
+            <a:r>
+              <a:rPr lang="de-CH" dirty="0">
+                <a:solidFill>
+                  <a:srgbClr val="D4D4D4"/>
+                </a:solidFill>
+                <a:latin typeface="Consolas" panose="020B0609020204030204" pitchFamily="49" charset="0"/>
+              </a:rPr>
+              <a:t>.</a:t>
+            </a:r>
+            <a:r>
+              <a:rPr lang="de-CH" dirty="0">
+                <a:solidFill>
+                  <a:srgbClr val="DCDCAA"/>
+                </a:solidFill>
+                <a:latin typeface="Consolas" panose="020B0609020204030204" pitchFamily="49" charset="0"/>
+              </a:rPr>
+              <a:t>log</a:t>
+            </a:r>
+            <a:r>
+              <a:rPr lang="de-CH" dirty="0">
+                <a:solidFill>
+                  <a:srgbClr val="D4D4D4"/>
+                </a:solidFill>
+                <a:latin typeface="Consolas" panose="020B0609020204030204" pitchFamily="49" charset="0"/>
+              </a:rPr>
+              <a:t>(</a:t>
+            </a:r>
+            <a:r>
+              <a:rPr lang="de-CH" dirty="0">
+                <a:solidFill>
+                  <a:srgbClr val="9CDCFE"/>
+                </a:solidFill>
+                <a:latin typeface="Consolas" panose="020B0609020204030204" pitchFamily="49" charset="0"/>
+              </a:rPr>
+              <a:t>action</a:t>
+            </a:r>
+            <a:r>
+              <a:rPr lang="de-CH" dirty="0">
+                <a:solidFill>
+                  <a:srgbClr val="D4D4D4"/>
+                </a:solidFill>
+                <a:latin typeface="Consolas" panose="020B0609020204030204" pitchFamily="49" charset="0"/>
+              </a:rPr>
+              <a:t>.</a:t>
+            </a:r>
+            <a:r>
+              <a:rPr lang="de-CH" dirty="0">
+                <a:solidFill>
+                  <a:srgbClr val="9CDCFE"/>
+                </a:solidFill>
+                <a:latin typeface="Consolas" panose="020B0609020204030204" pitchFamily="49" charset="0"/>
+              </a:rPr>
+              <a:t>name</a:t>
+            </a:r>
+            <a:r>
+              <a:rPr lang="de-CH" dirty="0">
+                <a:solidFill>
+                  <a:srgbClr val="D4D4D4"/>
+                </a:solidFill>
+                <a:latin typeface="Consolas" panose="020B0609020204030204" pitchFamily="49" charset="0"/>
+              </a:rPr>
+              <a:t> + </a:t>
+            </a:r>
+            <a:r>
+              <a:rPr lang="de-CH" dirty="0">
+                <a:solidFill>
+                  <a:srgbClr val="CE9178"/>
+                </a:solidFill>
+                <a:latin typeface="Consolas" panose="020B0609020204030204" pitchFamily="49" charset="0"/>
+              </a:rPr>
+              <a:t>" </a:t>
+            </a:r>
+            <a:r>
+              <a:rPr lang="de-CH" dirty="0" err="1">
+                <a:solidFill>
+                  <a:srgbClr val="CE9178"/>
+                </a:solidFill>
+                <a:latin typeface="Consolas" panose="020B0609020204030204" pitchFamily="49" charset="0"/>
+              </a:rPr>
+              <a:t>logged</a:t>
+            </a:r>
+            <a:r>
+              <a:rPr lang="de-CH" dirty="0">
+                <a:solidFill>
+                  <a:srgbClr val="CE9178"/>
+                </a:solidFill>
+                <a:latin typeface="Consolas" panose="020B0609020204030204" pitchFamily="49" charset="0"/>
+              </a:rPr>
+              <a:t> in"</a:t>
+            </a:r>
+            <a:r>
+              <a:rPr lang="de-CH" dirty="0">
+                <a:solidFill>
+                  <a:srgbClr val="D4D4D4"/>
+                </a:solidFill>
+                <a:latin typeface="Consolas" panose="020B0609020204030204" pitchFamily="49" charset="0"/>
+              </a:rPr>
+              <a:t>);</a:t>
+            </a:r>
+          </a:p>
+          <a:p>
+            <a:r>
+              <a:rPr lang="de-CH" dirty="0">
+                <a:solidFill>
+                  <a:srgbClr val="C586C0"/>
+                </a:solidFill>
+                <a:latin typeface="Consolas" panose="020B0609020204030204" pitchFamily="49" charset="0"/>
+              </a:rPr>
+              <a:t>      </a:t>
+            </a:r>
+            <a:r>
+              <a:rPr lang="de-CH" dirty="0" err="1">
+                <a:solidFill>
+                  <a:srgbClr val="C586C0"/>
+                </a:solidFill>
+                <a:latin typeface="Consolas" panose="020B0609020204030204" pitchFamily="49" charset="0"/>
+              </a:rPr>
+              <a:t>return</a:t>
+            </a:r>
+            <a:r>
+              <a:rPr lang="de-CH" dirty="0">
+                <a:solidFill>
+                  <a:srgbClr val="D4D4D4"/>
+                </a:solidFill>
+                <a:latin typeface="Consolas" panose="020B0609020204030204" pitchFamily="49" charset="0"/>
+              </a:rPr>
+              <a:t> </a:t>
+            </a:r>
+            <a:r>
+              <a:rPr lang="de-CH" dirty="0">
+                <a:solidFill>
+                  <a:srgbClr val="CE9178"/>
+                </a:solidFill>
+                <a:latin typeface="Consolas" panose="020B0609020204030204" pitchFamily="49" charset="0"/>
+              </a:rPr>
+              <a:t>"</a:t>
+            </a:r>
+            <a:r>
+              <a:rPr lang="de-CH" dirty="0" err="1">
+                <a:solidFill>
+                  <a:srgbClr val="CE9178"/>
+                </a:solidFill>
+                <a:latin typeface="Consolas" panose="020B0609020204030204" pitchFamily="49" charset="0"/>
+              </a:rPr>
+              <a:t>Logged</a:t>
+            </a:r>
+            <a:r>
+              <a:rPr lang="de-CH" dirty="0">
+                <a:solidFill>
+                  <a:srgbClr val="CE9178"/>
+                </a:solidFill>
+                <a:latin typeface="Consolas" panose="020B0609020204030204" pitchFamily="49" charset="0"/>
+              </a:rPr>
+              <a:t> In" </a:t>
+            </a:r>
+            <a:endParaRPr lang="de-CH" dirty="0">
+              <a:solidFill>
+                <a:srgbClr val="D4D4D4"/>
+              </a:solidFill>
+              <a:latin typeface="Consolas" panose="020B0609020204030204" pitchFamily="49" charset="0"/>
+            </a:endParaRPr>
+          </a:p>
+          <a:p>
+            <a:r>
+              <a:rPr lang="de-CH" dirty="0">
+                <a:solidFill>
+                  <a:srgbClr val="C586C0"/>
+                </a:solidFill>
+                <a:latin typeface="Consolas" panose="020B0609020204030204" pitchFamily="49" charset="0"/>
+              </a:rPr>
+              <a:t>    </a:t>
+            </a:r>
+            <a:r>
+              <a:rPr lang="de-CH" dirty="0" err="1">
+                <a:solidFill>
+                  <a:srgbClr val="C586C0"/>
+                </a:solidFill>
+                <a:latin typeface="Consolas" panose="020B0609020204030204" pitchFamily="49" charset="0"/>
+              </a:rPr>
+              <a:t>default</a:t>
+            </a:r>
+            <a:r>
+              <a:rPr lang="de-CH" dirty="0">
+                <a:solidFill>
+                  <a:srgbClr val="D4D4D4"/>
+                </a:solidFill>
+                <a:latin typeface="Consolas" panose="020B0609020204030204" pitchFamily="49" charset="0"/>
+              </a:rPr>
+              <a:t>:</a:t>
+            </a:r>
+          </a:p>
+          <a:p>
+            <a:r>
+              <a:rPr lang="de-CH" dirty="0">
+                <a:solidFill>
+                  <a:srgbClr val="4EC9B0"/>
+                </a:solidFill>
+                <a:latin typeface="Consolas" panose="020B0609020204030204" pitchFamily="49" charset="0"/>
+              </a:rPr>
+              <a:t>      console</a:t>
+            </a:r>
+            <a:r>
+              <a:rPr lang="de-CH" dirty="0">
+                <a:solidFill>
+                  <a:srgbClr val="D4D4D4"/>
+                </a:solidFill>
+                <a:latin typeface="Consolas" panose="020B0609020204030204" pitchFamily="49" charset="0"/>
+              </a:rPr>
+              <a:t>.</a:t>
+            </a:r>
+            <a:r>
+              <a:rPr lang="de-CH" dirty="0">
+                <a:solidFill>
+                  <a:srgbClr val="DCDCAA"/>
+                </a:solidFill>
+                <a:latin typeface="Consolas" panose="020B0609020204030204" pitchFamily="49" charset="0"/>
+              </a:rPr>
+              <a:t>log</a:t>
+            </a:r>
+            <a:r>
+              <a:rPr lang="de-CH" dirty="0">
+                <a:solidFill>
+                  <a:srgbClr val="D4D4D4"/>
+                </a:solidFill>
+                <a:latin typeface="Consolas" panose="020B0609020204030204" pitchFamily="49" charset="0"/>
+              </a:rPr>
+              <a:t>(</a:t>
+            </a:r>
+            <a:r>
+              <a:rPr lang="de-CH" dirty="0">
+                <a:solidFill>
+                  <a:srgbClr val="CE9178"/>
+                </a:solidFill>
+                <a:latin typeface="Consolas" panose="020B0609020204030204" pitchFamily="49" charset="0"/>
+              </a:rPr>
+              <a:t>"WTF"</a:t>
+            </a:r>
+            <a:r>
+              <a:rPr lang="de-CH" dirty="0">
+                <a:solidFill>
+                  <a:srgbClr val="D4D4D4"/>
+                </a:solidFill>
+                <a:latin typeface="Consolas" panose="020B0609020204030204" pitchFamily="49" charset="0"/>
+              </a:rPr>
+              <a:t>);</a:t>
+            </a:r>
+          </a:p>
+          <a:p>
+            <a:r>
+              <a:rPr lang="de-CH" dirty="0">
+                <a:solidFill>
+                  <a:srgbClr val="D4D4D4"/>
+                </a:solidFill>
+                <a:latin typeface="Consolas" panose="020B0609020204030204" pitchFamily="49" charset="0"/>
+              </a:rPr>
+              <a:t>  }</a:t>
+            </a:r>
+          </a:p>
+          <a:p>
+            <a:r>
+              <a:rPr lang="de-CH" dirty="0">
+                <a:solidFill>
+                  <a:srgbClr val="D4D4D4"/>
+                </a:solidFill>
+                <a:latin typeface="Consolas" panose="020B0609020204030204" pitchFamily="49" charset="0"/>
+              </a:rPr>
+              <a:t>}</a:t>
+            </a:r>
+          </a:p>
+        </p:txBody>
+      </p:sp>
+      <p:sp>
+        <p:nvSpPr>
+          <p:cNvPr id="5" name="Speech Bubble: Oval 4">
+            <a:extLst>
+              <a:ext uri="{FF2B5EF4-FFF2-40B4-BE49-F238E27FC236}">
+                <a16:creationId xmlns:a16="http://schemas.microsoft.com/office/drawing/2014/main" id="{005C7F54-66F7-43AD-83C4-8DA23313D52E}"/>
+              </a:ext>
+            </a:extLst>
+          </p:cNvPr>
+          <p:cNvSpPr/>
+          <p:nvPr/>
+        </p:nvSpPr>
+        <p:spPr>
+          <a:xfrm>
+            <a:off x="7251404" y="2089298"/>
+            <a:ext cx="4720856" cy="1961707"/>
+          </a:xfrm>
+          <a:prstGeom prst="wedgeEllipseCallout">
+            <a:avLst>
+              <a:gd name="adj1" fmla="val -122983"/>
+              <a:gd name="adj2" fmla="val 44659"/>
+            </a:avLst>
+          </a:prstGeom>
+          <a:solidFill>
+            <a:schemeClr val="bg1">
+              <a:lumMod val="95000"/>
+            </a:schemeClr>
+          </a:solidFill>
+          <a:ln w="76200">
+            <a:noFill/>
+          </a:ln>
+        </p:spPr>
+        <p:style>
+          <a:lnRef idx="2">
+            <a:schemeClr val="accent1">
+              <a:shade val="50000"/>
+            </a:schemeClr>
+          </a:lnRef>
+          <a:fillRef idx="1">
+            <a:schemeClr val="accent1"/>
+          </a:fillRef>
+          <a:effectRef idx="0">
+            <a:schemeClr val="accent1"/>
+          </a:effectRef>
+          <a:fontRef idx="minor">
+            <a:schemeClr val="lt1"/>
+          </a:fontRef>
+        </p:style>
+        <p:txBody>
+          <a:bodyPr rot="0" spcFirstLastPara="0" vertOverflow="overflow" horzOverflow="overflow" vert="horz" wrap="square" lIns="91440" tIns="45720" rIns="91440" bIns="45720" numCol="1" spcCol="0" rtlCol="0" fromWordArt="0" anchor="ctr" anchorCtr="0" forceAA="0" compatLnSpc="1">
+            <a:prstTxWarp prst="textNoShape">
+              <a:avLst/>
+            </a:prstTxWarp>
+            <a:noAutofit/>
+          </a:bodyPr>
+          <a:lstStyle/>
+          <a:p>
+            <a:pPr algn="ctr"/>
+            <a:r>
+              <a:rPr lang="en-GB" sz="3200" dirty="0">
+                <a:ln w="0"/>
+                <a:solidFill>
+                  <a:schemeClr val="tx1"/>
+                </a:solidFill>
+                <a:effectLst>
+                  <a:outerShdw blurRad="38100" dist="19050" dir="2700000" algn="tl" rotWithShape="0">
+                    <a:schemeClr val="dk1">
+                      <a:alpha val="40000"/>
+                    </a:schemeClr>
+                  </a:outerShdw>
+                </a:effectLst>
+              </a:rPr>
+              <a:t>Property “name” can be safely accessed here</a:t>
+            </a:r>
           </a:p>
         </p:txBody>
       </p:sp>
     </p:spTree>
     <p:extLst>
       <p:ext uri="{BB962C8B-B14F-4D97-AF65-F5344CB8AC3E}">
-        <p14:creationId xmlns:p14="http://schemas.microsoft.com/office/powerpoint/2010/main" val="2783837660"/>
+        <p14:creationId xmlns:p14="http://schemas.microsoft.com/office/powerpoint/2010/main" val="851654371"/>
       </p:ext>
     </p:extLst>
   </p:cSld>
   <p:clrMapOvr>
     <a:masterClrMapping/>
   </p:clrMapOvr>
+  <p:timing>
+    <p:tnLst>
+      <p:par>
+        <p:cTn id="1" dur="indefinite" restart="never" nodeType="tmRoot">
+          <p:childTnLst>
+            <p:seq concurrent="1" nextAc="seek">
+              <p:cTn id="2" dur="indefinite" nodeType="mainSeq">
+                <p:childTnLst>
+                  <p:par>
+                    <p:cTn id="3" fill="hold">
+                      <p:stCondLst>
+                        <p:cond delay="indefinite"/>
+                      </p:stCondLst>
+                      <p:childTnLst>
+                        <p:par>
+                          <p:cTn id="4" fill="hold">
+                            <p:stCondLst>
+                              <p:cond delay="0"/>
+                            </p:stCondLst>
+                            <p:childTnLst>
+                              <p:par>
+                                <p:cTn id="5" presetID="1" presetClass="entr" presetSubtype="0" fill="hold" grpId="0" nodeType="clickEffect">
+                                  <p:stCondLst>
+                                    <p:cond delay="0"/>
+                                  </p:stCondLst>
+                                  <p:childTnLst>
+                                    <p:set>
+                                      <p:cBhvr>
+                                        <p:cTn id="6" dur="1" fill="hold">
+                                          <p:stCondLst>
+                                            <p:cond delay="0"/>
+                                          </p:stCondLst>
+                                        </p:cTn>
+                                        <p:tgtEl>
+                                          <p:spTgt spid="5"/>
+                                        </p:tgtEl>
+                                        <p:attrNameLst>
+                                          <p:attrName>style.visibility</p:attrName>
+                                        </p:attrNameLst>
+                                      </p:cBhvr>
+                                      <p:to>
+                                        <p:strVal val="visible"/>
+                                      </p:to>
+                                    </p:set>
+                                  </p:childTnLst>
+                                </p:cTn>
+                              </p:par>
+                            </p:childTnLst>
+                          </p:cTn>
+                        </p:par>
+                      </p:childTnLst>
+                    </p:cTn>
+                  </p:par>
+                </p:childTnLst>
+              </p:cTn>
+              <p:prevCondLst>
+                <p:cond evt="onPrev" delay="0">
+                  <p:tgtEl>
+                    <p:sldTgt/>
+                  </p:tgtEl>
+                </p:cond>
+              </p:prevCondLst>
+              <p:nextCondLst>
+                <p:cond evt="onNext" delay="0">
+                  <p:tgtEl>
+                    <p:sldTgt/>
+                  </p:tgtEl>
+                </p:cond>
+              </p:nextCondLst>
+            </p:seq>
+          </p:childTnLst>
+        </p:cTn>
+      </p:par>
+    </p:tnLst>
+    <p:bldLst>
+      <p:bldP spid="5" grpId="0" animBg="1"/>
+    </p:bldLst>
+  </p:timing>
 </p:sld>
 </file>
 
 <file path=ppt/slides/slide21.xml><?xml version="1.0" encoding="utf-8"?>
+<p:sld xmlns:a="http://schemas.openxmlformats.org/drawingml/2006/main" xmlns:r="http://schemas.openxmlformats.org/officeDocument/2006/relationships" xmlns:p="http://schemas.openxmlformats.org/presentationml/2006/main">
+  <p:cSld>
+    <p:spTree>
+      <p:nvGrpSpPr>
+        <p:cNvPr id="1" name=""/>
+        <p:cNvGrpSpPr/>
+        <p:nvPr/>
+      </p:nvGrpSpPr>
+      <p:grpSpPr>
+        <a:xfrm>
+          <a:off x="0" y="0"/>
+          <a:ext cx="0" cy="0"/>
+          <a:chOff x="0" y="0"/>
+          <a:chExt cx="0" cy="0"/>
+        </a:xfrm>
+      </p:grpSpPr>
+      <p:sp>
+        <p:nvSpPr>
+          <p:cNvPr id="2" name="Title 1">
+            <a:extLst>
+              <a:ext uri="{FF2B5EF4-FFF2-40B4-BE49-F238E27FC236}">
+                <a16:creationId xmlns:a16="http://schemas.microsoft.com/office/drawing/2014/main" id="{881C8C4A-DA34-4933-BE30-83EDE40DD3F3}"/>
+              </a:ext>
+            </a:extLst>
+          </p:cNvPr>
+          <p:cNvSpPr>
+            <a:spLocks noGrp="1"/>
+          </p:cNvSpPr>
+          <p:nvPr>
+            <p:ph type="title"/>
+          </p:nvPr>
+        </p:nvSpPr>
+        <p:spPr/>
+        <p:txBody>
+          <a:bodyPr/>
+          <a:lstStyle/>
+          <a:p>
+            <a:r>
+              <a:rPr lang="en-GB" dirty="0"/>
+              <a:t>Example of using Union Types</a:t>
+            </a:r>
+          </a:p>
+        </p:txBody>
+      </p:sp>
+      <p:sp>
+        <p:nvSpPr>
+          <p:cNvPr id="3" name="Content Placeholder 2">
+            <a:extLst>
+              <a:ext uri="{FF2B5EF4-FFF2-40B4-BE49-F238E27FC236}">
+                <a16:creationId xmlns:a16="http://schemas.microsoft.com/office/drawing/2014/main" id="{DD7A9F0C-3198-4D5F-B54B-3C995CC9FC18}"/>
+              </a:ext>
+            </a:extLst>
+          </p:cNvPr>
+          <p:cNvSpPr>
+            <a:spLocks noGrp="1"/>
+          </p:cNvSpPr>
+          <p:nvPr>
+            <p:ph idx="1"/>
+          </p:nvPr>
+        </p:nvSpPr>
+        <p:spPr/>
+        <p:txBody>
+          <a:bodyPr/>
+          <a:lstStyle/>
+          <a:p>
+            <a:pPr marL="0" indent="0">
+              <a:buNone/>
+            </a:pPr>
+            <a:endParaRPr lang="en-GB" dirty="0"/>
+          </a:p>
+        </p:txBody>
+      </p:sp>
+      <p:sp>
+        <p:nvSpPr>
+          <p:cNvPr id="4" name="Rectangle 3">
+            <a:extLst>
+              <a:ext uri="{FF2B5EF4-FFF2-40B4-BE49-F238E27FC236}">
+                <a16:creationId xmlns:a16="http://schemas.microsoft.com/office/drawing/2014/main" id="{0217E739-B41C-417F-B235-6F10CF968E55}"/>
+              </a:ext>
+            </a:extLst>
+          </p:cNvPr>
+          <p:cNvSpPr/>
+          <p:nvPr/>
+        </p:nvSpPr>
+        <p:spPr>
+          <a:xfrm>
+            <a:off x="268308" y="1184858"/>
+            <a:ext cx="11655379" cy="4801314"/>
+          </a:xfrm>
+          <a:prstGeom prst="rect">
+            <a:avLst/>
+          </a:prstGeom>
+          <a:solidFill>
+            <a:schemeClr val="tx1">
+              <a:lumMod val="75000"/>
+              <a:lumOff val="25000"/>
+            </a:schemeClr>
+          </a:solidFill>
+          <a:ln>
+            <a:noFill/>
+          </a:ln>
+        </p:spPr>
+        <p:txBody>
+          <a:bodyPr wrap="square">
+            <a:spAutoFit/>
+          </a:bodyPr>
+          <a:lstStyle/>
+          <a:p>
+            <a:r>
+              <a:rPr lang="de-CH" dirty="0">
+                <a:solidFill>
+                  <a:srgbClr val="569CD6"/>
+                </a:solidFill>
+                <a:latin typeface="Consolas" panose="020B0609020204030204" pitchFamily="49" charset="0"/>
+              </a:rPr>
+              <a:t>type</a:t>
+            </a:r>
+            <a:r>
+              <a:rPr lang="de-CH" dirty="0">
+                <a:solidFill>
+                  <a:srgbClr val="D4D4D4"/>
+                </a:solidFill>
+                <a:latin typeface="Consolas" panose="020B0609020204030204" pitchFamily="49" charset="0"/>
+              </a:rPr>
+              <a:t> </a:t>
+            </a:r>
+            <a:r>
+              <a:rPr lang="de-CH" dirty="0" err="1">
+                <a:solidFill>
+                  <a:srgbClr val="4EC9B0"/>
+                </a:solidFill>
+                <a:latin typeface="Consolas" panose="020B0609020204030204" pitchFamily="49" charset="0"/>
+              </a:rPr>
+              <a:t>InitAction</a:t>
+            </a:r>
+            <a:r>
+              <a:rPr lang="de-CH" dirty="0">
+                <a:solidFill>
+                  <a:srgbClr val="D4D4D4"/>
+                </a:solidFill>
+                <a:latin typeface="Consolas" panose="020B0609020204030204" pitchFamily="49" charset="0"/>
+              </a:rPr>
+              <a:t> = { </a:t>
+            </a:r>
+            <a:r>
+              <a:rPr lang="de-CH" dirty="0">
+                <a:solidFill>
+                  <a:srgbClr val="9CDCFE"/>
+                </a:solidFill>
+                <a:latin typeface="Consolas" panose="020B0609020204030204" pitchFamily="49" charset="0"/>
+              </a:rPr>
+              <a:t>type</a:t>
+            </a:r>
+            <a:r>
+              <a:rPr lang="de-CH" dirty="0">
+                <a:solidFill>
+                  <a:srgbClr val="D4D4D4"/>
+                </a:solidFill>
+                <a:latin typeface="Consolas" panose="020B0609020204030204" pitchFamily="49" charset="0"/>
+              </a:rPr>
+              <a:t>: </a:t>
+            </a:r>
+            <a:r>
+              <a:rPr lang="de-CH" dirty="0">
+                <a:solidFill>
+                  <a:srgbClr val="CE9178"/>
+                </a:solidFill>
+                <a:latin typeface="Consolas" panose="020B0609020204030204" pitchFamily="49" charset="0"/>
+              </a:rPr>
+              <a:t>"INIT"</a:t>
+            </a:r>
+            <a:r>
+              <a:rPr lang="de-CH" dirty="0">
+                <a:solidFill>
+                  <a:srgbClr val="D4D4D4"/>
+                </a:solidFill>
+                <a:latin typeface="Consolas" panose="020B0609020204030204" pitchFamily="49" charset="0"/>
+              </a:rPr>
+              <a:t> }</a:t>
+            </a:r>
+          </a:p>
+          <a:p>
+            <a:r>
+              <a:rPr lang="de-CH" dirty="0">
+                <a:solidFill>
+                  <a:srgbClr val="569CD6"/>
+                </a:solidFill>
+                <a:latin typeface="Consolas" panose="020B0609020204030204" pitchFamily="49" charset="0"/>
+              </a:rPr>
+              <a:t>type</a:t>
+            </a:r>
+            <a:r>
+              <a:rPr lang="de-CH" dirty="0">
+                <a:solidFill>
+                  <a:srgbClr val="D4D4D4"/>
+                </a:solidFill>
+                <a:latin typeface="Consolas" panose="020B0609020204030204" pitchFamily="49" charset="0"/>
+              </a:rPr>
+              <a:t> </a:t>
+            </a:r>
+            <a:r>
+              <a:rPr lang="de-CH" dirty="0" err="1">
+                <a:solidFill>
+                  <a:srgbClr val="4EC9B0"/>
+                </a:solidFill>
+                <a:latin typeface="Consolas" panose="020B0609020204030204" pitchFamily="49" charset="0"/>
+              </a:rPr>
+              <a:t>LoginAction</a:t>
+            </a:r>
+            <a:r>
+              <a:rPr lang="de-CH" dirty="0">
+                <a:solidFill>
+                  <a:srgbClr val="D4D4D4"/>
+                </a:solidFill>
+                <a:latin typeface="Consolas" panose="020B0609020204030204" pitchFamily="49" charset="0"/>
+              </a:rPr>
+              <a:t> = { </a:t>
+            </a:r>
+            <a:r>
+              <a:rPr lang="de-CH" dirty="0">
+                <a:solidFill>
+                  <a:srgbClr val="9CDCFE"/>
+                </a:solidFill>
+                <a:latin typeface="Consolas" panose="020B0609020204030204" pitchFamily="49" charset="0"/>
+              </a:rPr>
+              <a:t>type</a:t>
+            </a:r>
+            <a:r>
+              <a:rPr lang="de-CH" dirty="0">
+                <a:solidFill>
+                  <a:srgbClr val="D4D4D4"/>
+                </a:solidFill>
+                <a:latin typeface="Consolas" panose="020B0609020204030204" pitchFamily="49" charset="0"/>
+              </a:rPr>
+              <a:t>: </a:t>
+            </a:r>
+            <a:r>
+              <a:rPr lang="de-CH" dirty="0">
+                <a:solidFill>
+                  <a:srgbClr val="CE9178"/>
+                </a:solidFill>
+                <a:latin typeface="Consolas" panose="020B0609020204030204" pitchFamily="49" charset="0"/>
+              </a:rPr>
+              <a:t>"LOGIN"</a:t>
+            </a:r>
+            <a:r>
+              <a:rPr lang="de-CH" dirty="0">
+                <a:solidFill>
+                  <a:srgbClr val="D4D4D4"/>
+                </a:solidFill>
+                <a:latin typeface="Consolas" panose="020B0609020204030204" pitchFamily="49" charset="0"/>
+              </a:rPr>
+              <a:t>, </a:t>
+            </a:r>
+            <a:r>
+              <a:rPr lang="de-CH" dirty="0" err="1">
+                <a:solidFill>
+                  <a:srgbClr val="9CDCFE"/>
+                </a:solidFill>
+                <a:latin typeface="Consolas" panose="020B0609020204030204" pitchFamily="49" charset="0"/>
+              </a:rPr>
+              <a:t>name</a:t>
+            </a:r>
+            <a:r>
+              <a:rPr lang="de-CH" dirty="0">
+                <a:solidFill>
+                  <a:srgbClr val="D4D4D4"/>
+                </a:solidFill>
+                <a:latin typeface="Consolas" panose="020B0609020204030204" pitchFamily="49" charset="0"/>
+              </a:rPr>
+              <a:t>: </a:t>
+            </a:r>
+            <a:r>
+              <a:rPr lang="de-CH" dirty="0" err="1">
+                <a:solidFill>
+                  <a:srgbClr val="4EC9B0"/>
+                </a:solidFill>
+                <a:latin typeface="Consolas" panose="020B0609020204030204" pitchFamily="49" charset="0"/>
+              </a:rPr>
+              <a:t>string</a:t>
+            </a:r>
+            <a:r>
+              <a:rPr lang="de-CH" dirty="0">
+                <a:solidFill>
+                  <a:srgbClr val="D4D4D4"/>
+                </a:solidFill>
+                <a:latin typeface="Consolas" panose="020B0609020204030204" pitchFamily="49" charset="0"/>
+              </a:rPr>
+              <a:t>, </a:t>
+            </a:r>
+            <a:r>
+              <a:rPr lang="de-CH" dirty="0" err="1">
+                <a:solidFill>
+                  <a:srgbClr val="9CDCFE"/>
+                </a:solidFill>
+                <a:latin typeface="Consolas" panose="020B0609020204030204" pitchFamily="49" charset="0"/>
+              </a:rPr>
+              <a:t>password</a:t>
+            </a:r>
+            <a:r>
+              <a:rPr lang="de-CH" dirty="0">
+                <a:solidFill>
+                  <a:srgbClr val="D4D4D4"/>
+                </a:solidFill>
+                <a:latin typeface="Consolas" panose="020B0609020204030204" pitchFamily="49" charset="0"/>
+              </a:rPr>
+              <a:t>: </a:t>
+            </a:r>
+            <a:r>
+              <a:rPr lang="de-CH" dirty="0" err="1">
+                <a:solidFill>
+                  <a:srgbClr val="4EC9B0"/>
+                </a:solidFill>
+                <a:latin typeface="Consolas" panose="020B0609020204030204" pitchFamily="49" charset="0"/>
+              </a:rPr>
+              <a:t>string</a:t>
+            </a:r>
+            <a:r>
+              <a:rPr lang="de-CH" dirty="0">
+                <a:solidFill>
+                  <a:srgbClr val="D4D4D4"/>
+                </a:solidFill>
+                <a:latin typeface="Consolas" panose="020B0609020204030204" pitchFamily="49" charset="0"/>
+              </a:rPr>
+              <a:t> }</a:t>
+            </a:r>
+          </a:p>
+          <a:p>
+            <a:r>
+              <a:rPr lang="de-CH" dirty="0">
+                <a:solidFill>
+                  <a:srgbClr val="569CD6"/>
+                </a:solidFill>
+                <a:latin typeface="Consolas" panose="020B0609020204030204" pitchFamily="49" charset="0"/>
+              </a:rPr>
+              <a:t>type</a:t>
+            </a:r>
+            <a:r>
+              <a:rPr lang="de-CH" dirty="0">
+                <a:solidFill>
+                  <a:srgbClr val="D4D4D4"/>
+                </a:solidFill>
+                <a:latin typeface="Consolas" panose="020B0609020204030204" pitchFamily="49" charset="0"/>
+              </a:rPr>
+              <a:t> </a:t>
+            </a:r>
+            <a:r>
+              <a:rPr lang="de-CH" dirty="0" err="1">
+                <a:solidFill>
+                  <a:srgbClr val="4EC9B0"/>
+                </a:solidFill>
+                <a:latin typeface="Consolas" panose="020B0609020204030204" pitchFamily="49" charset="0"/>
+              </a:rPr>
+              <a:t>LogOutAction</a:t>
+            </a:r>
+            <a:r>
+              <a:rPr lang="de-CH" dirty="0">
+                <a:solidFill>
+                  <a:srgbClr val="D4D4D4"/>
+                </a:solidFill>
+                <a:latin typeface="Consolas" panose="020B0609020204030204" pitchFamily="49" charset="0"/>
+              </a:rPr>
+              <a:t> = { </a:t>
+            </a:r>
+            <a:r>
+              <a:rPr lang="de-CH" dirty="0">
+                <a:solidFill>
+                  <a:srgbClr val="9CDCFE"/>
+                </a:solidFill>
+                <a:latin typeface="Consolas" panose="020B0609020204030204" pitchFamily="49" charset="0"/>
+              </a:rPr>
+              <a:t>type</a:t>
+            </a:r>
+            <a:r>
+              <a:rPr lang="de-CH" dirty="0">
+                <a:solidFill>
+                  <a:srgbClr val="D4D4D4"/>
+                </a:solidFill>
+                <a:latin typeface="Consolas" panose="020B0609020204030204" pitchFamily="49" charset="0"/>
+              </a:rPr>
+              <a:t>: </a:t>
+            </a:r>
+            <a:r>
+              <a:rPr lang="de-CH" dirty="0">
+                <a:solidFill>
+                  <a:srgbClr val="CE9178"/>
+                </a:solidFill>
+                <a:latin typeface="Consolas" panose="020B0609020204030204" pitchFamily="49" charset="0"/>
+              </a:rPr>
+              <a:t>"LOGOUT"</a:t>
+            </a:r>
+            <a:r>
+              <a:rPr lang="de-CH" dirty="0">
+                <a:solidFill>
+                  <a:srgbClr val="D4D4D4"/>
+                </a:solidFill>
+                <a:latin typeface="Consolas" panose="020B0609020204030204" pitchFamily="49" charset="0"/>
+              </a:rPr>
+              <a:t> }</a:t>
+            </a:r>
+          </a:p>
+          <a:p>
+            <a:br>
+              <a:rPr lang="de-CH" dirty="0">
+                <a:solidFill>
+                  <a:srgbClr val="D4D4D4"/>
+                </a:solidFill>
+                <a:latin typeface="Consolas" panose="020B0609020204030204" pitchFamily="49" charset="0"/>
+              </a:rPr>
+            </a:br>
+            <a:r>
+              <a:rPr lang="de-CH" dirty="0">
+                <a:solidFill>
+                  <a:srgbClr val="569CD6"/>
+                </a:solidFill>
+                <a:latin typeface="Consolas" panose="020B0609020204030204" pitchFamily="49" charset="0"/>
+              </a:rPr>
+              <a:t>type</a:t>
+            </a:r>
+            <a:r>
+              <a:rPr lang="de-CH" dirty="0">
+                <a:solidFill>
+                  <a:srgbClr val="D4D4D4"/>
+                </a:solidFill>
+                <a:latin typeface="Consolas" panose="020B0609020204030204" pitchFamily="49" charset="0"/>
+              </a:rPr>
+              <a:t> </a:t>
+            </a:r>
+            <a:r>
+              <a:rPr lang="de-CH" dirty="0">
+                <a:solidFill>
+                  <a:srgbClr val="4EC9B0"/>
+                </a:solidFill>
+                <a:latin typeface="Consolas" panose="020B0609020204030204" pitchFamily="49" charset="0"/>
+              </a:rPr>
+              <a:t>Actions</a:t>
+            </a:r>
+            <a:r>
+              <a:rPr lang="de-CH" dirty="0">
+                <a:solidFill>
+                  <a:srgbClr val="D4D4D4"/>
+                </a:solidFill>
+                <a:latin typeface="Consolas" panose="020B0609020204030204" pitchFamily="49" charset="0"/>
+              </a:rPr>
+              <a:t> = </a:t>
+            </a:r>
+            <a:r>
+              <a:rPr lang="de-CH" dirty="0" err="1">
+                <a:solidFill>
+                  <a:srgbClr val="4EC9B0"/>
+                </a:solidFill>
+                <a:latin typeface="Consolas" panose="020B0609020204030204" pitchFamily="49" charset="0"/>
+              </a:rPr>
+              <a:t>InitAction</a:t>
+            </a:r>
+            <a:r>
+              <a:rPr lang="de-CH" dirty="0">
+                <a:solidFill>
+                  <a:srgbClr val="D4D4D4"/>
+                </a:solidFill>
+                <a:latin typeface="Consolas" panose="020B0609020204030204" pitchFamily="49" charset="0"/>
+              </a:rPr>
+              <a:t> | </a:t>
+            </a:r>
+            <a:r>
+              <a:rPr lang="de-CH" dirty="0" err="1">
+                <a:solidFill>
+                  <a:srgbClr val="4EC9B0"/>
+                </a:solidFill>
+                <a:latin typeface="Consolas" panose="020B0609020204030204" pitchFamily="49" charset="0"/>
+              </a:rPr>
+              <a:t>LoginAction</a:t>
+            </a:r>
+            <a:r>
+              <a:rPr lang="de-CH" dirty="0">
+                <a:solidFill>
+                  <a:srgbClr val="D4D4D4"/>
+                </a:solidFill>
+                <a:latin typeface="Consolas" panose="020B0609020204030204" pitchFamily="49" charset="0"/>
+              </a:rPr>
+              <a:t> | </a:t>
+            </a:r>
+            <a:r>
+              <a:rPr lang="de-CH" dirty="0" err="1">
+                <a:solidFill>
+                  <a:srgbClr val="4EC9B0"/>
+                </a:solidFill>
+                <a:latin typeface="Consolas" panose="020B0609020204030204" pitchFamily="49" charset="0"/>
+              </a:rPr>
+              <a:t>LogOutAction</a:t>
+            </a:r>
+            <a:r>
+              <a:rPr lang="de-CH" dirty="0">
+                <a:solidFill>
+                  <a:srgbClr val="D4D4D4"/>
+                </a:solidFill>
+                <a:latin typeface="Consolas" panose="020B0609020204030204" pitchFamily="49" charset="0"/>
+              </a:rPr>
+              <a:t>;</a:t>
+            </a:r>
+          </a:p>
+          <a:p>
+            <a:br>
+              <a:rPr lang="de-CH" dirty="0">
+                <a:solidFill>
+                  <a:srgbClr val="D4D4D4"/>
+                </a:solidFill>
+                <a:latin typeface="Consolas" panose="020B0609020204030204" pitchFamily="49" charset="0"/>
+              </a:rPr>
+            </a:br>
+            <a:r>
+              <a:rPr lang="de-CH" dirty="0" err="1">
+                <a:solidFill>
+                  <a:srgbClr val="569CD6"/>
+                </a:solidFill>
+                <a:latin typeface="Consolas" panose="020B0609020204030204" pitchFamily="49" charset="0"/>
+              </a:rPr>
+              <a:t>function</a:t>
+            </a:r>
+            <a:r>
+              <a:rPr lang="de-CH" dirty="0">
+                <a:solidFill>
+                  <a:srgbClr val="D4D4D4"/>
+                </a:solidFill>
+                <a:latin typeface="Consolas" panose="020B0609020204030204" pitchFamily="49" charset="0"/>
+              </a:rPr>
+              <a:t> </a:t>
+            </a:r>
+            <a:r>
+              <a:rPr lang="de-CH" dirty="0" err="1">
+                <a:solidFill>
+                  <a:srgbClr val="DCDCAA"/>
+                </a:solidFill>
+                <a:latin typeface="Consolas" panose="020B0609020204030204" pitchFamily="49" charset="0"/>
+              </a:rPr>
+              <a:t>handleAction</a:t>
+            </a:r>
+            <a:r>
+              <a:rPr lang="de-CH" dirty="0">
+                <a:solidFill>
+                  <a:srgbClr val="D4D4D4"/>
+                </a:solidFill>
+                <a:latin typeface="Consolas" panose="020B0609020204030204" pitchFamily="49" charset="0"/>
+              </a:rPr>
+              <a:t>(</a:t>
+            </a:r>
+            <a:r>
+              <a:rPr lang="de-CH" dirty="0" err="1">
+                <a:solidFill>
+                  <a:srgbClr val="9CDCFE"/>
+                </a:solidFill>
+                <a:latin typeface="Consolas" panose="020B0609020204030204" pitchFamily="49" charset="0"/>
+              </a:rPr>
+              <a:t>action</a:t>
+            </a:r>
+            <a:r>
+              <a:rPr lang="de-CH" dirty="0">
+                <a:solidFill>
+                  <a:srgbClr val="D4D4D4"/>
+                </a:solidFill>
+                <a:latin typeface="Consolas" panose="020B0609020204030204" pitchFamily="49" charset="0"/>
+              </a:rPr>
+              <a:t>: </a:t>
+            </a:r>
+            <a:r>
+              <a:rPr lang="de-CH" dirty="0">
+                <a:solidFill>
+                  <a:srgbClr val="4EC9B0"/>
+                </a:solidFill>
+                <a:latin typeface="Consolas" panose="020B0609020204030204" pitchFamily="49" charset="0"/>
+              </a:rPr>
+              <a:t>Actions</a:t>
+            </a:r>
+            <a:r>
+              <a:rPr lang="de-CH" dirty="0">
+                <a:solidFill>
+                  <a:srgbClr val="D4D4D4"/>
+                </a:solidFill>
+                <a:latin typeface="Consolas" panose="020B0609020204030204" pitchFamily="49" charset="0"/>
+              </a:rPr>
+              <a:t>) {</a:t>
+            </a:r>
+          </a:p>
+          <a:p>
+            <a:r>
+              <a:rPr lang="de-CH" dirty="0">
+                <a:solidFill>
+                  <a:srgbClr val="C586C0"/>
+                </a:solidFill>
+                <a:latin typeface="Consolas" panose="020B0609020204030204" pitchFamily="49" charset="0"/>
+              </a:rPr>
+              <a:t>  switch</a:t>
+            </a:r>
+            <a:r>
+              <a:rPr lang="de-CH" dirty="0">
+                <a:solidFill>
+                  <a:srgbClr val="D4D4D4"/>
+                </a:solidFill>
+                <a:latin typeface="Consolas" panose="020B0609020204030204" pitchFamily="49" charset="0"/>
+              </a:rPr>
+              <a:t> (</a:t>
+            </a:r>
+            <a:r>
+              <a:rPr lang="de-CH" dirty="0" err="1">
+                <a:solidFill>
+                  <a:srgbClr val="9CDCFE"/>
+                </a:solidFill>
+                <a:latin typeface="Consolas" panose="020B0609020204030204" pitchFamily="49" charset="0"/>
+              </a:rPr>
+              <a:t>action</a:t>
+            </a:r>
+            <a:r>
+              <a:rPr lang="de-CH" dirty="0" err="1">
+                <a:solidFill>
+                  <a:srgbClr val="D4D4D4"/>
+                </a:solidFill>
+                <a:latin typeface="Consolas" panose="020B0609020204030204" pitchFamily="49" charset="0"/>
+              </a:rPr>
+              <a:t>.</a:t>
+            </a:r>
+            <a:r>
+              <a:rPr lang="de-CH" dirty="0" err="1">
+                <a:solidFill>
+                  <a:srgbClr val="9CDCFE"/>
+                </a:solidFill>
+                <a:latin typeface="Consolas" panose="020B0609020204030204" pitchFamily="49" charset="0"/>
+              </a:rPr>
+              <a:t>type</a:t>
+            </a:r>
+            <a:r>
+              <a:rPr lang="de-CH" dirty="0">
+                <a:solidFill>
+                  <a:srgbClr val="D4D4D4"/>
+                </a:solidFill>
+                <a:latin typeface="Consolas" panose="020B0609020204030204" pitchFamily="49" charset="0"/>
+              </a:rPr>
+              <a:t>) {</a:t>
+            </a:r>
+          </a:p>
+          <a:p>
+            <a:r>
+              <a:rPr lang="de-CH" dirty="0">
+                <a:solidFill>
+                  <a:srgbClr val="C586C0"/>
+                </a:solidFill>
+                <a:latin typeface="Consolas" panose="020B0609020204030204" pitchFamily="49" charset="0"/>
+              </a:rPr>
+              <a:t>    </a:t>
+            </a:r>
+            <a:r>
+              <a:rPr lang="de-CH" dirty="0" err="1">
+                <a:solidFill>
+                  <a:srgbClr val="C586C0"/>
+                </a:solidFill>
+                <a:latin typeface="Consolas" panose="020B0609020204030204" pitchFamily="49" charset="0"/>
+              </a:rPr>
+              <a:t>case</a:t>
+            </a:r>
+            <a:r>
+              <a:rPr lang="de-CH" dirty="0">
+                <a:solidFill>
+                  <a:srgbClr val="D4D4D4"/>
+                </a:solidFill>
+                <a:latin typeface="Consolas" panose="020B0609020204030204" pitchFamily="49" charset="0"/>
+              </a:rPr>
+              <a:t> </a:t>
+            </a:r>
+            <a:r>
+              <a:rPr lang="de-CH" dirty="0">
+                <a:solidFill>
+                  <a:srgbClr val="CE9178"/>
+                </a:solidFill>
+                <a:latin typeface="Consolas" panose="020B0609020204030204" pitchFamily="49" charset="0"/>
+              </a:rPr>
+              <a:t>"INIT"</a:t>
+            </a:r>
+            <a:r>
+              <a:rPr lang="de-CH" dirty="0">
+                <a:solidFill>
+                  <a:srgbClr val="D4D4D4"/>
+                </a:solidFill>
+                <a:latin typeface="Consolas" panose="020B0609020204030204" pitchFamily="49" charset="0"/>
+              </a:rPr>
+              <a:t>:</a:t>
+            </a:r>
+          </a:p>
+          <a:p>
+            <a:r>
+              <a:rPr lang="de-CH" dirty="0">
+                <a:solidFill>
+                  <a:srgbClr val="C586C0"/>
+                </a:solidFill>
+                <a:latin typeface="Consolas" panose="020B0609020204030204" pitchFamily="49" charset="0"/>
+              </a:rPr>
+              <a:t>      </a:t>
+            </a:r>
+            <a:r>
+              <a:rPr lang="de-CH" dirty="0" err="1">
+                <a:solidFill>
+                  <a:srgbClr val="C586C0"/>
+                </a:solidFill>
+                <a:latin typeface="Consolas" panose="020B0609020204030204" pitchFamily="49" charset="0"/>
+              </a:rPr>
+              <a:t>return</a:t>
+            </a:r>
+            <a:r>
+              <a:rPr lang="de-CH" dirty="0">
+                <a:solidFill>
+                  <a:srgbClr val="D4D4D4"/>
+                </a:solidFill>
+                <a:latin typeface="Consolas" panose="020B0609020204030204" pitchFamily="49" charset="0"/>
+              </a:rPr>
+              <a:t> </a:t>
+            </a:r>
+            <a:r>
+              <a:rPr lang="de-CH" dirty="0">
+                <a:solidFill>
+                  <a:srgbClr val="CE9178"/>
+                </a:solidFill>
+                <a:latin typeface="Consolas" panose="020B0609020204030204" pitchFamily="49" charset="0"/>
+              </a:rPr>
+              <a:t>"</a:t>
+            </a:r>
+            <a:r>
+              <a:rPr lang="de-CH" dirty="0" err="1">
+                <a:solidFill>
+                  <a:srgbClr val="CE9178"/>
+                </a:solidFill>
+                <a:latin typeface="Consolas" panose="020B0609020204030204" pitchFamily="49" charset="0"/>
+              </a:rPr>
+              <a:t>Initialized</a:t>
+            </a:r>
+            <a:r>
+              <a:rPr lang="de-CH" dirty="0">
+                <a:solidFill>
+                  <a:srgbClr val="CE9178"/>
+                </a:solidFill>
+                <a:latin typeface="Consolas" panose="020B0609020204030204" pitchFamily="49" charset="0"/>
+              </a:rPr>
+              <a:t>"</a:t>
+            </a:r>
+            <a:r>
+              <a:rPr lang="de-CH" dirty="0">
+                <a:solidFill>
+                  <a:srgbClr val="D4D4D4"/>
+                </a:solidFill>
+                <a:latin typeface="Consolas" panose="020B0609020204030204" pitchFamily="49" charset="0"/>
+              </a:rPr>
+              <a:t>;</a:t>
+            </a:r>
+          </a:p>
+          <a:p>
+            <a:r>
+              <a:rPr lang="de-CH" dirty="0">
+                <a:solidFill>
+                  <a:srgbClr val="C586C0"/>
+                </a:solidFill>
+                <a:latin typeface="Consolas" panose="020B0609020204030204" pitchFamily="49" charset="0"/>
+              </a:rPr>
+              <a:t>    </a:t>
+            </a:r>
+            <a:r>
+              <a:rPr lang="de-CH" dirty="0" err="1">
+                <a:solidFill>
+                  <a:srgbClr val="C586C0"/>
+                </a:solidFill>
+                <a:latin typeface="Consolas" panose="020B0609020204030204" pitchFamily="49" charset="0"/>
+              </a:rPr>
+              <a:t>case</a:t>
+            </a:r>
+            <a:r>
+              <a:rPr lang="de-CH" dirty="0">
+                <a:solidFill>
+                  <a:srgbClr val="D4D4D4"/>
+                </a:solidFill>
+                <a:latin typeface="Consolas" panose="020B0609020204030204" pitchFamily="49" charset="0"/>
+              </a:rPr>
+              <a:t> </a:t>
+            </a:r>
+            <a:r>
+              <a:rPr lang="de-CH" dirty="0">
+                <a:solidFill>
+                  <a:srgbClr val="CE9178"/>
+                </a:solidFill>
+                <a:latin typeface="Consolas" panose="020B0609020204030204" pitchFamily="49" charset="0"/>
+              </a:rPr>
+              <a:t>"LOGIN"</a:t>
+            </a:r>
+            <a:r>
+              <a:rPr lang="de-CH" dirty="0">
+                <a:solidFill>
+                  <a:srgbClr val="D4D4D4"/>
+                </a:solidFill>
+                <a:latin typeface="Consolas" panose="020B0609020204030204" pitchFamily="49" charset="0"/>
+              </a:rPr>
+              <a:t>:</a:t>
+            </a:r>
+          </a:p>
+          <a:p>
+            <a:r>
+              <a:rPr lang="de-CH" dirty="0">
+                <a:solidFill>
+                  <a:srgbClr val="4EC9B0"/>
+                </a:solidFill>
+                <a:latin typeface="Consolas" panose="020B0609020204030204" pitchFamily="49" charset="0"/>
+              </a:rPr>
+              <a:t>      console</a:t>
+            </a:r>
+            <a:r>
+              <a:rPr lang="de-CH" dirty="0">
+                <a:solidFill>
+                  <a:srgbClr val="D4D4D4"/>
+                </a:solidFill>
+                <a:latin typeface="Consolas" panose="020B0609020204030204" pitchFamily="49" charset="0"/>
+              </a:rPr>
+              <a:t>.</a:t>
+            </a:r>
+            <a:r>
+              <a:rPr lang="de-CH" dirty="0">
+                <a:solidFill>
+                  <a:srgbClr val="DCDCAA"/>
+                </a:solidFill>
+                <a:latin typeface="Consolas" panose="020B0609020204030204" pitchFamily="49" charset="0"/>
+              </a:rPr>
+              <a:t>log</a:t>
+            </a:r>
+            <a:r>
+              <a:rPr lang="de-CH" dirty="0">
+                <a:solidFill>
+                  <a:srgbClr val="D4D4D4"/>
+                </a:solidFill>
+                <a:latin typeface="Consolas" panose="020B0609020204030204" pitchFamily="49" charset="0"/>
+              </a:rPr>
+              <a:t>(</a:t>
+            </a:r>
+            <a:r>
+              <a:rPr lang="de-CH" dirty="0">
+                <a:solidFill>
+                  <a:srgbClr val="9CDCFE"/>
+                </a:solidFill>
+                <a:latin typeface="Consolas" panose="020B0609020204030204" pitchFamily="49" charset="0"/>
+              </a:rPr>
+              <a:t>action</a:t>
+            </a:r>
+            <a:r>
+              <a:rPr lang="de-CH" dirty="0">
+                <a:solidFill>
+                  <a:srgbClr val="D4D4D4"/>
+                </a:solidFill>
+                <a:latin typeface="Consolas" panose="020B0609020204030204" pitchFamily="49" charset="0"/>
+              </a:rPr>
+              <a:t>.</a:t>
+            </a:r>
+            <a:r>
+              <a:rPr lang="de-CH" dirty="0">
+                <a:solidFill>
+                  <a:srgbClr val="9CDCFE"/>
+                </a:solidFill>
+                <a:latin typeface="Consolas" panose="020B0609020204030204" pitchFamily="49" charset="0"/>
+              </a:rPr>
+              <a:t>name</a:t>
+            </a:r>
+            <a:r>
+              <a:rPr lang="de-CH" dirty="0">
+                <a:solidFill>
+                  <a:srgbClr val="D4D4D4"/>
+                </a:solidFill>
+                <a:latin typeface="Consolas" panose="020B0609020204030204" pitchFamily="49" charset="0"/>
+              </a:rPr>
+              <a:t> + </a:t>
+            </a:r>
+            <a:r>
+              <a:rPr lang="de-CH" dirty="0">
+                <a:solidFill>
+                  <a:srgbClr val="CE9178"/>
+                </a:solidFill>
+                <a:latin typeface="Consolas" panose="020B0609020204030204" pitchFamily="49" charset="0"/>
+              </a:rPr>
+              <a:t>" </a:t>
+            </a:r>
+            <a:r>
+              <a:rPr lang="de-CH" dirty="0" err="1">
+                <a:solidFill>
+                  <a:srgbClr val="CE9178"/>
+                </a:solidFill>
+                <a:latin typeface="Consolas" panose="020B0609020204030204" pitchFamily="49" charset="0"/>
+              </a:rPr>
+              <a:t>logged</a:t>
+            </a:r>
+            <a:r>
+              <a:rPr lang="de-CH" dirty="0">
+                <a:solidFill>
+                  <a:srgbClr val="CE9178"/>
+                </a:solidFill>
+                <a:latin typeface="Consolas" panose="020B0609020204030204" pitchFamily="49" charset="0"/>
+              </a:rPr>
+              <a:t> in"</a:t>
+            </a:r>
+            <a:r>
+              <a:rPr lang="de-CH" dirty="0">
+                <a:solidFill>
+                  <a:srgbClr val="D4D4D4"/>
+                </a:solidFill>
+                <a:latin typeface="Consolas" panose="020B0609020204030204" pitchFamily="49" charset="0"/>
+              </a:rPr>
+              <a:t>);</a:t>
+            </a:r>
+          </a:p>
+          <a:p>
+            <a:r>
+              <a:rPr lang="de-CH" dirty="0">
+                <a:solidFill>
+                  <a:srgbClr val="C586C0"/>
+                </a:solidFill>
+                <a:latin typeface="Consolas" panose="020B0609020204030204" pitchFamily="49" charset="0"/>
+              </a:rPr>
+              <a:t>      </a:t>
+            </a:r>
+            <a:r>
+              <a:rPr lang="de-CH" dirty="0" err="1">
+                <a:solidFill>
+                  <a:srgbClr val="C586C0"/>
+                </a:solidFill>
+                <a:latin typeface="Consolas" panose="020B0609020204030204" pitchFamily="49" charset="0"/>
+              </a:rPr>
+              <a:t>return</a:t>
+            </a:r>
+            <a:r>
+              <a:rPr lang="de-CH" dirty="0">
+                <a:solidFill>
+                  <a:srgbClr val="D4D4D4"/>
+                </a:solidFill>
+                <a:latin typeface="Consolas" panose="020B0609020204030204" pitchFamily="49" charset="0"/>
+              </a:rPr>
+              <a:t> </a:t>
+            </a:r>
+            <a:r>
+              <a:rPr lang="de-CH" dirty="0">
+                <a:solidFill>
+                  <a:srgbClr val="CE9178"/>
+                </a:solidFill>
+                <a:latin typeface="Consolas" panose="020B0609020204030204" pitchFamily="49" charset="0"/>
+              </a:rPr>
+              <a:t>"</a:t>
+            </a:r>
+            <a:r>
+              <a:rPr lang="de-CH" dirty="0" err="1">
+                <a:solidFill>
+                  <a:srgbClr val="CE9178"/>
+                </a:solidFill>
+                <a:latin typeface="Consolas" panose="020B0609020204030204" pitchFamily="49" charset="0"/>
+              </a:rPr>
+              <a:t>Logged</a:t>
+            </a:r>
+            <a:r>
+              <a:rPr lang="de-CH" dirty="0">
+                <a:solidFill>
+                  <a:srgbClr val="CE9178"/>
+                </a:solidFill>
+                <a:latin typeface="Consolas" panose="020B0609020204030204" pitchFamily="49" charset="0"/>
+              </a:rPr>
+              <a:t> In" </a:t>
+            </a:r>
+            <a:endParaRPr lang="de-CH" dirty="0">
+              <a:solidFill>
+                <a:srgbClr val="D4D4D4"/>
+              </a:solidFill>
+              <a:latin typeface="Consolas" panose="020B0609020204030204" pitchFamily="49" charset="0"/>
+            </a:endParaRPr>
+          </a:p>
+          <a:p>
+            <a:r>
+              <a:rPr lang="de-CH" dirty="0">
+                <a:solidFill>
+                  <a:srgbClr val="C586C0"/>
+                </a:solidFill>
+                <a:latin typeface="Consolas" panose="020B0609020204030204" pitchFamily="49" charset="0"/>
+              </a:rPr>
+              <a:t>    </a:t>
+            </a:r>
+            <a:r>
+              <a:rPr lang="de-CH" dirty="0" err="1">
+                <a:solidFill>
+                  <a:srgbClr val="C586C0"/>
+                </a:solidFill>
+                <a:latin typeface="Consolas" panose="020B0609020204030204" pitchFamily="49" charset="0"/>
+              </a:rPr>
+              <a:t>default</a:t>
+            </a:r>
+            <a:r>
+              <a:rPr lang="de-CH" dirty="0">
+                <a:solidFill>
+                  <a:srgbClr val="D4D4D4"/>
+                </a:solidFill>
+                <a:latin typeface="Consolas" panose="020B0609020204030204" pitchFamily="49" charset="0"/>
+              </a:rPr>
+              <a:t>:</a:t>
+            </a:r>
+          </a:p>
+          <a:p>
+            <a:r>
+              <a:rPr lang="de-CH" dirty="0">
+                <a:solidFill>
+                  <a:srgbClr val="4EC9B0"/>
+                </a:solidFill>
+                <a:latin typeface="Consolas" panose="020B0609020204030204" pitchFamily="49" charset="0"/>
+              </a:rPr>
+              <a:t>      console</a:t>
+            </a:r>
+            <a:r>
+              <a:rPr lang="de-CH" dirty="0">
+                <a:solidFill>
+                  <a:srgbClr val="D4D4D4"/>
+                </a:solidFill>
+                <a:latin typeface="Consolas" panose="020B0609020204030204" pitchFamily="49" charset="0"/>
+              </a:rPr>
+              <a:t>.</a:t>
+            </a:r>
+            <a:r>
+              <a:rPr lang="de-CH" dirty="0">
+                <a:solidFill>
+                  <a:srgbClr val="DCDCAA"/>
+                </a:solidFill>
+                <a:latin typeface="Consolas" panose="020B0609020204030204" pitchFamily="49" charset="0"/>
+              </a:rPr>
+              <a:t>log</a:t>
+            </a:r>
+            <a:r>
+              <a:rPr lang="de-CH" dirty="0">
+                <a:solidFill>
+                  <a:srgbClr val="D4D4D4"/>
+                </a:solidFill>
+                <a:latin typeface="Consolas" panose="020B0609020204030204" pitchFamily="49" charset="0"/>
+              </a:rPr>
+              <a:t>(</a:t>
+            </a:r>
+            <a:r>
+              <a:rPr lang="de-CH" dirty="0">
+                <a:solidFill>
+                  <a:srgbClr val="CE9178"/>
+                </a:solidFill>
+                <a:latin typeface="Consolas" panose="020B0609020204030204" pitchFamily="49" charset="0"/>
+              </a:rPr>
+              <a:t>"WTF"</a:t>
+            </a:r>
+            <a:r>
+              <a:rPr lang="de-CH" dirty="0">
+                <a:solidFill>
+                  <a:srgbClr val="D4D4D4"/>
+                </a:solidFill>
+                <a:latin typeface="Consolas" panose="020B0609020204030204" pitchFamily="49" charset="0"/>
+              </a:rPr>
+              <a:t>);</a:t>
+            </a:r>
+          </a:p>
+          <a:p>
+            <a:r>
+              <a:rPr lang="de-CH" dirty="0">
+                <a:solidFill>
+                  <a:srgbClr val="D4D4D4"/>
+                </a:solidFill>
+                <a:latin typeface="Consolas" panose="020B0609020204030204" pitchFamily="49" charset="0"/>
+              </a:rPr>
+              <a:t>  }</a:t>
+            </a:r>
+          </a:p>
+          <a:p>
+            <a:r>
+              <a:rPr lang="de-CH" dirty="0">
+                <a:solidFill>
+                  <a:srgbClr val="D4D4D4"/>
+                </a:solidFill>
+                <a:latin typeface="Consolas" panose="020B0609020204030204" pitchFamily="49" charset="0"/>
+              </a:rPr>
+              <a:t>}</a:t>
+            </a:r>
+          </a:p>
+        </p:txBody>
+      </p:sp>
+      <p:sp>
+        <p:nvSpPr>
+          <p:cNvPr id="5" name="Speech Bubble: Oval 4">
+            <a:extLst>
+              <a:ext uri="{FF2B5EF4-FFF2-40B4-BE49-F238E27FC236}">
+                <a16:creationId xmlns:a16="http://schemas.microsoft.com/office/drawing/2014/main" id="{1BEC9447-F78D-47DD-BB06-EE1484E63825}"/>
+              </a:ext>
+            </a:extLst>
+          </p:cNvPr>
+          <p:cNvSpPr/>
+          <p:nvPr/>
+        </p:nvSpPr>
+        <p:spPr>
+          <a:xfrm>
+            <a:off x="7628860" y="2589028"/>
+            <a:ext cx="3971261" cy="2227521"/>
+          </a:xfrm>
+          <a:prstGeom prst="wedgeEllipseCallout">
+            <a:avLst>
+              <a:gd name="adj1" fmla="val -67160"/>
+              <a:gd name="adj2" fmla="val 32965"/>
+            </a:avLst>
+          </a:prstGeom>
+          <a:solidFill>
+            <a:schemeClr val="bg1">
+              <a:lumMod val="95000"/>
+            </a:schemeClr>
+          </a:solidFill>
+          <a:ln w="76200">
+            <a:solidFill>
+              <a:srgbClr val="C00000"/>
+            </a:solidFill>
+          </a:ln>
+        </p:spPr>
+        <p:style>
+          <a:lnRef idx="2">
+            <a:schemeClr val="accent1">
+              <a:shade val="50000"/>
+            </a:schemeClr>
+          </a:lnRef>
+          <a:fillRef idx="1">
+            <a:schemeClr val="accent1"/>
+          </a:fillRef>
+          <a:effectRef idx="0">
+            <a:schemeClr val="accent1"/>
+          </a:effectRef>
+          <a:fontRef idx="minor">
+            <a:schemeClr val="lt1"/>
+          </a:fontRef>
+        </p:style>
+        <p:txBody>
+          <a:bodyPr rot="0" spcFirstLastPara="0" vertOverflow="overflow" horzOverflow="overflow" vert="horz" wrap="square" lIns="91440" tIns="45720" rIns="91440" bIns="45720" numCol="1" spcCol="0" rtlCol="0" fromWordArt="0" anchor="ctr" anchorCtr="0" forceAA="0" compatLnSpc="1">
+            <a:prstTxWarp prst="textNoShape">
+              <a:avLst/>
+            </a:prstTxWarp>
+            <a:noAutofit/>
+          </a:bodyPr>
+          <a:lstStyle/>
+          <a:p>
+            <a:pPr algn="ctr"/>
+            <a:r>
+              <a:rPr lang="en-GB" sz="3200" dirty="0">
+                <a:ln w="0"/>
+                <a:solidFill>
+                  <a:schemeClr val="tx1"/>
+                </a:solidFill>
+                <a:effectLst>
+                  <a:outerShdw blurRad="38100" dist="19050" dir="2700000" algn="tl" rotWithShape="0">
+                    <a:schemeClr val="dk1">
+                      <a:alpha val="40000"/>
+                    </a:schemeClr>
+                  </a:outerShdw>
+                </a:effectLst>
+              </a:rPr>
+              <a:t>We don’t handle all cases anymore!</a:t>
+            </a:r>
+          </a:p>
+        </p:txBody>
+      </p:sp>
+    </p:spTree>
+    <p:extLst>
+      <p:ext uri="{BB962C8B-B14F-4D97-AF65-F5344CB8AC3E}">
+        <p14:creationId xmlns:p14="http://schemas.microsoft.com/office/powerpoint/2010/main" val="927749452"/>
+      </p:ext>
+    </p:extLst>
+  </p:cSld>
+  <p:clrMapOvr>
+    <a:masterClrMapping/>
+  </p:clrMapOvr>
+  <p:timing>
+    <p:tnLst>
+      <p:par>
+        <p:cTn id="1" dur="indefinite" restart="never" nodeType="tmRoot">
+          <p:childTnLst>
+            <p:seq concurrent="1" nextAc="seek">
+              <p:cTn id="2" dur="indefinite" nodeType="mainSeq">
+                <p:childTnLst>
+                  <p:par>
+                    <p:cTn id="3" fill="hold">
+                      <p:stCondLst>
+                        <p:cond delay="indefinite"/>
+                      </p:stCondLst>
+                      <p:childTnLst>
+                        <p:par>
+                          <p:cTn id="4" fill="hold">
+                            <p:stCondLst>
+                              <p:cond delay="0"/>
+                            </p:stCondLst>
+                            <p:childTnLst>
+                              <p:par>
+                                <p:cTn id="5" presetID="1" presetClass="entr" presetSubtype="0" fill="hold" grpId="0" nodeType="clickEffect">
+                                  <p:stCondLst>
+                                    <p:cond delay="0"/>
+                                  </p:stCondLst>
+                                  <p:childTnLst>
+                                    <p:set>
+                                      <p:cBhvr>
+                                        <p:cTn id="6" dur="1" fill="hold">
+                                          <p:stCondLst>
+                                            <p:cond delay="0"/>
+                                          </p:stCondLst>
+                                        </p:cTn>
+                                        <p:tgtEl>
+                                          <p:spTgt spid="5"/>
+                                        </p:tgtEl>
+                                        <p:attrNameLst>
+                                          <p:attrName>style.visibility</p:attrName>
+                                        </p:attrNameLst>
+                                      </p:cBhvr>
+                                      <p:to>
+                                        <p:strVal val="visible"/>
+                                      </p:to>
+                                    </p:set>
+                                  </p:childTnLst>
+                                </p:cTn>
+                              </p:par>
+                            </p:childTnLst>
+                          </p:cTn>
+                        </p:par>
+                      </p:childTnLst>
+                    </p:cTn>
+                  </p:par>
+                </p:childTnLst>
+              </p:cTn>
+              <p:prevCondLst>
+                <p:cond evt="onPrev" delay="0">
+                  <p:tgtEl>
+                    <p:sldTgt/>
+                  </p:tgtEl>
+                </p:cond>
+              </p:prevCondLst>
+              <p:nextCondLst>
+                <p:cond evt="onNext" delay="0">
+                  <p:tgtEl>
+                    <p:sldTgt/>
+                  </p:tgtEl>
+                </p:cond>
+              </p:nextCondLst>
+            </p:seq>
+          </p:childTnLst>
+        </p:cTn>
+      </p:par>
+    </p:tnLst>
+    <p:bldLst>
+      <p:bldP spid="5" grpId="0" animBg="1"/>
+    </p:bldLst>
+  </p:timing>
+</p:sld>
+</file>
+
+<file path=ppt/slides/slide22.xml><?xml version="1.0" encoding="utf-8"?>
+<p:sld xmlns:a="http://schemas.openxmlformats.org/drawingml/2006/main" xmlns:r="http://schemas.openxmlformats.org/officeDocument/2006/relationships" xmlns:p="http://schemas.openxmlformats.org/presentationml/2006/main">
+  <p:cSld>
+    <p:spTree>
+      <p:nvGrpSpPr>
+        <p:cNvPr id="1" name=""/>
+        <p:cNvGrpSpPr/>
+        <p:nvPr/>
+      </p:nvGrpSpPr>
+      <p:grpSpPr>
+        <a:xfrm>
+          <a:off x="0" y="0"/>
+          <a:ext cx="0" cy="0"/>
+          <a:chOff x="0" y="0"/>
+          <a:chExt cx="0" cy="0"/>
+        </a:xfrm>
+      </p:grpSpPr>
+      <p:sp>
+        <p:nvSpPr>
+          <p:cNvPr id="2" name="Title 1">
+            <a:extLst>
+              <a:ext uri="{FF2B5EF4-FFF2-40B4-BE49-F238E27FC236}">
+                <a16:creationId xmlns:a16="http://schemas.microsoft.com/office/drawing/2014/main" id="{881C8C4A-DA34-4933-BE30-83EDE40DD3F3}"/>
+              </a:ext>
+            </a:extLst>
+          </p:cNvPr>
+          <p:cNvSpPr>
+            <a:spLocks noGrp="1"/>
+          </p:cNvSpPr>
+          <p:nvPr>
+            <p:ph type="title"/>
+          </p:nvPr>
+        </p:nvSpPr>
+        <p:spPr/>
+        <p:txBody>
+          <a:bodyPr/>
+          <a:lstStyle/>
+          <a:p>
+            <a:r>
+              <a:rPr lang="en-GB" dirty="0"/>
+              <a:t>Example of using Union Types</a:t>
+            </a:r>
+          </a:p>
+        </p:txBody>
+      </p:sp>
+      <p:sp>
+        <p:nvSpPr>
+          <p:cNvPr id="3" name="Content Placeholder 2">
+            <a:extLst>
+              <a:ext uri="{FF2B5EF4-FFF2-40B4-BE49-F238E27FC236}">
+                <a16:creationId xmlns:a16="http://schemas.microsoft.com/office/drawing/2014/main" id="{DD7A9F0C-3198-4D5F-B54B-3C995CC9FC18}"/>
+              </a:ext>
+            </a:extLst>
+          </p:cNvPr>
+          <p:cNvSpPr>
+            <a:spLocks noGrp="1"/>
+          </p:cNvSpPr>
+          <p:nvPr>
+            <p:ph idx="1"/>
+          </p:nvPr>
+        </p:nvSpPr>
+        <p:spPr/>
+        <p:txBody>
+          <a:bodyPr/>
+          <a:lstStyle/>
+          <a:p>
+            <a:pPr marL="0" indent="0">
+              <a:buNone/>
+            </a:pPr>
+            <a:endParaRPr lang="en-GB" dirty="0"/>
+          </a:p>
+        </p:txBody>
+      </p:sp>
+      <p:sp>
+        <p:nvSpPr>
+          <p:cNvPr id="4" name="Rectangle 3">
+            <a:extLst>
+              <a:ext uri="{FF2B5EF4-FFF2-40B4-BE49-F238E27FC236}">
+                <a16:creationId xmlns:a16="http://schemas.microsoft.com/office/drawing/2014/main" id="{0217E739-B41C-417F-B235-6F10CF968E55}"/>
+              </a:ext>
+            </a:extLst>
+          </p:cNvPr>
+          <p:cNvSpPr/>
+          <p:nvPr/>
+        </p:nvSpPr>
+        <p:spPr>
+          <a:xfrm>
+            <a:off x="268308" y="1184858"/>
+            <a:ext cx="11655379" cy="4801314"/>
+          </a:xfrm>
+          <a:prstGeom prst="rect">
+            <a:avLst/>
+          </a:prstGeom>
+          <a:solidFill>
+            <a:schemeClr val="tx1">
+              <a:lumMod val="75000"/>
+              <a:lumOff val="25000"/>
+            </a:schemeClr>
+          </a:solidFill>
+          <a:ln>
+            <a:noFill/>
+          </a:ln>
+        </p:spPr>
+        <p:txBody>
+          <a:bodyPr wrap="square">
+            <a:spAutoFit/>
+          </a:bodyPr>
+          <a:lstStyle/>
+          <a:p>
+            <a:r>
+              <a:rPr lang="de-CH" dirty="0">
+                <a:solidFill>
+                  <a:srgbClr val="569CD6"/>
+                </a:solidFill>
+                <a:latin typeface="Consolas" panose="020B0609020204030204" pitchFamily="49" charset="0"/>
+              </a:rPr>
+              <a:t>type</a:t>
+            </a:r>
+            <a:r>
+              <a:rPr lang="de-CH" dirty="0">
+                <a:solidFill>
+                  <a:srgbClr val="D4D4D4"/>
+                </a:solidFill>
+                <a:latin typeface="Consolas" panose="020B0609020204030204" pitchFamily="49" charset="0"/>
+              </a:rPr>
+              <a:t> </a:t>
+            </a:r>
+            <a:r>
+              <a:rPr lang="de-CH" dirty="0">
+                <a:solidFill>
+                  <a:srgbClr val="4EC9B0"/>
+                </a:solidFill>
+                <a:latin typeface="Consolas" panose="020B0609020204030204" pitchFamily="49" charset="0"/>
+              </a:rPr>
+              <a:t>Actions</a:t>
+            </a:r>
+            <a:r>
+              <a:rPr lang="de-CH" dirty="0">
+                <a:solidFill>
+                  <a:srgbClr val="D4D4D4"/>
+                </a:solidFill>
+                <a:latin typeface="Consolas" panose="020B0609020204030204" pitchFamily="49" charset="0"/>
+              </a:rPr>
+              <a:t> = </a:t>
+            </a:r>
+            <a:r>
+              <a:rPr lang="de-CH" dirty="0" err="1">
+                <a:solidFill>
+                  <a:srgbClr val="4EC9B0"/>
+                </a:solidFill>
+                <a:latin typeface="Consolas" panose="020B0609020204030204" pitchFamily="49" charset="0"/>
+              </a:rPr>
+              <a:t>InitAction</a:t>
+            </a:r>
+            <a:r>
+              <a:rPr lang="de-CH" dirty="0">
+                <a:solidFill>
+                  <a:srgbClr val="D4D4D4"/>
+                </a:solidFill>
+                <a:latin typeface="Consolas" panose="020B0609020204030204" pitchFamily="49" charset="0"/>
+              </a:rPr>
+              <a:t> | </a:t>
+            </a:r>
+            <a:r>
+              <a:rPr lang="de-CH" dirty="0" err="1">
+                <a:solidFill>
+                  <a:srgbClr val="4EC9B0"/>
+                </a:solidFill>
+                <a:latin typeface="Consolas" panose="020B0609020204030204" pitchFamily="49" charset="0"/>
+              </a:rPr>
+              <a:t>LoginAction</a:t>
+            </a:r>
+            <a:r>
+              <a:rPr lang="de-CH" dirty="0">
+                <a:solidFill>
+                  <a:srgbClr val="D4D4D4"/>
+                </a:solidFill>
+                <a:latin typeface="Consolas" panose="020B0609020204030204" pitchFamily="49" charset="0"/>
+              </a:rPr>
+              <a:t> | </a:t>
+            </a:r>
+            <a:r>
+              <a:rPr lang="de-CH" dirty="0" err="1">
+                <a:solidFill>
+                  <a:srgbClr val="4EC9B0"/>
+                </a:solidFill>
+                <a:latin typeface="Consolas" panose="020B0609020204030204" pitchFamily="49" charset="0"/>
+              </a:rPr>
+              <a:t>LogOutAction</a:t>
+            </a:r>
+            <a:r>
+              <a:rPr lang="de-CH" dirty="0">
+                <a:solidFill>
+                  <a:srgbClr val="D4D4D4"/>
+                </a:solidFill>
+                <a:latin typeface="Consolas" panose="020B0609020204030204" pitchFamily="49" charset="0"/>
+              </a:rPr>
+              <a:t>;</a:t>
+            </a:r>
+          </a:p>
+          <a:p>
+            <a:br>
+              <a:rPr lang="de-CH" dirty="0">
+                <a:solidFill>
+                  <a:srgbClr val="D4D4D4"/>
+                </a:solidFill>
+                <a:latin typeface="Consolas" panose="020B0609020204030204" pitchFamily="49" charset="0"/>
+              </a:rPr>
+            </a:br>
+            <a:r>
+              <a:rPr lang="de-CH" dirty="0" err="1">
+                <a:solidFill>
+                  <a:srgbClr val="569CD6"/>
+                </a:solidFill>
+                <a:latin typeface="Consolas" panose="020B0609020204030204" pitchFamily="49" charset="0"/>
+              </a:rPr>
+              <a:t>function</a:t>
+            </a:r>
+            <a:r>
+              <a:rPr lang="de-CH" dirty="0">
+                <a:solidFill>
+                  <a:srgbClr val="D4D4D4"/>
+                </a:solidFill>
+                <a:latin typeface="Consolas" panose="020B0609020204030204" pitchFamily="49" charset="0"/>
+              </a:rPr>
+              <a:t> </a:t>
+            </a:r>
+            <a:r>
+              <a:rPr lang="de-CH" dirty="0" err="1">
+                <a:solidFill>
+                  <a:srgbClr val="DCDCAA"/>
+                </a:solidFill>
+                <a:latin typeface="Consolas" panose="020B0609020204030204" pitchFamily="49" charset="0"/>
+              </a:rPr>
+              <a:t>assertNever</a:t>
+            </a:r>
+            <a:r>
+              <a:rPr lang="de-CH" dirty="0">
+                <a:solidFill>
+                  <a:srgbClr val="D4D4D4"/>
+                </a:solidFill>
+                <a:latin typeface="Consolas" panose="020B0609020204030204" pitchFamily="49" charset="0"/>
+              </a:rPr>
+              <a:t>(</a:t>
+            </a:r>
+            <a:r>
+              <a:rPr lang="de-CH" dirty="0">
+                <a:solidFill>
+                  <a:srgbClr val="9CDCFE"/>
+                </a:solidFill>
+                <a:latin typeface="Consolas" panose="020B0609020204030204" pitchFamily="49" charset="0"/>
+              </a:rPr>
+              <a:t>x</a:t>
+            </a:r>
+            <a:r>
+              <a:rPr lang="de-CH" dirty="0">
+                <a:solidFill>
+                  <a:srgbClr val="D4D4D4"/>
+                </a:solidFill>
+                <a:latin typeface="Consolas" panose="020B0609020204030204" pitchFamily="49" charset="0"/>
+              </a:rPr>
+              <a:t>: </a:t>
+            </a:r>
+            <a:r>
+              <a:rPr lang="de-CH" dirty="0" err="1">
+                <a:solidFill>
+                  <a:srgbClr val="4EC9B0"/>
+                </a:solidFill>
+                <a:latin typeface="Consolas" panose="020B0609020204030204" pitchFamily="49" charset="0"/>
+              </a:rPr>
+              <a:t>never</a:t>
+            </a:r>
+            <a:r>
+              <a:rPr lang="de-CH" dirty="0">
+                <a:solidFill>
+                  <a:srgbClr val="D4D4D4"/>
+                </a:solidFill>
+                <a:latin typeface="Consolas" panose="020B0609020204030204" pitchFamily="49" charset="0"/>
+              </a:rPr>
+              <a:t>): </a:t>
+            </a:r>
+            <a:r>
+              <a:rPr lang="de-CH" dirty="0" err="1">
+                <a:solidFill>
+                  <a:srgbClr val="4EC9B0"/>
+                </a:solidFill>
+                <a:latin typeface="Consolas" panose="020B0609020204030204" pitchFamily="49" charset="0"/>
+              </a:rPr>
+              <a:t>never</a:t>
+            </a:r>
+            <a:r>
+              <a:rPr lang="de-CH" dirty="0">
+                <a:solidFill>
+                  <a:srgbClr val="D4D4D4"/>
+                </a:solidFill>
+                <a:latin typeface="Consolas" panose="020B0609020204030204" pitchFamily="49" charset="0"/>
+              </a:rPr>
+              <a:t> {</a:t>
+            </a:r>
+          </a:p>
+          <a:p>
+            <a:r>
+              <a:rPr lang="de-CH" dirty="0">
+                <a:solidFill>
+                  <a:srgbClr val="C586C0"/>
+                </a:solidFill>
+                <a:latin typeface="Consolas" panose="020B0609020204030204" pitchFamily="49" charset="0"/>
+              </a:rPr>
+              <a:t>  </a:t>
+            </a:r>
+            <a:r>
+              <a:rPr lang="de-CH" dirty="0" err="1">
+                <a:solidFill>
+                  <a:srgbClr val="C586C0"/>
+                </a:solidFill>
+                <a:latin typeface="Consolas" panose="020B0609020204030204" pitchFamily="49" charset="0"/>
+              </a:rPr>
+              <a:t>throw</a:t>
+            </a:r>
+            <a:r>
+              <a:rPr lang="de-CH" dirty="0">
+                <a:solidFill>
+                  <a:srgbClr val="D4D4D4"/>
+                </a:solidFill>
+                <a:latin typeface="Consolas" panose="020B0609020204030204" pitchFamily="49" charset="0"/>
+              </a:rPr>
+              <a:t> </a:t>
+            </a:r>
+            <a:r>
+              <a:rPr lang="de-CH" dirty="0" err="1">
+                <a:solidFill>
+                  <a:srgbClr val="569CD6"/>
+                </a:solidFill>
+                <a:latin typeface="Consolas" panose="020B0609020204030204" pitchFamily="49" charset="0"/>
+              </a:rPr>
+              <a:t>new</a:t>
+            </a:r>
+            <a:r>
+              <a:rPr lang="de-CH" dirty="0">
+                <a:solidFill>
+                  <a:srgbClr val="D4D4D4"/>
+                </a:solidFill>
+                <a:latin typeface="Consolas" panose="020B0609020204030204" pitchFamily="49" charset="0"/>
+              </a:rPr>
+              <a:t> </a:t>
+            </a:r>
+            <a:r>
+              <a:rPr lang="de-CH" dirty="0">
+                <a:solidFill>
+                  <a:srgbClr val="4EC9B0"/>
+                </a:solidFill>
+                <a:latin typeface="Consolas" panose="020B0609020204030204" pitchFamily="49" charset="0"/>
+              </a:rPr>
+              <a:t>Error</a:t>
+            </a:r>
+            <a:r>
+              <a:rPr lang="de-CH" dirty="0">
+                <a:solidFill>
+                  <a:srgbClr val="D4D4D4"/>
+                </a:solidFill>
+                <a:latin typeface="Consolas" panose="020B0609020204030204" pitchFamily="49" charset="0"/>
+              </a:rPr>
+              <a:t>(</a:t>
+            </a:r>
+            <a:r>
+              <a:rPr lang="de-CH" dirty="0">
+                <a:solidFill>
+                  <a:srgbClr val="CE9178"/>
+                </a:solidFill>
+                <a:latin typeface="Consolas" panose="020B0609020204030204" pitchFamily="49" charset="0"/>
+              </a:rPr>
+              <a:t>"</a:t>
+            </a:r>
+            <a:r>
+              <a:rPr lang="de-CH" dirty="0" err="1">
+                <a:solidFill>
+                  <a:srgbClr val="CE9178"/>
+                </a:solidFill>
+                <a:latin typeface="Consolas" panose="020B0609020204030204" pitchFamily="49" charset="0"/>
+              </a:rPr>
+              <a:t>Unexpected</a:t>
+            </a:r>
+            <a:r>
+              <a:rPr lang="de-CH" dirty="0">
+                <a:solidFill>
+                  <a:srgbClr val="CE9178"/>
+                </a:solidFill>
+                <a:latin typeface="Consolas" panose="020B0609020204030204" pitchFamily="49" charset="0"/>
+              </a:rPr>
+              <a:t> </a:t>
+            </a:r>
+            <a:r>
+              <a:rPr lang="de-CH" dirty="0" err="1">
+                <a:solidFill>
+                  <a:srgbClr val="CE9178"/>
+                </a:solidFill>
+                <a:latin typeface="Consolas" panose="020B0609020204030204" pitchFamily="49" charset="0"/>
+              </a:rPr>
+              <a:t>object</a:t>
+            </a:r>
+            <a:r>
+              <a:rPr lang="de-CH" dirty="0">
+                <a:solidFill>
+                  <a:srgbClr val="CE9178"/>
+                </a:solidFill>
+                <a:latin typeface="Consolas" panose="020B0609020204030204" pitchFamily="49" charset="0"/>
+              </a:rPr>
+              <a:t>: "</a:t>
+            </a:r>
+            <a:r>
+              <a:rPr lang="de-CH" dirty="0">
+                <a:solidFill>
+                  <a:srgbClr val="D4D4D4"/>
+                </a:solidFill>
+                <a:latin typeface="Consolas" panose="020B0609020204030204" pitchFamily="49" charset="0"/>
+              </a:rPr>
+              <a:t> + </a:t>
+            </a:r>
+            <a:r>
+              <a:rPr lang="de-CH" dirty="0">
+                <a:solidFill>
+                  <a:srgbClr val="9CDCFE"/>
+                </a:solidFill>
+                <a:latin typeface="Consolas" panose="020B0609020204030204" pitchFamily="49" charset="0"/>
+              </a:rPr>
+              <a:t>x</a:t>
+            </a:r>
+            <a:r>
+              <a:rPr lang="de-CH" dirty="0">
+                <a:solidFill>
+                  <a:srgbClr val="D4D4D4"/>
+                </a:solidFill>
+                <a:latin typeface="Consolas" panose="020B0609020204030204" pitchFamily="49" charset="0"/>
+              </a:rPr>
+              <a:t>);</a:t>
+            </a:r>
+          </a:p>
+          <a:p>
+            <a:r>
+              <a:rPr lang="de-CH" dirty="0">
+                <a:solidFill>
+                  <a:srgbClr val="D4D4D4"/>
+                </a:solidFill>
+                <a:latin typeface="Consolas" panose="020B0609020204030204" pitchFamily="49" charset="0"/>
+              </a:rPr>
+              <a:t>}</a:t>
+            </a:r>
+          </a:p>
+          <a:p>
+            <a:br>
+              <a:rPr lang="de-CH" dirty="0">
+                <a:solidFill>
+                  <a:srgbClr val="D4D4D4"/>
+                </a:solidFill>
+                <a:latin typeface="Consolas" panose="020B0609020204030204" pitchFamily="49" charset="0"/>
+              </a:rPr>
+            </a:br>
+            <a:r>
+              <a:rPr lang="de-CH" dirty="0" err="1">
+                <a:solidFill>
+                  <a:srgbClr val="569CD6"/>
+                </a:solidFill>
+                <a:latin typeface="Consolas" panose="020B0609020204030204" pitchFamily="49" charset="0"/>
+              </a:rPr>
+              <a:t>function</a:t>
+            </a:r>
+            <a:r>
+              <a:rPr lang="de-CH" dirty="0">
+                <a:solidFill>
+                  <a:srgbClr val="D4D4D4"/>
+                </a:solidFill>
+                <a:latin typeface="Consolas" panose="020B0609020204030204" pitchFamily="49" charset="0"/>
+              </a:rPr>
+              <a:t> </a:t>
+            </a:r>
+            <a:r>
+              <a:rPr lang="de-CH" dirty="0" err="1">
+                <a:solidFill>
+                  <a:srgbClr val="DCDCAA"/>
+                </a:solidFill>
+                <a:latin typeface="Consolas" panose="020B0609020204030204" pitchFamily="49" charset="0"/>
+              </a:rPr>
+              <a:t>exhaustiveHandleAction</a:t>
+            </a:r>
+            <a:r>
+              <a:rPr lang="de-CH" dirty="0">
+                <a:solidFill>
+                  <a:srgbClr val="D4D4D4"/>
+                </a:solidFill>
+                <a:latin typeface="Consolas" panose="020B0609020204030204" pitchFamily="49" charset="0"/>
+              </a:rPr>
+              <a:t>(</a:t>
+            </a:r>
+            <a:r>
+              <a:rPr lang="de-CH" dirty="0" err="1">
+                <a:solidFill>
+                  <a:srgbClr val="9CDCFE"/>
+                </a:solidFill>
+                <a:latin typeface="Consolas" panose="020B0609020204030204" pitchFamily="49" charset="0"/>
+              </a:rPr>
+              <a:t>action</a:t>
+            </a:r>
+            <a:r>
+              <a:rPr lang="de-CH" dirty="0">
+                <a:solidFill>
+                  <a:srgbClr val="D4D4D4"/>
+                </a:solidFill>
+                <a:latin typeface="Consolas" panose="020B0609020204030204" pitchFamily="49" charset="0"/>
+              </a:rPr>
+              <a:t>: </a:t>
+            </a:r>
+            <a:r>
+              <a:rPr lang="de-CH" dirty="0">
+                <a:solidFill>
+                  <a:srgbClr val="4EC9B0"/>
+                </a:solidFill>
+                <a:latin typeface="Consolas" panose="020B0609020204030204" pitchFamily="49" charset="0"/>
+              </a:rPr>
+              <a:t>Actions</a:t>
+            </a:r>
+            <a:r>
+              <a:rPr lang="de-CH" dirty="0">
+                <a:solidFill>
+                  <a:srgbClr val="D4D4D4"/>
+                </a:solidFill>
+                <a:latin typeface="Consolas" panose="020B0609020204030204" pitchFamily="49" charset="0"/>
+              </a:rPr>
+              <a:t>) {</a:t>
+            </a:r>
+          </a:p>
+          <a:p>
+            <a:r>
+              <a:rPr lang="de-CH" dirty="0">
+                <a:solidFill>
+                  <a:srgbClr val="C586C0"/>
+                </a:solidFill>
+                <a:latin typeface="Consolas" panose="020B0609020204030204" pitchFamily="49" charset="0"/>
+              </a:rPr>
+              <a:t>  switch</a:t>
+            </a:r>
+            <a:r>
+              <a:rPr lang="de-CH" dirty="0">
+                <a:solidFill>
+                  <a:srgbClr val="D4D4D4"/>
+                </a:solidFill>
+                <a:latin typeface="Consolas" panose="020B0609020204030204" pitchFamily="49" charset="0"/>
+              </a:rPr>
+              <a:t> (</a:t>
+            </a:r>
+            <a:r>
+              <a:rPr lang="de-CH" dirty="0" err="1">
+                <a:solidFill>
+                  <a:srgbClr val="9CDCFE"/>
+                </a:solidFill>
+                <a:latin typeface="Consolas" panose="020B0609020204030204" pitchFamily="49" charset="0"/>
+              </a:rPr>
+              <a:t>action</a:t>
+            </a:r>
+            <a:r>
+              <a:rPr lang="de-CH" dirty="0" err="1">
+                <a:solidFill>
+                  <a:srgbClr val="D4D4D4"/>
+                </a:solidFill>
+                <a:latin typeface="Consolas" panose="020B0609020204030204" pitchFamily="49" charset="0"/>
+              </a:rPr>
+              <a:t>.</a:t>
+            </a:r>
+            <a:r>
+              <a:rPr lang="de-CH" dirty="0" err="1">
+                <a:solidFill>
+                  <a:srgbClr val="9CDCFE"/>
+                </a:solidFill>
+                <a:latin typeface="Consolas" panose="020B0609020204030204" pitchFamily="49" charset="0"/>
+              </a:rPr>
+              <a:t>type</a:t>
+            </a:r>
+            <a:r>
+              <a:rPr lang="de-CH" dirty="0">
+                <a:solidFill>
+                  <a:srgbClr val="D4D4D4"/>
+                </a:solidFill>
+                <a:latin typeface="Consolas" panose="020B0609020204030204" pitchFamily="49" charset="0"/>
+              </a:rPr>
+              <a:t>) {</a:t>
+            </a:r>
+          </a:p>
+          <a:p>
+            <a:r>
+              <a:rPr lang="de-CH" dirty="0">
+                <a:solidFill>
+                  <a:srgbClr val="C586C0"/>
+                </a:solidFill>
+                <a:latin typeface="Consolas" panose="020B0609020204030204" pitchFamily="49" charset="0"/>
+              </a:rPr>
+              <a:t>    </a:t>
+            </a:r>
+            <a:r>
+              <a:rPr lang="de-CH" dirty="0" err="1">
+                <a:solidFill>
+                  <a:srgbClr val="C586C0"/>
+                </a:solidFill>
+                <a:latin typeface="Consolas" panose="020B0609020204030204" pitchFamily="49" charset="0"/>
+              </a:rPr>
+              <a:t>case</a:t>
+            </a:r>
+            <a:r>
+              <a:rPr lang="de-CH" dirty="0">
+                <a:solidFill>
+                  <a:srgbClr val="D4D4D4"/>
+                </a:solidFill>
+                <a:latin typeface="Consolas" panose="020B0609020204030204" pitchFamily="49" charset="0"/>
+              </a:rPr>
+              <a:t> </a:t>
+            </a:r>
+            <a:r>
+              <a:rPr lang="de-CH" dirty="0">
+                <a:solidFill>
+                  <a:srgbClr val="CE9178"/>
+                </a:solidFill>
+                <a:latin typeface="Consolas" panose="020B0609020204030204" pitchFamily="49" charset="0"/>
+              </a:rPr>
+              <a:t>"INIT"</a:t>
+            </a:r>
+            <a:r>
+              <a:rPr lang="de-CH" dirty="0">
+                <a:solidFill>
+                  <a:srgbClr val="D4D4D4"/>
+                </a:solidFill>
+                <a:latin typeface="Consolas" panose="020B0609020204030204" pitchFamily="49" charset="0"/>
+              </a:rPr>
+              <a:t>:</a:t>
+            </a:r>
+          </a:p>
+          <a:p>
+            <a:r>
+              <a:rPr lang="de-CH" dirty="0">
+                <a:solidFill>
+                  <a:srgbClr val="C586C0"/>
+                </a:solidFill>
+                <a:latin typeface="Consolas" panose="020B0609020204030204" pitchFamily="49" charset="0"/>
+              </a:rPr>
+              <a:t>      </a:t>
+            </a:r>
+            <a:r>
+              <a:rPr lang="de-CH" dirty="0" err="1">
+                <a:solidFill>
+                  <a:srgbClr val="C586C0"/>
+                </a:solidFill>
+                <a:latin typeface="Consolas" panose="020B0609020204030204" pitchFamily="49" charset="0"/>
+              </a:rPr>
+              <a:t>return</a:t>
+            </a:r>
+            <a:r>
+              <a:rPr lang="de-CH" dirty="0">
+                <a:solidFill>
+                  <a:srgbClr val="D4D4D4"/>
+                </a:solidFill>
+                <a:latin typeface="Consolas" panose="020B0609020204030204" pitchFamily="49" charset="0"/>
+              </a:rPr>
+              <a:t> </a:t>
+            </a:r>
+            <a:r>
+              <a:rPr lang="de-CH" dirty="0">
+                <a:solidFill>
+                  <a:srgbClr val="CE9178"/>
+                </a:solidFill>
+                <a:latin typeface="Consolas" panose="020B0609020204030204" pitchFamily="49" charset="0"/>
+              </a:rPr>
+              <a:t>"</a:t>
+            </a:r>
+            <a:r>
+              <a:rPr lang="de-CH" dirty="0" err="1">
+                <a:solidFill>
+                  <a:srgbClr val="CE9178"/>
+                </a:solidFill>
+                <a:latin typeface="Consolas" panose="020B0609020204030204" pitchFamily="49" charset="0"/>
+              </a:rPr>
+              <a:t>Initialized</a:t>
+            </a:r>
+            <a:r>
+              <a:rPr lang="de-CH" dirty="0">
+                <a:solidFill>
+                  <a:srgbClr val="CE9178"/>
+                </a:solidFill>
+                <a:latin typeface="Consolas" panose="020B0609020204030204" pitchFamily="49" charset="0"/>
+              </a:rPr>
+              <a:t>"</a:t>
+            </a:r>
+            <a:r>
+              <a:rPr lang="de-CH" dirty="0">
+                <a:solidFill>
+                  <a:srgbClr val="D4D4D4"/>
+                </a:solidFill>
+                <a:latin typeface="Consolas" panose="020B0609020204030204" pitchFamily="49" charset="0"/>
+              </a:rPr>
+              <a:t>;</a:t>
+            </a:r>
+          </a:p>
+          <a:p>
+            <a:r>
+              <a:rPr lang="de-CH" dirty="0">
+                <a:solidFill>
+                  <a:srgbClr val="C586C0"/>
+                </a:solidFill>
+                <a:latin typeface="Consolas" panose="020B0609020204030204" pitchFamily="49" charset="0"/>
+              </a:rPr>
+              <a:t>    </a:t>
+            </a:r>
+            <a:r>
+              <a:rPr lang="de-CH" dirty="0" err="1">
+                <a:solidFill>
+                  <a:srgbClr val="C586C0"/>
+                </a:solidFill>
+                <a:latin typeface="Consolas" panose="020B0609020204030204" pitchFamily="49" charset="0"/>
+              </a:rPr>
+              <a:t>case</a:t>
+            </a:r>
+            <a:r>
+              <a:rPr lang="de-CH" dirty="0">
+                <a:solidFill>
+                  <a:srgbClr val="D4D4D4"/>
+                </a:solidFill>
+                <a:latin typeface="Consolas" panose="020B0609020204030204" pitchFamily="49" charset="0"/>
+              </a:rPr>
+              <a:t> </a:t>
+            </a:r>
+            <a:r>
+              <a:rPr lang="de-CH" dirty="0">
+                <a:solidFill>
+                  <a:srgbClr val="CE9178"/>
+                </a:solidFill>
+                <a:latin typeface="Consolas" panose="020B0609020204030204" pitchFamily="49" charset="0"/>
+              </a:rPr>
+              <a:t>"LOGIN"</a:t>
+            </a:r>
+            <a:r>
+              <a:rPr lang="de-CH" dirty="0">
+                <a:solidFill>
+                  <a:srgbClr val="D4D4D4"/>
+                </a:solidFill>
+                <a:latin typeface="Consolas" panose="020B0609020204030204" pitchFamily="49" charset="0"/>
+              </a:rPr>
+              <a:t>:</a:t>
+            </a:r>
+          </a:p>
+          <a:p>
+            <a:r>
+              <a:rPr lang="de-CH" dirty="0">
+                <a:solidFill>
+                  <a:srgbClr val="4EC9B0"/>
+                </a:solidFill>
+                <a:latin typeface="Consolas" panose="020B0609020204030204" pitchFamily="49" charset="0"/>
+              </a:rPr>
+              <a:t>      console</a:t>
+            </a:r>
+            <a:r>
+              <a:rPr lang="de-CH" dirty="0">
+                <a:solidFill>
+                  <a:srgbClr val="D4D4D4"/>
+                </a:solidFill>
+                <a:latin typeface="Consolas" panose="020B0609020204030204" pitchFamily="49" charset="0"/>
+              </a:rPr>
+              <a:t>.</a:t>
+            </a:r>
+            <a:r>
+              <a:rPr lang="de-CH" dirty="0">
+                <a:solidFill>
+                  <a:srgbClr val="DCDCAA"/>
+                </a:solidFill>
+                <a:latin typeface="Consolas" panose="020B0609020204030204" pitchFamily="49" charset="0"/>
+              </a:rPr>
+              <a:t>log</a:t>
+            </a:r>
+            <a:r>
+              <a:rPr lang="de-CH" dirty="0">
+                <a:solidFill>
+                  <a:srgbClr val="D4D4D4"/>
+                </a:solidFill>
+                <a:latin typeface="Consolas" panose="020B0609020204030204" pitchFamily="49" charset="0"/>
+              </a:rPr>
+              <a:t>(</a:t>
+            </a:r>
+            <a:r>
+              <a:rPr lang="de-CH" dirty="0">
+                <a:solidFill>
+                  <a:srgbClr val="9CDCFE"/>
+                </a:solidFill>
+                <a:latin typeface="Consolas" panose="020B0609020204030204" pitchFamily="49" charset="0"/>
+              </a:rPr>
+              <a:t>action</a:t>
+            </a:r>
+            <a:r>
+              <a:rPr lang="de-CH" dirty="0">
+                <a:solidFill>
+                  <a:srgbClr val="D4D4D4"/>
+                </a:solidFill>
+                <a:latin typeface="Consolas" panose="020B0609020204030204" pitchFamily="49" charset="0"/>
+              </a:rPr>
+              <a:t>.</a:t>
+            </a:r>
+            <a:r>
+              <a:rPr lang="de-CH" dirty="0">
+                <a:solidFill>
+                  <a:srgbClr val="9CDCFE"/>
+                </a:solidFill>
+                <a:latin typeface="Consolas" panose="020B0609020204030204" pitchFamily="49" charset="0"/>
+              </a:rPr>
+              <a:t>name</a:t>
+            </a:r>
+            <a:r>
+              <a:rPr lang="de-CH" dirty="0">
+                <a:solidFill>
+                  <a:srgbClr val="D4D4D4"/>
+                </a:solidFill>
+                <a:latin typeface="Consolas" panose="020B0609020204030204" pitchFamily="49" charset="0"/>
+              </a:rPr>
+              <a:t> + </a:t>
+            </a:r>
+            <a:r>
+              <a:rPr lang="de-CH" dirty="0">
+                <a:solidFill>
+                  <a:srgbClr val="CE9178"/>
+                </a:solidFill>
+                <a:latin typeface="Consolas" panose="020B0609020204030204" pitchFamily="49" charset="0"/>
+              </a:rPr>
+              <a:t>" </a:t>
+            </a:r>
+            <a:r>
+              <a:rPr lang="de-CH" dirty="0" err="1">
+                <a:solidFill>
+                  <a:srgbClr val="CE9178"/>
+                </a:solidFill>
+                <a:latin typeface="Consolas" panose="020B0609020204030204" pitchFamily="49" charset="0"/>
+              </a:rPr>
+              <a:t>logged</a:t>
+            </a:r>
+            <a:r>
+              <a:rPr lang="de-CH" dirty="0">
+                <a:solidFill>
+                  <a:srgbClr val="CE9178"/>
+                </a:solidFill>
+                <a:latin typeface="Consolas" panose="020B0609020204030204" pitchFamily="49" charset="0"/>
+              </a:rPr>
+              <a:t> in"</a:t>
+            </a:r>
+            <a:r>
+              <a:rPr lang="de-CH" dirty="0">
+                <a:solidFill>
+                  <a:srgbClr val="D4D4D4"/>
+                </a:solidFill>
+                <a:latin typeface="Consolas" panose="020B0609020204030204" pitchFamily="49" charset="0"/>
+              </a:rPr>
+              <a:t>);</a:t>
+            </a:r>
+          </a:p>
+          <a:p>
+            <a:r>
+              <a:rPr lang="de-CH" dirty="0">
+                <a:solidFill>
+                  <a:srgbClr val="C586C0"/>
+                </a:solidFill>
+                <a:latin typeface="Consolas" panose="020B0609020204030204" pitchFamily="49" charset="0"/>
+              </a:rPr>
+              <a:t>      </a:t>
+            </a:r>
+            <a:r>
+              <a:rPr lang="de-CH" dirty="0" err="1">
+                <a:solidFill>
+                  <a:srgbClr val="C586C0"/>
+                </a:solidFill>
+                <a:latin typeface="Consolas" panose="020B0609020204030204" pitchFamily="49" charset="0"/>
+              </a:rPr>
+              <a:t>return</a:t>
+            </a:r>
+            <a:r>
+              <a:rPr lang="de-CH" dirty="0">
+                <a:solidFill>
+                  <a:srgbClr val="D4D4D4"/>
+                </a:solidFill>
+                <a:latin typeface="Consolas" panose="020B0609020204030204" pitchFamily="49" charset="0"/>
+              </a:rPr>
+              <a:t> </a:t>
+            </a:r>
+            <a:r>
+              <a:rPr lang="de-CH" dirty="0">
+                <a:solidFill>
+                  <a:srgbClr val="CE9178"/>
+                </a:solidFill>
+                <a:latin typeface="Consolas" panose="020B0609020204030204" pitchFamily="49" charset="0"/>
+              </a:rPr>
+              <a:t>"</a:t>
+            </a:r>
+            <a:r>
+              <a:rPr lang="de-CH" dirty="0" err="1">
+                <a:solidFill>
+                  <a:srgbClr val="CE9178"/>
+                </a:solidFill>
+                <a:latin typeface="Consolas" panose="020B0609020204030204" pitchFamily="49" charset="0"/>
+              </a:rPr>
+              <a:t>Logged</a:t>
+            </a:r>
+            <a:r>
+              <a:rPr lang="de-CH" dirty="0">
+                <a:solidFill>
+                  <a:srgbClr val="CE9178"/>
+                </a:solidFill>
+                <a:latin typeface="Consolas" panose="020B0609020204030204" pitchFamily="49" charset="0"/>
+              </a:rPr>
+              <a:t> In"</a:t>
+            </a:r>
+            <a:endParaRPr lang="de-CH" dirty="0">
+              <a:solidFill>
+                <a:srgbClr val="D4D4D4"/>
+              </a:solidFill>
+              <a:latin typeface="Consolas" panose="020B0609020204030204" pitchFamily="49" charset="0"/>
+            </a:endParaRPr>
+          </a:p>
+          <a:p>
+            <a:r>
+              <a:rPr lang="de-CH" dirty="0">
+                <a:solidFill>
+                  <a:srgbClr val="C586C0"/>
+                </a:solidFill>
+                <a:latin typeface="Consolas" panose="020B0609020204030204" pitchFamily="49" charset="0"/>
+              </a:rPr>
+              <a:t>    </a:t>
+            </a:r>
+            <a:r>
+              <a:rPr lang="de-CH" dirty="0" err="1">
+                <a:solidFill>
+                  <a:srgbClr val="C586C0"/>
+                </a:solidFill>
+                <a:latin typeface="Consolas" panose="020B0609020204030204" pitchFamily="49" charset="0"/>
+              </a:rPr>
+              <a:t>default</a:t>
+            </a:r>
+            <a:r>
+              <a:rPr lang="de-CH" dirty="0">
+                <a:solidFill>
+                  <a:srgbClr val="D4D4D4"/>
+                </a:solidFill>
+                <a:latin typeface="Consolas" panose="020B0609020204030204" pitchFamily="49" charset="0"/>
+              </a:rPr>
+              <a:t>:</a:t>
+            </a:r>
+          </a:p>
+          <a:p>
+            <a:r>
+              <a:rPr lang="de-CH" dirty="0">
+                <a:solidFill>
+                  <a:srgbClr val="C586C0"/>
+                </a:solidFill>
+                <a:latin typeface="Consolas" panose="020B0609020204030204" pitchFamily="49" charset="0"/>
+              </a:rPr>
+              <a:t>      </a:t>
+            </a:r>
+            <a:r>
+              <a:rPr lang="de-CH" dirty="0" err="1">
+                <a:solidFill>
+                  <a:srgbClr val="C586C0"/>
+                </a:solidFill>
+                <a:latin typeface="Consolas" panose="020B0609020204030204" pitchFamily="49" charset="0"/>
+              </a:rPr>
+              <a:t>return</a:t>
+            </a:r>
+            <a:r>
+              <a:rPr lang="de-CH" dirty="0">
+                <a:solidFill>
+                  <a:srgbClr val="D4D4D4"/>
+                </a:solidFill>
+                <a:latin typeface="Consolas" panose="020B0609020204030204" pitchFamily="49" charset="0"/>
+              </a:rPr>
+              <a:t> </a:t>
+            </a:r>
+            <a:r>
+              <a:rPr lang="de-CH" dirty="0" err="1">
+                <a:solidFill>
+                  <a:srgbClr val="DCDCAA"/>
+                </a:solidFill>
+                <a:latin typeface="Consolas" panose="020B0609020204030204" pitchFamily="49" charset="0"/>
+              </a:rPr>
+              <a:t>assertNever</a:t>
+            </a:r>
+            <a:r>
+              <a:rPr lang="de-CH" dirty="0">
+                <a:solidFill>
+                  <a:srgbClr val="D4D4D4"/>
+                </a:solidFill>
+                <a:latin typeface="Consolas" panose="020B0609020204030204" pitchFamily="49" charset="0"/>
+              </a:rPr>
+              <a:t>(</a:t>
+            </a:r>
+            <a:r>
+              <a:rPr lang="de-CH" dirty="0" err="1">
+                <a:solidFill>
+                  <a:srgbClr val="9CDCFE"/>
+                </a:solidFill>
+                <a:latin typeface="Consolas" panose="020B0609020204030204" pitchFamily="49" charset="0"/>
+              </a:rPr>
+              <a:t>action</a:t>
+            </a:r>
+            <a:r>
+              <a:rPr lang="de-CH" dirty="0">
+                <a:solidFill>
+                  <a:srgbClr val="D4D4D4"/>
+                </a:solidFill>
+                <a:latin typeface="Consolas" panose="020B0609020204030204" pitchFamily="49" charset="0"/>
+              </a:rPr>
+              <a:t>);</a:t>
+            </a:r>
+          </a:p>
+          <a:p>
+            <a:r>
+              <a:rPr lang="de-CH" dirty="0">
+                <a:solidFill>
+                  <a:srgbClr val="D4D4D4"/>
+                </a:solidFill>
+                <a:latin typeface="Consolas" panose="020B0609020204030204" pitchFamily="49" charset="0"/>
+              </a:rPr>
+              <a:t>  }</a:t>
+            </a:r>
+          </a:p>
+          <a:p>
+            <a:r>
+              <a:rPr lang="de-CH" dirty="0">
+                <a:solidFill>
+                  <a:srgbClr val="D4D4D4"/>
+                </a:solidFill>
+                <a:latin typeface="Consolas" panose="020B0609020204030204" pitchFamily="49" charset="0"/>
+              </a:rPr>
+              <a:t>}</a:t>
+            </a:r>
+          </a:p>
+        </p:txBody>
+      </p:sp>
+      <p:sp>
+        <p:nvSpPr>
+          <p:cNvPr id="5" name="Speech Bubble: Oval 4">
+            <a:extLst>
+              <a:ext uri="{FF2B5EF4-FFF2-40B4-BE49-F238E27FC236}">
+                <a16:creationId xmlns:a16="http://schemas.microsoft.com/office/drawing/2014/main" id="{1BEC9447-F78D-47DD-BB06-EE1484E63825}"/>
+              </a:ext>
+            </a:extLst>
+          </p:cNvPr>
+          <p:cNvSpPr/>
+          <p:nvPr/>
+        </p:nvSpPr>
+        <p:spPr>
+          <a:xfrm>
+            <a:off x="7666074" y="2806997"/>
+            <a:ext cx="4152014" cy="2939902"/>
+          </a:xfrm>
+          <a:prstGeom prst="wedgeEllipseCallout">
+            <a:avLst>
+              <a:gd name="adj1" fmla="val -105956"/>
+              <a:gd name="adj2" fmla="val 31157"/>
+            </a:avLst>
+          </a:prstGeom>
+          <a:solidFill>
+            <a:schemeClr val="bg1">
+              <a:lumMod val="95000"/>
+            </a:schemeClr>
+          </a:solidFill>
+          <a:ln w="76200">
+            <a:solidFill>
+              <a:srgbClr val="92D050"/>
+            </a:solidFill>
+          </a:ln>
+        </p:spPr>
+        <p:style>
+          <a:lnRef idx="2">
+            <a:schemeClr val="accent1">
+              <a:shade val="50000"/>
+            </a:schemeClr>
+          </a:lnRef>
+          <a:fillRef idx="1">
+            <a:schemeClr val="accent1"/>
+          </a:fillRef>
+          <a:effectRef idx="0">
+            <a:schemeClr val="accent1"/>
+          </a:effectRef>
+          <a:fontRef idx="minor">
+            <a:schemeClr val="lt1"/>
+          </a:fontRef>
+        </p:style>
+        <p:txBody>
+          <a:bodyPr rot="0" spcFirstLastPara="0" vertOverflow="overflow" horzOverflow="overflow" vert="horz" wrap="square" lIns="91440" tIns="45720" rIns="91440" bIns="45720" numCol="1" spcCol="0" rtlCol="0" fromWordArt="0" anchor="ctr" anchorCtr="0" forceAA="0" compatLnSpc="1">
+            <a:prstTxWarp prst="textNoShape">
+              <a:avLst/>
+            </a:prstTxWarp>
+            <a:noAutofit/>
+          </a:bodyPr>
+          <a:lstStyle/>
+          <a:p>
+            <a:pPr algn="ctr"/>
+            <a:r>
+              <a:rPr lang="en-GB" sz="3200" dirty="0">
+                <a:ln w="0"/>
+                <a:solidFill>
+                  <a:schemeClr val="tx1"/>
+                </a:solidFill>
+                <a:effectLst>
+                  <a:outerShdw blurRad="38100" dist="19050" dir="2700000" algn="tl" rotWithShape="0">
+                    <a:schemeClr val="dk1">
+                      <a:alpha val="40000"/>
+                    </a:schemeClr>
+                  </a:outerShdw>
+                </a:effectLst>
+              </a:rPr>
+              <a:t>The compiler complains if it ever reaches this point✔️ </a:t>
+            </a:r>
+          </a:p>
+        </p:txBody>
+      </p:sp>
+    </p:spTree>
+    <p:extLst>
+      <p:ext uri="{BB962C8B-B14F-4D97-AF65-F5344CB8AC3E}">
+        <p14:creationId xmlns:p14="http://schemas.microsoft.com/office/powerpoint/2010/main" val="3107618164"/>
+      </p:ext>
+    </p:extLst>
+  </p:cSld>
+  <p:clrMapOvr>
+    <a:masterClrMapping/>
+  </p:clrMapOvr>
+  <p:timing>
+    <p:tnLst>
+      <p:par>
+        <p:cTn id="1" dur="indefinite" restart="never" nodeType="tmRoot">
+          <p:childTnLst>
+            <p:seq concurrent="1" nextAc="seek">
+              <p:cTn id="2" dur="indefinite" nodeType="mainSeq">
+                <p:childTnLst>
+                  <p:par>
+                    <p:cTn id="3" fill="hold">
+                      <p:stCondLst>
+                        <p:cond delay="indefinite"/>
+                      </p:stCondLst>
+                      <p:childTnLst>
+                        <p:par>
+                          <p:cTn id="4" fill="hold">
+                            <p:stCondLst>
+                              <p:cond delay="0"/>
+                            </p:stCondLst>
+                            <p:childTnLst>
+                              <p:par>
+                                <p:cTn id="5" presetID="1" presetClass="entr" presetSubtype="0" fill="hold" grpId="0" nodeType="clickEffect">
+                                  <p:stCondLst>
+                                    <p:cond delay="0"/>
+                                  </p:stCondLst>
+                                  <p:childTnLst>
+                                    <p:set>
+                                      <p:cBhvr>
+                                        <p:cTn id="6" dur="1" fill="hold">
+                                          <p:stCondLst>
+                                            <p:cond delay="0"/>
+                                          </p:stCondLst>
+                                        </p:cTn>
+                                        <p:tgtEl>
+                                          <p:spTgt spid="5"/>
+                                        </p:tgtEl>
+                                        <p:attrNameLst>
+                                          <p:attrName>style.visibility</p:attrName>
+                                        </p:attrNameLst>
+                                      </p:cBhvr>
+                                      <p:to>
+                                        <p:strVal val="visible"/>
+                                      </p:to>
+                                    </p:set>
+                                  </p:childTnLst>
+                                </p:cTn>
+                              </p:par>
+                            </p:childTnLst>
+                          </p:cTn>
+                        </p:par>
+                      </p:childTnLst>
+                    </p:cTn>
+                  </p:par>
+                </p:childTnLst>
+              </p:cTn>
+              <p:prevCondLst>
+                <p:cond evt="onPrev" delay="0">
+                  <p:tgtEl>
+                    <p:sldTgt/>
+                  </p:tgtEl>
+                </p:cond>
+              </p:prevCondLst>
+              <p:nextCondLst>
+                <p:cond evt="onNext" delay="0">
+                  <p:tgtEl>
+                    <p:sldTgt/>
+                  </p:tgtEl>
+                </p:cond>
+              </p:nextCondLst>
+            </p:seq>
+          </p:childTnLst>
+        </p:cTn>
+      </p:par>
+    </p:tnLst>
+    <p:bldLst>
+      <p:bldP spid="5" grpId="0" animBg="1"/>
+    </p:bldLst>
+  </p:timing>
+</p:sld>
+</file>
+
+<file path=ppt/slides/slide23.xml><?xml version="1.0" encoding="utf-8"?>
 <p:sld xmlns:a="http://schemas.openxmlformats.org/drawingml/2006/main" xmlns:r="http://schemas.openxmlformats.org/officeDocument/2006/relationships" xmlns:p="http://schemas.openxmlformats.org/presentationml/2006/main">
   <p:cSld>
     <p:spTree>
@@ -11500,90 +15033,7 @@
 </p:sld>
 </file>
 
-<file path=ppt/slides/slide22.xml><?xml version="1.0" encoding="utf-8"?>
-<p:sld xmlns:a="http://schemas.openxmlformats.org/drawingml/2006/main" xmlns:r="http://schemas.openxmlformats.org/officeDocument/2006/relationships" xmlns:p="http://schemas.openxmlformats.org/presentationml/2006/main">
-  <p:cSld>
-    <p:spTree>
-      <p:nvGrpSpPr>
-        <p:cNvPr id="1" name=""/>
-        <p:cNvGrpSpPr/>
-        <p:nvPr/>
-      </p:nvGrpSpPr>
-      <p:grpSpPr>
-        <a:xfrm>
-          <a:off x="0" y="0"/>
-          <a:ext cx="0" cy="0"/>
-          <a:chOff x="0" y="0"/>
-          <a:chExt cx="0" cy="0"/>
-        </a:xfrm>
-      </p:grpSpPr>
-      <p:sp>
-        <p:nvSpPr>
-          <p:cNvPr id="4" name="Title 3">
-            <a:extLst>
-              <a:ext uri="{FF2B5EF4-FFF2-40B4-BE49-F238E27FC236}">
-                <a16:creationId xmlns:a16="http://schemas.microsoft.com/office/drawing/2014/main" id="{1956786B-2938-4199-B1DA-0E2983FB2BD1}"/>
-              </a:ext>
-            </a:extLst>
-          </p:cNvPr>
-          <p:cNvSpPr>
-            <a:spLocks noGrp="1"/>
-          </p:cNvSpPr>
-          <p:nvPr>
-            <p:ph type="title"/>
-          </p:nvPr>
-        </p:nvSpPr>
-        <p:spPr/>
-        <p:txBody>
-          <a:bodyPr/>
-          <a:lstStyle/>
-          <a:p>
-            <a:r>
-              <a:rPr lang="en-GB" dirty="0"/>
-              <a:t>Product Type</a:t>
-            </a:r>
-          </a:p>
-        </p:txBody>
-      </p:sp>
-      <p:sp>
-        <p:nvSpPr>
-          <p:cNvPr id="5" name="Content Placeholder 4">
-            <a:extLst>
-              <a:ext uri="{FF2B5EF4-FFF2-40B4-BE49-F238E27FC236}">
-                <a16:creationId xmlns:a16="http://schemas.microsoft.com/office/drawing/2014/main" id="{B68F69AF-9F4D-4281-B1A2-3CDCCA78F09C}"/>
-              </a:ext>
-            </a:extLst>
-          </p:cNvPr>
-          <p:cNvSpPr>
-            <a:spLocks noGrp="1"/>
-          </p:cNvSpPr>
-          <p:nvPr>
-            <p:ph idx="1"/>
-          </p:nvPr>
-        </p:nvSpPr>
-        <p:spPr/>
-        <p:txBody>
-          <a:bodyPr/>
-          <a:lstStyle/>
-          <a:p>
-            <a:endParaRPr lang="en-GB" dirty="0"/>
-          </a:p>
-        </p:txBody>
-      </p:sp>
-    </p:spTree>
-    <p:extLst>
-      <p:ext uri="{BB962C8B-B14F-4D97-AF65-F5344CB8AC3E}">
-        <p14:creationId xmlns:p14="http://schemas.microsoft.com/office/powerpoint/2010/main" val="4000818841"/>
-      </p:ext>
-    </p:extLst>
-  </p:cSld>
-  <p:clrMapOvr>
-    <a:masterClrMapping/>
-  </p:clrMapOvr>
-</p:sld>
-</file>
-
-<file path=ppt/slides/slide23.xml><?xml version="1.0" encoding="utf-8"?>
+<file path=ppt/slides/slide24.xml><?xml version="1.0" encoding="utf-8"?>
 <p:sld xmlns:a="http://schemas.openxmlformats.org/drawingml/2006/main" xmlns:r="http://schemas.openxmlformats.org/officeDocument/2006/relationships" xmlns:p="http://schemas.openxmlformats.org/presentationml/2006/main">
   <p:cSld>
     <p:spTree>

--- a/a-type-of-magic.pptx
+++ b/a-type-of-magic.pptx
@@ -2562,6 +2562,61 @@
       </p:grpSpPr>
       <p:sp>
         <p:nvSpPr>
+          <p:cNvPr id="7" name="Rectangle 6">
+            <a:extLst>
+              <a:ext uri="{FF2B5EF4-FFF2-40B4-BE49-F238E27FC236}">
+                <a16:creationId xmlns:a16="http://schemas.microsoft.com/office/drawing/2014/main" id="{D1105DFB-5D2F-42CF-9662-01745B76BF24}"/>
+              </a:ext>
+            </a:extLst>
+          </p:cNvPr>
+          <p:cNvSpPr/>
+          <p:nvPr userDrawn="1"/>
+        </p:nvSpPr>
+        <p:spPr>
+          <a:xfrm>
+            <a:off x="0" y="1"/>
+            <a:ext cx="12192000" cy="956930"/>
+          </a:xfrm>
+          <a:prstGeom prst="rect">
+            <a:avLst/>
+          </a:prstGeom>
+          <a:solidFill>
+            <a:schemeClr val="tx1">
+              <a:lumMod val="75000"/>
+              <a:lumOff val="25000"/>
+            </a:schemeClr>
+          </a:solidFill>
+          <a:ln>
+            <a:noFill/>
+          </a:ln>
+        </p:spPr>
+        <p:style>
+          <a:lnRef idx="2">
+            <a:schemeClr val="accent1">
+              <a:shade val="50000"/>
+            </a:schemeClr>
+          </a:lnRef>
+          <a:fillRef idx="1">
+            <a:schemeClr val="accent1"/>
+          </a:fillRef>
+          <a:effectRef idx="0">
+            <a:schemeClr val="accent1"/>
+          </a:effectRef>
+          <a:fontRef idx="minor">
+            <a:schemeClr val="lt1"/>
+          </a:fontRef>
+        </p:style>
+        <p:txBody>
+          <a:bodyPr rtlCol="0" anchor="ctr"/>
+          <a:lstStyle/>
+          <a:p>
+            <a:pPr algn="ctr"/>
+            <a:endParaRPr lang="en-GB"/>
+          </a:p>
+        </p:txBody>
+      </p:sp>
+      <p:sp>
+        <p:nvSpPr>
           <p:cNvPr id="2" name="Title 1">
             <a:extLst>
               <a:ext uri="{FF2B5EF4-FFF2-40B4-BE49-F238E27FC236}">
@@ -2576,10 +2631,23 @@
             <p:ph type="title"/>
           </p:nvPr>
         </p:nvSpPr>
-        <p:spPr/>
+        <p:spPr>
+          <a:xfrm>
+            <a:off x="268310" y="-1"/>
+            <a:ext cx="11655381" cy="1084522"/>
+          </a:xfrm>
+        </p:spPr>
         <p:txBody>
-          <a:bodyPr/>
-          <a:lstStyle/>
+          <a:bodyPr tIns="0" bIns="0"/>
+          <a:lstStyle>
+            <a:lvl1pPr>
+              <a:defRPr>
+                <a:solidFill>
+                  <a:schemeClr val="bg1"/>
+                </a:solidFill>
+              </a:defRPr>
+            </a:lvl1pPr>
+          </a:lstStyle>
           <a:p>
             <a:r>
               <a:rPr lang="en-US"/>
@@ -5492,7 +5560,7 @@
         </p:blipFill>
         <p:spPr bwMode="auto">
           <a:xfrm>
-            <a:off x="7521951" y="681037"/>
+            <a:off x="8039443" y="1526325"/>
             <a:ext cx="3831849" cy="3511826"/>
           </a:xfrm>
           <a:prstGeom prst="rect">
@@ -9184,7 +9252,7 @@
         </p:blipFill>
         <p:spPr bwMode="auto">
           <a:xfrm>
-            <a:off x="6363586" y="216453"/>
+            <a:off x="6521936" y="1472941"/>
             <a:ext cx="5784706" cy="3912118"/>
           </a:xfrm>
           <a:prstGeom prst="rect">
@@ -9502,7 +9570,7 @@
         </p:blipFill>
         <p:spPr bwMode="auto">
           <a:xfrm>
-            <a:off x="6300730" y="205637"/>
+            <a:off x="6406800" y="1450773"/>
             <a:ext cx="5785200" cy="3956454"/>
           </a:xfrm>
           <a:prstGeom prst="rect">
@@ -9973,7 +10041,7 @@
             </a:pPr>
             <a:r>
               <a:rPr lang="en-GB" dirty="0"/>
-              <a:t>And some more </a:t>
+              <a:t>And others apply as well </a:t>
             </a:r>
             <a:r>
               <a:rPr lang="en-GB" dirty="0">
@@ -11204,13 +11272,13 @@
             <a:spLocks noGrp="1"/>
           </p:cNvSpPr>
           <p:nvPr>
-            <p:ph idx="1"/>
+            <p:ph idx="4294967295"/>
           </p:nvPr>
         </p:nvSpPr>
         <p:spPr>
           <a:xfrm>
-            <a:off x="2813957" y="4359890"/>
-            <a:ext cx="6564086" cy="519469"/>
+            <a:off x="2814638" y="4359275"/>
+            <a:ext cx="6562725" cy="520700"/>
           </a:xfrm>
         </p:spPr>
         <p:txBody>
@@ -15215,6 +15283,9 @@
           <a:bodyPr/>
           <a:lstStyle/>
           <a:p>
+            <a:endParaRPr lang="en-GB" dirty="0"/>
+          </a:p>
+          <a:p>
             <a:r>
               <a:rPr lang="en-GB" dirty="0"/>
               <a:t>Generics</a:t>
@@ -15268,6 +15339,7 @@
         </p:nvPicPr>
         <p:blipFill>
           <a:blip r:embed="rId2">
+            <a:biLevel thresh="25000"/>
             <a:extLst>
               <a:ext uri="{28A0092B-C50C-407E-A947-70E740481C1C}">
                 <a14:useLocalDpi xmlns:a14="http://schemas.microsoft.com/office/drawing/2010/main" val="0"/>
@@ -15281,7 +15353,7 @@
         </p:blipFill>
         <p:spPr bwMode="auto">
           <a:xfrm>
-            <a:off x="613476" y="437071"/>
+            <a:off x="81847" y="-69486"/>
             <a:ext cx="3214138" cy="1181670"/>
           </a:xfrm>
           <a:prstGeom prst="rect">
@@ -15413,6 +15485,9 @@
             <a:endParaRPr lang="en-GB" dirty="0"/>
           </a:p>
           <a:p>
+            <a:endParaRPr lang="en-GB" dirty="0"/>
+          </a:p>
+          <a:p>
             <a:r>
               <a:rPr lang="en-GB" dirty="0"/>
               <a:t>Enable </a:t>
@@ -15447,7 +15522,7 @@
         </p:nvSpPr>
         <p:spPr>
           <a:xfrm>
-            <a:off x="838200" y="3184451"/>
+            <a:off x="838200" y="2743200"/>
             <a:ext cx="10515600" cy="2246769"/>
           </a:xfrm>
           <a:prstGeom prst="rect">
@@ -15731,6 +15806,9 @@
         <p:txBody>
           <a:bodyPr/>
           <a:lstStyle/>
+          <a:p>
+            <a:endParaRPr lang="en-GB" b="1" dirty="0"/>
+          </a:p>
           <a:p>
             <a:r>
               <a:rPr lang="en-GB" b="1" dirty="0"/>
@@ -16032,6 +16110,22 @@
               <a:rPr lang="en-GB" dirty="0"/>
               <a:t>What is a Set? A collection of Objects</a:t>
             </a:r>
+          </a:p>
+          <a:p>
+            <a:endParaRPr lang="en-GB" dirty="0"/>
+          </a:p>
+          <a:p>
+            <a:r>
+              <a:rPr lang="en-GB" dirty="0"/>
+              <a:t>What is a Type? A class of Objects</a:t>
+            </a:r>
+            <a:br>
+              <a:rPr lang="en-GB" dirty="0"/>
+            </a:br>
+            <a:r>
+              <a:rPr lang="en-GB" dirty="0"/>
+              <a:t>confining to a set of constraints</a:t>
+            </a:r>
             <a:br>
               <a:rPr lang="en-GB" dirty="0"/>
             </a:br>
@@ -16165,19 +16259,25 @@
           <a:p>
             <a:r>
               <a:rPr lang="de-CH" dirty="0"/>
-              <a:t>Boolean</a:t>
-            </a:r>
+              <a:t>Boolean?</a:t>
+            </a:r>
+          </a:p>
+          <a:p>
+            <a:endParaRPr lang="de-CH" dirty="0"/>
           </a:p>
           <a:p>
             <a:r>
               <a:rPr lang="de-CH" dirty="0"/>
-              <a:t>Integer</a:t>
-            </a:r>
+              <a:t>Integer?</a:t>
+            </a:r>
+          </a:p>
+          <a:p>
+            <a:endParaRPr lang="de-CH" dirty="0"/>
           </a:p>
           <a:p>
             <a:r>
               <a:rPr lang="de-CH" dirty="0"/>
-              <a:t>String</a:t>
+              <a:t>String?</a:t>
             </a:r>
           </a:p>
           <a:p>
@@ -16460,7 +16560,7 @@
                                         <p:tgtEl>
                                           <p:spTgt spid="3">
                                             <p:txEl>
-                                              <p:pRg st="1" end="1"/>
+                                              <p:pRg st="2" end="2"/>
                                             </p:txEl>
                                           </p:spTgt>
                                         </p:tgtEl>
@@ -16554,7 +16654,7 @@
                                         <p:tgtEl>
                                           <p:spTgt spid="3">
                                             <p:txEl>
-                                              <p:pRg st="2" end="2"/>
+                                              <p:pRg st="4" end="4"/>
                                             </p:txEl>
                                           </p:spTgt>
                                         </p:tgtEl>

--- a/a-type-of-magic.pptx
+++ b/a-type-of-magic.pptx
@@ -5,7 +5,7 @@
     <p:sldMasterId id="2147483648" r:id="rId1"/>
   </p:sldMasterIdLst>
   <p:notesMasterIdLst>
-    <p:notesMasterId r:id="rId26"/>
+    <p:notesMasterId r:id="rId27"/>
   </p:notesMasterIdLst>
   <p:sldIdLst>
     <p:sldId id="256" r:id="rId2"/>
@@ -31,7 +31,8 @@
     <p:sldId id="281" r:id="rId22"/>
     <p:sldId id="282" r:id="rId23"/>
     <p:sldId id="270" r:id="rId24"/>
-    <p:sldId id="273" r:id="rId25"/>
+    <p:sldId id="283" r:id="rId25"/>
+    <p:sldId id="273" r:id="rId26"/>
   </p:sldIdLst>
   <p:sldSz cx="12192000" cy="6858000"/>
   <p:notesSz cx="6858000" cy="9144000"/>
@@ -680,7 +681,16 @@
           <a:bodyPr/>
           <a:lstStyle/>
           <a:p>
-            <a:endParaRPr lang="en-GB" dirty="0"/>
+            <a:r>
+              <a:rPr lang="en-GB" dirty="0"/>
+              <a:t>They can come in big and small</a:t>
+            </a:r>
+          </a:p>
+          <a:p>
+            <a:r>
+              <a:rPr lang="en-GB" dirty="0"/>
+              <a:t>To make it more entertainable, I will be displaying sets as colourful blobs with faces</a:t>
+            </a:r>
           </a:p>
         </p:txBody>
       </p:sp>
@@ -1745,7 +1755,7 @@
           <a:p>
             <a:r>
               <a:rPr lang="de-CH" dirty="0" err="1"/>
-              <a:t>Types</a:t>
+              <a:t>That’s</a:t>
             </a:r>
             <a:r>
               <a:rPr lang="de-CH" dirty="0"/>
@@ -1753,7 +1763,7 @@
             </a:r>
             <a:r>
               <a:rPr lang="de-CH" dirty="0" err="1"/>
-              <a:t>can</a:t>
+              <a:t>why</a:t>
             </a:r>
             <a:r>
               <a:rPr lang="de-CH" dirty="0"/>
@@ -1761,7 +1771,23 @@
             </a:r>
             <a:r>
               <a:rPr lang="de-CH" dirty="0" err="1"/>
-              <a:t>be</a:t>
+              <a:t>it’s</a:t>
+            </a:r>
+            <a:r>
+              <a:rPr lang="de-CH" dirty="0"/>
+              <a:t> an </a:t>
+            </a:r>
+            <a:r>
+              <a:rPr lang="de-CH" dirty="0" err="1"/>
+              <a:t>ampersand</a:t>
+            </a:r>
+            <a:r>
+              <a:rPr lang="de-CH" dirty="0"/>
+              <a:t>, </a:t>
+            </a:r>
+            <a:r>
+              <a:rPr lang="de-CH" dirty="0" err="1"/>
+              <a:t>it</a:t>
             </a:r>
             <a:r>
               <a:rPr lang="de-CH" dirty="0"/>
@@ -1769,7 +1795,7 @@
             </a:r>
             <a:r>
               <a:rPr lang="de-CH" dirty="0" err="1"/>
-              <a:t>disjunct</a:t>
+              <a:t>says</a:t>
             </a:r>
             <a:r>
               <a:rPr lang="de-CH" dirty="0"/>
@@ -1777,7 +1803,7 @@
             </a:r>
             <a:r>
               <a:rPr lang="de-CH" dirty="0" err="1"/>
-              <a:t>as</a:t>
+              <a:t>it</a:t>
             </a:r>
             <a:r>
               <a:rPr lang="de-CH" dirty="0"/>
@@ -1785,7 +1811,11 @@
             </a:r>
             <a:r>
               <a:rPr lang="de-CH" dirty="0" err="1"/>
-              <a:t>well</a:t>
+              <a:t>is</a:t>
+            </a:r>
+            <a:r>
+              <a:rPr lang="de-CH" dirty="0"/>
+              <a:t> a Person AND a Contact</a:t>
             </a:r>
             <a:endParaRPr lang="en-GB" dirty="0"/>
           </a:p>
@@ -1808,6 +1838,237 @@
           <a:p>
             <a:fld id="{753704E0-591E-4D0D-9EA0-CA2D5504087C}" type="slidenum">
               <a:rPr lang="en-GB" smtClean="0"/>
+              <a:t>17</a:t>
+            </a:fld>
+            <a:endParaRPr lang="en-GB"/>
+          </a:p>
+        </p:txBody>
+      </p:sp>
+    </p:spTree>
+    <p:extLst>
+      <p:ext uri="{BB962C8B-B14F-4D97-AF65-F5344CB8AC3E}">
+        <p14:creationId xmlns:p14="http://schemas.microsoft.com/office/powerpoint/2010/main" val="3648065634"/>
+      </p:ext>
+    </p:extLst>
+  </p:cSld>
+  <p:clrMapOvr>
+    <a:masterClrMapping/>
+  </p:clrMapOvr>
+</p:notes>
+</file>
+
+<file path=ppt/notesSlides/notesSlide8.xml><?xml version="1.0" encoding="utf-8"?>
+<p:notes xmlns:a="http://schemas.openxmlformats.org/drawingml/2006/main" xmlns:r="http://schemas.openxmlformats.org/officeDocument/2006/relationships" xmlns:p="http://schemas.openxmlformats.org/presentationml/2006/main">
+  <p:cSld>
+    <p:spTree>
+      <p:nvGrpSpPr>
+        <p:cNvPr id="1" name=""/>
+        <p:cNvGrpSpPr/>
+        <p:nvPr/>
+      </p:nvGrpSpPr>
+      <p:grpSpPr>
+        <a:xfrm>
+          <a:off x="0" y="0"/>
+          <a:ext cx="0" cy="0"/>
+          <a:chOff x="0" y="0"/>
+          <a:chExt cx="0" cy="0"/>
+        </a:xfrm>
+      </p:grpSpPr>
+      <p:sp>
+        <p:nvSpPr>
+          <p:cNvPr id="2" name="Slide Image Placeholder 1"/>
+          <p:cNvSpPr>
+            <a:spLocks noGrp="1" noRot="1" noChangeAspect="1"/>
+          </p:cNvSpPr>
+          <p:nvPr>
+            <p:ph type="sldImg"/>
+          </p:nvPr>
+        </p:nvSpPr>
+        <p:spPr/>
+      </p:sp>
+      <p:sp>
+        <p:nvSpPr>
+          <p:cNvPr id="3" name="Notes Placeholder 2"/>
+          <p:cNvSpPr>
+            <a:spLocks noGrp="1"/>
+          </p:cNvSpPr>
+          <p:nvPr>
+            <p:ph type="body" idx="1"/>
+          </p:nvPr>
+        </p:nvSpPr>
+        <p:spPr/>
+        <p:txBody>
+          <a:bodyPr/>
+          <a:lstStyle/>
+          <a:p>
+            <a:r>
+              <a:rPr lang="de-CH" dirty="0" err="1"/>
+              <a:t>Types</a:t>
+            </a:r>
+            <a:r>
+              <a:rPr lang="de-CH" dirty="0"/>
+              <a:t> </a:t>
+            </a:r>
+            <a:r>
+              <a:rPr lang="de-CH" dirty="0" err="1"/>
+              <a:t>can</a:t>
+            </a:r>
+            <a:r>
+              <a:rPr lang="de-CH" dirty="0"/>
+              <a:t> </a:t>
+            </a:r>
+            <a:r>
+              <a:rPr lang="de-CH" dirty="0" err="1"/>
+              <a:t>be</a:t>
+            </a:r>
+            <a:r>
+              <a:rPr lang="de-CH" dirty="0"/>
+              <a:t> </a:t>
+            </a:r>
+            <a:r>
+              <a:rPr lang="de-CH" dirty="0" err="1"/>
+              <a:t>disjunct</a:t>
+            </a:r>
+            <a:r>
+              <a:rPr lang="de-CH" dirty="0"/>
+              <a:t> </a:t>
+            </a:r>
+            <a:r>
+              <a:rPr lang="de-CH" dirty="0" err="1"/>
+              <a:t>as</a:t>
+            </a:r>
+            <a:r>
+              <a:rPr lang="de-CH" dirty="0"/>
+              <a:t> </a:t>
+            </a:r>
+            <a:r>
+              <a:rPr lang="de-CH" dirty="0" err="1"/>
+              <a:t>well</a:t>
+            </a:r>
+            <a:endParaRPr lang="de-CH" dirty="0"/>
+          </a:p>
+          <a:p>
+            <a:r>
+              <a:rPr lang="de-CH" dirty="0" err="1"/>
+              <a:t>That’s</a:t>
+            </a:r>
+            <a:r>
+              <a:rPr lang="de-CH" dirty="0"/>
+              <a:t> </a:t>
+            </a:r>
+            <a:r>
+              <a:rPr lang="de-CH" dirty="0" err="1"/>
+              <a:t>why</a:t>
+            </a:r>
+            <a:r>
+              <a:rPr lang="de-CH" dirty="0"/>
+              <a:t> </a:t>
+            </a:r>
+            <a:r>
+              <a:rPr lang="de-CH" dirty="0" err="1"/>
+              <a:t>it</a:t>
+            </a:r>
+            <a:r>
+              <a:rPr lang="de-CH" dirty="0"/>
+              <a:t> </a:t>
+            </a:r>
+            <a:r>
+              <a:rPr lang="de-CH" dirty="0" err="1"/>
+              <a:t>looks</a:t>
+            </a:r>
+            <a:r>
+              <a:rPr lang="de-CH" dirty="0"/>
+              <a:t> like an «OR», </a:t>
+            </a:r>
+            <a:r>
+              <a:rPr lang="de-CH" dirty="0" err="1"/>
+              <a:t>it</a:t>
+            </a:r>
+            <a:r>
+              <a:rPr lang="de-CH" dirty="0"/>
+              <a:t> </a:t>
+            </a:r>
+            <a:r>
+              <a:rPr lang="de-CH" dirty="0" err="1"/>
+              <a:t>is</a:t>
+            </a:r>
+            <a:r>
+              <a:rPr lang="de-CH" dirty="0"/>
+              <a:t> </a:t>
+            </a:r>
+            <a:r>
+              <a:rPr lang="de-CH" dirty="0" err="1"/>
+              <a:t>either</a:t>
+            </a:r>
+            <a:r>
+              <a:rPr lang="de-CH" dirty="0"/>
+              <a:t> </a:t>
+            </a:r>
+            <a:r>
+              <a:rPr lang="de-CH" dirty="0" err="1"/>
+              <a:t>or</a:t>
+            </a:r>
+            <a:r>
+              <a:rPr lang="de-CH" dirty="0"/>
+              <a:t> -&gt; but </a:t>
+            </a:r>
+            <a:r>
+              <a:rPr lang="de-CH" dirty="0" err="1"/>
+              <a:t>it</a:t>
+            </a:r>
+            <a:r>
+              <a:rPr lang="de-CH" dirty="0"/>
+              <a:t> </a:t>
+            </a:r>
+            <a:r>
+              <a:rPr lang="de-CH" dirty="0" err="1"/>
+              <a:t>includes</a:t>
+            </a:r>
+            <a:r>
+              <a:rPr lang="de-CH" dirty="0"/>
+              <a:t> </a:t>
+            </a:r>
+            <a:r>
+              <a:rPr lang="de-CH" dirty="0" err="1"/>
+              <a:t>objects</a:t>
+            </a:r>
+            <a:r>
+              <a:rPr lang="de-CH" dirty="0"/>
+              <a:t> </a:t>
+            </a:r>
+            <a:r>
+              <a:rPr lang="de-CH" dirty="0" err="1"/>
+              <a:t>from</a:t>
+            </a:r>
+            <a:r>
+              <a:rPr lang="de-CH" dirty="0"/>
+              <a:t> BOTH </a:t>
+            </a:r>
+            <a:r>
+              <a:rPr lang="de-CH" dirty="0" err="1"/>
+              <a:t>sets</a:t>
+            </a:r>
+            <a:endParaRPr lang="en-GB" dirty="0"/>
+          </a:p>
+        </p:txBody>
+      </p:sp>
+      <p:sp>
+        <p:nvSpPr>
+          <p:cNvPr id="4" name="Slide Number Placeholder 3"/>
+          <p:cNvSpPr>
+            <a:spLocks noGrp="1"/>
+          </p:cNvSpPr>
+          <p:nvPr>
+            <p:ph type="sldNum" sz="quarter" idx="5"/>
+          </p:nvPr>
+        </p:nvSpPr>
+        <p:spPr/>
+        <p:txBody>
+          <a:bodyPr/>
+          <a:lstStyle/>
+          <a:p>
+            <a:fld id="{753704E0-591E-4D0D-9EA0-CA2D5504087C}" type="slidenum">
+              <a:rPr lang="en-GB" smtClean="0"/>
               <a:t>18</a:t>
             </a:fld>
             <a:endParaRPr lang="en-GB"/>
@@ -1827,7 +2088,7 @@
 </p:notes>
 </file>
 
-<file path=ppt/notesSlides/notesSlide8.xml><?xml version="1.0" encoding="utf-8"?>
+<file path=ppt/notesSlides/notesSlide9.xml><?xml version="1.0" encoding="utf-8"?>
 <p:notes xmlns:a="http://schemas.openxmlformats.org/drawingml/2006/main" xmlns:r="http://schemas.openxmlformats.org/officeDocument/2006/relationships" xmlns:p="http://schemas.openxmlformats.org/presentationml/2006/main">
   <p:cSld>
     <p:spTree>
@@ -8718,7 +8979,7 @@
         <p:spPr>
           <a:xfrm>
             <a:off x="580090" y="4156200"/>
-            <a:ext cx="5630067" cy="2031325"/>
+            <a:ext cx="4237057" cy="2031325"/>
           </a:xfrm>
           <a:prstGeom prst="rect">
             <a:avLst/>
@@ -8805,11 +9066,58 @@
             <a:r>
               <a:rPr lang="de-CH" dirty="0">
                 <a:solidFill>
-                  <a:srgbClr val="D4D4D4"/>
-                </a:solidFill>
-                <a:latin typeface="Consolas" panose="020B0609020204030204" pitchFamily="49" charset="0"/>
-              </a:rPr>
-              <a:t>, </a:t>
+                  <a:srgbClr val="4EC9B0"/>
+                </a:solidFill>
+                <a:latin typeface="Consolas" panose="020B0609020204030204" pitchFamily="49" charset="0"/>
+              </a:rPr>
+              <a:t> </a:t>
+            </a:r>
+            <a:r>
+              <a:rPr lang="de-CH" dirty="0">
+                <a:solidFill>
+                  <a:srgbClr val="D4D4D4"/>
+                </a:solidFill>
+                <a:latin typeface="Consolas" panose="020B0609020204030204" pitchFamily="49" charset="0"/>
+              </a:rPr>
+              <a:t>}</a:t>
+            </a:r>
+          </a:p>
+          <a:p>
+            <a:r>
+              <a:rPr lang="de-CH" dirty="0">
+                <a:solidFill>
+                  <a:srgbClr val="569CD6"/>
+                </a:solidFill>
+                <a:latin typeface="Consolas" panose="020B0609020204030204" pitchFamily="49" charset="0"/>
+              </a:rPr>
+              <a:t>type</a:t>
+            </a:r>
+            <a:r>
+              <a:rPr lang="de-CH" dirty="0">
+                <a:solidFill>
+                  <a:srgbClr val="D4D4D4"/>
+                </a:solidFill>
+                <a:latin typeface="Consolas" panose="020B0609020204030204" pitchFamily="49" charset="0"/>
+              </a:rPr>
+              <a:t> </a:t>
+            </a:r>
+            <a:r>
+              <a:rPr lang="de-CH" dirty="0">
+                <a:solidFill>
+                  <a:srgbClr val="4EC9B0"/>
+                </a:solidFill>
+                <a:latin typeface="Consolas" panose="020B0609020204030204" pitchFamily="49" charset="0"/>
+              </a:rPr>
+              <a:t>Contact</a:t>
+            </a:r>
+            <a:r>
+              <a:rPr lang="de-CH" dirty="0">
+                <a:solidFill>
+                  <a:srgbClr val="D4D4D4"/>
+                </a:solidFill>
+                <a:latin typeface="Consolas" panose="020B0609020204030204" pitchFamily="49" charset="0"/>
+              </a:rPr>
+              <a:t> = { </a:t>
             </a:r>
             <a:r>
               <a:rPr lang="de-CH" dirty="0" err="1">
@@ -8818,7 +9126,7 @@
                 </a:solidFill>
                 <a:latin typeface="Consolas" panose="020B0609020204030204" pitchFamily="49" charset="0"/>
               </a:rPr>
-              <a:t>age</a:t>
+              <a:t>phone</a:t>
             </a:r>
             <a:r>
               <a:rPr lang="de-CH" dirty="0">
@@ -8836,7 +9144,7 @@
                 </a:solidFill>
                 <a:latin typeface="Consolas" panose="020B0609020204030204" pitchFamily="49" charset="0"/>
               </a:rPr>
-              <a:t>number</a:t>
+              <a:t>string</a:t>
             </a:r>
             <a:r>
               <a:rPr lang="de-CH" dirty="0">
@@ -8849,14 +9157,22 @@
             </a:r>
           </a:p>
           <a:p>
-            <a:r>
-              <a:rPr lang="de-CH" dirty="0">
+            <a:br>
+              <a:rPr lang="de-CH" dirty="0">
+                <a:solidFill>
+                  <a:srgbClr val="D4D4D4"/>
+                </a:solidFill>
+                <a:latin typeface="Consolas" panose="020B0609020204030204" pitchFamily="49" charset="0"/>
+              </a:rPr>
+            </a:br>
+            <a:r>
+              <a:rPr lang="de-CH" dirty="0" err="1">
                 <a:solidFill>
                   <a:srgbClr val="569CD6"/>
                 </a:solidFill>
                 <a:latin typeface="Consolas" panose="020B0609020204030204" pitchFamily="49" charset="0"/>
               </a:rPr>
-              <a:t>type</a:t>
+              <a:t>let</a:t>
             </a:r>
             <a:r>
               <a:rPr lang="de-CH" dirty="0">
@@ -8870,10 +9186,46 @@
             <a:r>
               <a:rPr lang="de-CH" dirty="0">
                 <a:solidFill>
+                  <a:srgbClr val="9CDCFE"/>
+                </a:solidFill>
+                <a:latin typeface="Consolas" panose="020B0609020204030204" pitchFamily="49" charset="0"/>
+              </a:rPr>
+              <a:t>p</a:t>
+            </a:r>
+            <a:r>
+              <a:rPr lang="de-CH" dirty="0">
+                <a:solidFill>
+                  <a:srgbClr val="D4D4D4"/>
+                </a:solidFill>
+                <a:latin typeface="Consolas" panose="020B0609020204030204" pitchFamily="49" charset="0"/>
+              </a:rPr>
+              <a:t>: </a:t>
+            </a:r>
+            <a:r>
+              <a:rPr lang="de-CH" dirty="0">
+                <a:solidFill>
                   <a:srgbClr val="4EC9B0"/>
                 </a:solidFill>
                 <a:latin typeface="Consolas" panose="020B0609020204030204" pitchFamily="49" charset="0"/>
               </a:rPr>
+              <a:t>Person</a:t>
+            </a:r>
+            <a:r>
+              <a:rPr lang="de-CH" dirty="0">
+                <a:solidFill>
+                  <a:srgbClr val="D4D4D4"/>
+                </a:solidFill>
+                <a:latin typeface="Consolas" panose="020B0609020204030204" pitchFamily="49" charset="0"/>
+              </a:rPr>
+              <a:t> &amp; </a:t>
+            </a:r>
+            <a:r>
+              <a:rPr lang="de-CH" dirty="0">
+                <a:solidFill>
+                  <a:srgbClr val="4EC9B0"/>
+                </a:solidFill>
+                <a:latin typeface="Consolas" panose="020B0609020204030204" pitchFamily="49" charset="0"/>
+              </a:rPr>
               <a:t>Contact</a:t>
             </a:r>
             <a:r>
@@ -8883,15 +9235,118 @@
                 </a:solidFill>
                 <a:latin typeface="Consolas" panose="020B0609020204030204" pitchFamily="49" charset="0"/>
               </a:rPr>
-              <a:t> = { </a:t>
+              <a:t> = {</a:t>
+            </a:r>
+          </a:p>
+          <a:p>
+            <a:r>
+              <a:rPr lang="de-CH" dirty="0">
+                <a:solidFill>
+                  <a:srgbClr val="9CDCFE"/>
+                </a:solidFill>
+                <a:latin typeface="Consolas" panose="020B0609020204030204" pitchFamily="49" charset="0"/>
+              </a:rPr>
+              <a:t>  p</a:t>
+            </a:r>
+            <a:r>
+              <a:rPr lang="de-CH" dirty="0">
+                <a:solidFill>
+                  <a:srgbClr val="D4D4D4"/>
+                </a:solidFill>
+                <a:latin typeface="Consolas" panose="020B0609020204030204" pitchFamily="49" charset="0"/>
+              </a:rPr>
+              <a:t>.</a:t>
+            </a:r>
+            <a:r>
+              <a:rPr lang="de-CH" dirty="0">
+                <a:solidFill>
+                  <a:srgbClr val="9CDCFE"/>
+                </a:solidFill>
+                <a:latin typeface="Consolas" panose="020B0609020204030204" pitchFamily="49" charset="0"/>
+              </a:rPr>
+              <a:t>name</a:t>
+            </a:r>
+            <a:r>
+              <a:rPr lang="de-CH" dirty="0">
+                <a:solidFill>
+                  <a:srgbClr val="D4D4D4"/>
+                </a:solidFill>
+                <a:latin typeface="Consolas" panose="020B0609020204030204" pitchFamily="49" charset="0"/>
+              </a:rPr>
+              <a:t> = </a:t>
+            </a:r>
+            <a:r>
+              <a:rPr lang="de-CH" dirty="0">
+                <a:solidFill>
+                  <a:srgbClr val="CE9178"/>
+                </a:solidFill>
+                <a:latin typeface="Consolas" panose="020B0609020204030204" pitchFamily="49" charset="0"/>
+              </a:rPr>
+              <a:t>"</a:t>
             </a:r>
             <a:r>
               <a:rPr lang="de-CH" dirty="0" err="1">
                 <a:solidFill>
+                  <a:srgbClr val="CE9178"/>
+                </a:solidFill>
+                <a:latin typeface="Consolas" panose="020B0609020204030204" pitchFamily="49" charset="0"/>
+              </a:rPr>
+              <a:t>JoJo</a:t>
+            </a:r>
+            <a:r>
+              <a:rPr lang="de-CH" dirty="0">
+                <a:solidFill>
+                  <a:srgbClr val="CE9178"/>
+                </a:solidFill>
+                <a:latin typeface="Consolas" panose="020B0609020204030204" pitchFamily="49" charset="0"/>
+              </a:rPr>
+              <a:t>"</a:t>
+            </a:r>
+            <a:r>
+              <a:rPr lang="de-CH" dirty="0">
+                <a:solidFill>
+                  <a:srgbClr val="D4D4D4"/>
+                </a:solidFill>
+                <a:latin typeface="Consolas" panose="020B0609020204030204" pitchFamily="49" charset="0"/>
+              </a:rPr>
+              <a:t>,</a:t>
+            </a:r>
+          </a:p>
+          <a:p>
+            <a:r>
+              <a:rPr lang="de-CH" dirty="0">
+                <a:solidFill>
                   <a:srgbClr val="9CDCFE"/>
                 </a:solidFill>
                 <a:latin typeface="Consolas" panose="020B0609020204030204" pitchFamily="49" charset="0"/>
               </a:rPr>
+              <a:t>  </a:t>
+            </a:r>
+            <a:r>
+              <a:rPr lang="de-CH" dirty="0" err="1">
+                <a:solidFill>
+                  <a:srgbClr val="9CDCFE"/>
+                </a:solidFill>
+                <a:latin typeface="Consolas" panose="020B0609020204030204" pitchFamily="49" charset="0"/>
+              </a:rPr>
+              <a:t>p</a:t>
+            </a:r>
+            <a:r>
+              <a:rPr lang="de-CH" dirty="0" err="1">
+                <a:solidFill>
+                  <a:srgbClr val="D4D4D4"/>
+                </a:solidFill>
+                <a:latin typeface="Consolas" panose="020B0609020204030204" pitchFamily="49" charset="0"/>
+              </a:rPr>
+              <a:t>.</a:t>
+            </a:r>
+            <a:r>
+              <a:rPr lang="de-CH" dirty="0" err="1">
+                <a:solidFill>
+                  <a:srgbClr val="9CDCFE"/>
+                </a:solidFill>
+                <a:latin typeface="Consolas" panose="020B0609020204030204" pitchFamily="49" charset="0"/>
+              </a:rPr>
               <a:t>phone</a:t>
             </a:r>
             <a:r>
@@ -8901,144 +9356,6 @@
                 </a:solidFill>
                 <a:latin typeface="Consolas" panose="020B0609020204030204" pitchFamily="49" charset="0"/>
               </a:rPr>
-              <a:t>: </a:t>
-            </a:r>
-            <a:r>
-              <a:rPr lang="de-CH" dirty="0" err="1">
-                <a:solidFill>
-                  <a:srgbClr val="4EC9B0"/>
-                </a:solidFill>
-                <a:latin typeface="Consolas" panose="020B0609020204030204" pitchFamily="49" charset="0"/>
-              </a:rPr>
-              <a:t>string</a:t>
-            </a:r>
-            <a:r>
-              <a:rPr lang="de-CH" dirty="0">
-                <a:solidFill>
-                  <a:srgbClr val="D4D4D4"/>
-                </a:solidFill>
-                <a:latin typeface="Consolas" panose="020B0609020204030204" pitchFamily="49" charset="0"/>
-              </a:rPr>
-              <a:t> }</a:t>
-            </a:r>
-          </a:p>
-          <a:p>
-            <a:br>
-              <a:rPr lang="de-CH" dirty="0">
-                <a:solidFill>
-                  <a:srgbClr val="D4D4D4"/>
-                </a:solidFill>
-                <a:latin typeface="Consolas" panose="020B0609020204030204" pitchFamily="49" charset="0"/>
-              </a:rPr>
-            </a:br>
-            <a:r>
-              <a:rPr lang="de-CH" dirty="0" err="1">
-                <a:solidFill>
-                  <a:srgbClr val="569CD6"/>
-                </a:solidFill>
-                <a:latin typeface="Consolas" panose="020B0609020204030204" pitchFamily="49" charset="0"/>
-              </a:rPr>
-              <a:t>let</a:t>
-            </a:r>
-            <a:r>
-              <a:rPr lang="de-CH" dirty="0">
-                <a:solidFill>
-                  <a:srgbClr val="D4D4D4"/>
-                </a:solidFill>
-                <a:latin typeface="Consolas" panose="020B0609020204030204" pitchFamily="49" charset="0"/>
-              </a:rPr>
-              <a:t> </a:t>
-            </a:r>
-            <a:r>
-              <a:rPr lang="de-CH" dirty="0">
-                <a:solidFill>
-                  <a:srgbClr val="9CDCFE"/>
-                </a:solidFill>
-                <a:latin typeface="Consolas" panose="020B0609020204030204" pitchFamily="49" charset="0"/>
-              </a:rPr>
-              <a:t>p</a:t>
-            </a:r>
-            <a:r>
-              <a:rPr lang="de-CH" dirty="0">
-                <a:solidFill>
-                  <a:srgbClr val="D4D4D4"/>
-                </a:solidFill>
-                <a:latin typeface="Consolas" panose="020B0609020204030204" pitchFamily="49" charset="0"/>
-              </a:rPr>
-              <a:t>: </a:t>
-            </a:r>
-            <a:r>
-              <a:rPr lang="de-CH" dirty="0">
-                <a:solidFill>
-                  <a:srgbClr val="4EC9B0"/>
-                </a:solidFill>
-                <a:latin typeface="Consolas" panose="020B0609020204030204" pitchFamily="49" charset="0"/>
-              </a:rPr>
-              <a:t>Person</a:t>
-            </a:r>
-            <a:r>
-              <a:rPr lang="de-CH" dirty="0">
-                <a:solidFill>
-                  <a:srgbClr val="D4D4D4"/>
-                </a:solidFill>
-                <a:latin typeface="Consolas" panose="020B0609020204030204" pitchFamily="49" charset="0"/>
-              </a:rPr>
-              <a:t> &amp; </a:t>
-            </a:r>
-            <a:r>
-              <a:rPr lang="de-CH" dirty="0">
-                <a:solidFill>
-                  <a:srgbClr val="4EC9B0"/>
-                </a:solidFill>
-                <a:latin typeface="Consolas" panose="020B0609020204030204" pitchFamily="49" charset="0"/>
-              </a:rPr>
-              <a:t>Contact</a:t>
-            </a:r>
-            <a:r>
-              <a:rPr lang="de-CH" dirty="0">
-                <a:solidFill>
-                  <a:srgbClr val="D4D4D4"/>
-                </a:solidFill>
-                <a:latin typeface="Consolas" panose="020B0609020204030204" pitchFamily="49" charset="0"/>
-              </a:rPr>
-              <a:t> = {};</a:t>
-            </a:r>
-          </a:p>
-          <a:p>
-            <a:r>
-              <a:rPr lang="de-CH" dirty="0">
-                <a:solidFill>
-                  <a:srgbClr val="9CDCFE"/>
-                </a:solidFill>
-                <a:latin typeface="Consolas" panose="020B0609020204030204" pitchFamily="49" charset="0"/>
-              </a:rPr>
-              <a:t>p</a:t>
-            </a:r>
-            <a:r>
-              <a:rPr lang="de-CH" dirty="0">
-                <a:solidFill>
-                  <a:srgbClr val="D4D4D4"/>
-                </a:solidFill>
-                <a:latin typeface="Consolas" panose="020B0609020204030204" pitchFamily="49" charset="0"/>
-              </a:rPr>
-              <a:t>.</a:t>
-            </a:r>
-            <a:r>
-              <a:rPr lang="de-CH" dirty="0">
-                <a:solidFill>
-                  <a:srgbClr val="9CDCFE"/>
-                </a:solidFill>
-                <a:latin typeface="Consolas" panose="020B0609020204030204" pitchFamily="49" charset="0"/>
-              </a:rPr>
-              <a:t>name</a:t>
-            </a:r>
-            <a:r>
-              <a:rPr lang="de-CH" dirty="0">
-                <a:solidFill>
-                  <a:srgbClr val="D4D4D4"/>
-                </a:solidFill>
-                <a:latin typeface="Consolas" panose="020B0609020204030204" pitchFamily="49" charset="0"/>
-              </a:rPr>
               <a:t> = </a:t>
             </a:r>
             <a:r>
@@ -9048,136 +9365,6 @@
                 </a:solidFill>
                 <a:latin typeface="Consolas" panose="020B0609020204030204" pitchFamily="49" charset="0"/>
               </a:rPr>
-              <a:t>"</a:t>
-            </a:r>
-            <a:r>
-              <a:rPr lang="de-CH" dirty="0" err="1">
-                <a:solidFill>
-                  <a:srgbClr val="CE9178"/>
-                </a:solidFill>
-                <a:latin typeface="Consolas" panose="020B0609020204030204" pitchFamily="49" charset="0"/>
-              </a:rPr>
-              <a:t>JoJo</a:t>
-            </a:r>
-            <a:r>
-              <a:rPr lang="de-CH" dirty="0">
-                <a:solidFill>
-                  <a:srgbClr val="CE9178"/>
-                </a:solidFill>
-                <a:latin typeface="Consolas" panose="020B0609020204030204" pitchFamily="49" charset="0"/>
-              </a:rPr>
-              <a:t>"</a:t>
-            </a:r>
-            <a:r>
-              <a:rPr lang="de-CH" dirty="0">
-                <a:solidFill>
-                  <a:srgbClr val="D4D4D4"/>
-                </a:solidFill>
-                <a:latin typeface="Consolas" panose="020B0609020204030204" pitchFamily="49" charset="0"/>
-              </a:rPr>
-              <a:t>;</a:t>
-            </a:r>
-          </a:p>
-          <a:p>
-            <a:r>
-              <a:rPr lang="de-CH" dirty="0" err="1">
-                <a:solidFill>
-                  <a:srgbClr val="9CDCFE"/>
-                </a:solidFill>
-                <a:latin typeface="Consolas" panose="020B0609020204030204" pitchFamily="49" charset="0"/>
-              </a:rPr>
-              <a:t>p</a:t>
-            </a:r>
-            <a:r>
-              <a:rPr lang="de-CH" dirty="0" err="1">
-                <a:solidFill>
-                  <a:srgbClr val="D4D4D4"/>
-                </a:solidFill>
-                <a:latin typeface="Consolas" panose="020B0609020204030204" pitchFamily="49" charset="0"/>
-              </a:rPr>
-              <a:t>.</a:t>
-            </a:r>
-            <a:r>
-              <a:rPr lang="de-CH" dirty="0" err="1">
-                <a:solidFill>
-                  <a:srgbClr val="9CDCFE"/>
-                </a:solidFill>
-                <a:latin typeface="Consolas" panose="020B0609020204030204" pitchFamily="49" charset="0"/>
-              </a:rPr>
-              <a:t>age</a:t>
-            </a:r>
-            <a:r>
-              <a:rPr lang="de-CH" dirty="0">
-                <a:solidFill>
-                  <a:srgbClr val="D4D4D4"/>
-                </a:solidFill>
-                <a:latin typeface="Consolas" panose="020B0609020204030204" pitchFamily="49" charset="0"/>
-              </a:rPr>
-              <a:t> = </a:t>
-            </a:r>
-            <a:r>
-              <a:rPr lang="de-CH" dirty="0">
-                <a:solidFill>
-                  <a:srgbClr val="B5CEA8"/>
-                </a:solidFill>
-                <a:latin typeface="Consolas" panose="020B0609020204030204" pitchFamily="49" charset="0"/>
-              </a:rPr>
-              <a:t>17</a:t>
-            </a:r>
-            <a:r>
-              <a:rPr lang="de-CH" dirty="0">
-                <a:solidFill>
-                  <a:srgbClr val="D4D4D4"/>
-                </a:solidFill>
-                <a:latin typeface="Consolas" panose="020B0609020204030204" pitchFamily="49" charset="0"/>
-              </a:rPr>
-              <a:t>;</a:t>
-            </a:r>
-          </a:p>
-          <a:p>
-            <a:r>
-              <a:rPr lang="de-CH" dirty="0" err="1">
-                <a:solidFill>
-                  <a:srgbClr val="9CDCFE"/>
-                </a:solidFill>
-                <a:latin typeface="Consolas" panose="020B0609020204030204" pitchFamily="49" charset="0"/>
-              </a:rPr>
-              <a:t>p</a:t>
-            </a:r>
-            <a:r>
-              <a:rPr lang="de-CH" dirty="0" err="1">
-                <a:solidFill>
-                  <a:srgbClr val="D4D4D4"/>
-                </a:solidFill>
-                <a:latin typeface="Consolas" panose="020B0609020204030204" pitchFamily="49" charset="0"/>
-              </a:rPr>
-              <a:t>.</a:t>
-            </a:r>
-            <a:r>
-              <a:rPr lang="de-CH" dirty="0" err="1">
-                <a:solidFill>
-                  <a:srgbClr val="9CDCFE"/>
-                </a:solidFill>
-                <a:latin typeface="Consolas" panose="020B0609020204030204" pitchFamily="49" charset="0"/>
-              </a:rPr>
-              <a:t>phone</a:t>
-            </a:r>
-            <a:r>
-              <a:rPr lang="de-CH" dirty="0">
-                <a:solidFill>
-                  <a:srgbClr val="D4D4D4"/>
-                </a:solidFill>
-                <a:latin typeface="Consolas" panose="020B0609020204030204" pitchFamily="49" charset="0"/>
-              </a:rPr>
-              <a:t> = </a:t>
-            </a:r>
-            <a:r>
-              <a:rPr lang="de-CH" dirty="0">
-                <a:solidFill>
-                  <a:srgbClr val="CE9178"/>
-                </a:solidFill>
-                <a:latin typeface="Consolas" panose="020B0609020204030204" pitchFamily="49" charset="0"/>
-              </a:rPr>
               <a:t>"079 123 45 67"</a:t>
             </a:r>
             <a:r>
@@ -9187,7 +9374,18 @@
                 </a:solidFill>
                 <a:latin typeface="Consolas" panose="020B0609020204030204" pitchFamily="49" charset="0"/>
               </a:rPr>
-              <a:t>;</a:t>
+              <a:t>,</a:t>
+            </a:r>
+          </a:p>
+          <a:p>
+            <a:r>
+              <a:rPr lang="de-CH" dirty="0">
+                <a:solidFill>
+                  <a:srgbClr val="D4D4D4"/>
+                </a:solidFill>
+                <a:latin typeface="Consolas" panose="020B0609020204030204" pitchFamily="49" charset="0"/>
+              </a:rPr>
+              <a:t>};</a:t>
             </a:r>
           </a:p>
         </p:txBody>
@@ -9240,7 +9438,7 @@
           <p:nvPr/>
         </p:nvPicPr>
         <p:blipFill rotWithShape="1">
-          <a:blip r:embed="rId2">
+          <a:blip r:embed="rId3">
             <a:extLst>
               <a:ext uri="{28A0092B-C50C-407E-A947-70E740481C1C}">
                 <a14:useLocalDpi xmlns:a14="http://schemas.microsoft.com/office/drawing/2010/main" val="0"/>
@@ -9359,7 +9557,7 @@
                 <a:avLst/>
               </a:prstGeom>
               <a:blipFill>
-                <a:blip r:embed="rId3"/>
+                <a:blip r:embed="rId4"/>
                 <a:stretch>
                   <a:fillRect/>
                 </a:stretch>
@@ -13713,6 +13911,128 @@
           </a:p>
         </p:txBody>
       </p:sp>
+      <p:sp>
+        <p:nvSpPr>
+          <p:cNvPr id="7" name="Rectangle: Rounded Corners 6">
+            <a:extLst>
+              <a:ext uri="{FF2B5EF4-FFF2-40B4-BE49-F238E27FC236}">
+                <a16:creationId xmlns:a16="http://schemas.microsoft.com/office/drawing/2014/main" id="{22C77F65-ED37-4ACF-8A84-0458E7444C21}"/>
+              </a:ext>
+            </a:extLst>
+          </p:cNvPr>
+          <p:cNvSpPr/>
+          <p:nvPr/>
+        </p:nvSpPr>
+        <p:spPr>
+          <a:xfrm>
+            <a:off x="138223" y="1701210"/>
+            <a:ext cx="5178056" cy="446568"/>
+          </a:xfrm>
+          <a:prstGeom prst="roundRect">
+            <a:avLst>
+              <a:gd name="adj" fmla="val 50000"/>
+            </a:avLst>
+          </a:prstGeom>
+          <a:noFill/>
+          <a:ln w="76200">
+            <a:solidFill>
+              <a:srgbClr val="00B0F0">
+                <a:alpha val="67000"/>
+              </a:srgbClr>
+            </a:solidFill>
+          </a:ln>
+        </p:spPr>
+        <p:style>
+          <a:lnRef idx="2">
+            <a:schemeClr val="accent1">
+              <a:shade val="50000"/>
+            </a:schemeClr>
+          </a:lnRef>
+          <a:fillRef idx="1">
+            <a:schemeClr val="accent1"/>
+          </a:fillRef>
+          <a:effectRef idx="0">
+            <a:schemeClr val="accent1"/>
+          </a:effectRef>
+          <a:fontRef idx="minor">
+            <a:schemeClr val="lt1"/>
+          </a:fontRef>
+        </p:style>
+        <p:txBody>
+          <a:bodyPr rot="0" spcFirstLastPara="0" vertOverflow="overflow" horzOverflow="overflow" vert="horz" wrap="square" lIns="91440" tIns="45720" rIns="91440" bIns="45720" numCol="1" spcCol="0" rtlCol="0" fromWordArt="0" anchor="ctr" anchorCtr="0" forceAA="0" compatLnSpc="1">
+            <a:prstTxWarp prst="textNoShape">
+              <a:avLst/>
+            </a:prstTxWarp>
+            <a:noAutofit/>
+          </a:bodyPr>
+          <a:lstStyle/>
+          <a:p>
+            <a:pPr algn="ctr"/>
+            <a:endParaRPr lang="en-GB"/>
+          </a:p>
+        </p:txBody>
+      </p:sp>
+      <p:sp>
+        <p:nvSpPr>
+          <p:cNvPr id="8" name="Rectangle: Rounded Corners 7">
+            <a:extLst>
+              <a:ext uri="{FF2B5EF4-FFF2-40B4-BE49-F238E27FC236}">
+                <a16:creationId xmlns:a16="http://schemas.microsoft.com/office/drawing/2014/main" id="{06773A9B-6F17-41A8-8633-723B7A12E340}"/>
+              </a:ext>
+            </a:extLst>
+          </p:cNvPr>
+          <p:cNvSpPr/>
+          <p:nvPr/>
+        </p:nvSpPr>
+        <p:spPr>
+          <a:xfrm>
+            <a:off x="4851991" y="2248115"/>
+            <a:ext cx="2569535" cy="446568"/>
+          </a:xfrm>
+          <a:prstGeom prst="roundRect">
+            <a:avLst>
+              <a:gd name="adj" fmla="val 50000"/>
+            </a:avLst>
+          </a:prstGeom>
+          <a:noFill/>
+          <a:ln w="76200">
+            <a:solidFill>
+              <a:srgbClr val="00B0F0">
+                <a:alpha val="67000"/>
+              </a:srgbClr>
+            </a:solidFill>
+          </a:ln>
+        </p:spPr>
+        <p:style>
+          <a:lnRef idx="2">
+            <a:schemeClr val="accent1">
+              <a:shade val="50000"/>
+            </a:schemeClr>
+          </a:lnRef>
+          <a:fillRef idx="1">
+            <a:schemeClr val="accent1"/>
+          </a:fillRef>
+          <a:effectRef idx="0">
+            <a:schemeClr val="accent1"/>
+          </a:effectRef>
+          <a:fontRef idx="minor">
+            <a:schemeClr val="lt1"/>
+          </a:fontRef>
+        </p:style>
+        <p:txBody>
+          <a:bodyPr rot="0" spcFirstLastPara="0" vertOverflow="overflow" horzOverflow="overflow" vert="horz" wrap="square" lIns="91440" tIns="45720" rIns="91440" bIns="45720" numCol="1" spcCol="0" rtlCol="0" fromWordArt="0" anchor="ctr" anchorCtr="0" forceAA="0" compatLnSpc="1">
+            <a:prstTxWarp prst="textNoShape">
+              <a:avLst/>
+            </a:prstTxWarp>
+            <a:noAutofit/>
+          </a:bodyPr>
+          <a:lstStyle/>
+          <a:p>
+            <a:pPr algn="ctr"/>
+            <a:endParaRPr lang="en-GB"/>
+          </a:p>
+        </p:txBody>
+      </p:sp>
     </p:spTree>
     <p:extLst>
       <p:ext uri="{BB962C8B-B14F-4D97-AF65-F5344CB8AC3E}">
@@ -13892,7 +14212,7 @@
         <p:spPr>
           <a:xfrm>
             <a:off x="268308" y="1184858"/>
-            <a:ext cx="11655379" cy="4801314"/>
+            <a:ext cx="11655379" cy="5355312"/>
           </a:xfrm>
           <a:prstGeom prst="rect">
             <a:avLst/>
@@ -13932,6 +14252,88 @@
               <a:t> </a:t>
             </a:r>
             <a:r>
+              <a:rPr lang="de-CH" dirty="0" err="1">
+                <a:solidFill>
+                  <a:srgbClr val="4EC9B0"/>
+                </a:solidFill>
+                <a:latin typeface="Consolas" panose="020B0609020204030204" pitchFamily="49" charset="0"/>
+              </a:rPr>
+              <a:t>InitAction</a:t>
+            </a:r>
+            <a:r>
+              <a:rPr lang="de-CH" dirty="0">
+                <a:solidFill>
+                  <a:srgbClr val="D4D4D4"/>
+                </a:solidFill>
+                <a:latin typeface="Consolas" panose="020B0609020204030204" pitchFamily="49" charset="0"/>
+              </a:rPr>
+              <a:t> = { </a:t>
+            </a:r>
+            <a:r>
+              <a:rPr lang="de-CH" dirty="0">
+                <a:solidFill>
+                  <a:srgbClr val="9CDCFE"/>
+                </a:solidFill>
+                <a:latin typeface="Consolas" panose="020B0609020204030204" pitchFamily="49" charset="0"/>
+              </a:rPr>
+              <a:t>type</a:t>
+            </a:r>
+            <a:r>
+              <a:rPr lang="de-CH" dirty="0">
+                <a:solidFill>
+                  <a:srgbClr val="D4D4D4"/>
+                </a:solidFill>
+                <a:latin typeface="Consolas" panose="020B0609020204030204" pitchFamily="49" charset="0"/>
+              </a:rPr>
+              <a:t>: </a:t>
+            </a:r>
+            <a:r>
+              <a:rPr lang="de-CH" dirty="0">
+                <a:solidFill>
+                  <a:srgbClr val="CE9178"/>
+                </a:solidFill>
+                <a:latin typeface="Consolas" panose="020B0609020204030204" pitchFamily="49" charset="0"/>
+              </a:rPr>
+              <a:t>"INIT"</a:t>
+            </a:r>
+            <a:r>
+              <a:rPr lang="de-CH" dirty="0">
+                <a:solidFill>
+                  <a:srgbClr val="D4D4D4"/>
+                </a:solidFill>
+                <a:latin typeface="Consolas" panose="020B0609020204030204" pitchFamily="49" charset="0"/>
+              </a:rPr>
+              <a:t> } ...</a:t>
+            </a:r>
+          </a:p>
+          <a:p>
+            <a:endParaRPr lang="de-CH" dirty="0">
+              <a:solidFill>
+                <a:srgbClr val="569CD6"/>
+              </a:solidFill>
+              <a:latin typeface="Consolas" panose="020B0609020204030204" pitchFamily="49" charset="0"/>
+            </a:endParaRPr>
+          </a:p>
+          <a:p>
+            <a:r>
+              <a:rPr lang="de-CH" dirty="0">
+                <a:solidFill>
+                  <a:srgbClr val="569CD6"/>
+                </a:solidFill>
+                <a:latin typeface="Consolas" panose="020B0609020204030204" pitchFamily="49" charset="0"/>
+              </a:rPr>
+              <a:t>type</a:t>
+            </a:r>
+            <a:r>
+              <a:rPr lang="de-CH" dirty="0">
+                <a:solidFill>
+                  <a:srgbClr val="D4D4D4"/>
+                </a:solidFill>
+                <a:latin typeface="Consolas" panose="020B0609020204030204" pitchFamily="49" charset="0"/>
+              </a:rPr>
+              <a:t> </a:t>
+            </a:r>
+            <a:r>
               <a:rPr lang="de-CH" dirty="0">
                 <a:solidFill>
                   <a:srgbClr val="4EC9B0"/>
@@ -14853,13 +15255,13 @@
         </p:nvSpPr>
         <p:spPr>
           <a:xfrm>
-            <a:off x="7666074" y="2806997"/>
+            <a:off x="7974418" y="3753295"/>
             <a:ext cx="4152014" cy="2939902"/>
           </a:xfrm>
           <a:prstGeom prst="wedgeEllipseCallout">
             <a:avLst>
-              <a:gd name="adj1" fmla="val -105956"/>
-              <a:gd name="adj2" fmla="val 31157"/>
+              <a:gd name="adj1" fmla="val -118888"/>
+              <a:gd name="adj2" fmla="val 18861"/>
             </a:avLst>
           </a:prstGeom>
           <a:solidFill>
@@ -15123,6 +15525,176 @@
           <p:cNvPr id="4" name="Title 3">
             <a:extLst>
               <a:ext uri="{FF2B5EF4-FFF2-40B4-BE49-F238E27FC236}">
+                <a16:creationId xmlns:a16="http://schemas.microsoft.com/office/drawing/2014/main" id="{001E8AE4-A6F0-41B4-9CC1-E4DC039002F1}"/>
+              </a:ext>
+            </a:extLst>
+          </p:cNvPr>
+          <p:cNvSpPr>
+            <a:spLocks noGrp="1"/>
+          </p:cNvSpPr>
+          <p:nvPr>
+            <p:ph type="title"/>
+          </p:nvPr>
+        </p:nvSpPr>
+        <p:spPr/>
+        <p:txBody>
+          <a:bodyPr/>
+          <a:lstStyle/>
+          <a:p>
+            <a:r>
+              <a:rPr lang="de-CH" dirty="0" err="1"/>
+              <a:t>Sum</a:t>
+            </a:r>
+            <a:r>
+              <a:rPr lang="de-CH" dirty="0"/>
+              <a:t> </a:t>
+            </a:r>
+            <a:r>
+              <a:rPr lang="de-CH" dirty="0" err="1"/>
+              <a:t>Types</a:t>
+            </a:r>
+            <a:endParaRPr lang="en-GB" dirty="0"/>
+          </a:p>
+        </p:txBody>
+      </p:sp>
+      <p:sp>
+        <p:nvSpPr>
+          <p:cNvPr id="5" name="Content Placeholder 4">
+            <a:extLst>
+              <a:ext uri="{FF2B5EF4-FFF2-40B4-BE49-F238E27FC236}">
+                <a16:creationId xmlns:a16="http://schemas.microsoft.com/office/drawing/2014/main" id="{62CE84C7-FA68-425F-BB2C-6EF10D3A143E}"/>
+              </a:ext>
+            </a:extLst>
+          </p:cNvPr>
+          <p:cNvSpPr>
+            <a:spLocks noGrp="1"/>
+          </p:cNvSpPr>
+          <p:nvPr>
+            <p:ph idx="1"/>
+          </p:nvPr>
+        </p:nvSpPr>
+        <p:spPr/>
+        <p:txBody>
+          <a:bodyPr/>
+          <a:lstStyle/>
+          <a:p>
+            <a:r>
+              <a:rPr lang="de-CH" dirty="0" err="1"/>
+              <a:t>Sum</a:t>
+            </a:r>
+            <a:r>
+              <a:rPr lang="de-CH" dirty="0"/>
+              <a:t> </a:t>
+            </a:r>
+            <a:r>
+              <a:rPr lang="de-CH" dirty="0" err="1"/>
+              <a:t>types</a:t>
+            </a:r>
+            <a:r>
+              <a:rPr lang="de-CH" dirty="0"/>
+              <a:t> </a:t>
+            </a:r>
+            <a:r>
+              <a:rPr lang="de-CH" dirty="0" err="1"/>
+              <a:t>aren’t</a:t>
+            </a:r>
+            <a:r>
+              <a:rPr lang="de-CH" dirty="0"/>
+              <a:t> a native </a:t>
+            </a:r>
+            <a:r>
+              <a:rPr lang="de-CH" dirty="0" err="1"/>
+              <a:t>language</a:t>
+            </a:r>
+            <a:r>
+              <a:rPr lang="de-CH" dirty="0"/>
+              <a:t> feature </a:t>
+            </a:r>
+            <a:r>
+              <a:rPr lang="de-CH" dirty="0" err="1"/>
+              <a:t>of</a:t>
+            </a:r>
+            <a:r>
+              <a:rPr lang="de-CH" dirty="0"/>
+              <a:t> TS </a:t>
+            </a:r>
+          </a:p>
+          <a:p>
+            <a:r>
+              <a:rPr lang="de-CH" dirty="0" err="1"/>
+              <a:t>They</a:t>
+            </a:r>
+            <a:r>
+              <a:rPr lang="de-CH" dirty="0"/>
+              <a:t> </a:t>
+            </a:r>
+            <a:r>
+              <a:rPr lang="de-CH" dirty="0" err="1"/>
+              <a:t>can</a:t>
+            </a:r>
+            <a:r>
+              <a:rPr lang="de-CH" dirty="0"/>
+              <a:t> </a:t>
+            </a:r>
+            <a:r>
+              <a:rPr lang="de-CH" dirty="0" err="1"/>
+              <a:t>be</a:t>
+            </a:r>
+            <a:r>
+              <a:rPr lang="de-CH" dirty="0"/>
+              <a:t> </a:t>
+            </a:r>
+            <a:r>
+              <a:rPr lang="de-CH" dirty="0" err="1"/>
+              <a:t>built</a:t>
+            </a:r>
+            <a:r>
+              <a:rPr lang="de-CH" dirty="0"/>
+              <a:t> </a:t>
+            </a:r>
+            <a:r>
+              <a:rPr lang="de-CH" dirty="0" err="1"/>
+              <a:t>though</a:t>
+            </a:r>
+            <a:endParaRPr lang="en-GB" dirty="0"/>
+          </a:p>
+        </p:txBody>
+      </p:sp>
+    </p:spTree>
+    <p:extLst>
+      <p:ext uri="{BB962C8B-B14F-4D97-AF65-F5344CB8AC3E}">
+        <p14:creationId xmlns:p14="http://schemas.microsoft.com/office/powerpoint/2010/main" val="1383654413"/>
+      </p:ext>
+    </p:extLst>
+  </p:cSld>
+  <p:clrMapOvr>
+    <a:masterClrMapping/>
+  </p:clrMapOvr>
+</p:sld>
+</file>
+
+<file path=ppt/slides/slide25.xml><?xml version="1.0" encoding="utf-8"?>
+<p:sld xmlns:a="http://schemas.openxmlformats.org/drawingml/2006/main" xmlns:r="http://schemas.openxmlformats.org/officeDocument/2006/relationships" xmlns:p="http://schemas.openxmlformats.org/presentationml/2006/main">
+  <p:cSld>
+    <p:spTree>
+      <p:nvGrpSpPr>
+        <p:cNvPr id="1" name=""/>
+        <p:cNvGrpSpPr/>
+        <p:nvPr/>
+      </p:nvGrpSpPr>
+      <p:grpSpPr>
+        <a:xfrm>
+          <a:off x="0" y="0"/>
+          <a:ext cx="0" cy="0"/>
+          <a:chOff x="0" y="0"/>
+          <a:chExt cx="0" cy="0"/>
+        </a:xfrm>
+      </p:grpSpPr>
+      <p:sp>
+        <p:nvSpPr>
+          <p:cNvPr id="4" name="Title 3">
+            <a:extLst>
+              <a:ext uri="{FF2B5EF4-FFF2-40B4-BE49-F238E27FC236}">
                 <a16:creationId xmlns:a16="http://schemas.microsoft.com/office/drawing/2014/main" id="{73CBAFDA-E306-4433-89D8-7EFE282D1D81}"/>
               </a:ext>
             </a:extLst>
@@ -15985,7 +16557,28 @@
           <a:bodyPr/>
           <a:lstStyle/>
           <a:p>
-            <a:endParaRPr lang="en-GB"/>
+            <a:r>
+              <a:rPr lang="en-GB" dirty="0"/>
+              <a:t>Get an intuition for types as a concept</a:t>
+            </a:r>
+          </a:p>
+          <a:p>
+            <a:endParaRPr lang="en-GB" dirty="0"/>
+          </a:p>
+          <a:p>
+            <a:r>
+              <a:rPr lang="en-GB" dirty="0"/>
+              <a:t>See some examples how to use type features of TS effectively</a:t>
+            </a:r>
+          </a:p>
+          <a:p>
+            <a:endParaRPr lang="en-GB" dirty="0"/>
+          </a:p>
+          <a:p>
+            <a:r>
+              <a:rPr lang="en-GB" dirty="0"/>
+              <a:t>Learn about ADTs</a:t>
+            </a:r>
           </a:p>
         </p:txBody>
       </p:sp>

--- a/a-type-of-magic.pptx
+++ b/a-type-of-magic.pptx
@@ -47,7 +47,7 @@
     <p:sldId id="292" r:id="rId38"/>
     <p:sldId id="283" r:id="rId39"/>
     <p:sldId id="293" r:id="rId40"/>
-    <p:sldId id="286" r:id="rId41"/>
+    <p:sldId id="306" r:id="rId41"/>
     <p:sldId id="288" r:id="rId42"/>
     <p:sldId id="287" r:id="rId43"/>
     <p:sldId id="289" r:id="rId44"/>
@@ -28433,7 +28433,7 @@
         </p:nvSpPr>
         <p:spPr>
           <a:xfrm>
-            <a:off x="5748982" y="5290312"/>
+            <a:off x="5686921" y="5290312"/>
             <a:ext cx="5686172" cy="1323439"/>
           </a:xfrm>
           <a:prstGeom prst="rect">
@@ -28828,7 +28828,7 @@
             </p:nvSpPr>
             <p:spPr>
               <a:xfrm>
-                <a:off x="3267377" y="5736587"/>
+                <a:off x="3383861" y="5736587"/>
                 <a:ext cx="1626086" cy="430887"/>
               </a:xfrm>
               <a:prstGeom prst="rect">
@@ -28907,7 +28907,7 @@
             </p:nvSpPr>
             <p:spPr>
               <a:xfrm>
-                <a:off x="3267377" y="5736587"/>
+                <a:off x="3383861" y="5736587"/>
                 <a:ext cx="1626086" cy="430887"/>
               </a:xfrm>
               <a:prstGeom prst="rect">
@@ -28992,7 +28992,7 @@
         <p:spPr>
           <a:xfrm>
             <a:off x="510894" y="5690420"/>
-            <a:ext cx="1856598" cy="523220"/>
+            <a:ext cx="2829621" cy="523220"/>
           </a:xfrm>
           <a:prstGeom prst="rect">
             <a:avLst/>
@@ -29009,7 +29009,7 @@
                 <a:latin typeface="Roboto" panose="02000000000000000000" pitchFamily="2" charset="0"/>
                 <a:ea typeface="Roboto" panose="02000000000000000000" pitchFamily="2" charset="0"/>
               </a:rPr>
-              <a:t>1-Element:</a:t>
+              <a:t>Neutral-Element:</a:t>
             </a:r>
             <a:endParaRPr lang="en-GB" sz="2800" dirty="0">
               <a:latin typeface="Roboto" panose="02000000000000000000" pitchFamily="2" charset="0"/>
@@ -31035,7 +31035,7 @@
           <p:cNvPr id="2" name="Title 1">
             <a:extLst>
               <a:ext uri="{FF2B5EF4-FFF2-40B4-BE49-F238E27FC236}">
-                <a16:creationId xmlns:a16="http://schemas.microsoft.com/office/drawing/2014/main" id="{B26F47E8-170D-467E-B9FC-C9164908B64A}"/>
+                <a16:creationId xmlns:a16="http://schemas.microsoft.com/office/drawing/2014/main" id="{AA6DBC65-742D-40B4-83FD-DC954A0FE0C9}"/>
               </a:ext>
             </a:extLst>
           </p:cNvPr>
@@ -31051,51 +31051,1103 @@
           <a:bodyPr/>
           <a:lstStyle/>
           <a:p>
-            <a:r>
-              <a:rPr lang="de-CH" dirty="0" err="1"/>
-              <a:t>Discriminated</a:t>
-            </a:r>
-            <a:r>
-              <a:rPr lang="de-CH" dirty="0"/>
-              <a:t> </a:t>
-            </a:r>
-            <a:r>
-              <a:rPr lang="de-CH" dirty="0" err="1"/>
-              <a:t>Unions</a:t>
-            </a:r>
-            <a:endParaRPr lang="en-GB" dirty="0"/>
+            <a:endParaRPr lang="en-GB"/>
           </a:p>
         </p:txBody>
       </p:sp>
-      <p:sp>
-        <p:nvSpPr>
-          <p:cNvPr id="3" name="Content Placeholder 2">
+      <p:graphicFrame>
+        <p:nvGraphicFramePr>
+          <p:cNvPr id="4" name="Content Placeholder 3">
             <a:extLst>
               <a:ext uri="{FF2B5EF4-FFF2-40B4-BE49-F238E27FC236}">
-                <a16:creationId xmlns:a16="http://schemas.microsoft.com/office/drawing/2014/main" id="{1C6D4E64-5BBB-45D1-B277-75AEA2EA15A2}"/>
+                <a16:creationId xmlns:a16="http://schemas.microsoft.com/office/drawing/2014/main" id="{9BD2AF1D-4A79-4C19-936B-BF4CBC189AA3}"/>
               </a:ext>
             </a:extLst>
           </p:cNvPr>
-          <p:cNvSpPr>
-            <a:spLocks noGrp="1"/>
-          </p:cNvSpPr>
+          <p:cNvGraphicFramePr>
+            <a:graphicFrameLocks noGrp="1"/>
+          </p:cNvGraphicFramePr>
           <p:nvPr>
             <p:ph idx="1"/>
+            <p:extLst>
+              <p:ext uri="{D42A27DB-BD31-4B8C-83A1-F6EECF244321}">
+                <p14:modId xmlns:p14="http://schemas.microsoft.com/office/powerpoint/2010/main" val="4129897984"/>
+              </p:ext>
+            </p:extLst>
           </p:nvPr>
-        </p:nvSpPr>
-        <p:spPr/>
-        <p:txBody>
-          <a:bodyPr/>
-          <a:lstStyle/>
-          <a:p>
-            <a:endParaRPr lang="en-GB"/>
-          </a:p>
-        </p:txBody>
-      </p:sp>
+        </p:nvGraphicFramePr>
+        <p:xfrm>
+          <a:off x="3143128" y="1405596"/>
+          <a:ext cx="5905744" cy="2595880"/>
+        </p:xfrm>
+        <a:graphic>
+          <a:graphicData uri="http://schemas.openxmlformats.org/drawingml/2006/table">
+            <a:tbl>
+              <a:tblPr firstRow="1" bandRow="1">
+                <a:tableStyleId>{5C22544A-7EE6-4342-B048-85BDC9FD1C3A}</a:tableStyleId>
+              </a:tblPr>
+              <a:tblGrid>
+                <a:gridCol w="1310447">
+                  <a:extLst>
+                    <a:ext uri="{9D8B030D-6E8A-4147-A177-3AD203B41FA5}">
+                      <a16:colId xmlns:a16="http://schemas.microsoft.com/office/drawing/2014/main" val="511066125"/>
+                    </a:ext>
+                  </a:extLst>
+                </a:gridCol>
+                <a:gridCol w="4595297">
+                  <a:extLst>
+                    <a:ext uri="{9D8B030D-6E8A-4147-A177-3AD203B41FA5}">
+                      <a16:colId xmlns:a16="http://schemas.microsoft.com/office/drawing/2014/main" val="2737696981"/>
+                    </a:ext>
+                  </a:extLst>
+                </a:gridCol>
+              </a:tblGrid>
+              <a:tr h="370840">
+                <a:tc>
+                  <a:txBody>
+                    <a:bodyPr/>
+                    <a:lstStyle/>
+                    <a:p>
+                      <a:r>
+                        <a:rPr lang="de-CH" dirty="0">
+                          <a:solidFill>
+                            <a:schemeClr val="tx1"/>
+                          </a:solidFill>
+                        </a:rPr>
+                        <a:t>Numbers</a:t>
+                      </a:r>
+                      <a:endParaRPr lang="en-GB" dirty="0">
+                        <a:solidFill>
+                          <a:schemeClr val="tx1"/>
+                        </a:solidFill>
+                      </a:endParaRPr>
+                    </a:p>
+                  </a:txBody>
+                  <a:tcPr>
+                    <a:lnT w="28575" cap="flat" cmpd="sng" algn="ctr">
+                      <a:solidFill>
+                        <a:schemeClr val="tx1"/>
+                      </a:solidFill>
+                      <a:prstDash val="solid"/>
+                      <a:round/>
+                      <a:headEnd type="none" w="med" len="med"/>
+                      <a:tailEnd type="none" w="med" len="med"/>
+                    </a:lnT>
+                    <a:lnB w="12700" cap="flat" cmpd="sng" algn="ctr">
+                      <a:solidFill>
+                        <a:schemeClr val="tx1"/>
+                      </a:solidFill>
+                      <a:prstDash val="solid"/>
+                      <a:round/>
+                      <a:headEnd type="none" w="med" len="med"/>
+                      <a:tailEnd type="none" w="med" len="med"/>
+                    </a:lnB>
+                    <a:noFill/>
+                  </a:tcPr>
+                </a:tc>
+                <a:tc>
+                  <a:txBody>
+                    <a:bodyPr/>
+                    <a:lstStyle/>
+                    <a:p>
+                      <a:r>
+                        <a:rPr lang="de-CH" dirty="0" err="1">
+                          <a:solidFill>
+                            <a:schemeClr val="tx1"/>
+                          </a:solidFill>
+                        </a:rPr>
+                        <a:t>Types</a:t>
+                      </a:r>
+                      <a:endParaRPr lang="en-GB" dirty="0">
+                        <a:solidFill>
+                          <a:schemeClr val="tx1"/>
+                        </a:solidFill>
+                      </a:endParaRPr>
+                    </a:p>
+                  </a:txBody>
+                  <a:tcPr>
+                    <a:lnT w="28575" cap="flat" cmpd="sng" algn="ctr">
+                      <a:solidFill>
+                        <a:schemeClr val="tx1"/>
+                      </a:solidFill>
+                      <a:prstDash val="solid"/>
+                      <a:round/>
+                      <a:headEnd type="none" w="med" len="med"/>
+                      <a:tailEnd type="none" w="med" len="med"/>
+                    </a:lnT>
+                    <a:lnB w="12700" cap="flat" cmpd="sng" algn="ctr">
+                      <a:solidFill>
+                        <a:schemeClr val="tx1"/>
+                      </a:solidFill>
+                      <a:prstDash val="solid"/>
+                      <a:round/>
+                      <a:headEnd type="none" w="med" len="med"/>
+                      <a:tailEnd type="none" w="med" len="med"/>
+                    </a:lnB>
+                    <a:noFill/>
+                  </a:tcPr>
+                </a:tc>
+                <a:extLst>
+                  <a:ext uri="{0D108BD9-81ED-4DB2-BD59-A6C34878D82A}">
+                    <a16:rowId xmlns:a16="http://schemas.microsoft.com/office/drawing/2014/main" val="4017102505"/>
+                  </a:ext>
+                </a:extLst>
+              </a:tr>
+              <a:tr h="370840">
+                <a:tc>
+                  <a:txBody>
+                    <a:bodyPr/>
+                    <a:lstStyle/>
+                    <a:p>
+                      <a:r>
+                        <a:rPr lang="de-CH" dirty="0">
+                          <a:solidFill>
+                            <a:schemeClr val="tx1"/>
+                          </a:solidFill>
+                        </a:rPr>
+                        <a:t>0</a:t>
+                      </a:r>
+                      <a:endParaRPr lang="en-GB" dirty="0">
+                        <a:solidFill>
+                          <a:schemeClr val="tx1"/>
+                        </a:solidFill>
+                      </a:endParaRPr>
+                    </a:p>
+                  </a:txBody>
+                  <a:tcPr>
+                    <a:lnT w="12700" cap="flat" cmpd="sng" algn="ctr">
+                      <a:solidFill>
+                        <a:schemeClr val="tx1"/>
+                      </a:solidFill>
+                      <a:prstDash val="solid"/>
+                      <a:round/>
+                      <a:headEnd type="none" w="med" len="med"/>
+                      <a:tailEnd type="none" w="med" len="med"/>
+                    </a:lnT>
+                    <a:noFill/>
+                  </a:tcPr>
+                </a:tc>
+                <a:tc>
+                  <a:txBody>
+                    <a:bodyPr/>
+                    <a:lstStyle/>
+                    <a:p>
+                      <a:r>
+                        <a:rPr lang="de-CH" dirty="0" err="1">
+                          <a:solidFill>
+                            <a:schemeClr val="tx1"/>
+                          </a:solidFill>
+                        </a:rPr>
+                        <a:t>never</a:t>
+                      </a:r>
+                      <a:endParaRPr lang="en-GB" dirty="0">
+                        <a:solidFill>
+                          <a:schemeClr val="tx1"/>
+                        </a:solidFill>
+                      </a:endParaRPr>
+                    </a:p>
+                  </a:txBody>
+                  <a:tcPr>
+                    <a:lnT w="12700" cap="flat" cmpd="sng" algn="ctr">
+                      <a:solidFill>
+                        <a:schemeClr val="tx1"/>
+                      </a:solidFill>
+                      <a:prstDash val="solid"/>
+                      <a:round/>
+                      <a:headEnd type="none" w="med" len="med"/>
+                      <a:tailEnd type="none" w="med" len="med"/>
+                    </a:lnT>
+                    <a:noFill/>
+                  </a:tcPr>
+                </a:tc>
+                <a:extLst>
+                  <a:ext uri="{0D108BD9-81ED-4DB2-BD59-A6C34878D82A}">
+                    <a16:rowId xmlns:a16="http://schemas.microsoft.com/office/drawing/2014/main" val="3804701729"/>
+                  </a:ext>
+                </a:extLst>
+              </a:tr>
+              <a:tr h="370840">
+                <a:tc>
+                  <a:txBody>
+                    <a:bodyPr/>
+                    <a:lstStyle/>
+                    <a:p>
+                      <a:r>
+                        <a:rPr lang="de-CH" dirty="0">
+                          <a:solidFill>
+                            <a:schemeClr val="tx1"/>
+                          </a:solidFill>
+                        </a:rPr>
+                        <a:t>1</a:t>
+                      </a:r>
+                      <a:endParaRPr lang="en-GB" dirty="0">
+                        <a:solidFill>
+                          <a:schemeClr val="tx1"/>
+                        </a:solidFill>
+                      </a:endParaRPr>
+                    </a:p>
+                  </a:txBody>
+                  <a:tcPr>
+                    <a:noFill/>
+                  </a:tcPr>
+                </a:tc>
+                <a:tc>
+                  <a:txBody>
+                    <a:bodyPr/>
+                    <a:lstStyle/>
+                    <a:p>
+                      <a:r>
+                        <a:rPr lang="de-CH" dirty="0" err="1">
+                          <a:solidFill>
+                            <a:schemeClr val="tx1"/>
+                          </a:solidFill>
+                        </a:rPr>
+                        <a:t>undefined</a:t>
+                      </a:r>
+                      <a:r>
+                        <a:rPr lang="de-CH" dirty="0">
+                          <a:solidFill>
+                            <a:schemeClr val="tx1"/>
+                          </a:solidFill>
+                        </a:rPr>
+                        <a:t>, null, «</a:t>
+                      </a:r>
+                      <a:r>
+                        <a:rPr lang="de-CH" dirty="0" err="1">
+                          <a:solidFill>
+                            <a:schemeClr val="tx1"/>
+                          </a:solidFill>
+                        </a:rPr>
+                        <a:t>foo</a:t>
+                      </a:r>
+                      <a:r>
+                        <a:rPr lang="de-CH" dirty="0">
+                          <a:solidFill>
+                            <a:schemeClr val="tx1"/>
+                          </a:solidFill>
+                        </a:rPr>
+                        <a:t>»</a:t>
+                      </a:r>
+                      <a:endParaRPr lang="en-GB" dirty="0">
+                        <a:solidFill>
+                          <a:schemeClr val="tx1"/>
+                        </a:solidFill>
+                      </a:endParaRPr>
+                    </a:p>
+                  </a:txBody>
+                  <a:tcPr>
+                    <a:noFill/>
+                  </a:tcPr>
+                </a:tc>
+                <a:extLst>
+                  <a:ext uri="{0D108BD9-81ED-4DB2-BD59-A6C34878D82A}">
+                    <a16:rowId xmlns:a16="http://schemas.microsoft.com/office/drawing/2014/main" val="3234921740"/>
+                  </a:ext>
+                </a:extLst>
+              </a:tr>
+              <a:tr h="370840">
+                <a:tc>
+                  <a:txBody>
+                    <a:bodyPr/>
+                    <a:lstStyle/>
+                    <a:p>
+                      <a:r>
+                        <a:rPr lang="de-CH" dirty="0">
+                          <a:solidFill>
+                            <a:schemeClr val="tx1"/>
+                          </a:solidFill>
+                        </a:rPr>
+                        <a:t>a + b</a:t>
+                      </a:r>
+                      <a:endParaRPr lang="en-GB" dirty="0">
+                        <a:solidFill>
+                          <a:schemeClr val="tx1"/>
+                        </a:solidFill>
+                      </a:endParaRPr>
+                    </a:p>
+                  </a:txBody>
+                  <a:tcPr>
+                    <a:noFill/>
+                  </a:tcPr>
+                </a:tc>
+                <a:tc>
+                  <a:txBody>
+                    <a:bodyPr/>
+                    <a:lstStyle/>
+                    <a:p>
+                      <a:r>
+                        <a:rPr lang="de-CH" dirty="0" err="1">
+                          <a:solidFill>
+                            <a:schemeClr val="tx1"/>
+                          </a:solidFill>
+                        </a:rPr>
+                        <a:t>Either</a:t>
+                      </a:r>
+                      <a:r>
+                        <a:rPr lang="de-CH" dirty="0">
+                          <a:solidFill>
+                            <a:schemeClr val="tx1"/>
+                          </a:solidFill>
+                        </a:rPr>
+                        <a:t>&lt;A, B&gt; = </a:t>
+                      </a:r>
+                      <a:r>
+                        <a:rPr lang="de-CH" dirty="0" err="1">
+                          <a:solidFill>
+                            <a:schemeClr val="tx1"/>
+                          </a:solidFill>
+                        </a:rPr>
+                        <a:t>Left</a:t>
+                      </a:r>
+                      <a:r>
+                        <a:rPr lang="de-CH" dirty="0">
+                          <a:solidFill>
+                            <a:schemeClr val="tx1"/>
+                          </a:solidFill>
+                        </a:rPr>
+                        <a:t>&lt;A&gt; | Right&lt;B&gt;</a:t>
+                      </a:r>
+                      <a:endParaRPr lang="en-GB" dirty="0">
+                        <a:solidFill>
+                          <a:schemeClr val="tx1"/>
+                        </a:solidFill>
+                      </a:endParaRPr>
+                    </a:p>
+                  </a:txBody>
+                  <a:tcPr>
+                    <a:noFill/>
+                  </a:tcPr>
+                </a:tc>
+                <a:extLst>
+                  <a:ext uri="{0D108BD9-81ED-4DB2-BD59-A6C34878D82A}">
+                    <a16:rowId xmlns:a16="http://schemas.microsoft.com/office/drawing/2014/main" val="3997384241"/>
+                  </a:ext>
+                </a:extLst>
+              </a:tr>
+              <a:tr h="370840">
+                <a:tc>
+                  <a:txBody>
+                    <a:bodyPr/>
+                    <a:lstStyle/>
+                    <a:p>
+                      <a:r>
+                        <a:rPr lang="de-CH" dirty="0">
+                          <a:solidFill>
+                            <a:schemeClr val="tx1"/>
+                          </a:solidFill>
+                        </a:rPr>
+                        <a:t>a x b</a:t>
+                      </a:r>
+                      <a:endParaRPr lang="en-GB" dirty="0">
+                        <a:solidFill>
+                          <a:schemeClr val="tx1"/>
+                        </a:solidFill>
+                      </a:endParaRPr>
+                    </a:p>
+                  </a:txBody>
+                  <a:tcPr>
+                    <a:noFill/>
+                  </a:tcPr>
+                </a:tc>
+                <a:tc>
+                  <a:txBody>
+                    <a:bodyPr/>
+                    <a:lstStyle/>
+                    <a:p>
+                      <a:r>
+                        <a:rPr lang="de-CH" dirty="0">
+                          <a:solidFill>
+                            <a:schemeClr val="tx1"/>
+                          </a:solidFill>
+                        </a:rPr>
+                        <a:t>[A, B], </a:t>
+                      </a:r>
+                      <a:r>
+                        <a:rPr lang="de-CH" dirty="0" err="1">
+                          <a:solidFill>
+                            <a:schemeClr val="tx1"/>
+                          </a:solidFill>
+                        </a:rPr>
+                        <a:t>Product</a:t>
+                      </a:r>
+                      <a:r>
+                        <a:rPr lang="de-CH" dirty="0">
+                          <a:solidFill>
+                            <a:schemeClr val="tx1"/>
+                          </a:solidFill>
+                        </a:rPr>
+                        <a:t>&lt;A, B&gt; = [A, B]</a:t>
+                      </a:r>
+                      <a:endParaRPr lang="en-GB" dirty="0">
+                        <a:solidFill>
+                          <a:schemeClr val="tx1"/>
+                        </a:solidFill>
+                      </a:endParaRPr>
+                    </a:p>
+                  </a:txBody>
+                  <a:tcPr>
+                    <a:noFill/>
+                  </a:tcPr>
+                </a:tc>
+                <a:extLst>
+                  <a:ext uri="{0D108BD9-81ED-4DB2-BD59-A6C34878D82A}">
+                    <a16:rowId xmlns:a16="http://schemas.microsoft.com/office/drawing/2014/main" val="1427097493"/>
+                  </a:ext>
+                </a:extLst>
+              </a:tr>
+              <a:tr h="370840">
+                <a:tc>
+                  <a:txBody>
+                    <a:bodyPr/>
+                    <a:lstStyle/>
+                    <a:p>
+                      <a:r>
+                        <a:rPr lang="de-CH" dirty="0">
+                          <a:solidFill>
+                            <a:schemeClr val="tx1"/>
+                          </a:solidFill>
+                        </a:rPr>
+                        <a:t>2 = 1 + 1</a:t>
+                      </a:r>
+                      <a:endParaRPr lang="en-GB" dirty="0">
+                        <a:solidFill>
+                          <a:schemeClr val="tx1"/>
+                        </a:solidFill>
+                      </a:endParaRPr>
+                    </a:p>
+                  </a:txBody>
+                  <a:tcPr>
+                    <a:noFill/>
+                  </a:tcPr>
+                </a:tc>
+                <a:tc>
+                  <a:txBody>
+                    <a:bodyPr/>
+                    <a:lstStyle/>
+                    <a:p>
+                      <a:r>
+                        <a:rPr lang="de-CH" dirty="0">
+                          <a:solidFill>
+                            <a:schemeClr val="tx1"/>
+                          </a:solidFill>
+                        </a:rPr>
+                        <a:t>type </a:t>
+                      </a:r>
+                      <a:r>
+                        <a:rPr lang="de-CH" dirty="0" err="1">
+                          <a:solidFill>
+                            <a:schemeClr val="tx1"/>
+                          </a:solidFill>
+                        </a:rPr>
+                        <a:t>bool</a:t>
+                      </a:r>
+                      <a:r>
+                        <a:rPr lang="de-CH" dirty="0">
+                          <a:solidFill>
+                            <a:schemeClr val="tx1"/>
+                          </a:solidFill>
+                        </a:rPr>
+                        <a:t> = True | </a:t>
+                      </a:r>
+                      <a:r>
+                        <a:rPr lang="de-CH" dirty="0" err="1">
+                          <a:solidFill>
+                            <a:schemeClr val="tx1"/>
+                          </a:solidFill>
+                        </a:rPr>
+                        <a:t>False</a:t>
+                      </a:r>
+                      <a:endParaRPr lang="en-GB" dirty="0">
+                        <a:solidFill>
+                          <a:schemeClr val="tx1"/>
+                        </a:solidFill>
+                      </a:endParaRPr>
+                    </a:p>
+                  </a:txBody>
+                  <a:tcPr>
+                    <a:noFill/>
+                  </a:tcPr>
+                </a:tc>
+                <a:extLst>
+                  <a:ext uri="{0D108BD9-81ED-4DB2-BD59-A6C34878D82A}">
+                    <a16:rowId xmlns:a16="http://schemas.microsoft.com/office/drawing/2014/main" val="981679966"/>
+                  </a:ext>
+                </a:extLst>
+              </a:tr>
+              <a:tr h="370840">
+                <a:tc>
+                  <a:txBody>
+                    <a:bodyPr/>
+                    <a:lstStyle/>
+                    <a:p>
+                      <a:r>
+                        <a:rPr lang="de-CH" dirty="0">
+                          <a:solidFill>
+                            <a:schemeClr val="tx1"/>
+                          </a:solidFill>
+                        </a:rPr>
+                        <a:t>1 + a</a:t>
+                      </a:r>
+                      <a:endParaRPr lang="en-GB" dirty="0">
+                        <a:solidFill>
+                          <a:schemeClr val="tx1"/>
+                        </a:solidFill>
+                      </a:endParaRPr>
+                    </a:p>
+                  </a:txBody>
+                  <a:tcPr>
+                    <a:lnB w="28575" cap="flat" cmpd="sng" algn="ctr">
+                      <a:solidFill>
+                        <a:schemeClr val="tx1"/>
+                      </a:solidFill>
+                      <a:prstDash val="solid"/>
+                      <a:round/>
+                      <a:headEnd type="none" w="med" len="med"/>
+                      <a:tailEnd type="none" w="med" len="med"/>
+                    </a:lnB>
+                    <a:noFill/>
+                  </a:tcPr>
+                </a:tc>
+                <a:tc>
+                  <a:txBody>
+                    <a:bodyPr/>
+                    <a:lstStyle/>
+                    <a:p>
+                      <a:r>
+                        <a:rPr lang="de-CH" dirty="0">
+                          <a:solidFill>
+                            <a:schemeClr val="tx1"/>
+                          </a:solidFill>
+                        </a:rPr>
+                        <a:t>Optional&lt;A&gt; = «</a:t>
+                      </a:r>
+                      <a:r>
+                        <a:rPr lang="de-CH" dirty="0" err="1">
+                          <a:solidFill>
+                            <a:schemeClr val="tx1"/>
+                          </a:solidFill>
+                        </a:rPr>
+                        <a:t>nothing</a:t>
+                      </a:r>
+                      <a:r>
+                        <a:rPr lang="de-CH" dirty="0">
+                          <a:solidFill>
+                            <a:schemeClr val="tx1"/>
+                          </a:solidFill>
+                        </a:rPr>
+                        <a:t>» | </a:t>
+                      </a:r>
+                      <a:r>
+                        <a:rPr lang="de-CH" dirty="0" err="1">
+                          <a:solidFill>
+                            <a:schemeClr val="tx1"/>
+                          </a:solidFill>
+                        </a:rPr>
+                        <a:t>Some</a:t>
+                      </a:r>
+                      <a:r>
+                        <a:rPr lang="de-CH" dirty="0">
+                          <a:solidFill>
+                            <a:schemeClr val="tx1"/>
+                          </a:solidFill>
+                        </a:rPr>
+                        <a:t>&lt;A&gt;</a:t>
+                      </a:r>
+                      <a:endParaRPr lang="en-GB" dirty="0">
+                        <a:solidFill>
+                          <a:schemeClr val="tx1"/>
+                        </a:solidFill>
+                      </a:endParaRPr>
+                    </a:p>
+                  </a:txBody>
+                  <a:tcPr>
+                    <a:lnB w="28575" cap="flat" cmpd="sng" algn="ctr">
+                      <a:solidFill>
+                        <a:schemeClr val="tx1"/>
+                      </a:solidFill>
+                      <a:prstDash val="solid"/>
+                      <a:round/>
+                      <a:headEnd type="none" w="med" len="med"/>
+                      <a:tailEnd type="none" w="med" len="med"/>
+                    </a:lnB>
+                    <a:noFill/>
+                  </a:tcPr>
+                </a:tc>
+                <a:extLst>
+                  <a:ext uri="{0D108BD9-81ED-4DB2-BD59-A6C34878D82A}">
+                    <a16:rowId xmlns:a16="http://schemas.microsoft.com/office/drawing/2014/main" val="1121166077"/>
+                  </a:ext>
+                </a:extLst>
+              </a:tr>
+            </a:tbl>
+          </a:graphicData>
+        </a:graphic>
+      </p:graphicFrame>
+      <p:graphicFrame>
+        <p:nvGraphicFramePr>
+          <p:cNvPr id="6" name="Content Placeholder 3">
+            <a:extLst>
+              <a:ext uri="{FF2B5EF4-FFF2-40B4-BE49-F238E27FC236}">
+                <a16:creationId xmlns:a16="http://schemas.microsoft.com/office/drawing/2014/main" id="{1949DF2D-861A-4ED6-816E-B3FB401D2F2B}"/>
+              </a:ext>
+            </a:extLst>
+          </p:cNvPr>
+          <p:cNvGraphicFramePr>
+            <a:graphicFrameLocks/>
+          </p:cNvGraphicFramePr>
+          <p:nvPr>
+            <p:extLst>
+              <p:ext uri="{D42A27DB-BD31-4B8C-83A1-F6EECF244321}">
+                <p14:modId xmlns:p14="http://schemas.microsoft.com/office/powerpoint/2010/main" val="2057800859"/>
+              </p:ext>
+            </p:extLst>
+          </p:nvPr>
+        </p:nvGraphicFramePr>
+        <p:xfrm>
+          <a:off x="3143128" y="4525304"/>
+          <a:ext cx="5905744" cy="1854200"/>
+        </p:xfrm>
+        <a:graphic>
+          <a:graphicData uri="http://schemas.openxmlformats.org/drawingml/2006/table">
+            <a:tbl>
+              <a:tblPr firstRow="1" bandRow="1">
+                <a:tableStyleId>{5C22544A-7EE6-4342-B048-85BDC9FD1C3A}</a:tableStyleId>
+              </a:tblPr>
+              <a:tblGrid>
+                <a:gridCol w="1310447">
+                  <a:extLst>
+                    <a:ext uri="{9D8B030D-6E8A-4147-A177-3AD203B41FA5}">
+                      <a16:colId xmlns:a16="http://schemas.microsoft.com/office/drawing/2014/main" val="511066125"/>
+                    </a:ext>
+                  </a:extLst>
+                </a:gridCol>
+                <a:gridCol w="4595297">
+                  <a:extLst>
+                    <a:ext uri="{9D8B030D-6E8A-4147-A177-3AD203B41FA5}">
+                      <a16:colId xmlns:a16="http://schemas.microsoft.com/office/drawing/2014/main" val="2737696981"/>
+                    </a:ext>
+                  </a:extLst>
+                </a:gridCol>
+              </a:tblGrid>
+              <a:tr h="370840">
+                <a:tc>
+                  <a:txBody>
+                    <a:bodyPr/>
+                    <a:lstStyle/>
+                    <a:p>
+                      <a:r>
+                        <a:rPr lang="de-CH" dirty="0" err="1">
+                          <a:solidFill>
+                            <a:schemeClr val="tx1"/>
+                          </a:solidFill>
+                        </a:rPr>
+                        <a:t>Logic</a:t>
+                      </a:r>
+                      <a:endParaRPr lang="en-GB" dirty="0">
+                        <a:solidFill>
+                          <a:schemeClr val="tx1"/>
+                        </a:solidFill>
+                      </a:endParaRPr>
+                    </a:p>
+                  </a:txBody>
+                  <a:tcPr>
+                    <a:lnT w="28575" cap="flat" cmpd="sng" algn="ctr">
+                      <a:solidFill>
+                        <a:schemeClr val="tx1"/>
+                      </a:solidFill>
+                      <a:prstDash val="solid"/>
+                      <a:round/>
+                      <a:headEnd type="none" w="med" len="med"/>
+                      <a:tailEnd type="none" w="med" len="med"/>
+                    </a:lnT>
+                    <a:lnB w="12700" cap="flat" cmpd="sng" algn="ctr">
+                      <a:solidFill>
+                        <a:schemeClr val="tx1"/>
+                      </a:solidFill>
+                      <a:prstDash val="solid"/>
+                      <a:round/>
+                      <a:headEnd type="none" w="med" len="med"/>
+                      <a:tailEnd type="none" w="med" len="med"/>
+                    </a:lnB>
+                    <a:noFill/>
+                  </a:tcPr>
+                </a:tc>
+                <a:tc>
+                  <a:txBody>
+                    <a:bodyPr/>
+                    <a:lstStyle/>
+                    <a:p>
+                      <a:r>
+                        <a:rPr lang="de-CH" dirty="0" err="1">
+                          <a:solidFill>
+                            <a:schemeClr val="tx1"/>
+                          </a:solidFill>
+                        </a:rPr>
+                        <a:t>Types</a:t>
+                      </a:r>
+                      <a:endParaRPr lang="en-GB" dirty="0">
+                        <a:solidFill>
+                          <a:schemeClr val="tx1"/>
+                        </a:solidFill>
+                      </a:endParaRPr>
+                    </a:p>
+                  </a:txBody>
+                  <a:tcPr>
+                    <a:lnT w="28575" cap="flat" cmpd="sng" algn="ctr">
+                      <a:solidFill>
+                        <a:schemeClr val="tx1"/>
+                      </a:solidFill>
+                      <a:prstDash val="solid"/>
+                      <a:round/>
+                      <a:headEnd type="none" w="med" len="med"/>
+                      <a:tailEnd type="none" w="med" len="med"/>
+                    </a:lnT>
+                    <a:lnB w="12700" cap="flat" cmpd="sng" algn="ctr">
+                      <a:solidFill>
+                        <a:schemeClr val="tx1"/>
+                      </a:solidFill>
+                      <a:prstDash val="solid"/>
+                      <a:round/>
+                      <a:headEnd type="none" w="med" len="med"/>
+                      <a:tailEnd type="none" w="med" len="med"/>
+                    </a:lnB>
+                    <a:noFill/>
+                  </a:tcPr>
+                </a:tc>
+                <a:extLst>
+                  <a:ext uri="{0D108BD9-81ED-4DB2-BD59-A6C34878D82A}">
+                    <a16:rowId xmlns:a16="http://schemas.microsoft.com/office/drawing/2014/main" val="4017102505"/>
+                  </a:ext>
+                </a:extLst>
+              </a:tr>
+              <a:tr h="370840">
+                <a:tc>
+                  <a:txBody>
+                    <a:bodyPr/>
+                    <a:lstStyle/>
+                    <a:p>
+                      <a:r>
+                        <a:rPr lang="de-CH" dirty="0" err="1">
+                          <a:solidFill>
+                            <a:schemeClr val="tx1"/>
+                          </a:solidFill>
+                        </a:rPr>
+                        <a:t>False</a:t>
+                      </a:r>
+                      <a:endParaRPr lang="en-GB" dirty="0">
+                        <a:solidFill>
+                          <a:schemeClr val="tx1"/>
+                        </a:solidFill>
+                      </a:endParaRPr>
+                    </a:p>
+                  </a:txBody>
+                  <a:tcPr>
+                    <a:lnT w="12700" cap="flat" cmpd="sng" algn="ctr">
+                      <a:solidFill>
+                        <a:schemeClr val="tx1"/>
+                      </a:solidFill>
+                      <a:prstDash val="solid"/>
+                      <a:round/>
+                      <a:headEnd type="none" w="med" len="med"/>
+                      <a:tailEnd type="none" w="med" len="med"/>
+                    </a:lnT>
+                    <a:noFill/>
+                  </a:tcPr>
+                </a:tc>
+                <a:tc>
+                  <a:txBody>
+                    <a:bodyPr/>
+                    <a:lstStyle/>
+                    <a:p>
+                      <a:r>
+                        <a:rPr lang="de-CH" dirty="0" err="1">
+                          <a:solidFill>
+                            <a:schemeClr val="tx1"/>
+                          </a:solidFill>
+                        </a:rPr>
+                        <a:t>never</a:t>
+                      </a:r>
+                      <a:endParaRPr lang="en-GB" dirty="0">
+                        <a:solidFill>
+                          <a:schemeClr val="tx1"/>
+                        </a:solidFill>
+                      </a:endParaRPr>
+                    </a:p>
+                  </a:txBody>
+                  <a:tcPr>
+                    <a:lnT w="12700" cap="flat" cmpd="sng" algn="ctr">
+                      <a:solidFill>
+                        <a:schemeClr val="tx1"/>
+                      </a:solidFill>
+                      <a:prstDash val="solid"/>
+                      <a:round/>
+                      <a:headEnd type="none" w="med" len="med"/>
+                      <a:tailEnd type="none" w="med" len="med"/>
+                    </a:lnT>
+                    <a:noFill/>
+                  </a:tcPr>
+                </a:tc>
+                <a:extLst>
+                  <a:ext uri="{0D108BD9-81ED-4DB2-BD59-A6C34878D82A}">
+                    <a16:rowId xmlns:a16="http://schemas.microsoft.com/office/drawing/2014/main" val="3804701729"/>
+                  </a:ext>
+                </a:extLst>
+              </a:tr>
+              <a:tr h="370840">
+                <a:tc>
+                  <a:txBody>
+                    <a:bodyPr/>
+                    <a:lstStyle/>
+                    <a:p>
+                      <a:r>
+                        <a:rPr lang="de-CH" dirty="0">
+                          <a:solidFill>
+                            <a:schemeClr val="tx1"/>
+                          </a:solidFill>
+                        </a:rPr>
+                        <a:t>True</a:t>
+                      </a:r>
+                      <a:endParaRPr lang="en-GB" dirty="0">
+                        <a:solidFill>
+                          <a:schemeClr val="tx1"/>
+                        </a:solidFill>
+                      </a:endParaRPr>
+                    </a:p>
+                  </a:txBody>
+                  <a:tcPr>
+                    <a:noFill/>
+                  </a:tcPr>
+                </a:tc>
+                <a:tc>
+                  <a:txBody>
+                    <a:bodyPr/>
+                    <a:lstStyle/>
+                    <a:p>
+                      <a:r>
+                        <a:rPr lang="de-CH" dirty="0" err="1">
+                          <a:solidFill>
+                            <a:schemeClr val="tx1"/>
+                          </a:solidFill>
+                        </a:rPr>
+                        <a:t>undefined</a:t>
+                      </a:r>
+                      <a:r>
+                        <a:rPr lang="de-CH" dirty="0">
+                          <a:solidFill>
+                            <a:schemeClr val="tx1"/>
+                          </a:solidFill>
+                        </a:rPr>
+                        <a:t>, null, «</a:t>
+                      </a:r>
+                      <a:r>
+                        <a:rPr lang="de-CH" dirty="0" err="1">
+                          <a:solidFill>
+                            <a:schemeClr val="tx1"/>
+                          </a:solidFill>
+                        </a:rPr>
+                        <a:t>foo</a:t>
+                      </a:r>
+                      <a:r>
+                        <a:rPr lang="de-CH" dirty="0">
+                          <a:solidFill>
+                            <a:schemeClr val="tx1"/>
+                          </a:solidFill>
+                        </a:rPr>
+                        <a:t>»</a:t>
+                      </a:r>
+                      <a:endParaRPr lang="en-GB" dirty="0">
+                        <a:solidFill>
+                          <a:schemeClr val="tx1"/>
+                        </a:solidFill>
+                      </a:endParaRPr>
+                    </a:p>
+                  </a:txBody>
+                  <a:tcPr>
+                    <a:noFill/>
+                  </a:tcPr>
+                </a:tc>
+                <a:extLst>
+                  <a:ext uri="{0D108BD9-81ED-4DB2-BD59-A6C34878D82A}">
+                    <a16:rowId xmlns:a16="http://schemas.microsoft.com/office/drawing/2014/main" val="3234921740"/>
+                  </a:ext>
+                </a:extLst>
+              </a:tr>
+              <a:tr h="370840">
+                <a:tc>
+                  <a:txBody>
+                    <a:bodyPr/>
+                    <a:lstStyle/>
+                    <a:p>
+                      <a:r>
+                        <a:rPr lang="de-CH" dirty="0">
+                          <a:solidFill>
+                            <a:schemeClr val="tx1"/>
+                          </a:solidFill>
+                        </a:rPr>
+                        <a:t>a || b</a:t>
+                      </a:r>
+                      <a:endParaRPr lang="en-GB" dirty="0">
+                        <a:solidFill>
+                          <a:schemeClr val="tx1"/>
+                        </a:solidFill>
+                      </a:endParaRPr>
+                    </a:p>
+                  </a:txBody>
+                  <a:tcPr>
+                    <a:noFill/>
+                  </a:tcPr>
+                </a:tc>
+                <a:tc>
+                  <a:txBody>
+                    <a:bodyPr/>
+                    <a:lstStyle/>
+                    <a:p>
+                      <a:r>
+                        <a:rPr lang="de-CH" dirty="0" err="1">
+                          <a:solidFill>
+                            <a:schemeClr val="tx1"/>
+                          </a:solidFill>
+                        </a:rPr>
+                        <a:t>Either</a:t>
+                      </a:r>
+                      <a:r>
+                        <a:rPr lang="de-CH" dirty="0">
+                          <a:solidFill>
+                            <a:schemeClr val="tx1"/>
+                          </a:solidFill>
+                        </a:rPr>
+                        <a:t>&lt;A, B&gt; = </a:t>
+                      </a:r>
+                      <a:r>
+                        <a:rPr lang="de-CH" dirty="0" err="1">
+                          <a:solidFill>
+                            <a:schemeClr val="tx1"/>
+                          </a:solidFill>
+                        </a:rPr>
+                        <a:t>Left</a:t>
+                      </a:r>
+                      <a:r>
+                        <a:rPr lang="de-CH" dirty="0">
+                          <a:solidFill>
+                            <a:schemeClr val="tx1"/>
+                          </a:solidFill>
+                        </a:rPr>
+                        <a:t>&lt;A&gt; | Right&lt;B&gt;</a:t>
+                      </a:r>
+                      <a:endParaRPr lang="en-GB" dirty="0">
+                        <a:solidFill>
+                          <a:schemeClr val="tx1"/>
+                        </a:solidFill>
+                      </a:endParaRPr>
+                    </a:p>
+                  </a:txBody>
+                  <a:tcPr>
+                    <a:noFill/>
+                  </a:tcPr>
+                </a:tc>
+                <a:extLst>
+                  <a:ext uri="{0D108BD9-81ED-4DB2-BD59-A6C34878D82A}">
+                    <a16:rowId xmlns:a16="http://schemas.microsoft.com/office/drawing/2014/main" val="3997384241"/>
+                  </a:ext>
+                </a:extLst>
+              </a:tr>
+              <a:tr h="370840">
+                <a:tc>
+                  <a:txBody>
+                    <a:bodyPr/>
+                    <a:lstStyle/>
+                    <a:p>
+                      <a:r>
+                        <a:rPr lang="de-CH" dirty="0">
+                          <a:solidFill>
+                            <a:schemeClr val="tx1"/>
+                          </a:solidFill>
+                        </a:rPr>
+                        <a:t>a &amp;&amp; b</a:t>
+                      </a:r>
+                      <a:endParaRPr lang="en-GB" dirty="0">
+                        <a:solidFill>
+                          <a:schemeClr val="tx1"/>
+                        </a:solidFill>
+                      </a:endParaRPr>
+                    </a:p>
+                  </a:txBody>
+                  <a:tcPr>
+                    <a:lnB w="28575" cap="flat" cmpd="sng" algn="ctr">
+                      <a:solidFill>
+                        <a:schemeClr val="tx1"/>
+                      </a:solidFill>
+                      <a:prstDash val="solid"/>
+                      <a:round/>
+                      <a:headEnd type="none" w="med" len="med"/>
+                      <a:tailEnd type="none" w="med" len="med"/>
+                    </a:lnB>
+                    <a:noFill/>
+                  </a:tcPr>
+                </a:tc>
+                <a:tc>
+                  <a:txBody>
+                    <a:bodyPr/>
+                    <a:lstStyle/>
+                    <a:p>
+                      <a:r>
+                        <a:rPr lang="de-CH" dirty="0">
+                          <a:solidFill>
+                            <a:schemeClr val="tx1"/>
+                          </a:solidFill>
+                        </a:rPr>
+                        <a:t>[A, B], </a:t>
+                      </a:r>
+                      <a:r>
+                        <a:rPr lang="de-CH" dirty="0" err="1">
+                          <a:solidFill>
+                            <a:schemeClr val="tx1"/>
+                          </a:solidFill>
+                        </a:rPr>
+                        <a:t>Product</a:t>
+                      </a:r>
+                      <a:r>
+                        <a:rPr lang="de-CH" dirty="0">
+                          <a:solidFill>
+                            <a:schemeClr val="tx1"/>
+                          </a:solidFill>
+                        </a:rPr>
+                        <a:t>&lt;A, B&gt; = [A, B]</a:t>
+                      </a:r>
+                      <a:endParaRPr lang="en-GB" dirty="0">
+                        <a:solidFill>
+                          <a:schemeClr val="tx1"/>
+                        </a:solidFill>
+                      </a:endParaRPr>
+                    </a:p>
+                  </a:txBody>
+                  <a:tcPr>
+                    <a:lnB w="28575" cap="flat" cmpd="sng" algn="ctr">
+                      <a:solidFill>
+                        <a:schemeClr val="tx1"/>
+                      </a:solidFill>
+                      <a:prstDash val="solid"/>
+                      <a:round/>
+                      <a:headEnd type="none" w="med" len="med"/>
+                      <a:tailEnd type="none" w="med" len="med"/>
+                    </a:lnB>
+                    <a:noFill/>
+                  </a:tcPr>
+                </a:tc>
+                <a:extLst>
+                  <a:ext uri="{0D108BD9-81ED-4DB2-BD59-A6C34878D82A}">
+                    <a16:rowId xmlns:a16="http://schemas.microsoft.com/office/drawing/2014/main" val="1121166077"/>
+                  </a:ext>
+                </a:extLst>
+              </a:tr>
+            </a:tbl>
+          </a:graphicData>
+        </a:graphic>
+      </p:graphicFrame>
     </p:spTree>
     <p:extLst>
       <p:ext uri="{BB962C8B-B14F-4D97-AF65-F5344CB8AC3E}">
-        <p14:creationId xmlns:p14="http://schemas.microsoft.com/office/powerpoint/2010/main" val="116128422"/>
+        <p14:creationId xmlns:p14="http://schemas.microsoft.com/office/powerpoint/2010/main" val="6631905"/>
       </p:ext>
     </p:extLst>
   </p:cSld>
